--- a/Presentation.pptx
+++ b/Presentation.pptx
@@ -3,19 +3,21 @@
 <p:presentation xmlns:a="http://schemas.openxmlformats.org/drawingml/2006/main" xmlns:r="http://schemas.openxmlformats.org/officeDocument/2006/relationships" xmlns:p="http://schemas.openxmlformats.org/presentationml/2006/main" saveSubsetFonts="1">
   <p:sldMasterIdLst>
     <p:sldMasterId id="2147483648" r:id="rId1"/>
+    <p:sldMasterId id="2147483671" r:id="rId2"/>
   </p:sldMasterIdLst>
   <p:notesMasterIdLst>
-    <p:notesMasterId r:id="rId10"/>
+    <p:notesMasterId r:id="rId12"/>
   </p:notesMasterIdLst>
   <p:sldIdLst>
-    <p:sldId id="256" r:id="rId2"/>
-    <p:sldId id="258" r:id="rId3"/>
-    <p:sldId id="262" r:id="rId4"/>
-    <p:sldId id="257" r:id="rId5"/>
-    <p:sldId id="259" r:id="rId6"/>
-    <p:sldId id="260" r:id="rId7"/>
-    <p:sldId id="261" r:id="rId8"/>
-    <p:sldId id="263" r:id="rId9"/>
+    <p:sldId id="256" r:id="rId3"/>
+    <p:sldId id="268" r:id="rId4"/>
+    <p:sldId id="270" r:id="rId5"/>
+    <p:sldId id="257" r:id="rId6"/>
+    <p:sldId id="259" r:id="rId7"/>
+    <p:sldId id="260" r:id="rId8"/>
+    <p:sldId id="261" r:id="rId9"/>
+    <p:sldId id="263" r:id="rId10"/>
+    <p:sldId id="271" r:id="rId11"/>
   </p:sldIdLst>
   <p:sldSz cx="12192000" cy="6858000"/>
   <p:notesSz cx="6858000" cy="9144000"/>
@@ -125,7 +127,7 @@
 <file path=ppt/revisionInfo.xml><?xml version="1.0" encoding="utf-8"?>
 <p1510:revInfo xmlns:a="http://schemas.openxmlformats.org/drawingml/2006/main" xmlns:r="http://schemas.openxmlformats.org/officeDocument/2006/relationships" xmlns:p1510="http://schemas.microsoft.com/office/powerpoint/2015/10/main">
   <p1510:revLst>
-    <p1510:client id="{C5087647-03AF-41B4-ADA2-A7F16B9C6FCD}" v="34" dt="2022-10-22T03:23:42.131"/>
+    <p1510:client id="{C5087647-03AF-41B4-ADA2-A7F16B9C6FCD}" v="221" dt="2022-10-25T04:57:44.043"/>
   </p1510:revLst>
 </p1510:revInfo>
 </file>
@@ -133,9 +135,670 @@
 <file path=ppt/changesInfos/changesInfo1.xml><?xml version="1.0" encoding="utf-8"?>
 <pc:chgInfo xmlns:a="http://schemas.openxmlformats.org/drawingml/2006/main" xmlns:r="http://schemas.openxmlformats.org/officeDocument/2006/relationships" xmlns:ac="http://schemas.microsoft.com/office/drawing/2013/main/command" xmlns:pc="http://schemas.microsoft.com/office/powerpoint/2013/main/command">
   <pc:docChgLst>
+    <pc:chgData name="Thakkar, Shreya" userId="8250697c-6c39-48a4-a3bd-4e6e657dfce2" providerId="ADAL" clId="{C5087647-03AF-41B4-ADA2-A7F16B9C6FCD}"/>
+    <pc:docChg chg="undo custSel addSld delSld modSld delMainMaster">
+      <pc:chgData name="Thakkar, Shreya" userId="8250697c-6c39-48a4-a3bd-4e6e657dfce2" providerId="ADAL" clId="{C5087647-03AF-41B4-ADA2-A7F16B9C6FCD}" dt="2022-10-24T16:40:05.929" v="362" actId="14100"/>
+      <pc:docMkLst>
+        <pc:docMk/>
+      </pc:docMkLst>
+      <pc:sldChg chg="addSp delSp modSp mod setBg modClrScheme setClrOvrMap chgLayout">
+        <pc:chgData name="Thakkar, Shreya" userId="8250697c-6c39-48a4-a3bd-4e6e657dfce2" providerId="ADAL" clId="{C5087647-03AF-41B4-ADA2-A7F16B9C6FCD}" dt="2022-10-24T16:32:23.070" v="326"/>
+        <pc:sldMkLst>
+          <pc:docMk/>
+          <pc:sldMk cId="1641127009" sldId="256"/>
+        </pc:sldMkLst>
+        <pc:spChg chg="mod ord">
+          <ac:chgData name="Thakkar, Shreya" userId="8250697c-6c39-48a4-a3bd-4e6e657dfce2" providerId="ADAL" clId="{C5087647-03AF-41B4-ADA2-A7F16B9C6FCD}" dt="2022-10-24T16:30:32.023" v="288" actId="403"/>
+          <ac:spMkLst>
+            <pc:docMk/>
+            <pc:sldMk cId="1641127009" sldId="256"/>
+            <ac:spMk id="2" creationId="{2792F797-5672-8331-CBF7-CDBC817BAF77}"/>
+          </ac:spMkLst>
+        </pc:spChg>
+        <pc:spChg chg="mod ord">
+          <ac:chgData name="Thakkar, Shreya" userId="8250697c-6c39-48a4-a3bd-4e6e657dfce2" providerId="ADAL" clId="{C5087647-03AF-41B4-ADA2-A7F16B9C6FCD}" dt="2022-10-24T16:30:40.616" v="289" actId="255"/>
+          <ac:spMkLst>
+            <pc:docMk/>
+            <pc:sldMk cId="1641127009" sldId="256"/>
+            <ac:spMk id="3" creationId="{6CF07210-0E88-E3BF-2FA3-27962C7043FF}"/>
+          </ac:spMkLst>
+        </pc:spChg>
+        <pc:spChg chg="add del">
+          <ac:chgData name="Thakkar, Shreya" userId="8250697c-6c39-48a4-a3bd-4e6e657dfce2" providerId="ADAL" clId="{C5087647-03AF-41B4-ADA2-A7F16B9C6FCD}" dt="2022-10-24T16:02:29.582" v="165" actId="26606"/>
+          <ac:spMkLst>
+            <pc:docMk/>
+            <pc:sldMk cId="1641127009" sldId="256"/>
+            <ac:spMk id="8" creationId="{4A70F4F6-8761-4016-931A-4535464E4C26}"/>
+          </ac:spMkLst>
+        </pc:spChg>
+        <pc:spChg chg="add del">
+          <ac:chgData name="Thakkar, Shreya" userId="8250697c-6c39-48a4-a3bd-4e6e657dfce2" providerId="ADAL" clId="{C5087647-03AF-41B4-ADA2-A7F16B9C6FCD}" dt="2022-10-24T16:02:29.582" v="165" actId="26606"/>
+          <ac:spMkLst>
+            <pc:docMk/>
+            <pc:sldMk cId="1641127009" sldId="256"/>
+            <ac:spMk id="10" creationId="{A5271697-90F1-4A23-8EF2-0179F2EAFACB}"/>
+          </ac:spMkLst>
+        </pc:spChg>
+        <pc:spChg chg="add del">
+          <ac:chgData name="Thakkar, Shreya" userId="8250697c-6c39-48a4-a3bd-4e6e657dfce2" providerId="ADAL" clId="{C5087647-03AF-41B4-ADA2-A7F16B9C6FCD}" dt="2022-10-24T16:02:29.582" v="165" actId="26606"/>
+          <ac:spMkLst>
+            <pc:docMk/>
+            <pc:sldMk cId="1641127009" sldId="256"/>
+            <ac:spMk id="34" creationId="{D9F5512A-48E1-4C07-B75E-3CCC517B6804}"/>
+          </ac:spMkLst>
+        </pc:spChg>
+        <pc:spChg chg="add del">
+          <ac:chgData name="Thakkar, Shreya" userId="8250697c-6c39-48a4-a3bd-4e6e657dfce2" providerId="ADAL" clId="{C5087647-03AF-41B4-ADA2-A7F16B9C6FCD}" dt="2022-10-24T16:04:31.513" v="167" actId="26606"/>
+          <ac:spMkLst>
+            <pc:docMk/>
+            <pc:sldMk cId="1641127009" sldId="256"/>
+            <ac:spMk id="36" creationId="{88294908-8B00-4F58-BBBA-20F71A40AA9E}"/>
+          </ac:spMkLst>
+        </pc:spChg>
+        <pc:spChg chg="add del">
+          <ac:chgData name="Thakkar, Shreya" userId="8250697c-6c39-48a4-a3bd-4e6e657dfce2" providerId="ADAL" clId="{C5087647-03AF-41B4-ADA2-A7F16B9C6FCD}" dt="2022-10-24T16:04:31.513" v="167" actId="26606"/>
+          <ac:spMkLst>
+            <pc:docMk/>
+            <pc:sldMk cId="1641127009" sldId="256"/>
+            <ac:spMk id="37" creationId="{4364C879-1404-4203-8E9D-CC5DE0A621A2}"/>
+          </ac:spMkLst>
+        </pc:spChg>
+        <pc:spChg chg="add del">
+          <ac:chgData name="Thakkar, Shreya" userId="8250697c-6c39-48a4-a3bd-4e6e657dfce2" providerId="ADAL" clId="{C5087647-03AF-41B4-ADA2-A7F16B9C6FCD}" dt="2022-10-24T16:04:31.513" v="167" actId="26606"/>
+          <ac:spMkLst>
+            <pc:docMk/>
+            <pc:sldMk cId="1641127009" sldId="256"/>
+            <ac:spMk id="38" creationId="{84617302-4B0D-4351-A6BB-6F0930D943AC}"/>
+          </ac:spMkLst>
+        </pc:spChg>
+        <pc:spChg chg="add del">
+          <ac:chgData name="Thakkar, Shreya" userId="8250697c-6c39-48a4-a3bd-4e6e657dfce2" providerId="ADAL" clId="{C5087647-03AF-41B4-ADA2-A7F16B9C6FCD}" dt="2022-10-24T16:04:31.513" v="167" actId="26606"/>
+          <ac:spMkLst>
+            <pc:docMk/>
+            <pc:sldMk cId="1641127009" sldId="256"/>
+            <ac:spMk id="39" creationId="{DA2C7802-C2E0-4218-8F89-8DD7CCD2CD1C}"/>
+          </ac:spMkLst>
+        </pc:spChg>
+        <pc:spChg chg="add del">
+          <ac:chgData name="Thakkar, Shreya" userId="8250697c-6c39-48a4-a3bd-4e6e657dfce2" providerId="ADAL" clId="{C5087647-03AF-41B4-ADA2-A7F16B9C6FCD}" dt="2022-10-24T16:04:31.513" v="167" actId="26606"/>
+          <ac:spMkLst>
+            <pc:docMk/>
+            <pc:sldMk cId="1641127009" sldId="256"/>
+            <ac:spMk id="40" creationId="{A6D7111A-21E5-4EE9-8A78-10E5530F0116}"/>
+          </ac:spMkLst>
+        </pc:spChg>
+        <pc:spChg chg="add del">
+          <ac:chgData name="Thakkar, Shreya" userId="8250697c-6c39-48a4-a3bd-4e6e657dfce2" providerId="ADAL" clId="{C5087647-03AF-41B4-ADA2-A7F16B9C6FCD}" dt="2022-10-24T16:04:31.513" v="167" actId="26606"/>
+          <ac:spMkLst>
+            <pc:docMk/>
+            <pc:sldMk cId="1641127009" sldId="256"/>
+            <ac:spMk id="41" creationId="{A3969E80-A77B-49FC-9122-D89AFD5EE118}"/>
+          </ac:spMkLst>
+        </pc:spChg>
+        <pc:spChg chg="add del">
+          <ac:chgData name="Thakkar, Shreya" userId="8250697c-6c39-48a4-a3bd-4e6e657dfce2" providerId="ADAL" clId="{C5087647-03AF-41B4-ADA2-A7F16B9C6FCD}" dt="2022-10-24T16:04:31.513" v="167" actId="26606"/>
+          <ac:spMkLst>
+            <pc:docMk/>
+            <pc:sldMk cId="1641127009" sldId="256"/>
+            <ac:spMk id="42" creationId="{1849CA57-76BD-4CF2-80BA-D7A46A01B7B1}"/>
+          </ac:spMkLst>
+        </pc:spChg>
+        <pc:spChg chg="add del">
+          <ac:chgData name="Thakkar, Shreya" userId="8250697c-6c39-48a4-a3bd-4e6e657dfce2" providerId="ADAL" clId="{C5087647-03AF-41B4-ADA2-A7F16B9C6FCD}" dt="2022-10-24T16:04:31.513" v="167" actId="26606"/>
+          <ac:spMkLst>
+            <pc:docMk/>
+            <pc:sldMk cId="1641127009" sldId="256"/>
+            <ac:spMk id="43" creationId="{35E9085E-E730-4768-83D4-6CB7E9897153}"/>
+          </ac:spMkLst>
+        </pc:spChg>
+        <pc:spChg chg="add del">
+          <ac:chgData name="Thakkar, Shreya" userId="8250697c-6c39-48a4-a3bd-4e6e657dfce2" providerId="ADAL" clId="{C5087647-03AF-41B4-ADA2-A7F16B9C6FCD}" dt="2022-10-24T16:04:31.513" v="167" actId="26606"/>
+          <ac:spMkLst>
+            <pc:docMk/>
+            <pc:sldMk cId="1641127009" sldId="256"/>
+            <ac:spMk id="44" creationId="{973272FE-A474-4CAE-8CA2-BCC8B476C3F4}"/>
+          </ac:spMkLst>
+        </pc:spChg>
+        <pc:spChg chg="add del">
+          <ac:chgData name="Thakkar, Shreya" userId="8250697c-6c39-48a4-a3bd-4e6e657dfce2" providerId="ADAL" clId="{C5087647-03AF-41B4-ADA2-A7F16B9C6FCD}" dt="2022-10-24T16:04:31.513" v="167" actId="26606"/>
+          <ac:spMkLst>
+            <pc:docMk/>
+            <pc:sldMk cId="1641127009" sldId="256"/>
+            <ac:spMk id="45" creationId="{E07981EA-05A6-437C-88D7-B377B92B031D}"/>
+          </ac:spMkLst>
+        </pc:spChg>
+        <pc:spChg chg="add del">
+          <ac:chgData name="Thakkar, Shreya" userId="8250697c-6c39-48a4-a3bd-4e6e657dfce2" providerId="ADAL" clId="{C5087647-03AF-41B4-ADA2-A7F16B9C6FCD}" dt="2022-10-24T16:04:31.513" v="167" actId="26606"/>
+          <ac:spMkLst>
+            <pc:docMk/>
+            <pc:sldMk cId="1641127009" sldId="256"/>
+            <ac:spMk id="46" creationId="{15E3C750-986E-4769-B1AE-49289FBEE757}"/>
+          </ac:spMkLst>
+        </pc:spChg>
+        <pc:spChg chg="add del">
+          <ac:chgData name="Thakkar, Shreya" userId="8250697c-6c39-48a4-a3bd-4e6e657dfce2" providerId="ADAL" clId="{C5087647-03AF-41B4-ADA2-A7F16B9C6FCD}" dt="2022-10-24T16:30:08.056" v="283" actId="26606"/>
+          <ac:spMkLst>
+            <pc:docMk/>
+            <pc:sldMk cId="1641127009" sldId="256"/>
+            <ac:spMk id="1030" creationId="{0671A8AE-40A1-4631-A6B8-581AFF065482}"/>
+          </ac:spMkLst>
+        </pc:spChg>
+        <pc:spChg chg="add del">
+          <ac:chgData name="Thakkar, Shreya" userId="8250697c-6c39-48a4-a3bd-4e6e657dfce2" providerId="ADAL" clId="{C5087647-03AF-41B4-ADA2-A7F16B9C6FCD}" dt="2022-10-24T16:30:08.056" v="283" actId="26606"/>
+          <ac:spMkLst>
+            <pc:docMk/>
+            <pc:sldMk cId="1641127009" sldId="256"/>
+            <ac:spMk id="1031" creationId="{AB58EF07-17C2-48CF-ABB0-EEF1F17CB8F0}"/>
+          </ac:spMkLst>
+        </pc:spChg>
+        <pc:spChg chg="add del">
+          <ac:chgData name="Thakkar, Shreya" userId="8250697c-6c39-48a4-a3bd-4e6e657dfce2" providerId="ADAL" clId="{C5087647-03AF-41B4-ADA2-A7F16B9C6FCD}" dt="2022-10-24T16:30:08.056" v="283" actId="26606"/>
+          <ac:spMkLst>
+            <pc:docMk/>
+            <pc:sldMk cId="1641127009" sldId="256"/>
+            <ac:spMk id="1032" creationId="{AF2F604E-43BE-4DC3-B983-E071523364F8}"/>
+          </ac:spMkLst>
+        </pc:spChg>
+        <pc:spChg chg="add del">
+          <ac:chgData name="Thakkar, Shreya" userId="8250697c-6c39-48a4-a3bd-4e6e657dfce2" providerId="ADAL" clId="{C5087647-03AF-41B4-ADA2-A7F16B9C6FCD}" dt="2022-10-24T16:13:39.292" v="192" actId="26606"/>
+          <ac:spMkLst>
+            <pc:docMk/>
+            <pc:sldMk cId="1641127009" sldId="256"/>
+            <ac:spMk id="1033" creationId="{6F828D28-8E09-41CC-8229-3070B5467A96}"/>
+          </ac:spMkLst>
+        </pc:spChg>
+        <pc:spChg chg="add del">
+          <ac:chgData name="Thakkar, Shreya" userId="8250697c-6c39-48a4-a3bd-4e6e657dfce2" providerId="ADAL" clId="{C5087647-03AF-41B4-ADA2-A7F16B9C6FCD}" dt="2022-10-24T16:13:39.292" v="192" actId="26606"/>
+          <ac:spMkLst>
+            <pc:docMk/>
+            <pc:sldMk cId="1641127009" sldId="256"/>
+            <ac:spMk id="1035" creationId="{D5B012D8-7F27-4758-9AC6-C889B154BD73}"/>
+          </ac:spMkLst>
+        </pc:spChg>
+        <pc:spChg chg="add del">
+          <ac:chgData name="Thakkar, Shreya" userId="8250697c-6c39-48a4-a3bd-4e6e657dfce2" providerId="ADAL" clId="{C5087647-03AF-41B4-ADA2-A7F16B9C6FCD}" dt="2022-10-24T16:13:39.292" v="192" actId="26606"/>
+          <ac:spMkLst>
+            <pc:docMk/>
+            <pc:sldMk cId="1641127009" sldId="256"/>
+            <ac:spMk id="1037" creationId="{4063B759-00FC-46D1-9898-8E8625268FAF}"/>
+          </ac:spMkLst>
+        </pc:spChg>
+        <pc:spChg chg="add del">
+          <ac:chgData name="Thakkar, Shreya" userId="8250697c-6c39-48a4-a3bd-4e6e657dfce2" providerId="ADAL" clId="{C5087647-03AF-41B4-ADA2-A7F16B9C6FCD}" dt="2022-10-24T16:30:08.056" v="283" actId="26606"/>
+          <ac:spMkLst>
+            <pc:docMk/>
+            <pc:sldMk cId="1641127009" sldId="256"/>
+            <ac:spMk id="1039" creationId="{08C9B587-E65E-4B52-B37C-ABEBB6E87928}"/>
+          </ac:spMkLst>
+        </pc:spChg>
+        <pc:spChg chg="add">
+          <ac:chgData name="Thakkar, Shreya" userId="8250697c-6c39-48a4-a3bd-4e6e657dfce2" providerId="ADAL" clId="{C5087647-03AF-41B4-ADA2-A7F16B9C6FCD}" dt="2022-10-24T16:30:08.084" v="284" actId="26606"/>
+          <ac:spMkLst>
+            <pc:docMk/>
+            <pc:sldMk cId="1641127009" sldId="256"/>
+            <ac:spMk id="1041" creationId="{657F69E0-C4B0-4BEC-A689-4F8D877F05D4}"/>
+          </ac:spMkLst>
+        </pc:spChg>
+        <pc:spChg chg="add">
+          <ac:chgData name="Thakkar, Shreya" userId="8250697c-6c39-48a4-a3bd-4e6e657dfce2" providerId="ADAL" clId="{C5087647-03AF-41B4-ADA2-A7F16B9C6FCD}" dt="2022-10-24T16:30:08.084" v="284" actId="26606"/>
+          <ac:spMkLst>
+            <pc:docMk/>
+            <pc:sldMk cId="1641127009" sldId="256"/>
+            <ac:spMk id="1042" creationId="{9F6380B4-6A1C-481E-8408-B4E6C75B9B81}"/>
+          </ac:spMkLst>
+        </pc:spChg>
+        <pc:grpChg chg="add del">
+          <ac:chgData name="Thakkar, Shreya" userId="8250697c-6c39-48a4-a3bd-4e6e657dfce2" providerId="ADAL" clId="{C5087647-03AF-41B4-ADA2-A7F16B9C6FCD}" dt="2022-10-24T16:02:29.582" v="165" actId="26606"/>
+          <ac:grpSpMkLst>
+            <pc:docMk/>
+            <pc:sldMk cId="1641127009" sldId="256"/>
+            <ac:grpSpMk id="12" creationId="{B4C49FD3-CD95-4BA4-8BD3-B4A4C6844FCC}"/>
+          </ac:grpSpMkLst>
+        </pc:grpChg>
+        <pc:picChg chg="add mod">
+          <ac:chgData name="Thakkar, Shreya" userId="8250697c-6c39-48a4-a3bd-4e6e657dfce2" providerId="ADAL" clId="{C5087647-03AF-41B4-ADA2-A7F16B9C6FCD}" dt="2022-10-24T16:32:23.070" v="326"/>
+          <ac:picMkLst>
+            <pc:docMk/>
+            <pc:sldMk cId="1641127009" sldId="256"/>
+            <ac:picMk id="4" creationId="{19D722BE-729A-334D-B22B-2A24ED54FBAD}"/>
+          </ac:picMkLst>
+        </pc:picChg>
+        <pc:picChg chg="add del mod">
+          <ac:chgData name="Thakkar, Shreya" userId="8250697c-6c39-48a4-a3bd-4e6e657dfce2" providerId="ADAL" clId="{C5087647-03AF-41B4-ADA2-A7F16B9C6FCD}" dt="2022-10-24T16:07:37.977" v="173" actId="478"/>
+          <ac:picMkLst>
+            <pc:docMk/>
+            <pc:sldMk cId="1641127009" sldId="256"/>
+            <ac:picMk id="1026" creationId="{0816E396-29CA-8790-EFB1-4829F0482064}"/>
+          </ac:picMkLst>
+        </pc:picChg>
+        <pc:picChg chg="add mod ord">
+          <ac:chgData name="Thakkar, Shreya" userId="8250697c-6c39-48a4-a3bd-4e6e657dfce2" providerId="ADAL" clId="{C5087647-03AF-41B4-ADA2-A7F16B9C6FCD}" dt="2022-10-24T16:30:08.084" v="284" actId="26606"/>
+          <ac:picMkLst>
+            <pc:docMk/>
+            <pc:sldMk cId="1641127009" sldId="256"/>
+            <ac:picMk id="1028" creationId="{6ADF1682-5806-9994-7131-DB63E1F09A8D}"/>
+          </ac:picMkLst>
+        </pc:picChg>
+      </pc:sldChg>
+      <pc:sldChg chg="addSp modSp mod modClrScheme chgLayout">
+        <pc:chgData name="Thakkar, Shreya" userId="8250697c-6c39-48a4-a3bd-4e6e657dfce2" providerId="ADAL" clId="{C5087647-03AF-41B4-ADA2-A7F16B9C6FCD}" dt="2022-10-24T16:33:23.995" v="330" actId="1076"/>
+        <pc:sldMkLst>
+          <pc:docMk/>
+          <pc:sldMk cId="3884592554" sldId="257"/>
+        </pc:sldMkLst>
+        <pc:spChg chg="mod ord">
+          <ac:chgData name="Thakkar, Shreya" userId="8250697c-6c39-48a4-a3bd-4e6e657dfce2" providerId="ADAL" clId="{C5087647-03AF-41B4-ADA2-A7F16B9C6FCD}" dt="2022-10-24T16:33:23.995" v="330" actId="1076"/>
+          <ac:spMkLst>
+            <pc:docMk/>
+            <pc:sldMk cId="3884592554" sldId="257"/>
+            <ac:spMk id="2" creationId="{241E2E7D-C456-CB3B-16DB-77063503DEF2}"/>
+          </ac:spMkLst>
+        </pc:spChg>
+        <pc:spChg chg="add mod ord">
+          <ac:chgData name="Thakkar, Shreya" userId="8250697c-6c39-48a4-a3bd-4e6e657dfce2" providerId="ADAL" clId="{C5087647-03AF-41B4-ADA2-A7F16B9C6FCD}" dt="2022-10-24T16:22:27.378" v="226" actId="700"/>
+          <ac:spMkLst>
+            <pc:docMk/>
+            <pc:sldMk cId="3884592554" sldId="257"/>
+            <ac:spMk id="3" creationId="{CA2AAC9E-8BF7-93C9-F38C-0BA6729F1DC3}"/>
+          </ac:spMkLst>
+        </pc:spChg>
+      </pc:sldChg>
+      <pc:sldChg chg="addSp delSp modSp mod modClrScheme chgLayout">
+        <pc:chgData name="Thakkar, Shreya" userId="8250697c-6c39-48a4-a3bd-4e6e657dfce2" providerId="ADAL" clId="{C5087647-03AF-41B4-ADA2-A7F16B9C6FCD}" dt="2022-10-24T16:22:00.343" v="223" actId="700"/>
+        <pc:sldMkLst>
+          <pc:docMk/>
+          <pc:sldMk cId="3949987653" sldId="258"/>
+        </pc:sldMkLst>
+        <pc:spChg chg="mod ord">
+          <ac:chgData name="Thakkar, Shreya" userId="8250697c-6c39-48a4-a3bd-4e6e657dfce2" providerId="ADAL" clId="{C5087647-03AF-41B4-ADA2-A7F16B9C6FCD}" dt="2022-10-24T16:22:00.343" v="223" actId="700"/>
+          <ac:spMkLst>
+            <pc:docMk/>
+            <pc:sldMk cId="3949987653" sldId="258"/>
+            <ac:spMk id="2" creationId="{F60B3950-E7A3-4EF0-ED20-61C7C2B16C61}"/>
+          </ac:spMkLst>
+        </pc:spChg>
+        <pc:spChg chg="del mod ord">
+          <ac:chgData name="Thakkar, Shreya" userId="8250697c-6c39-48a4-a3bd-4e6e657dfce2" providerId="ADAL" clId="{C5087647-03AF-41B4-ADA2-A7F16B9C6FCD}" dt="2022-10-24T16:22:00.343" v="223" actId="700"/>
+          <ac:spMkLst>
+            <pc:docMk/>
+            <pc:sldMk cId="3949987653" sldId="258"/>
+            <ac:spMk id="3" creationId="{35CE4E5E-1A95-3F32-66AB-6FDE58A66F69}"/>
+          </ac:spMkLst>
+        </pc:spChg>
+        <pc:spChg chg="add mod ord">
+          <ac:chgData name="Thakkar, Shreya" userId="8250697c-6c39-48a4-a3bd-4e6e657dfce2" providerId="ADAL" clId="{C5087647-03AF-41B4-ADA2-A7F16B9C6FCD}" dt="2022-10-24T16:22:00.343" v="223" actId="700"/>
+          <ac:spMkLst>
+            <pc:docMk/>
+            <pc:sldMk cId="3949987653" sldId="258"/>
+            <ac:spMk id="6" creationId="{83FA865F-D747-A27C-B07B-7634680FFD70}"/>
+          </ac:spMkLst>
+        </pc:spChg>
+      </pc:sldChg>
+      <pc:sldChg chg="addSp delSp modSp mod modClrScheme chgLayout">
+        <pc:chgData name="Thakkar, Shreya" userId="8250697c-6c39-48a4-a3bd-4e6e657dfce2" providerId="ADAL" clId="{C5087647-03AF-41B4-ADA2-A7F16B9C6FCD}" dt="2022-10-24T16:34:57.472" v="335" actId="700"/>
+        <pc:sldMkLst>
+          <pc:docMk/>
+          <pc:sldMk cId="1531204480" sldId="259"/>
+        </pc:sldMkLst>
+        <pc:spChg chg="mod ord">
+          <ac:chgData name="Thakkar, Shreya" userId="8250697c-6c39-48a4-a3bd-4e6e657dfce2" providerId="ADAL" clId="{C5087647-03AF-41B4-ADA2-A7F16B9C6FCD}" dt="2022-10-24T16:34:57.472" v="335" actId="700"/>
+          <ac:spMkLst>
+            <pc:docMk/>
+            <pc:sldMk cId="1531204480" sldId="259"/>
+            <ac:spMk id="2" creationId="{54EC3028-FC92-5CA8-D54F-97349E48C36A}"/>
+          </ac:spMkLst>
+        </pc:spChg>
+        <pc:spChg chg="del mod ord">
+          <ac:chgData name="Thakkar, Shreya" userId="8250697c-6c39-48a4-a3bd-4e6e657dfce2" providerId="ADAL" clId="{C5087647-03AF-41B4-ADA2-A7F16B9C6FCD}" dt="2022-10-24T16:22:40.907" v="227" actId="700"/>
+          <ac:spMkLst>
+            <pc:docMk/>
+            <pc:sldMk cId="1531204480" sldId="259"/>
+            <ac:spMk id="3" creationId="{18688FFC-F01A-09E8-5858-9C2CFD636F1D}"/>
+          </ac:spMkLst>
+        </pc:spChg>
+        <pc:spChg chg="add del mod ord">
+          <ac:chgData name="Thakkar, Shreya" userId="8250697c-6c39-48a4-a3bd-4e6e657dfce2" providerId="ADAL" clId="{C5087647-03AF-41B4-ADA2-A7F16B9C6FCD}" dt="2022-10-24T16:34:57.472" v="335" actId="700"/>
+          <ac:spMkLst>
+            <pc:docMk/>
+            <pc:sldMk cId="1531204480" sldId="259"/>
+            <ac:spMk id="4" creationId="{F6648128-49AB-49DB-3D31-A72CAE4844F6}"/>
+          </ac:spMkLst>
+        </pc:spChg>
+        <pc:spChg chg="add del mod ord">
+          <ac:chgData name="Thakkar, Shreya" userId="8250697c-6c39-48a4-a3bd-4e6e657dfce2" providerId="ADAL" clId="{C5087647-03AF-41B4-ADA2-A7F16B9C6FCD}" dt="2022-10-24T16:34:57.472" v="335" actId="700"/>
+          <ac:spMkLst>
+            <pc:docMk/>
+            <pc:sldMk cId="1531204480" sldId="259"/>
+            <ac:spMk id="5" creationId="{314E7CCC-4CE7-C11C-3C26-4F2B24889597}"/>
+          </ac:spMkLst>
+        </pc:spChg>
+        <pc:spChg chg="add mod ord">
+          <ac:chgData name="Thakkar, Shreya" userId="8250697c-6c39-48a4-a3bd-4e6e657dfce2" providerId="ADAL" clId="{C5087647-03AF-41B4-ADA2-A7F16B9C6FCD}" dt="2022-10-24T16:34:57.472" v="335" actId="700"/>
+          <ac:spMkLst>
+            <pc:docMk/>
+            <pc:sldMk cId="1531204480" sldId="259"/>
+            <ac:spMk id="7" creationId="{F7EAA741-C37B-4111-DC12-391428842D54}"/>
+          </ac:spMkLst>
+        </pc:spChg>
+        <pc:grpChg chg="add mod">
+          <ac:chgData name="Thakkar, Shreya" userId="8250697c-6c39-48a4-a3bd-4e6e657dfce2" providerId="ADAL" clId="{C5087647-03AF-41B4-ADA2-A7F16B9C6FCD}" dt="2022-10-24T16:24:05.764" v="238" actId="12789"/>
+          <ac:grpSpMkLst>
+            <pc:docMk/>
+            <pc:sldMk cId="1531204480" sldId="259"/>
+            <ac:grpSpMk id="6" creationId="{1B74D3EC-CDE2-371A-E7C5-C0F9917AB18E}"/>
+          </ac:grpSpMkLst>
+        </pc:grpChg>
+        <pc:picChg chg="mod">
+          <ac:chgData name="Thakkar, Shreya" userId="8250697c-6c39-48a4-a3bd-4e6e657dfce2" providerId="ADAL" clId="{C5087647-03AF-41B4-ADA2-A7F16B9C6FCD}" dt="2022-10-24T16:24:05.764" v="238" actId="12789"/>
+          <ac:picMkLst>
+            <pc:docMk/>
+            <pc:sldMk cId="1531204480" sldId="259"/>
+            <ac:picMk id="1026" creationId="{1E024397-05EA-4221-D63E-C3841EB11C13}"/>
+          </ac:picMkLst>
+        </pc:picChg>
+        <pc:picChg chg="mod">
+          <ac:chgData name="Thakkar, Shreya" userId="8250697c-6c39-48a4-a3bd-4e6e657dfce2" providerId="ADAL" clId="{C5087647-03AF-41B4-ADA2-A7F16B9C6FCD}" dt="2022-10-24T16:24:05.764" v="238" actId="12789"/>
+          <ac:picMkLst>
+            <pc:docMk/>
+            <pc:sldMk cId="1531204480" sldId="259"/>
+            <ac:picMk id="1028" creationId="{840FD183-CF09-8E99-341B-F6EC77B19DCF}"/>
+          </ac:picMkLst>
+        </pc:picChg>
+        <pc:picChg chg="mod">
+          <ac:chgData name="Thakkar, Shreya" userId="8250697c-6c39-48a4-a3bd-4e6e657dfce2" providerId="ADAL" clId="{C5087647-03AF-41B4-ADA2-A7F16B9C6FCD}" dt="2022-10-24T16:24:05.764" v="238" actId="12789"/>
+          <ac:picMkLst>
+            <pc:docMk/>
+            <pc:sldMk cId="1531204480" sldId="259"/>
+            <ac:picMk id="1030" creationId="{620CB8B7-1669-4C68-A5E8-73AE6E49664C}"/>
+          </ac:picMkLst>
+        </pc:picChg>
+      </pc:sldChg>
+      <pc:sldChg chg="addSp delSp modSp mod modClrScheme chgLayout">
+        <pc:chgData name="Thakkar, Shreya" userId="8250697c-6c39-48a4-a3bd-4e6e657dfce2" providerId="ADAL" clId="{C5087647-03AF-41B4-ADA2-A7F16B9C6FCD}" dt="2022-10-24T16:24:37.507" v="239" actId="700"/>
+        <pc:sldMkLst>
+          <pc:docMk/>
+          <pc:sldMk cId="3891790497" sldId="260"/>
+        </pc:sldMkLst>
+        <pc:spChg chg="mod ord">
+          <ac:chgData name="Thakkar, Shreya" userId="8250697c-6c39-48a4-a3bd-4e6e657dfce2" providerId="ADAL" clId="{C5087647-03AF-41B4-ADA2-A7F16B9C6FCD}" dt="2022-10-24T16:24:37.507" v="239" actId="700"/>
+          <ac:spMkLst>
+            <pc:docMk/>
+            <pc:sldMk cId="3891790497" sldId="260"/>
+            <ac:spMk id="2" creationId="{8F569D22-995C-0ED6-5F69-C562C21416DC}"/>
+          </ac:spMkLst>
+        </pc:spChg>
+        <pc:spChg chg="del mod ord">
+          <ac:chgData name="Thakkar, Shreya" userId="8250697c-6c39-48a4-a3bd-4e6e657dfce2" providerId="ADAL" clId="{C5087647-03AF-41B4-ADA2-A7F16B9C6FCD}" dt="2022-10-24T16:24:37.507" v="239" actId="700"/>
+          <ac:spMkLst>
+            <pc:docMk/>
+            <pc:sldMk cId="3891790497" sldId="260"/>
+            <ac:spMk id="3" creationId="{F714BB64-8FCA-8062-C89B-1B359EA8D5E5}"/>
+          </ac:spMkLst>
+        </pc:spChg>
+        <pc:spChg chg="add mod ord">
+          <ac:chgData name="Thakkar, Shreya" userId="8250697c-6c39-48a4-a3bd-4e6e657dfce2" providerId="ADAL" clId="{C5087647-03AF-41B4-ADA2-A7F16B9C6FCD}" dt="2022-10-24T16:24:37.507" v="239" actId="700"/>
+          <ac:spMkLst>
+            <pc:docMk/>
+            <pc:sldMk cId="3891790497" sldId="260"/>
+            <ac:spMk id="4" creationId="{9266040B-BB4A-2318-D851-6DDF7218DDAC}"/>
+          </ac:spMkLst>
+        </pc:spChg>
+      </pc:sldChg>
+      <pc:sldChg chg="addSp delSp modSp mod modClrScheme chgLayout">
+        <pc:chgData name="Thakkar, Shreya" userId="8250697c-6c39-48a4-a3bd-4e6e657dfce2" providerId="ADAL" clId="{C5087647-03AF-41B4-ADA2-A7F16B9C6FCD}" dt="2022-10-24T16:40:05.929" v="362" actId="14100"/>
+        <pc:sldMkLst>
+          <pc:docMk/>
+          <pc:sldMk cId="301883751" sldId="261"/>
+        </pc:sldMkLst>
+        <pc:spChg chg="mod ord">
+          <ac:chgData name="Thakkar, Shreya" userId="8250697c-6c39-48a4-a3bd-4e6e657dfce2" providerId="ADAL" clId="{C5087647-03AF-41B4-ADA2-A7F16B9C6FCD}" dt="2022-10-24T16:40:05.929" v="362" actId="14100"/>
+          <ac:spMkLst>
+            <pc:docMk/>
+            <pc:sldMk cId="301883751" sldId="261"/>
+            <ac:spMk id="2" creationId="{0724A799-4E0A-0E42-91FD-E1301110C604}"/>
+          </ac:spMkLst>
+        </pc:spChg>
+        <pc:spChg chg="add del mod ord">
+          <ac:chgData name="Thakkar, Shreya" userId="8250697c-6c39-48a4-a3bd-4e6e657dfce2" providerId="ADAL" clId="{C5087647-03AF-41B4-ADA2-A7F16B9C6FCD}" dt="2022-10-24T16:33:46.802" v="331" actId="700"/>
+          <ac:spMkLst>
+            <pc:docMk/>
+            <pc:sldMk cId="301883751" sldId="261"/>
+            <ac:spMk id="3" creationId="{223891F3-9652-34B9-E1F5-57D4133CA2AF}"/>
+          </ac:spMkLst>
+        </pc:spChg>
+        <pc:spChg chg="add del mod ord">
+          <ac:chgData name="Thakkar, Shreya" userId="8250697c-6c39-48a4-a3bd-4e6e657dfce2" providerId="ADAL" clId="{C5087647-03AF-41B4-ADA2-A7F16B9C6FCD}" dt="2022-10-24T16:35:19.919" v="336" actId="700"/>
+          <ac:spMkLst>
+            <pc:docMk/>
+            <pc:sldMk cId="301883751" sldId="261"/>
+            <ac:spMk id="4" creationId="{97C52656-6D73-138B-B05B-27838B6FAD3A}"/>
+          </ac:spMkLst>
+        </pc:spChg>
+        <pc:spChg chg="del mod ord">
+          <ac:chgData name="Thakkar, Shreya" userId="8250697c-6c39-48a4-a3bd-4e6e657dfce2" providerId="ADAL" clId="{C5087647-03AF-41B4-ADA2-A7F16B9C6FCD}" dt="2022-10-24T16:32:49.449" v="327" actId="700"/>
+          <ac:spMkLst>
+            <pc:docMk/>
+            <pc:sldMk cId="301883751" sldId="261"/>
+            <ac:spMk id="6" creationId="{7A7B1CBD-D150-A503-0FE0-50478A305E0A}"/>
+          </ac:spMkLst>
+        </pc:spChg>
+        <pc:spChg chg="mod ord">
+          <ac:chgData name="Thakkar, Shreya" userId="8250697c-6c39-48a4-a3bd-4e6e657dfce2" providerId="ADAL" clId="{C5087647-03AF-41B4-ADA2-A7F16B9C6FCD}" dt="2022-10-24T16:39:12.442" v="357" actId="14100"/>
+          <ac:spMkLst>
+            <pc:docMk/>
+            <pc:sldMk cId="301883751" sldId="261"/>
+            <ac:spMk id="7" creationId="{FCD5B277-B5F2-CDDA-89CC-2C67A9698FC5}"/>
+          </ac:spMkLst>
+        </pc:spChg>
+        <pc:picChg chg="mod">
+          <ac:chgData name="Thakkar, Shreya" userId="8250697c-6c39-48a4-a3bd-4e6e657dfce2" providerId="ADAL" clId="{C5087647-03AF-41B4-ADA2-A7F16B9C6FCD}" dt="2022-10-24T16:39:19.563" v="358" actId="1076"/>
+          <ac:picMkLst>
+            <pc:docMk/>
+            <pc:sldMk cId="301883751" sldId="261"/>
+            <ac:picMk id="3076" creationId="{513233A0-E965-09F1-1D27-57D5FAB33770}"/>
+          </ac:picMkLst>
+        </pc:picChg>
+      </pc:sldChg>
+      <pc:sldChg chg="modSp mod modClrScheme chgLayout">
+        <pc:chgData name="Thakkar, Shreya" userId="8250697c-6c39-48a4-a3bd-4e6e657dfce2" providerId="ADAL" clId="{C5087647-03AF-41B4-ADA2-A7F16B9C6FCD}" dt="2022-10-24T16:22:19.585" v="225" actId="700"/>
+        <pc:sldMkLst>
+          <pc:docMk/>
+          <pc:sldMk cId="2976897817" sldId="262"/>
+        </pc:sldMkLst>
+        <pc:spChg chg="mod ord">
+          <ac:chgData name="Thakkar, Shreya" userId="8250697c-6c39-48a4-a3bd-4e6e657dfce2" providerId="ADAL" clId="{C5087647-03AF-41B4-ADA2-A7F16B9C6FCD}" dt="2022-10-24T16:22:19.585" v="225" actId="700"/>
+          <ac:spMkLst>
+            <pc:docMk/>
+            <pc:sldMk cId="2976897817" sldId="262"/>
+            <ac:spMk id="2" creationId="{F60B3950-E7A3-4EF0-ED20-61C7C2B16C61}"/>
+          </ac:spMkLst>
+        </pc:spChg>
+        <pc:picChg chg="mod ord">
+          <ac:chgData name="Thakkar, Shreya" userId="8250697c-6c39-48a4-a3bd-4e6e657dfce2" providerId="ADAL" clId="{C5087647-03AF-41B4-ADA2-A7F16B9C6FCD}" dt="2022-10-24T16:22:19.585" v="225" actId="700"/>
+          <ac:picMkLst>
+            <pc:docMk/>
+            <pc:sldMk cId="2976897817" sldId="262"/>
+            <ac:picMk id="11" creationId="{FB8FD794-E654-5C08-3B4D-A4AC9623A431}"/>
+          </ac:picMkLst>
+        </pc:picChg>
+      </pc:sldChg>
+      <pc:sldChg chg="addSp delSp modSp mod modClrScheme chgLayout">
+        <pc:chgData name="Thakkar, Shreya" userId="8250697c-6c39-48a4-a3bd-4e6e657dfce2" providerId="ADAL" clId="{C5087647-03AF-41B4-ADA2-A7F16B9C6FCD}" dt="2022-10-24T16:36:07.163" v="339" actId="26606"/>
+        <pc:sldMkLst>
+          <pc:docMk/>
+          <pc:sldMk cId="1902377987" sldId="263"/>
+        </pc:sldMkLst>
+        <pc:spChg chg="mod ord">
+          <ac:chgData name="Thakkar, Shreya" userId="8250697c-6c39-48a4-a3bd-4e6e657dfce2" providerId="ADAL" clId="{C5087647-03AF-41B4-ADA2-A7F16B9C6FCD}" dt="2022-10-24T16:36:07.163" v="339" actId="26606"/>
+          <ac:spMkLst>
+            <pc:docMk/>
+            <pc:sldMk cId="1902377987" sldId="263"/>
+            <ac:spMk id="2" creationId="{0724A799-4E0A-0E42-91FD-E1301110C604}"/>
+          </ac:spMkLst>
+        </pc:spChg>
+        <pc:spChg chg="add del mod ord">
+          <ac:chgData name="Thakkar, Shreya" userId="8250697c-6c39-48a4-a3bd-4e6e657dfce2" providerId="ADAL" clId="{C5087647-03AF-41B4-ADA2-A7F16B9C6FCD}" dt="2022-10-24T16:34:09.510" v="333" actId="700"/>
+          <ac:spMkLst>
+            <pc:docMk/>
+            <pc:sldMk cId="1902377987" sldId="263"/>
+            <ac:spMk id="3" creationId="{7A749C9A-AF03-528C-09C4-CE6A1D758DC5}"/>
+          </ac:spMkLst>
+        </pc:spChg>
+        <pc:spChg chg="add del mod ord">
+          <ac:chgData name="Thakkar, Shreya" userId="8250697c-6c39-48a4-a3bd-4e6e657dfce2" providerId="ADAL" clId="{C5087647-03AF-41B4-ADA2-A7F16B9C6FCD}" dt="2022-10-24T16:36:07.163" v="339" actId="26606"/>
+          <ac:spMkLst>
+            <pc:docMk/>
+            <pc:sldMk cId="1902377987" sldId="263"/>
+            <ac:spMk id="4" creationId="{AF14F68D-62F0-1C3C-06AA-A129D5A63B70}"/>
+          </ac:spMkLst>
+        </pc:spChg>
+        <pc:spChg chg="del">
+          <ac:chgData name="Thakkar, Shreya" userId="8250697c-6c39-48a4-a3bd-4e6e657dfce2" providerId="ADAL" clId="{C5087647-03AF-41B4-ADA2-A7F16B9C6FCD}" dt="2022-10-24T16:34:02.881" v="332" actId="700"/>
+          <ac:spMkLst>
+            <pc:docMk/>
+            <pc:sldMk cId="1902377987" sldId="263"/>
+            <ac:spMk id="6" creationId="{7A7B1CBD-D150-A503-0FE0-50478A305E0A}"/>
+          </ac:spMkLst>
+        </pc:spChg>
+        <pc:spChg chg="mod ord">
+          <ac:chgData name="Thakkar, Shreya" userId="8250697c-6c39-48a4-a3bd-4e6e657dfce2" providerId="ADAL" clId="{C5087647-03AF-41B4-ADA2-A7F16B9C6FCD}" dt="2022-10-24T16:36:07.163" v="339" actId="26606"/>
+          <ac:spMkLst>
+            <pc:docMk/>
+            <pc:sldMk cId="1902377987" sldId="263"/>
+            <ac:spMk id="7" creationId="{FCD5B277-B5F2-CDDA-89CC-2C67A9698FC5}"/>
+          </ac:spMkLst>
+        </pc:spChg>
+        <pc:picChg chg="mod">
+          <ac:chgData name="Thakkar, Shreya" userId="8250697c-6c39-48a4-a3bd-4e6e657dfce2" providerId="ADAL" clId="{C5087647-03AF-41B4-ADA2-A7F16B9C6FCD}" dt="2022-10-24T16:36:07.163" v="339" actId="26606"/>
+          <ac:picMkLst>
+            <pc:docMk/>
+            <pc:sldMk cId="1902377987" sldId="263"/>
+            <ac:picMk id="4100" creationId="{C702095C-493B-F7DB-5F05-9C7A63CF08CD}"/>
+          </ac:picMkLst>
+        </pc:picChg>
+      </pc:sldChg>
+      <pc:sldChg chg="delSp add del mod">
+        <pc:chgData name="Thakkar, Shreya" userId="8250697c-6c39-48a4-a3bd-4e6e657dfce2" providerId="ADAL" clId="{C5087647-03AF-41B4-ADA2-A7F16B9C6FCD}" dt="2022-10-24T16:30:53.833" v="290" actId="47"/>
+        <pc:sldMkLst>
+          <pc:docMk/>
+          <pc:sldMk cId="554401981" sldId="264"/>
+        </pc:sldMkLst>
+        <pc:picChg chg="del">
+          <ac:chgData name="Thakkar, Shreya" userId="8250697c-6c39-48a4-a3bd-4e6e657dfce2" providerId="ADAL" clId="{C5087647-03AF-41B4-ADA2-A7F16B9C6FCD}" dt="2022-10-24T16:26:27.975" v="249" actId="478"/>
+          <ac:picMkLst>
+            <pc:docMk/>
+            <pc:sldMk cId="554401981" sldId="264"/>
+            <ac:picMk id="6" creationId="{5D7E4989-71F7-628B-7F34-CBDC7A7D7AA7}"/>
+          </ac:picMkLst>
+        </pc:picChg>
+      </pc:sldChg>
+      <pc:sldChg chg="add del setBg">
+        <pc:chgData name="Thakkar, Shreya" userId="8250697c-6c39-48a4-a3bd-4e6e657dfce2" providerId="ADAL" clId="{C5087647-03AF-41B4-ADA2-A7F16B9C6FCD}" dt="2022-10-24T16:22:09.440" v="224" actId="47"/>
+        <pc:sldMkLst>
+          <pc:docMk/>
+          <pc:sldMk cId="3396561105" sldId="266"/>
+        </pc:sldMkLst>
+      </pc:sldChg>
+      <pc:sldChg chg="add del">
+        <pc:chgData name="Thakkar, Shreya" userId="8250697c-6c39-48a4-a3bd-4e6e657dfce2" providerId="ADAL" clId="{C5087647-03AF-41B4-ADA2-A7F16B9C6FCD}" dt="2022-10-24T16:21:08.991" v="222"/>
+        <pc:sldMkLst>
+          <pc:docMk/>
+          <pc:sldMk cId="2857100340" sldId="267"/>
+        </pc:sldMkLst>
+      </pc:sldChg>
+      <pc:sldMasterChg chg="del delSldLayout">
+        <pc:chgData name="Thakkar, Shreya" userId="8250697c-6c39-48a4-a3bd-4e6e657dfce2" providerId="ADAL" clId="{C5087647-03AF-41B4-ADA2-A7F16B9C6FCD}" dt="2022-10-24T16:30:53.833" v="290" actId="47"/>
+        <pc:sldMasterMkLst>
+          <pc:docMk/>
+          <pc:sldMasterMk cId="2703526228" sldId="2147483660"/>
+        </pc:sldMasterMkLst>
+        <pc:sldLayoutChg chg="del">
+          <pc:chgData name="Thakkar, Shreya" userId="8250697c-6c39-48a4-a3bd-4e6e657dfce2" providerId="ADAL" clId="{C5087647-03AF-41B4-ADA2-A7F16B9C6FCD}" dt="2022-10-24T16:30:53.833" v="290" actId="47"/>
+          <pc:sldLayoutMkLst>
+            <pc:docMk/>
+            <pc:sldMasterMk cId="2703526228" sldId="2147483660"/>
+            <pc:sldLayoutMk cId="660711297" sldId="2147483661"/>
+          </pc:sldLayoutMkLst>
+        </pc:sldLayoutChg>
+        <pc:sldLayoutChg chg="del">
+          <pc:chgData name="Thakkar, Shreya" userId="8250697c-6c39-48a4-a3bd-4e6e657dfce2" providerId="ADAL" clId="{C5087647-03AF-41B4-ADA2-A7F16B9C6FCD}" dt="2022-10-24T16:30:53.833" v="290" actId="47"/>
+          <pc:sldLayoutMkLst>
+            <pc:docMk/>
+            <pc:sldMasterMk cId="2703526228" sldId="2147483660"/>
+            <pc:sldLayoutMk cId="1843556228" sldId="2147483662"/>
+          </pc:sldLayoutMkLst>
+        </pc:sldLayoutChg>
+        <pc:sldLayoutChg chg="del">
+          <pc:chgData name="Thakkar, Shreya" userId="8250697c-6c39-48a4-a3bd-4e6e657dfce2" providerId="ADAL" clId="{C5087647-03AF-41B4-ADA2-A7F16B9C6FCD}" dt="2022-10-24T16:30:53.833" v="290" actId="47"/>
+          <pc:sldLayoutMkLst>
+            <pc:docMk/>
+            <pc:sldMasterMk cId="2703526228" sldId="2147483660"/>
+            <pc:sldLayoutMk cId="3915801075" sldId="2147483663"/>
+          </pc:sldLayoutMkLst>
+        </pc:sldLayoutChg>
+        <pc:sldLayoutChg chg="del">
+          <pc:chgData name="Thakkar, Shreya" userId="8250697c-6c39-48a4-a3bd-4e6e657dfce2" providerId="ADAL" clId="{C5087647-03AF-41B4-ADA2-A7F16B9C6FCD}" dt="2022-10-24T16:30:53.833" v="290" actId="47"/>
+          <pc:sldLayoutMkLst>
+            <pc:docMk/>
+            <pc:sldMasterMk cId="2703526228" sldId="2147483660"/>
+            <pc:sldLayoutMk cId="3590124710" sldId="2147483664"/>
+          </pc:sldLayoutMkLst>
+        </pc:sldLayoutChg>
+        <pc:sldLayoutChg chg="del">
+          <pc:chgData name="Thakkar, Shreya" userId="8250697c-6c39-48a4-a3bd-4e6e657dfce2" providerId="ADAL" clId="{C5087647-03AF-41B4-ADA2-A7F16B9C6FCD}" dt="2022-10-24T16:30:53.833" v="290" actId="47"/>
+          <pc:sldLayoutMkLst>
+            <pc:docMk/>
+            <pc:sldMasterMk cId="2703526228" sldId="2147483660"/>
+            <pc:sldLayoutMk cId="1567258190" sldId="2147483665"/>
+          </pc:sldLayoutMkLst>
+        </pc:sldLayoutChg>
+        <pc:sldLayoutChg chg="del">
+          <pc:chgData name="Thakkar, Shreya" userId="8250697c-6c39-48a4-a3bd-4e6e657dfce2" providerId="ADAL" clId="{C5087647-03AF-41B4-ADA2-A7F16B9C6FCD}" dt="2022-10-24T16:30:53.833" v="290" actId="47"/>
+          <pc:sldLayoutMkLst>
+            <pc:docMk/>
+            <pc:sldMasterMk cId="2703526228" sldId="2147483660"/>
+            <pc:sldLayoutMk cId="3750207678" sldId="2147483666"/>
+          </pc:sldLayoutMkLst>
+        </pc:sldLayoutChg>
+        <pc:sldLayoutChg chg="del">
+          <pc:chgData name="Thakkar, Shreya" userId="8250697c-6c39-48a4-a3bd-4e6e657dfce2" providerId="ADAL" clId="{C5087647-03AF-41B4-ADA2-A7F16B9C6FCD}" dt="2022-10-24T16:30:53.833" v="290" actId="47"/>
+          <pc:sldLayoutMkLst>
+            <pc:docMk/>
+            <pc:sldMasterMk cId="2703526228" sldId="2147483660"/>
+            <pc:sldLayoutMk cId="3990654405" sldId="2147483667"/>
+          </pc:sldLayoutMkLst>
+        </pc:sldLayoutChg>
+        <pc:sldLayoutChg chg="del">
+          <pc:chgData name="Thakkar, Shreya" userId="8250697c-6c39-48a4-a3bd-4e6e657dfce2" providerId="ADAL" clId="{C5087647-03AF-41B4-ADA2-A7F16B9C6FCD}" dt="2022-10-24T16:30:53.833" v="290" actId="47"/>
+          <pc:sldLayoutMkLst>
+            <pc:docMk/>
+            <pc:sldMasterMk cId="2703526228" sldId="2147483660"/>
+            <pc:sldLayoutMk cId="153632527" sldId="2147483668"/>
+          </pc:sldLayoutMkLst>
+        </pc:sldLayoutChg>
+        <pc:sldLayoutChg chg="del">
+          <pc:chgData name="Thakkar, Shreya" userId="8250697c-6c39-48a4-a3bd-4e6e657dfce2" providerId="ADAL" clId="{C5087647-03AF-41B4-ADA2-A7F16B9C6FCD}" dt="2022-10-24T16:30:53.833" v="290" actId="47"/>
+          <pc:sldLayoutMkLst>
+            <pc:docMk/>
+            <pc:sldMasterMk cId="2703526228" sldId="2147483660"/>
+            <pc:sldLayoutMk cId="1945620612" sldId="2147483669"/>
+          </pc:sldLayoutMkLst>
+        </pc:sldLayoutChg>
+        <pc:sldLayoutChg chg="del">
+          <pc:chgData name="Thakkar, Shreya" userId="8250697c-6c39-48a4-a3bd-4e6e657dfce2" providerId="ADAL" clId="{C5087647-03AF-41B4-ADA2-A7F16B9C6FCD}" dt="2022-10-24T16:30:53.833" v="290" actId="47"/>
+          <pc:sldLayoutMkLst>
+            <pc:docMk/>
+            <pc:sldMasterMk cId="2703526228" sldId="2147483660"/>
+            <pc:sldLayoutMk cId="3050742511" sldId="2147483670"/>
+          </pc:sldLayoutMkLst>
+        </pc:sldLayoutChg>
+      </pc:sldMasterChg>
+    </pc:docChg>
+  </pc:docChgLst>
+  <pc:docChgLst>
     <pc:chgData name="Shreya Thakkar" userId="8250697c-6c39-48a4-a3bd-4e6e657dfce2" providerId="ADAL" clId="{C5087647-03AF-41B4-ADA2-A7F16B9C6FCD}"/>
-    <pc:docChg chg="undo custSel addSld modSld sldOrd">
-      <pc:chgData name="Shreya Thakkar" userId="8250697c-6c39-48a4-a3bd-4e6e657dfce2" providerId="ADAL" clId="{C5087647-03AF-41B4-ADA2-A7F16B9C6FCD}" dt="2022-10-22T03:23:42.131" v="767" actId="1076"/>
+    <pc:docChg chg="undo custSel addSld delSld modSld sldOrd">
+      <pc:chgData name="Shreya Thakkar" userId="8250697c-6c39-48a4-a3bd-4e6e657dfce2" providerId="ADAL" clId="{C5087647-03AF-41B4-ADA2-A7F16B9C6FCD}" dt="2022-10-25T05:03:53.155" v="1540" actId="2890"/>
       <pc:docMkLst>
         <pc:docMk/>
       </pc:docMkLst>
@@ -147,13 +810,13 @@
         </pc:sldMkLst>
       </pc:sldChg>
       <pc:sldChg chg="addSp delSp modSp new mod modNotesTx">
-        <pc:chgData name="Shreya Thakkar" userId="8250697c-6c39-48a4-a3bd-4e6e657dfce2" providerId="ADAL" clId="{C5087647-03AF-41B4-ADA2-A7F16B9C6FCD}" dt="2022-10-19T15:09:21.914" v="100" actId="21"/>
+        <pc:chgData name="Shreya Thakkar" userId="8250697c-6c39-48a4-a3bd-4e6e657dfce2" providerId="ADAL" clId="{C5087647-03AF-41B4-ADA2-A7F16B9C6FCD}" dt="2022-10-25T04:54:13.878" v="1511" actId="20577"/>
         <pc:sldMkLst>
           <pc:docMk/>
           <pc:sldMk cId="3884592554" sldId="257"/>
         </pc:sldMkLst>
         <pc:spChg chg="mod">
-          <ac:chgData name="Shreya Thakkar" userId="8250697c-6c39-48a4-a3bd-4e6e657dfce2" providerId="ADAL" clId="{C5087647-03AF-41B4-ADA2-A7F16B9C6FCD}" dt="2022-10-19T14:56:35.849" v="94" actId="20577"/>
+          <ac:chgData name="Shreya Thakkar" userId="8250697c-6c39-48a4-a3bd-4e6e657dfce2" providerId="ADAL" clId="{C5087647-03AF-41B4-ADA2-A7F16B9C6FCD}" dt="2022-10-25T04:54:13.878" v="1511" actId="20577"/>
           <ac:spMkLst>
             <pc:docMk/>
             <pc:sldMk cId="3884592554" sldId="257"/>
@@ -177,51 +840,211 @@
           </ac:picMkLst>
         </pc:picChg>
       </pc:sldChg>
-      <pc:sldChg chg="addSp modSp new mod ord modNotesTx">
-        <pc:chgData name="Shreya Thakkar" userId="8250697c-6c39-48a4-a3bd-4e6e657dfce2" providerId="ADAL" clId="{C5087647-03AF-41B4-ADA2-A7F16B9C6FCD}" dt="2022-10-22T02:40:59.141" v="594"/>
+      <pc:sldChg chg="addSp delSp modSp new del mod ord modNotesTx">
+        <pc:chgData name="Shreya Thakkar" userId="8250697c-6c39-48a4-a3bd-4e6e657dfce2" providerId="ADAL" clId="{C5087647-03AF-41B4-ADA2-A7F16B9C6FCD}" dt="2022-10-25T04:56:36.883" v="1532" actId="47"/>
         <pc:sldMkLst>
           <pc:docMk/>
           <pc:sldMk cId="3949987653" sldId="258"/>
         </pc:sldMkLst>
         <pc:spChg chg="mod">
-          <ac:chgData name="Shreya Thakkar" userId="8250697c-6c39-48a4-a3bd-4e6e657dfce2" providerId="ADAL" clId="{C5087647-03AF-41B4-ADA2-A7F16B9C6FCD}" dt="2022-10-22T02:37:52.435" v="593" actId="20577"/>
+          <ac:chgData name="Shreya Thakkar" userId="8250697c-6c39-48a4-a3bd-4e6e657dfce2" providerId="ADAL" clId="{C5087647-03AF-41B4-ADA2-A7F16B9C6FCD}" dt="2022-10-25T04:31:30.318" v="1310" actId="1035"/>
           <ac:spMkLst>
             <pc:docMk/>
             <pc:sldMk cId="3949987653" sldId="258"/>
             <ac:spMk id="2" creationId="{F60B3950-E7A3-4EF0-ED20-61C7C2B16C61}"/>
           </ac:spMkLst>
         </pc:spChg>
-        <pc:picChg chg="add mod">
-          <ac:chgData name="Shreya Thakkar" userId="8250697c-6c39-48a4-a3bd-4e6e657dfce2" providerId="ADAL" clId="{C5087647-03AF-41B4-ADA2-A7F16B9C6FCD}" dt="2022-10-19T15:09:27.942" v="102" actId="1076"/>
+        <pc:spChg chg="del">
+          <ac:chgData name="Shreya Thakkar" userId="8250697c-6c39-48a4-a3bd-4e6e657dfce2" providerId="ADAL" clId="{C5087647-03AF-41B4-ADA2-A7F16B9C6FCD}" dt="2022-10-25T04:18:32.055" v="1085"/>
+          <ac:spMkLst>
+            <pc:docMk/>
+            <pc:sldMk cId="3949987653" sldId="258"/>
+            <ac:spMk id="6" creationId="{83FA865F-D747-A27C-B07B-7634680FFD70}"/>
+          </ac:spMkLst>
+        </pc:spChg>
+        <pc:spChg chg="add mod">
+          <ac:chgData name="Shreya Thakkar" userId="8250697c-6c39-48a4-a3bd-4e6e657dfce2" providerId="ADAL" clId="{C5087647-03AF-41B4-ADA2-A7F16B9C6FCD}" dt="2022-10-25T04:45:11.946" v="1418" actId="14100"/>
+          <ac:spMkLst>
+            <pc:docMk/>
+            <pc:sldMk cId="3949987653" sldId="258"/>
+            <ac:spMk id="7" creationId="{AE01CDF2-3097-F26F-9010-EF255703DA8E}"/>
+          </ac:spMkLst>
+        </pc:spChg>
+        <pc:spChg chg="add mod">
+          <ac:chgData name="Shreya Thakkar" userId="8250697c-6c39-48a4-a3bd-4e6e657dfce2" providerId="ADAL" clId="{C5087647-03AF-41B4-ADA2-A7F16B9C6FCD}" dt="2022-10-25T04:45:22.238" v="1419" actId="408"/>
+          <ac:spMkLst>
+            <pc:docMk/>
+            <pc:sldMk cId="3949987653" sldId="258"/>
+            <ac:spMk id="8" creationId="{1317F1BF-D69C-6C4A-004D-3FC67042B2F4}"/>
+          </ac:spMkLst>
+        </pc:spChg>
+        <pc:spChg chg="add mod">
+          <ac:chgData name="Shreya Thakkar" userId="8250697c-6c39-48a4-a3bd-4e6e657dfce2" providerId="ADAL" clId="{C5087647-03AF-41B4-ADA2-A7F16B9C6FCD}" dt="2022-10-25T04:44:18.275" v="1409" actId="12789"/>
+          <ac:spMkLst>
+            <pc:docMk/>
+            <pc:sldMk cId="3949987653" sldId="258"/>
+            <ac:spMk id="9" creationId="{C2B366FD-C14C-E797-6803-1F2C0F7546B4}"/>
+          </ac:spMkLst>
+        </pc:spChg>
+        <pc:spChg chg="add mod">
+          <ac:chgData name="Shreya Thakkar" userId="8250697c-6c39-48a4-a3bd-4e6e657dfce2" providerId="ADAL" clId="{C5087647-03AF-41B4-ADA2-A7F16B9C6FCD}" dt="2022-10-25T04:44:18.275" v="1409" actId="12789"/>
+          <ac:spMkLst>
+            <pc:docMk/>
+            <pc:sldMk cId="3949987653" sldId="258"/>
+            <ac:spMk id="10" creationId="{ED76FF4B-92BE-7028-182E-5C1FDB77068D}"/>
+          </ac:spMkLst>
+        </pc:spChg>
+        <pc:spChg chg="add mod">
+          <ac:chgData name="Shreya Thakkar" userId="8250697c-6c39-48a4-a3bd-4e6e657dfce2" providerId="ADAL" clId="{C5087647-03AF-41B4-ADA2-A7F16B9C6FCD}" dt="2022-10-25T04:44:18.275" v="1409" actId="12789"/>
+          <ac:spMkLst>
+            <pc:docMk/>
+            <pc:sldMk cId="3949987653" sldId="258"/>
+            <ac:spMk id="12" creationId="{BD6CCB45-8781-8BD7-EF34-9CF48C539162}"/>
+          </ac:spMkLst>
+        </pc:spChg>
+        <pc:spChg chg="add del mod topLvl">
+          <ac:chgData name="Shreya Thakkar" userId="8250697c-6c39-48a4-a3bd-4e6e657dfce2" providerId="ADAL" clId="{C5087647-03AF-41B4-ADA2-A7F16B9C6FCD}" dt="2022-10-25T04:43:46.245" v="1404" actId="478"/>
+          <ac:spMkLst>
+            <pc:docMk/>
+            <pc:sldMk cId="3949987653" sldId="258"/>
+            <ac:spMk id="15" creationId="{A75790CE-7BBE-706E-19D2-985D05D45D77}"/>
+          </ac:spMkLst>
+        </pc:spChg>
+        <pc:spChg chg="add del mod">
+          <ac:chgData name="Shreya Thakkar" userId="8250697c-6c39-48a4-a3bd-4e6e657dfce2" providerId="ADAL" clId="{C5087647-03AF-41B4-ADA2-A7F16B9C6FCD}" dt="2022-10-25T04:44:51.183" v="1415" actId="478"/>
+          <ac:spMkLst>
+            <pc:docMk/>
+            <pc:sldMk cId="3949987653" sldId="258"/>
+            <ac:spMk id="21" creationId="{F1F20C15-465B-6036-C4F9-1669F89692F5}"/>
+          </ac:spMkLst>
+        </pc:spChg>
+        <pc:grpChg chg="add mod">
+          <ac:chgData name="Shreya Thakkar" userId="8250697c-6c39-48a4-a3bd-4e6e657dfce2" providerId="ADAL" clId="{C5087647-03AF-41B4-ADA2-A7F16B9C6FCD}" dt="2022-10-25T04:44:18.275" v="1409" actId="12789"/>
+          <ac:grpSpMkLst>
+            <pc:docMk/>
+            <pc:sldMk cId="3949987653" sldId="258"/>
+            <ac:grpSpMk id="11" creationId="{E582CA1B-9C86-D614-5BE7-02909F22D4C3}"/>
+          </ac:grpSpMkLst>
+        </pc:grpChg>
+        <pc:grpChg chg="add mod">
+          <ac:chgData name="Shreya Thakkar" userId="8250697c-6c39-48a4-a3bd-4e6e657dfce2" providerId="ADAL" clId="{C5087647-03AF-41B4-ADA2-A7F16B9C6FCD}" dt="2022-10-25T04:44:18.275" v="1409" actId="12789"/>
+          <ac:grpSpMkLst>
+            <pc:docMk/>
+            <pc:sldMk cId="3949987653" sldId="258"/>
+            <ac:grpSpMk id="13" creationId="{69527A19-3FE3-34DB-A2DC-384DC432B2E0}"/>
+          </ac:grpSpMkLst>
+        </pc:grpChg>
+        <pc:grpChg chg="add del mod">
+          <ac:chgData name="Shreya Thakkar" userId="8250697c-6c39-48a4-a3bd-4e6e657dfce2" providerId="ADAL" clId="{C5087647-03AF-41B4-ADA2-A7F16B9C6FCD}" dt="2022-10-25T04:43:46.245" v="1404" actId="478"/>
+          <ac:grpSpMkLst>
+            <pc:docMk/>
+            <pc:sldMk cId="3949987653" sldId="258"/>
+            <ac:grpSpMk id="16" creationId="{57072165-0D77-E173-055C-DD038C1B253D}"/>
+          </ac:grpSpMkLst>
+        </pc:grpChg>
+        <pc:grpChg chg="add del mod">
+          <ac:chgData name="Shreya Thakkar" userId="8250697c-6c39-48a4-a3bd-4e6e657dfce2" providerId="ADAL" clId="{C5087647-03AF-41B4-ADA2-A7F16B9C6FCD}" dt="2022-10-25T04:45:22.238" v="1419" actId="408"/>
+          <ac:grpSpMkLst>
+            <pc:docMk/>
+            <pc:sldMk cId="3949987653" sldId="258"/>
+            <ac:grpSpMk id="17" creationId="{C6CE992F-8A11-9B61-F9A5-B6013F3FDD4A}"/>
+          </ac:grpSpMkLst>
+        </pc:grpChg>
+        <pc:grpChg chg="add del mod">
+          <ac:chgData name="Shreya Thakkar" userId="8250697c-6c39-48a4-a3bd-4e6e657dfce2" providerId="ADAL" clId="{C5087647-03AF-41B4-ADA2-A7F16B9C6FCD}" dt="2022-10-25T04:45:39.117" v="1421" actId="478"/>
+          <ac:grpSpMkLst>
+            <pc:docMk/>
+            <pc:sldMk cId="3949987653" sldId="258"/>
+            <ac:grpSpMk id="18" creationId="{68AC46A5-A296-30BF-7F90-AF4E7746609E}"/>
+          </ac:grpSpMkLst>
+        </pc:grpChg>
+        <pc:grpChg chg="add mod">
+          <ac:chgData name="Shreya Thakkar" userId="8250697c-6c39-48a4-a3bd-4e6e657dfce2" providerId="ADAL" clId="{C5087647-03AF-41B4-ADA2-A7F16B9C6FCD}" dt="2022-10-25T04:45:22.238" v="1419" actId="408"/>
+          <ac:grpSpMkLst>
+            <pc:docMk/>
+            <pc:sldMk cId="3949987653" sldId="258"/>
+            <ac:grpSpMk id="19" creationId="{4986B29C-22B2-0227-5E6A-440003222159}"/>
+          </ac:grpSpMkLst>
+        </pc:grpChg>
+        <pc:picChg chg="add del mod">
+          <ac:chgData name="Shreya Thakkar" userId="8250697c-6c39-48a4-a3bd-4e6e657dfce2" providerId="ADAL" clId="{C5087647-03AF-41B4-ADA2-A7F16B9C6FCD}" dt="2022-10-25T04:44:38.521" v="1411" actId="478"/>
+          <ac:picMkLst>
+            <pc:docMk/>
+            <pc:sldMk cId="3949987653" sldId="258"/>
+            <ac:picMk id="3" creationId="{38DD8169-93B4-5058-D0E7-DB73909F42E1}"/>
+          </ac:picMkLst>
+        </pc:picChg>
+        <pc:picChg chg="add del mod">
+          <ac:chgData name="Shreya Thakkar" userId="8250697c-6c39-48a4-a3bd-4e6e657dfce2" providerId="ADAL" clId="{C5087647-03AF-41B4-ADA2-A7F16B9C6FCD}" dt="2022-10-25T04:14:12.603" v="1080" actId="478"/>
           <ac:picMkLst>
             <pc:docMk/>
             <pc:sldMk cId="3949987653" sldId="258"/>
             <ac:picMk id="4" creationId="{5FE901F8-AC54-33B7-628F-3A2795DF0FB7}"/>
           </ac:picMkLst>
         </pc:picChg>
-        <pc:picChg chg="add mod">
-          <ac:chgData name="Shreya Thakkar" userId="8250697c-6c39-48a4-a3bd-4e6e657dfce2" providerId="ADAL" clId="{C5087647-03AF-41B4-ADA2-A7F16B9C6FCD}" dt="2022-10-22T02:40:59.141" v="594"/>
+        <pc:picChg chg="add del mod">
+          <ac:chgData name="Shreya Thakkar" userId="8250697c-6c39-48a4-a3bd-4e6e657dfce2" providerId="ADAL" clId="{C5087647-03AF-41B4-ADA2-A7F16B9C6FCD}" dt="2022-10-25T04:13:59.832" v="1058" actId="478"/>
           <ac:picMkLst>
             <pc:docMk/>
             <pc:sldMk cId="3949987653" sldId="258"/>
             <ac:picMk id="5" creationId="{FE37FFEE-5728-BA91-4C16-E90EE0EBA7D4}"/>
           </ac:picMkLst>
         </pc:picChg>
+        <pc:picChg chg="add mod topLvl">
+          <ac:chgData name="Shreya Thakkar" userId="8250697c-6c39-48a4-a3bd-4e6e657dfce2" providerId="ADAL" clId="{C5087647-03AF-41B4-ADA2-A7F16B9C6FCD}" dt="2022-10-25T04:45:22.238" v="1419" actId="408"/>
+          <ac:picMkLst>
+            <pc:docMk/>
+            <pc:sldMk cId="3949987653" sldId="258"/>
+            <ac:picMk id="14" creationId="{79C9CFA7-3CF1-85F8-5765-A7D0D7C6A648}"/>
+          </ac:picMkLst>
+        </pc:picChg>
+        <pc:picChg chg="add mod">
+          <ac:chgData name="Shreya Thakkar" userId="8250697c-6c39-48a4-a3bd-4e6e657dfce2" providerId="ADAL" clId="{C5087647-03AF-41B4-ADA2-A7F16B9C6FCD}" dt="2022-10-25T04:44:18.275" v="1409" actId="12789"/>
+          <ac:picMkLst>
+            <pc:docMk/>
+            <pc:sldMk cId="3949987653" sldId="258"/>
+            <ac:picMk id="2050" creationId="{9BFCADC4-3465-E376-D882-B72104D3E75B}"/>
+          </ac:picMkLst>
+        </pc:picChg>
+        <pc:picChg chg="add mod">
+          <ac:chgData name="Shreya Thakkar" userId="8250697c-6c39-48a4-a3bd-4e6e657dfce2" providerId="ADAL" clId="{C5087647-03AF-41B4-ADA2-A7F16B9C6FCD}" dt="2022-10-25T04:44:18.275" v="1409" actId="12789"/>
+          <ac:picMkLst>
+            <pc:docMk/>
+            <pc:sldMk cId="3949987653" sldId="258"/>
+            <ac:picMk id="2052" creationId="{D5893C17-D254-75F1-2785-9F83E4124687}"/>
+          </ac:picMkLst>
+        </pc:picChg>
       </pc:sldChg>
-      <pc:sldChg chg="addSp modSp new mod">
-        <pc:chgData name="Shreya Thakkar" userId="8250697c-6c39-48a4-a3bd-4e6e657dfce2" providerId="ADAL" clId="{C5087647-03AF-41B4-ADA2-A7F16B9C6FCD}" dt="2022-10-22T02:29:00.080" v="152" actId="14100"/>
+      <pc:sldChg chg="addSp delSp modSp new mod modAnim">
+        <pc:chgData name="Shreya Thakkar" userId="8250697c-6c39-48a4-a3bd-4e6e657dfce2" providerId="ADAL" clId="{C5087647-03AF-41B4-ADA2-A7F16B9C6FCD}" dt="2022-10-25T04:56:59.629" v="1535"/>
         <pc:sldMkLst>
           <pc:docMk/>
           <pc:sldMk cId="1531204480" sldId="259"/>
         </pc:sldMkLst>
         <pc:spChg chg="mod">
-          <ac:chgData name="Shreya Thakkar" userId="8250697c-6c39-48a4-a3bd-4e6e657dfce2" providerId="ADAL" clId="{C5087647-03AF-41B4-ADA2-A7F16B9C6FCD}" dt="2022-10-22T02:26:57.226" v="141" actId="20577"/>
+          <ac:chgData name="Shreya Thakkar" userId="8250697c-6c39-48a4-a3bd-4e6e657dfce2" providerId="ADAL" clId="{C5087647-03AF-41B4-ADA2-A7F16B9C6FCD}" dt="2022-10-25T04:47:38.680" v="1425" actId="1076"/>
           <ac:spMkLst>
             <pc:docMk/>
             <pc:sldMk cId="1531204480" sldId="259"/>
             <ac:spMk id="2" creationId="{54EC3028-FC92-5CA8-D54F-97349E48C36A}"/>
           </ac:spMkLst>
         </pc:spChg>
+        <pc:spChg chg="del">
+          <ac:chgData name="Shreya Thakkar" userId="8250697c-6c39-48a4-a3bd-4e6e657dfce2" providerId="ADAL" clId="{C5087647-03AF-41B4-ADA2-A7F16B9C6FCD}" dt="2022-10-25T04:47:42.853" v="1426" actId="478"/>
+          <ac:spMkLst>
+            <pc:docMk/>
+            <pc:sldMk cId="1531204480" sldId="259"/>
+            <ac:spMk id="7" creationId="{F7EAA741-C37B-4111-DC12-391428842D54}"/>
+          </ac:spMkLst>
+        </pc:spChg>
+        <pc:grpChg chg="del">
+          <ac:chgData name="Shreya Thakkar" userId="8250697c-6c39-48a4-a3bd-4e6e657dfce2" providerId="ADAL" clId="{C5087647-03AF-41B4-ADA2-A7F16B9C6FCD}" dt="2022-10-25T04:56:46.456" v="1533" actId="165"/>
+          <ac:grpSpMkLst>
+            <pc:docMk/>
+            <pc:sldMk cId="1531204480" sldId="259"/>
+            <ac:grpSpMk id="6" creationId="{1B74D3EC-CDE2-371A-E7C5-C0F9917AB18E}"/>
+          </ac:grpSpMkLst>
+        </pc:grpChg>
         <pc:picChg chg="add mod">
           <ac:chgData name="Shreya Thakkar" userId="8250697c-6c39-48a4-a3bd-4e6e657dfce2" providerId="ADAL" clId="{C5087647-03AF-41B4-ADA2-A7F16B9C6FCD}" dt="2022-10-22T02:29:00.080" v="152" actId="14100"/>
           <ac:picMkLst>
@@ -230,16 +1053,16 @@
             <ac:picMk id="1026" creationId="{1E024397-05EA-4221-D63E-C3841EB11C13}"/>
           </ac:picMkLst>
         </pc:picChg>
-        <pc:picChg chg="add mod">
-          <ac:chgData name="Shreya Thakkar" userId="8250697c-6c39-48a4-a3bd-4e6e657dfce2" providerId="ADAL" clId="{C5087647-03AF-41B4-ADA2-A7F16B9C6FCD}" dt="2022-10-22T02:28:54.660" v="151" actId="14100"/>
+        <pc:picChg chg="add mod topLvl">
+          <ac:chgData name="Shreya Thakkar" userId="8250697c-6c39-48a4-a3bd-4e6e657dfce2" providerId="ADAL" clId="{C5087647-03AF-41B4-ADA2-A7F16B9C6FCD}" dt="2022-10-25T04:56:46.456" v="1533" actId="165"/>
           <ac:picMkLst>
             <pc:docMk/>
             <pc:sldMk cId="1531204480" sldId="259"/>
             <ac:picMk id="1028" creationId="{840FD183-CF09-8E99-341B-F6EC77B19DCF}"/>
           </ac:picMkLst>
         </pc:picChg>
-        <pc:picChg chg="add mod">
-          <ac:chgData name="Shreya Thakkar" userId="8250697c-6c39-48a4-a3bd-4e6e657dfce2" providerId="ADAL" clId="{C5087647-03AF-41B4-ADA2-A7F16B9C6FCD}" dt="2022-10-22T02:28:46.282" v="149" actId="1076"/>
+        <pc:picChg chg="add mod topLvl">
+          <ac:chgData name="Shreya Thakkar" userId="8250697c-6c39-48a4-a3bd-4e6e657dfce2" providerId="ADAL" clId="{C5087647-03AF-41B4-ADA2-A7F16B9C6FCD}" dt="2022-10-25T04:56:46.456" v="1533" actId="165"/>
           <ac:picMkLst>
             <pc:docMk/>
             <pc:sldMk cId="1531204480" sldId="259"/>
@@ -247,18 +1070,26 @@
           </ac:picMkLst>
         </pc:picChg>
       </pc:sldChg>
-      <pc:sldChg chg="addSp delSp modSp new mod">
-        <pc:chgData name="Shreya Thakkar" userId="8250697c-6c39-48a4-a3bd-4e6e657dfce2" providerId="ADAL" clId="{C5087647-03AF-41B4-ADA2-A7F16B9C6FCD}" dt="2022-10-22T03:23:42.131" v="767" actId="1076"/>
+      <pc:sldChg chg="addSp delSp modSp new mod modAnim">
+        <pc:chgData name="Shreya Thakkar" userId="8250697c-6c39-48a4-a3bd-4e6e657dfce2" providerId="ADAL" clId="{C5087647-03AF-41B4-ADA2-A7F16B9C6FCD}" dt="2022-10-25T04:57:07.825" v="1536"/>
         <pc:sldMkLst>
           <pc:docMk/>
           <pc:sldMk cId="3891790497" sldId="260"/>
         </pc:sldMkLst>
         <pc:spChg chg="mod">
-          <ac:chgData name="Shreya Thakkar" userId="8250697c-6c39-48a4-a3bd-4e6e657dfce2" providerId="ADAL" clId="{C5087647-03AF-41B4-ADA2-A7F16B9C6FCD}" dt="2022-10-22T02:29:56.887" v="212" actId="20577"/>
+          <ac:chgData name="Shreya Thakkar" userId="8250697c-6c39-48a4-a3bd-4e6e657dfce2" providerId="ADAL" clId="{C5087647-03AF-41B4-ADA2-A7F16B9C6FCD}" dt="2022-10-25T04:47:50.745" v="1427" actId="1076"/>
           <ac:spMkLst>
             <pc:docMk/>
             <pc:sldMk cId="3891790497" sldId="260"/>
             <ac:spMk id="2" creationId="{8F569D22-995C-0ED6-5F69-C562C21416DC}"/>
+          </ac:spMkLst>
+        </pc:spChg>
+        <pc:spChg chg="del">
+          <ac:chgData name="Shreya Thakkar" userId="8250697c-6c39-48a4-a3bd-4e6e657dfce2" providerId="ADAL" clId="{C5087647-03AF-41B4-ADA2-A7F16B9C6FCD}" dt="2022-10-25T04:49:16.057" v="1428" actId="478"/>
+          <ac:spMkLst>
+            <pc:docMk/>
+            <pc:sldMk cId="3891790497" sldId="260"/>
+            <ac:spMk id="4" creationId="{9266040B-BB4A-2318-D851-6DDF7218DDAC}"/>
           </ac:spMkLst>
         </pc:spChg>
         <pc:picChg chg="add del mod">
@@ -270,7 +1101,7 @@
           </ac:picMkLst>
         </pc:picChg>
         <pc:picChg chg="add mod">
-          <ac:chgData name="Shreya Thakkar" userId="8250697c-6c39-48a4-a3bd-4e6e657dfce2" providerId="ADAL" clId="{C5087647-03AF-41B4-ADA2-A7F16B9C6FCD}" dt="2022-10-22T02:30:28.849" v="216" actId="1076"/>
+          <ac:chgData name="Shreya Thakkar" userId="8250697c-6c39-48a4-a3bd-4e6e657dfce2" providerId="ADAL" clId="{C5087647-03AF-41B4-ADA2-A7F16B9C6FCD}" dt="2022-10-25T04:50:08.533" v="1435" actId="12789"/>
           <ac:picMkLst>
             <pc:docMk/>
             <pc:sldMk cId="3891790497" sldId="260"/>
@@ -278,7 +1109,7 @@
           </ac:picMkLst>
         </pc:picChg>
         <pc:picChg chg="add mod">
-          <ac:chgData name="Shreya Thakkar" userId="8250697c-6c39-48a4-a3bd-4e6e657dfce2" providerId="ADAL" clId="{C5087647-03AF-41B4-ADA2-A7F16B9C6FCD}" dt="2022-10-22T03:23:42.131" v="767" actId="1076"/>
+          <ac:chgData name="Shreya Thakkar" userId="8250697c-6c39-48a4-a3bd-4e6e657dfce2" providerId="ADAL" clId="{C5087647-03AF-41B4-ADA2-A7F16B9C6FCD}" dt="2022-10-25T04:50:08.533" v="1435" actId="12789"/>
           <ac:picMkLst>
             <pc:docMk/>
             <pc:sldMk cId="3891790497" sldId="260"/>
@@ -286,14 +1117,14 @@
           </ac:picMkLst>
         </pc:picChg>
       </pc:sldChg>
-      <pc:sldChg chg="addSp delSp modSp new mod modClrScheme chgLayout">
-        <pc:chgData name="Shreya Thakkar" userId="8250697c-6c39-48a4-a3bd-4e6e657dfce2" providerId="ADAL" clId="{C5087647-03AF-41B4-ADA2-A7F16B9C6FCD}" dt="2022-10-22T03:23:14.199" v="761" actId="1076"/>
+      <pc:sldChg chg="addSp delSp modSp new mod modClrScheme modAnim chgLayout">
+        <pc:chgData name="Shreya Thakkar" userId="8250697c-6c39-48a4-a3bd-4e6e657dfce2" providerId="ADAL" clId="{C5087647-03AF-41B4-ADA2-A7F16B9C6FCD}" dt="2022-10-25T04:57:22.917" v="1537"/>
         <pc:sldMkLst>
           <pc:docMk/>
           <pc:sldMk cId="301883751" sldId="261"/>
         </pc:sldMkLst>
         <pc:spChg chg="mod ord">
-          <ac:chgData name="Shreya Thakkar" userId="8250697c-6c39-48a4-a3bd-4e6e657dfce2" providerId="ADAL" clId="{C5087647-03AF-41B4-ADA2-A7F16B9C6FCD}" dt="2022-10-22T02:32:39.885" v="276" actId="700"/>
+          <ac:chgData name="Shreya Thakkar" userId="8250697c-6c39-48a4-a3bd-4e6e657dfce2" providerId="ADAL" clId="{C5087647-03AF-41B4-ADA2-A7F16B9C6FCD}" dt="2022-10-25T04:51:25.458" v="1445" actId="20577"/>
           <ac:spMkLst>
             <pc:docMk/>
             <pc:sldMk cId="301883751" sldId="261"/>
@@ -333,7 +1164,7 @@
           </ac:spMkLst>
         </pc:spChg>
         <pc:spChg chg="add mod ord">
-          <ac:chgData name="Shreya Thakkar" userId="8250697c-6c39-48a4-a3bd-4e6e657dfce2" providerId="ADAL" clId="{C5087647-03AF-41B4-ADA2-A7F16B9C6FCD}" dt="2022-10-22T03:09:33.367" v="758" actId="20577"/>
+          <ac:chgData name="Shreya Thakkar" userId="8250697c-6c39-48a4-a3bd-4e6e657dfce2" providerId="ADAL" clId="{C5087647-03AF-41B4-ADA2-A7F16B9C6FCD}" dt="2022-10-25T04:50:43.386" v="1439" actId="113"/>
           <ac:spMkLst>
             <pc:docMk/>
             <pc:sldMk cId="301883751" sldId="261"/>
@@ -357,8 +1188,8 @@
           </ac:picMkLst>
         </pc:picChg>
       </pc:sldChg>
-      <pc:sldChg chg="addSp delSp modSp add mod">
-        <pc:chgData name="Shreya Thakkar" userId="8250697c-6c39-48a4-a3bd-4e6e657dfce2" providerId="ADAL" clId="{C5087647-03AF-41B4-ADA2-A7F16B9C6FCD}" dt="2022-10-22T02:46:14.402" v="721" actId="1076"/>
+      <pc:sldChg chg="addSp delSp modSp add del mod">
+        <pc:chgData name="Shreya Thakkar" userId="8250697c-6c39-48a4-a3bd-4e6e657dfce2" providerId="ADAL" clId="{C5087647-03AF-41B4-ADA2-A7F16B9C6FCD}" dt="2022-10-25T04:46:00.679" v="1422" actId="47"/>
         <pc:sldMkLst>
           <pc:docMk/>
           <pc:sldMk cId="2976897817" sldId="262"/>
@@ -428,14 +1259,14 @@
           </ac:picMkLst>
         </pc:picChg>
       </pc:sldChg>
-      <pc:sldChg chg="addSp delSp modSp add mod">
-        <pc:chgData name="Shreya Thakkar" userId="8250697c-6c39-48a4-a3bd-4e6e657dfce2" providerId="ADAL" clId="{C5087647-03AF-41B4-ADA2-A7F16B9C6FCD}" dt="2022-10-22T03:23:27.069" v="764" actId="1076"/>
+      <pc:sldChg chg="addSp delSp modSp add mod modAnim">
+        <pc:chgData name="Shreya Thakkar" userId="8250697c-6c39-48a4-a3bd-4e6e657dfce2" providerId="ADAL" clId="{C5087647-03AF-41B4-ADA2-A7F16B9C6FCD}" dt="2022-10-25T04:57:44.043" v="1539"/>
         <pc:sldMkLst>
           <pc:docMk/>
           <pc:sldMk cId="1902377987" sldId="263"/>
         </pc:sldMkLst>
         <pc:spChg chg="mod">
-          <ac:chgData name="Shreya Thakkar" userId="8250697c-6c39-48a4-a3bd-4e6e657dfce2" providerId="ADAL" clId="{C5087647-03AF-41B4-ADA2-A7F16B9C6FCD}" dt="2022-10-22T02:48:31.790" v="729" actId="255"/>
+          <ac:chgData name="Shreya Thakkar" userId="8250697c-6c39-48a4-a3bd-4e6e657dfce2" providerId="ADAL" clId="{C5087647-03AF-41B4-ADA2-A7F16B9C6FCD}" dt="2022-10-25T04:51:15.659" v="1444" actId="120"/>
           <ac:spMkLst>
             <pc:docMk/>
             <pc:sldMk cId="1902377987" sldId="263"/>
@@ -451,7 +1282,7 @@
           </ac:spMkLst>
         </pc:spChg>
         <pc:spChg chg="mod">
-          <ac:chgData name="Shreya Thakkar" userId="8250697c-6c39-48a4-a3bd-4e6e657dfce2" providerId="ADAL" clId="{C5087647-03AF-41B4-ADA2-A7F16B9C6FCD}" dt="2022-10-22T03:09:27.802" v="756" actId="20577"/>
+          <ac:chgData name="Shreya Thakkar" userId="8250697c-6c39-48a4-a3bd-4e6e657dfce2" providerId="ADAL" clId="{C5087647-03AF-41B4-ADA2-A7F16B9C6FCD}" dt="2022-10-25T04:57:38.481" v="1538" actId="14100"/>
           <ac:spMkLst>
             <pc:docMk/>
             <pc:sldMk cId="1902377987" sldId="263"/>
@@ -475,13 +1306,360 @@
           </ac:picMkLst>
         </pc:picChg>
         <pc:picChg chg="add mod">
-          <ac:chgData name="Shreya Thakkar" userId="8250697c-6c39-48a4-a3bd-4e6e657dfce2" providerId="ADAL" clId="{C5087647-03AF-41B4-ADA2-A7F16B9C6FCD}" dt="2022-10-22T03:23:27.069" v="764" actId="1076"/>
+          <ac:chgData name="Shreya Thakkar" userId="8250697c-6c39-48a4-a3bd-4e6e657dfce2" providerId="ADAL" clId="{C5087647-03AF-41B4-ADA2-A7F16B9C6FCD}" dt="2022-10-25T04:52:28.879" v="1453" actId="1076"/>
           <ac:picMkLst>
             <pc:docMk/>
             <pc:sldMk cId="1902377987" sldId="263"/>
             <ac:picMk id="4100" creationId="{C702095C-493B-F7DB-5F05-9C7A63CF08CD}"/>
           </ac:picMkLst>
         </pc:picChg>
+      </pc:sldChg>
+      <pc:sldChg chg="addSp delSp modSp del mod">
+        <pc:chgData name="Shreya Thakkar" userId="8250697c-6c39-48a4-a3bd-4e6e657dfce2" providerId="ADAL" clId="{C5087647-03AF-41B4-ADA2-A7F16B9C6FCD}" dt="2022-10-25T04:11:31.330" v="990" actId="47"/>
+        <pc:sldMkLst>
+          <pc:docMk/>
+          <pc:sldMk cId="2857100340" sldId="267"/>
+        </pc:sldMkLst>
+        <pc:spChg chg="mod">
+          <ac:chgData name="Shreya Thakkar" userId="8250697c-6c39-48a4-a3bd-4e6e657dfce2" providerId="ADAL" clId="{C5087647-03AF-41B4-ADA2-A7F16B9C6FCD}" dt="2022-10-25T04:06:27.193" v="907" actId="20577"/>
+          <ac:spMkLst>
+            <pc:docMk/>
+            <pc:sldMk cId="2857100340" sldId="267"/>
+            <ac:spMk id="2" creationId="{32561ECF-EE45-EA00-2C36-4C60BF89D9C4}"/>
+          </ac:spMkLst>
+        </pc:spChg>
+        <pc:spChg chg="del mod">
+          <ac:chgData name="Shreya Thakkar" userId="8250697c-6c39-48a4-a3bd-4e6e657dfce2" providerId="ADAL" clId="{C5087647-03AF-41B4-ADA2-A7F16B9C6FCD}" dt="2022-10-25T03:24:21.898" v="870" actId="22"/>
+          <ac:spMkLst>
+            <pc:docMk/>
+            <pc:sldMk cId="2857100340" sldId="267"/>
+            <ac:spMk id="3" creationId="{012C8250-EFFA-30F5-8AAF-18F3C7D256C9}"/>
+          </ac:spMkLst>
+        </pc:spChg>
+        <pc:spChg chg="add mod">
+          <ac:chgData name="Shreya Thakkar" userId="8250697c-6c39-48a4-a3bd-4e6e657dfce2" providerId="ADAL" clId="{C5087647-03AF-41B4-ADA2-A7F16B9C6FCD}" dt="2022-10-25T02:55:42.543" v="806" actId="164"/>
+          <ac:spMkLst>
+            <pc:docMk/>
+            <pc:sldMk cId="2857100340" sldId="267"/>
+            <ac:spMk id="5" creationId="{88347663-0270-9604-6E1F-F32829F9D585}"/>
+          </ac:spMkLst>
+        </pc:spChg>
+        <pc:spChg chg="add del mod">
+          <ac:chgData name="Shreya Thakkar" userId="8250697c-6c39-48a4-a3bd-4e6e657dfce2" providerId="ADAL" clId="{C5087647-03AF-41B4-ADA2-A7F16B9C6FCD}" dt="2022-10-25T04:07:10.001" v="925" actId="478"/>
+          <ac:spMkLst>
+            <pc:docMk/>
+            <pc:sldMk cId="2857100340" sldId="267"/>
+            <ac:spMk id="9" creationId="{B6258E4F-F643-113B-7A09-858FB5CA2B60}"/>
+          </ac:spMkLst>
+        </pc:spChg>
+        <pc:spChg chg="add del mod">
+          <ac:chgData name="Shreya Thakkar" userId="8250697c-6c39-48a4-a3bd-4e6e657dfce2" providerId="ADAL" clId="{C5087647-03AF-41B4-ADA2-A7F16B9C6FCD}" dt="2022-10-25T04:07:23.684" v="927" actId="478"/>
+          <ac:spMkLst>
+            <pc:docMk/>
+            <pc:sldMk cId="2857100340" sldId="267"/>
+            <ac:spMk id="21" creationId="{F0C7EAF2-1042-7748-D777-40A397FD4258}"/>
+          </ac:spMkLst>
+        </pc:spChg>
+        <pc:grpChg chg="add mod">
+          <ac:chgData name="Shreya Thakkar" userId="8250697c-6c39-48a4-a3bd-4e6e657dfce2" providerId="ADAL" clId="{C5087647-03AF-41B4-ADA2-A7F16B9C6FCD}" dt="2022-10-25T04:10:27.673" v="980" actId="1036"/>
+          <ac:grpSpMkLst>
+            <pc:docMk/>
+            <pc:sldMk cId="2857100340" sldId="267"/>
+            <ac:grpSpMk id="6" creationId="{CE9D783F-8078-19AE-F8BA-3147163F7D7B}"/>
+          </ac:grpSpMkLst>
+        </pc:grpChg>
+        <pc:grpChg chg="add del mod">
+          <ac:chgData name="Shreya Thakkar" userId="8250697c-6c39-48a4-a3bd-4e6e657dfce2" providerId="ADAL" clId="{C5087647-03AF-41B4-ADA2-A7F16B9C6FCD}" dt="2022-10-25T04:10:52.388" v="984" actId="478"/>
+          <ac:grpSpMkLst>
+            <pc:docMk/>
+            <pc:sldMk cId="2857100340" sldId="267"/>
+            <ac:grpSpMk id="30" creationId="{2F801408-AC03-FA52-170F-E22091171365}"/>
+          </ac:grpSpMkLst>
+        </pc:grpChg>
+        <pc:grpChg chg="add del mod">
+          <ac:chgData name="Shreya Thakkar" userId="8250697c-6c39-48a4-a3bd-4e6e657dfce2" providerId="ADAL" clId="{C5087647-03AF-41B4-ADA2-A7F16B9C6FCD}" dt="2022-10-25T04:10:54.762" v="985" actId="478"/>
+          <ac:grpSpMkLst>
+            <pc:docMk/>
+            <pc:sldMk cId="2857100340" sldId="267"/>
+            <ac:grpSpMk id="31" creationId="{C5E09B91-3895-30A3-F4B5-8B7377C95660}"/>
+          </ac:grpSpMkLst>
+        </pc:grpChg>
+        <pc:picChg chg="add mod modCrop">
+          <ac:chgData name="Shreya Thakkar" userId="8250697c-6c39-48a4-a3bd-4e6e657dfce2" providerId="ADAL" clId="{C5087647-03AF-41B4-ADA2-A7F16B9C6FCD}" dt="2022-10-25T02:55:42.543" v="806" actId="164"/>
+          <ac:picMkLst>
+            <pc:docMk/>
+            <pc:sldMk cId="2857100340" sldId="267"/>
+            <ac:picMk id="4" creationId="{BAFD82EA-DD20-5E23-335F-4983EE9DEF70}"/>
+          </ac:picMkLst>
+        </pc:picChg>
+        <pc:picChg chg="add del mod">
+          <ac:chgData name="Shreya Thakkar" userId="8250697c-6c39-48a4-a3bd-4e6e657dfce2" providerId="ADAL" clId="{C5087647-03AF-41B4-ADA2-A7F16B9C6FCD}" dt="2022-10-25T04:06:13.910" v="905" actId="478"/>
+          <ac:picMkLst>
+            <pc:docMk/>
+            <pc:sldMk cId="2857100340" sldId="267"/>
+            <ac:picMk id="8" creationId="{749500F4-4152-8B9C-AED5-3B6D95B49A93}"/>
+          </ac:picMkLst>
+        </pc:picChg>
+        <pc:picChg chg="add del mod ord">
+          <ac:chgData name="Shreya Thakkar" userId="8250697c-6c39-48a4-a3bd-4e6e657dfce2" providerId="ADAL" clId="{C5087647-03AF-41B4-ADA2-A7F16B9C6FCD}" dt="2022-10-25T03:40:52.542" v="883" actId="478"/>
+          <ac:picMkLst>
+            <pc:docMk/>
+            <pc:sldMk cId="2857100340" sldId="267"/>
+            <ac:picMk id="11" creationId="{474B2C94-6CCC-1C64-4487-6716011A9429}"/>
+          </ac:picMkLst>
+        </pc:picChg>
+        <pc:picChg chg="add del mod">
+          <ac:chgData name="Shreya Thakkar" userId="8250697c-6c39-48a4-a3bd-4e6e657dfce2" providerId="ADAL" clId="{C5087647-03AF-41B4-ADA2-A7F16B9C6FCD}" dt="2022-10-25T03:40:43.554" v="881" actId="478"/>
+          <ac:picMkLst>
+            <pc:docMk/>
+            <pc:sldMk cId="2857100340" sldId="267"/>
+            <ac:picMk id="13" creationId="{F9971A65-45EC-3EE1-F2FE-898D02804E0D}"/>
+          </ac:picMkLst>
+        </pc:picChg>
+        <pc:picChg chg="add mod">
+          <ac:chgData name="Shreya Thakkar" userId="8250697c-6c39-48a4-a3bd-4e6e657dfce2" providerId="ADAL" clId="{C5087647-03AF-41B4-ADA2-A7F16B9C6FCD}" dt="2022-10-25T04:09:34.515" v="948" actId="164"/>
+          <ac:picMkLst>
+            <pc:docMk/>
+            <pc:sldMk cId="2857100340" sldId="267"/>
+            <ac:picMk id="15" creationId="{CD36BFFD-EC10-B640-7FF3-612D9EE9BFF0}"/>
+          </ac:picMkLst>
+        </pc:picChg>
+        <pc:picChg chg="add mod">
+          <ac:chgData name="Shreya Thakkar" userId="8250697c-6c39-48a4-a3bd-4e6e657dfce2" providerId="ADAL" clId="{C5087647-03AF-41B4-ADA2-A7F16B9C6FCD}" dt="2022-10-25T04:09:34.515" v="948" actId="164"/>
+          <ac:picMkLst>
+            <pc:docMk/>
+            <pc:sldMk cId="2857100340" sldId="267"/>
+            <ac:picMk id="17" creationId="{910F10EF-75CC-D9A8-88E0-7499FE9A2F4A}"/>
+          </ac:picMkLst>
+        </pc:picChg>
+        <pc:picChg chg="add del mod">
+          <ac:chgData name="Shreya Thakkar" userId="8250697c-6c39-48a4-a3bd-4e6e657dfce2" providerId="ADAL" clId="{C5087647-03AF-41B4-ADA2-A7F16B9C6FCD}" dt="2022-10-25T03:48:21.549" v="900" actId="478"/>
+          <ac:picMkLst>
+            <pc:docMk/>
+            <pc:sldMk cId="2857100340" sldId="267"/>
+            <ac:picMk id="19" creationId="{DD15138F-61E4-7C2D-971C-9ED108519FBD}"/>
+          </ac:picMkLst>
+        </pc:picChg>
+        <pc:picChg chg="add del mod">
+          <ac:chgData name="Shreya Thakkar" userId="8250697c-6c39-48a4-a3bd-4e6e657dfce2" providerId="ADAL" clId="{C5087647-03AF-41B4-ADA2-A7F16B9C6FCD}" dt="2022-10-25T04:07:48.284" v="930" actId="478"/>
+          <ac:picMkLst>
+            <pc:docMk/>
+            <pc:sldMk cId="2857100340" sldId="267"/>
+            <ac:picMk id="23" creationId="{55DD07E3-2EC9-5B64-5016-4C90E39F9EF5}"/>
+          </ac:picMkLst>
+        </pc:picChg>
+        <pc:picChg chg="add mod">
+          <ac:chgData name="Shreya Thakkar" userId="8250697c-6c39-48a4-a3bd-4e6e657dfce2" providerId="ADAL" clId="{C5087647-03AF-41B4-ADA2-A7F16B9C6FCD}" dt="2022-10-25T04:09:39.688" v="949" actId="164"/>
+          <ac:picMkLst>
+            <pc:docMk/>
+            <pc:sldMk cId="2857100340" sldId="267"/>
+            <ac:picMk id="25" creationId="{2E24F1DD-D0FC-DD8A-D90D-D296E2B745BF}"/>
+          </ac:picMkLst>
+        </pc:picChg>
+        <pc:picChg chg="add mod">
+          <ac:chgData name="Shreya Thakkar" userId="8250697c-6c39-48a4-a3bd-4e6e657dfce2" providerId="ADAL" clId="{C5087647-03AF-41B4-ADA2-A7F16B9C6FCD}" dt="2022-10-25T04:09:34.515" v="948" actId="164"/>
+          <ac:picMkLst>
+            <pc:docMk/>
+            <pc:sldMk cId="2857100340" sldId="267"/>
+            <ac:picMk id="27" creationId="{A4A3191F-87C6-5321-0CCF-83D95F86EC8B}"/>
+          </ac:picMkLst>
+        </pc:picChg>
+        <pc:picChg chg="add mod">
+          <ac:chgData name="Shreya Thakkar" userId="8250697c-6c39-48a4-a3bd-4e6e657dfce2" providerId="ADAL" clId="{C5087647-03AF-41B4-ADA2-A7F16B9C6FCD}" dt="2022-10-25T04:09:39.688" v="949" actId="164"/>
+          <ac:picMkLst>
+            <pc:docMk/>
+            <pc:sldMk cId="2857100340" sldId="267"/>
+            <ac:picMk id="29" creationId="{6BA18399-7A7B-F4FA-D3BD-75123EAE9016}"/>
+          </ac:picMkLst>
+        </pc:picChg>
+        <pc:picChg chg="add del mod">
+          <ac:chgData name="Shreya Thakkar" userId="8250697c-6c39-48a4-a3bd-4e6e657dfce2" providerId="ADAL" clId="{C5087647-03AF-41B4-ADA2-A7F16B9C6FCD}" dt="2022-10-25T03:18:48.063" v="820" actId="478"/>
+          <ac:picMkLst>
+            <pc:docMk/>
+            <pc:sldMk cId="2857100340" sldId="267"/>
+            <ac:picMk id="1026" creationId="{12B34625-A148-8652-B78D-60080D07C238}"/>
+          </ac:picMkLst>
+        </pc:picChg>
+      </pc:sldChg>
+      <pc:sldChg chg="addSp delSp modSp add mod modAnim">
+        <pc:chgData name="Shreya Thakkar" userId="8250697c-6c39-48a4-a3bd-4e6e657dfce2" providerId="ADAL" clId="{C5087647-03AF-41B4-ADA2-A7F16B9C6FCD}" dt="2022-10-25T04:56:20.880" v="1530"/>
+        <pc:sldMkLst>
+          <pc:docMk/>
+          <pc:sldMk cId="260391411" sldId="268"/>
+        </pc:sldMkLst>
+        <pc:spChg chg="mod">
+          <ac:chgData name="Shreya Thakkar" userId="8250697c-6c39-48a4-a3bd-4e6e657dfce2" providerId="ADAL" clId="{C5087647-03AF-41B4-ADA2-A7F16B9C6FCD}" dt="2022-10-25T04:47:14.106" v="1423" actId="1076"/>
+          <ac:spMkLst>
+            <pc:docMk/>
+            <pc:sldMk cId="260391411" sldId="268"/>
+            <ac:spMk id="2" creationId="{32561ECF-EE45-EA00-2C36-4C60BF89D9C4}"/>
+          </ac:spMkLst>
+        </pc:spChg>
+        <pc:spChg chg="add del mod">
+          <ac:chgData name="Shreya Thakkar" userId="8250697c-6c39-48a4-a3bd-4e6e657dfce2" providerId="ADAL" clId="{C5087647-03AF-41B4-ADA2-A7F16B9C6FCD}" dt="2022-10-25T04:11:30.506" v="989"/>
+          <ac:spMkLst>
+            <pc:docMk/>
+            <pc:sldMk cId="260391411" sldId="268"/>
+            <ac:spMk id="3" creationId="{5443DE5B-8A67-EFED-5CE5-05F280B01FDA}"/>
+          </ac:spMkLst>
+        </pc:spChg>
+        <pc:spChg chg="add mod">
+          <ac:chgData name="Shreya Thakkar" userId="8250697c-6c39-48a4-a3bd-4e6e657dfce2" providerId="ADAL" clId="{C5087647-03AF-41B4-ADA2-A7F16B9C6FCD}" dt="2022-10-25T04:12:55.210" v="1004" actId="1076"/>
+          <ac:spMkLst>
+            <pc:docMk/>
+            <pc:sldMk cId="260391411" sldId="268"/>
+            <ac:spMk id="7" creationId="{E0265B39-A7DF-B205-17AC-06962E5F8F56}"/>
+          </ac:spMkLst>
+        </pc:spChg>
+        <pc:spChg chg="add mod">
+          <ac:chgData name="Shreya Thakkar" userId="8250697c-6c39-48a4-a3bd-4e6e657dfce2" providerId="ADAL" clId="{C5087647-03AF-41B4-ADA2-A7F16B9C6FCD}" dt="2022-10-25T04:13:27.890" v="1052" actId="1076"/>
+          <ac:spMkLst>
+            <pc:docMk/>
+            <pc:sldMk cId="260391411" sldId="268"/>
+            <ac:spMk id="8" creationId="{97F734CC-42F9-32E5-EBF8-E0C2DD7DF238}"/>
+          </ac:spMkLst>
+        </pc:spChg>
+        <pc:grpChg chg="add mod">
+          <ac:chgData name="Shreya Thakkar" userId="8250697c-6c39-48a4-a3bd-4e6e657dfce2" providerId="ADAL" clId="{C5087647-03AF-41B4-ADA2-A7F16B9C6FCD}" dt="2022-10-25T04:56:01.912" v="1529" actId="164"/>
+          <ac:grpSpMkLst>
+            <pc:docMk/>
+            <pc:sldMk cId="260391411" sldId="268"/>
+            <ac:grpSpMk id="9" creationId="{DD0F795A-9429-9B92-66EB-E00A85D9BD93}"/>
+          </ac:grpSpMkLst>
+        </pc:grpChg>
+        <pc:grpChg chg="mod">
+          <ac:chgData name="Shreya Thakkar" userId="8250697c-6c39-48a4-a3bd-4e6e657dfce2" providerId="ADAL" clId="{C5087647-03AF-41B4-ADA2-A7F16B9C6FCD}" dt="2022-10-25T04:56:01.912" v="1529" actId="164"/>
+          <ac:grpSpMkLst>
+            <pc:docMk/>
+            <pc:sldMk cId="260391411" sldId="268"/>
+            <ac:grpSpMk id="30" creationId="{2F801408-AC03-FA52-170F-E22091171365}"/>
+          </ac:grpSpMkLst>
+        </pc:grpChg>
+        <pc:grpChg chg="mod">
+          <ac:chgData name="Shreya Thakkar" userId="8250697c-6c39-48a4-a3bd-4e6e657dfce2" providerId="ADAL" clId="{C5087647-03AF-41B4-ADA2-A7F16B9C6FCD}" dt="2022-10-25T04:56:01.912" v="1529" actId="164"/>
+          <ac:grpSpMkLst>
+            <pc:docMk/>
+            <pc:sldMk cId="260391411" sldId="268"/>
+            <ac:grpSpMk id="31" creationId="{C5E09B91-3895-30A3-F4B5-8B7377C95660}"/>
+          </ac:grpSpMkLst>
+        </pc:grpChg>
+      </pc:sldChg>
+      <pc:sldChg chg="delSp modSp add del mod ord">
+        <pc:chgData name="Shreya Thakkar" userId="8250697c-6c39-48a4-a3bd-4e6e657dfce2" providerId="ADAL" clId="{C5087647-03AF-41B4-ADA2-A7F16B9C6FCD}" dt="2022-10-25T04:55:56.311" v="1528" actId="47"/>
+        <pc:sldMkLst>
+          <pc:docMk/>
+          <pc:sldMk cId="674029366" sldId="269"/>
+        </pc:sldMkLst>
+        <pc:spChg chg="mod">
+          <ac:chgData name="Shreya Thakkar" userId="8250697c-6c39-48a4-a3bd-4e6e657dfce2" providerId="ADAL" clId="{C5087647-03AF-41B4-ADA2-A7F16B9C6FCD}" dt="2022-10-25T04:47:23.345" v="1424" actId="1076"/>
+          <ac:spMkLst>
+            <pc:docMk/>
+            <pc:sldMk cId="674029366" sldId="269"/>
+            <ac:spMk id="2" creationId="{32561ECF-EE45-EA00-2C36-4C60BF89D9C4}"/>
+          </ac:spMkLst>
+        </pc:spChg>
+        <pc:spChg chg="del">
+          <ac:chgData name="Shreya Thakkar" userId="8250697c-6c39-48a4-a3bd-4e6e657dfce2" providerId="ADAL" clId="{C5087647-03AF-41B4-ADA2-A7F16B9C6FCD}" dt="2022-10-25T04:13:37.821" v="1054" actId="478"/>
+          <ac:spMkLst>
+            <pc:docMk/>
+            <pc:sldMk cId="674029366" sldId="269"/>
+            <ac:spMk id="8" creationId="{97F734CC-42F9-32E5-EBF8-E0C2DD7DF238}"/>
+          </ac:spMkLst>
+        </pc:spChg>
+        <pc:grpChg chg="del">
+          <ac:chgData name="Shreya Thakkar" userId="8250697c-6c39-48a4-a3bd-4e6e657dfce2" providerId="ADAL" clId="{C5087647-03AF-41B4-ADA2-A7F16B9C6FCD}" dt="2022-10-25T04:13:37.821" v="1054" actId="478"/>
+          <ac:grpSpMkLst>
+            <pc:docMk/>
+            <pc:sldMk cId="674029366" sldId="269"/>
+            <ac:grpSpMk id="30" creationId="{2F801408-AC03-FA52-170F-E22091171365}"/>
+          </ac:grpSpMkLst>
+        </pc:grpChg>
+        <pc:grpChg chg="del">
+          <ac:chgData name="Shreya Thakkar" userId="8250697c-6c39-48a4-a3bd-4e6e657dfce2" providerId="ADAL" clId="{C5087647-03AF-41B4-ADA2-A7F16B9C6FCD}" dt="2022-10-25T04:13:39.915" v="1055" actId="478"/>
+          <ac:grpSpMkLst>
+            <pc:docMk/>
+            <pc:sldMk cId="674029366" sldId="269"/>
+            <ac:grpSpMk id="31" creationId="{C5E09B91-3895-30A3-F4B5-8B7377C95660}"/>
+          </ac:grpSpMkLst>
+        </pc:grpChg>
+      </pc:sldChg>
+      <pc:sldChg chg="addSp delSp modSp add mod modAnim">
+        <pc:chgData name="Shreya Thakkar" userId="8250697c-6c39-48a4-a3bd-4e6e657dfce2" providerId="ADAL" clId="{C5087647-03AF-41B4-ADA2-A7F16B9C6FCD}" dt="2022-10-25T04:56:34.517" v="1531"/>
+        <pc:sldMkLst>
+          <pc:docMk/>
+          <pc:sldMk cId="1366530771" sldId="270"/>
+        </pc:sldMkLst>
+        <pc:spChg chg="mod topLvl">
+          <ac:chgData name="Shreya Thakkar" userId="8250697c-6c39-48a4-a3bd-4e6e657dfce2" providerId="ADAL" clId="{C5087647-03AF-41B4-ADA2-A7F16B9C6FCD}" dt="2022-10-25T04:55:44.305" v="1527" actId="164"/>
+          <ac:spMkLst>
+            <pc:docMk/>
+            <pc:sldMk cId="1366530771" sldId="270"/>
+            <ac:spMk id="9" creationId="{C2B366FD-C14C-E797-6803-1F2C0F7546B4}"/>
+          </ac:spMkLst>
+        </pc:spChg>
+        <pc:spChg chg="mod topLvl">
+          <ac:chgData name="Shreya Thakkar" userId="8250697c-6c39-48a4-a3bd-4e6e657dfce2" providerId="ADAL" clId="{C5087647-03AF-41B4-ADA2-A7F16B9C6FCD}" dt="2022-10-25T04:55:44.305" v="1527" actId="164"/>
+          <ac:spMkLst>
+            <pc:docMk/>
+            <pc:sldMk cId="1366530771" sldId="270"/>
+            <ac:spMk id="10" creationId="{ED76FF4B-92BE-7028-182E-5C1FDB77068D}"/>
+          </ac:spMkLst>
+        </pc:spChg>
+        <pc:spChg chg="mod topLvl">
+          <ac:chgData name="Shreya Thakkar" userId="8250697c-6c39-48a4-a3bd-4e6e657dfce2" providerId="ADAL" clId="{C5087647-03AF-41B4-ADA2-A7F16B9C6FCD}" dt="2022-10-25T04:55:44.305" v="1527" actId="164"/>
+          <ac:spMkLst>
+            <pc:docMk/>
+            <pc:sldMk cId="1366530771" sldId="270"/>
+            <ac:spMk id="12" creationId="{BD6CCB45-8781-8BD7-EF34-9CF48C539162}"/>
+          </ac:spMkLst>
+        </pc:spChg>
+        <pc:grpChg chg="add mod">
+          <ac:chgData name="Shreya Thakkar" userId="8250697c-6c39-48a4-a3bd-4e6e657dfce2" providerId="ADAL" clId="{C5087647-03AF-41B4-ADA2-A7F16B9C6FCD}" dt="2022-10-25T04:55:44.305" v="1527" actId="164"/>
+          <ac:grpSpMkLst>
+            <pc:docMk/>
+            <pc:sldMk cId="1366530771" sldId="270"/>
+            <ac:grpSpMk id="3" creationId="{9F4B8569-AD69-E2A6-F0D0-03207506BC7E}"/>
+          </ac:grpSpMkLst>
+        </pc:grpChg>
+        <pc:grpChg chg="del mod topLvl">
+          <ac:chgData name="Shreya Thakkar" userId="8250697c-6c39-48a4-a3bd-4e6e657dfce2" providerId="ADAL" clId="{C5087647-03AF-41B4-ADA2-A7F16B9C6FCD}" dt="2022-10-25T04:54:50.739" v="1514" actId="165"/>
+          <ac:grpSpMkLst>
+            <pc:docMk/>
+            <pc:sldMk cId="1366530771" sldId="270"/>
+            <ac:grpSpMk id="11" creationId="{E582CA1B-9C86-D614-5BE7-02909F22D4C3}"/>
+          </ac:grpSpMkLst>
+        </pc:grpChg>
+        <pc:grpChg chg="del mod topLvl">
+          <ac:chgData name="Shreya Thakkar" userId="8250697c-6c39-48a4-a3bd-4e6e657dfce2" providerId="ADAL" clId="{C5087647-03AF-41B4-ADA2-A7F16B9C6FCD}" dt="2022-10-25T04:54:45.032" v="1513" actId="165"/>
+          <ac:grpSpMkLst>
+            <pc:docMk/>
+            <pc:sldMk cId="1366530771" sldId="270"/>
+            <ac:grpSpMk id="13" creationId="{69527A19-3FE3-34DB-A2DC-384DC432B2E0}"/>
+          </ac:grpSpMkLst>
+        </pc:grpChg>
+        <pc:grpChg chg="del">
+          <ac:chgData name="Shreya Thakkar" userId="8250697c-6c39-48a4-a3bd-4e6e657dfce2" providerId="ADAL" clId="{C5087647-03AF-41B4-ADA2-A7F16B9C6FCD}" dt="2022-10-25T04:54:34.742" v="1512" actId="165"/>
+          <ac:grpSpMkLst>
+            <pc:docMk/>
+            <pc:sldMk cId="1366530771" sldId="270"/>
+            <ac:grpSpMk id="18" creationId="{68AC46A5-A296-30BF-7F90-AF4E7746609E}"/>
+          </ac:grpSpMkLst>
+        </pc:grpChg>
+        <pc:picChg chg="mod topLvl">
+          <ac:chgData name="Shreya Thakkar" userId="8250697c-6c39-48a4-a3bd-4e6e657dfce2" providerId="ADAL" clId="{C5087647-03AF-41B4-ADA2-A7F16B9C6FCD}" dt="2022-10-25T04:55:44.305" v="1527" actId="164"/>
+          <ac:picMkLst>
+            <pc:docMk/>
+            <pc:sldMk cId="1366530771" sldId="270"/>
+            <ac:picMk id="2052" creationId="{D5893C17-D254-75F1-2785-9F83E4124687}"/>
+          </ac:picMkLst>
+        </pc:picChg>
+      </pc:sldChg>
+      <pc:sldChg chg="add">
+        <pc:chgData name="Shreya Thakkar" userId="8250697c-6c39-48a4-a3bd-4e6e657dfce2" providerId="ADAL" clId="{C5087647-03AF-41B4-ADA2-A7F16B9C6FCD}" dt="2022-10-25T05:03:53.155" v="1540" actId="2890"/>
+        <pc:sldMkLst>
+          <pc:docMk/>
+          <pc:sldMk cId="3451731900" sldId="271"/>
+        </pc:sldMkLst>
       </pc:sldChg>
     </pc:docChg>
   </pc:docChgLst>
@@ -570,7 +1748,7 @@
           <a:p>
             <a:fld id="{646B853F-10A2-45A4-A8F3-36315CFC3086}" type="datetimeFigureOut">
               <a:rPr lang="en-US" smtClean="0"/>
-              <a:t>10/21/2022</a:t>
+              <a:t>10/24/2022</a:t>
             </a:fld>
             <a:endParaRPr lang="en-US"/>
           </a:p>
@@ -881,39 +2059,6 @@
           <a:bodyPr/>
           <a:lstStyle/>
           <a:p>
-            <a:r>
-              <a:rPr lang="en-US" b="0" i="0" dirty="0">
-                <a:solidFill>
-                  <a:srgbClr val="1F1F1F"/>
-                </a:solidFill>
-                <a:effectLst/>
-                <a:latin typeface="Google Sans Text"/>
-              </a:rPr>
-              <a:t>Data comes from </a:t>
-            </a:r>
-            <a:r>
-              <a:rPr lang="en-US" b="0" i="0" u="none" strike="noStrike" dirty="0">
-                <a:solidFill>
-                  <a:srgbClr val="0B57D0"/>
-                </a:solidFill>
-                <a:effectLst/>
-                <a:latin typeface="Google Sans Text"/>
-                <a:hlinkClick r:id="rId3"/>
-              </a:rPr>
-              <a:t>Wikipedia</a:t>
-            </a:r>
-            <a:r>
-              <a:rPr lang="en-US" b="0" i="0" dirty="0">
-                <a:solidFill>
-                  <a:srgbClr val="1F1F1F"/>
-                </a:solidFill>
-                <a:effectLst/>
-                <a:latin typeface="Google Sans Text"/>
-              </a:rPr>
-              <a:t>, government health ministries, The New York Times, and other authoritative sources, as attributed</a:t>
-            </a:r>
-          </a:p>
-          <a:p>
             <a:endParaRPr lang="en-US" b="0" i="0" dirty="0">
               <a:solidFill>
                 <a:srgbClr val="1F1F1F"/>
@@ -944,7 +2089,7 @@
           <a:p>
             <a:fld id="{6EA779CC-C631-41A6-BBA5-0EAF58CA500F}" type="slidenum">
               <a:rPr lang="en-US" smtClean="0"/>
-              <a:t>2</a:t>
+              <a:t>3</a:t>
             </a:fld>
             <a:endParaRPr lang="en-US"/>
           </a:p>
@@ -953,7 +2098,7 @@
     </p:spTree>
     <p:extLst>
       <p:ext uri="{BB962C8B-B14F-4D97-AF65-F5344CB8AC3E}">
-        <p14:creationId xmlns:p14="http://schemas.microsoft.com/office/powerpoint/2010/main" val="3351624904"/>
+        <p14:creationId xmlns:p14="http://schemas.microsoft.com/office/powerpoint/2010/main" val="818624739"/>
       </p:ext>
     </p:extLst>
   </p:cSld>
@@ -964,132 +2109,6 @@
 </file>
 
 <file path=ppt/notesSlides/notesSlide2.xml><?xml version="1.0" encoding="utf-8"?>
-<p:notes xmlns:a="http://schemas.openxmlformats.org/drawingml/2006/main" xmlns:r="http://schemas.openxmlformats.org/officeDocument/2006/relationships" xmlns:p="http://schemas.openxmlformats.org/presentationml/2006/main">
-  <p:cSld>
-    <p:spTree>
-      <p:nvGrpSpPr>
-        <p:cNvPr id="1" name=""/>
-        <p:cNvGrpSpPr/>
-        <p:nvPr/>
-      </p:nvGrpSpPr>
-      <p:grpSpPr>
-        <a:xfrm>
-          <a:off x="0" y="0"/>
-          <a:ext cx="0" cy="0"/>
-          <a:chOff x="0" y="0"/>
-          <a:chExt cx="0" cy="0"/>
-        </a:xfrm>
-      </p:grpSpPr>
-      <p:sp>
-        <p:nvSpPr>
-          <p:cNvPr id="2" name="Slide Image Placeholder 1"/>
-          <p:cNvSpPr>
-            <a:spLocks noGrp="1" noRot="1" noChangeAspect="1"/>
-          </p:cNvSpPr>
-          <p:nvPr>
-            <p:ph type="sldImg"/>
-          </p:nvPr>
-        </p:nvSpPr>
-        <p:spPr/>
-      </p:sp>
-      <p:sp>
-        <p:nvSpPr>
-          <p:cNvPr id="3" name="Notes Placeholder 2"/>
-          <p:cNvSpPr>
-            <a:spLocks noGrp="1"/>
-          </p:cNvSpPr>
-          <p:nvPr>
-            <p:ph type="body" idx="1"/>
-          </p:nvPr>
-        </p:nvSpPr>
-        <p:spPr/>
-        <p:txBody>
-          <a:bodyPr/>
-          <a:lstStyle/>
-          <a:p>
-            <a:r>
-              <a:rPr lang="en-US" b="0" i="0" dirty="0">
-                <a:solidFill>
-                  <a:srgbClr val="1F1F1F"/>
-                </a:solidFill>
-                <a:effectLst/>
-                <a:latin typeface="Google Sans Text"/>
-              </a:rPr>
-              <a:t>Data comes from </a:t>
-            </a:r>
-            <a:r>
-              <a:rPr lang="en-US" b="0" i="0" u="none" strike="noStrike" dirty="0">
-                <a:solidFill>
-                  <a:srgbClr val="0B57D0"/>
-                </a:solidFill>
-                <a:effectLst/>
-                <a:latin typeface="Google Sans Text"/>
-                <a:hlinkClick r:id="rId3"/>
-              </a:rPr>
-              <a:t>Wikipedia</a:t>
-            </a:r>
-            <a:r>
-              <a:rPr lang="en-US" b="0" i="0" dirty="0">
-                <a:solidFill>
-                  <a:srgbClr val="1F1F1F"/>
-                </a:solidFill>
-                <a:effectLst/>
-                <a:latin typeface="Google Sans Text"/>
-              </a:rPr>
-              <a:t>, government health ministries, The New York Times, and other authoritative sources, as attributed</a:t>
-            </a:r>
-          </a:p>
-          <a:p>
-            <a:endParaRPr lang="en-US" b="0" i="0" dirty="0">
-              <a:solidFill>
-                <a:srgbClr val="1F1F1F"/>
-              </a:solidFill>
-              <a:effectLst/>
-              <a:latin typeface="Google Sans Text"/>
-            </a:endParaRPr>
-          </a:p>
-          <a:p>
-            <a:endParaRPr lang="en-US" dirty="0"/>
-          </a:p>
-        </p:txBody>
-      </p:sp>
-      <p:sp>
-        <p:nvSpPr>
-          <p:cNvPr id="4" name="Slide Number Placeholder 3"/>
-          <p:cNvSpPr>
-            <a:spLocks noGrp="1"/>
-          </p:cNvSpPr>
-          <p:nvPr>
-            <p:ph type="sldNum" sz="quarter" idx="5"/>
-          </p:nvPr>
-        </p:nvSpPr>
-        <p:spPr/>
-        <p:txBody>
-          <a:bodyPr/>
-          <a:lstStyle/>
-          <a:p>
-            <a:fld id="{6EA779CC-C631-41A6-BBA5-0EAF58CA500F}" type="slidenum">
-              <a:rPr lang="en-US" smtClean="0"/>
-              <a:t>3</a:t>
-            </a:fld>
-            <a:endParaRPr lang="en-US"/>
-          </a:p>
-        </p:txBody>
-      </p:sp>
-    </p:spTree>
-    <p:extLst>
-      <p:ext uri="{BB962C8B-B14F-4D97-AF65-F5344CB8AC3E}">
-        <p14:creationId xmlns:p14="http://schemas.microsoft.com/office/powerpoint/2010/main" val="1743978232"/>
-      </p:ext>
-    </p:extLst>
-  </p:cSld>
-  <p:clrMapOvr>
-    <a:masterClrMapping/>
-  </p:clrMapOvr>
-</p:notes>
-</file>
-
-<file path=ppt/notesSlides/notesSlide3.xml><?xml version="1.0" encoding="utf-8"?>
 <p:notes xmlns:a="http://schemas.openxmlformats.org/drawingml/2006/main" xmlns:r="http://schemas.openxmlformats.org/officeDocument/2006/relationships" xmlns:p="http://schemas.openxmlformats.org/presentationml/2006/main">
   <p:cSld>
     <p:spTree>
@@ -1326,7 +2345,7 @@
           <a:p>
             <a:fld id="{7ABAF4FD-FC41-49D9-8AF6-B892CFC8B04F}" type="datetimeFigureOut">
               <a:rPr lang="en-US" smtClean="0"/>
-              <a:t>10/21/2022</a:t>
+              <a:t>10/24/2022</a:t>
             </a:fld>
             <a:endParaRPr lang="en-US"/>
           </a:p>
@@ -1524,7 +2543,7 @@
           <a:p>
             <a:fld id="{7ABAF4FD-FC41-49D9-8AF6-B892CFC8B04F}" type="datetimeFigureOut">
               <a:rPr lang="en-US" smtClean="0"/>
-              <a:t>10/21/2022</a:t>
+              <a:t>10/24/2022</a:t>
             </a:fld>
             <a:endParaRPr lang="en-US"/>
           </a:p>
@@ -1732,7 +2751,7 @@
           <a:p>
             <a:fld id="{7ABAF4FD-FC41-49D9-8AF6-B892CFC8B04F}" type="datetimeFigureOut">
               <a:rPr lang="en-US" smtClean="0"/>
-              <a:t>10/21/2022</a:t>
+              <a:t>10/24/2022</a:t>
             </a:fld>
             <a:endParaRPr lang="en-US"/>
           </a:p>
@@ -1796,6 +2815,1868 @@
     <p:extLst>
       <p:ext uri="{BB962C8B-B14F-4D97-AF65-F5344CB8AC3E}">
         <p14:creationId xmlns:p14="http://schemas.microsoft.com/office/powerpoint/2010/main" val="2636543395"/>
+      </p:ext>
+    </p:extLst>
+  </p:cSld>
+  <p:clrMapOvr>
+    <a:masterClrMapping/>
+  </p:clrMapOvr>
+</p:sldLayout>
+</file>
+
+<file path=ppt/slideLayouts/slideLayout12.xml><?xml version="1.0" encoding="utf-8"?>
+<p:sldLayout xmlns:a="http://schemas.openxmlformats.org/drawingml/2006/main" xmlns:r="http://schemas.openxmlformats.org/officeDocument/2006/relationships" xmlns:p="http://schemas.openxmlformats.org/presentationml/2006/main" type="title" preserve="1">
+  <p:cSld name="Title Slide">
+    <p:spTree>
+      <p:nvGrpSpPr>
+        <p:cNvPr id="1" name=""/>
+        <p:cNvGrpSpPr/>
+        <p:nvPr/>
+      </p:nvGrpSpPr>
+      <p:grpSpPr>
+        <a:xfrm>
+          <a:off x="0" y="0"/>
+          <a:ext cx="0" cy="0"/>
+          <a:chOff x="0" y="0"/>
+          <a:chExt cx="0" cy="0"/>
+        </a:xfrm>
+      </p:grpSpPr>
+      <p:sp>
+        <p:nvSpPr>
+          <p:cNvPr id="2" name="Title 1"/>
+          <p:cNvSpPr>
+            <a:spLocks noGrp="1"/>
+          </p:cNvSpPr>
+          <p:nvPr>
+            <p:ph type="ctrTitle"/>
+          </p:nvPr>
+        </p:nvSpPr>
+        <p:spPr>
+          <a:xfrm>
+            <a:off x="1524000" y="1122363"/>
+            <a:ext cx="9144000" cy="2387600"/>
+          </a:xfrm>
+        </p:spPr>
+        <p:txBody>
+          <a:bodyPr anchor="b"/>
+          <a:lstStyle>
+            <a:lvl1pPr algn="ctr">
+              <a:defRPr sz="4500"/>
+            </a:lvl1pPr>
+          </a:lstStyle>
+          <a:p>
+            <a:r>
+              <a:rPr lang="en-US"/>
+              <a:t>Click to edit Master title style</a:t>
+            </a:r>
+            <a:endParaRPr lang="en-US" dirty="0"/>
+          </a:p>
+        </p:txBody>
+      </p:sp>
+      <p:sp>
+        <p:nvSpPr>
+          <p:cNvPr id="3" name="Subtitle 2"/>
+          <p:cNvSpPr>
+            <a:spLocks noGrp="1"/>
+          </p:cNvSpPr>
+          <p:nvPr>
+            <p:ph type="subTitle" idx="1"/>
+          </p:nvPr>
+        </p:nvSpPr>
+        <p:spPr>
+          <a:xfrm>
+            <a:off x="1524000" y="3602038"/>
+            <a:ext cx="9144000" cy="1655763"/>
+          </a:xfrm>
+        </p:spPr>
+        <p:txBody>
+          <a:bodyPr/>
+          <a:lstStyle>
+            <a:lvl1pPr marL="0" indent="0" algn="ctr">
+              <a:buNone/>
+              <a:defRPr sz="2400">
+                <a:solidFill>
+                  <a:schemeClr val="accent1"/>
+                </a:solidFill>
+              </a:defRPr>
+            </a:lvl1pPr>
+            <a:lvl2pPr marL="342891" indent="0" algn="ctr">
+              <a:buNone/>
+              <a:defRPr sz="1500"/>
+            </a:lvl2pPr>
+            <a:lvl3pPr marL="685783" indent="0" algn="ctr">
+              <a:buNone/>
+              <a:defRPr sz="1351"/>
+            </a:lvl3pPr>
+            <a:lvl4pPr marL="1028674" indent="0" algn="ctr">
+              <a:buNone/>
+              <a:defRPr sz="1200"/>
+            </a:lvl4pPr>
+            <a:lvl5pPr marL="1371566" indent="0" algn="ctr">
+              <a:buNone/>
+              <a:defRPr sz="1200"/>
+            </a:lvl5pPr>
+            <a:lvl6pPr marL="1714457" indent="0" algn="ctr">
+              <a:buNone/>
+              <a:defRPr sz="1200"/>
+            </a:lvl6pPr>
+            <a:lvl7pPr marL="2057349" indent="0" algn="ctr">
+              <a:buNone/>
+              <a:defRPr sz="1200"/>
+            </a:lvl7pPr>
+            <a:lvl8pPr marL="2400240" indent="0" algn="ctr">
+              <a:buNone/>
+              <a:defRPr sz="1200"/>
+            </a:lvl8pPr>
+            <a:lvl9pPr marL="2743131" indent="0" algn="ctr">
+              <a:buNone/>
+              <a:defRPr sz="1200"/>
+            </a:lvl9pPr>
+          </a:lstStyle>
+          <a:p>
+            <a:r>
+              <a:rPr lang="en-US" dirty="0"/>
+              <a:t>Click to edit Master subtitle style</a:t>
+            </a:r>
+          </a:p>
+        </p:txBody>
+      </p:sp>
+      <p:sp>
+        <p:nvSpPr>
+          <p:cNvPr id="5" name="Footer Placeholder 4"/>
+          <p:cNvSpPr>
+            <a:spLocks noGrp="1"/>
+          </p:cNvSpPr>
+          <p:nvPr>
+            <p:ph type="ftr" sz="quarter" idx="11"/>
+          </p:nvPr>
+        </p:nvSpPr>
+        <p:spPr>
+          <a:xfrm>
+            <a:off x="4038601" y="6356352"/>
+            <a:ext cx="4114800" cy="365125"/>
+          </a:xfrm>
+          <a:prstGeom prst="rect">
+            <a:avLst/>
+          </a:prstGeom>
+        </p:spPr>
+        <p:txBody>
+          <a:bodyPr/>
+          <a:lstStyle>
+            <a:lvl1pPr>
+              <a:defRPr sz="1200"/>
+            </a:lvl1pPr>
+          </a:lstStyle>
+          <a:p>
+            <a:endParaRPr lang="en-US" dirty="0"/>
+          </a:p>
+        </p:txBody>
+      </p:sp>
+      <p:sp>
+        <p:nvSpPr>
+          <p:cNvPr id="6" name="Slide Number Placeholder 5"/>
+          <p:cNvSpPr>
+            <a:spLocks noGrp="1"/>
+          </p:cNvSpPr>
+          <p:nvPr>
+            <p:ph type="sldNum" sz="quarter" idx="12"/>
+          </p:nvPr>
+        </p:nvSpPr>
+        <p:spPr>
+          <a:xfrm>
+            <a:off x="8610601" y="6356352"/>
+            <a:ext cx="2743200" cy="365125"/>
+          </a:xfrm>
+          <a:prstGeom prst="rect">
+            <a:avLst/>
+          </a:prstGeom>
+        </p:spPr>
+        <p:txBody>
+          <a:bodyPr/>
+          <a:lstStyle>
+            <a:lvl1pPr>
+              <a:defRPr sz="1200"/>
+            </a:lvl1pPr>
+          </a:lstStyle>
+          <a:p>
+            <a:fld id="{0B8F101A-5762-A94D-B26B-936FC3619C3C}" type="slidenum">
+              <a:rPr lang="en-US" smtClean="0"/>
+              <a:pPr/>
+              <a:t>‹#›</a:t>
+            </a:fld>
+            <a:endParaRPr lang="en-US" dirty="0"/>
+          </a:p>
+        </p:txBody>
+      </p:sp>
+    </p:spTree>
+    <p:extLst>
+      <p:ext uri="{BB962C8B-B14F-4D97-AF65-F5344CB8AC3E}">
+        <p14:creationId xmlns:p14="http://schemas.microsoft.com/office/powerpoint/2010/main" val="3093890704"/>
+      </p:ext>
+    </p:extLst>
+  </p:cSld>
+  <p:clrMapOvr>
+    <a:masterClrMapping/>
+  </p:clrMapOvr>
+</p:sldLayout>
+</file>
+
+<file path=ppt/slideLayouts/slideLayout13.xml><?xml version="1.0" encoding="utf-8"?>
+<p:sldLayout xmlns:a="http://schemas.openxmlformats.org/drawingml/2006/main" xmlns:r="http://schemas.openxmlformats.org/officeDocument/2006/relationships" xmlns:p="http://schemas.openxmlformats.org/presentationml/2006/main" type="obj" preserve="1">
+  <p:cSld name="Title and Content">
+    <p:spTree>
+      <p:nvGrpSpPr>
+        <p:cNvPr id="1" name=""/>
+        <p:cNvGrpSpPr/>
+        <p:nvPr/>
+      </p:nvGrpSpPr>
+      <p:grpSpPr>
+        <a:xfrm>
+          <a:off x="0" y="0"/>
+          <a:ext cx="0" cy="0"/>
+          <a:chOff x="0" y="0"/>
+          <a:chExt cx="0" cy="0"/>
+        </a:xfrm>
+      </p:grpSpPr>
+      <p:sp>
+        <p:nvSpPr>
+          <p:cNvPr id="2" name="Title 1"/>
+          <p:cNvSpPr>
+            <a:spLocks noGrp="1"/>
+          </p:cNvSpPr>
+          <p:nvPr>
+            <p:ph type="title"/>
+          </p:nvPr>
+        </p:nvSpPr>
+        <p:spPr>
+          <a:xfrm>
+            <a:off x="838201" y="512065"/>
+            <a:ext cx="10515600" cy="1083980"/>
+          </a:xfrm>
+        </p:spPr>
+        <p:txBody>
+          <a:bodyPr/>
+          <a:lstStyle/>
+          <a:p>
+            <a:r>
+              <a:rPr lang="en-US"/>
+              <a:t>Click to edit Master title style</a:t>
+            </a:r>
+            <a:endParaRPr lang="en-US" dirty="0"/>
+          </a:p>
+        </p:txBody>
+      </p:sp>
+      <p:sp>
+        <p:nvSpPr>
+          <p:cNvPr id="3" name="Content Placeholder 2"/>
+          <p:cNvSpPr>
+            <a:spLocks noGrp="1"/>
+          </p:cNvSpPr>
+          <p:nvPr>
+            <p:ph idx="1"/>
+          </p:nvPr>
+        </p:nvSpPr>
+        <p:spPr>
+          <a:xfrm>
+            <a:off x="838201" y="1596044"/>
+            <a:ext cx="10515600" cy="4580920"/>
+          </a:xfrm>
+        </p:spPr>
+        <p:txBody>
+          <a:bodyPr/>
+          <a:lstStyle>
+            <a:lvl1pPr>
+              <a:buClr>
+                <a:schemeClr val="bg2"/>
+              </a:buClr>
+              <a:defRPr/>
+            </a:lvl1pPr>
+            <a:lvl2pPr>
+              <a:buClr>
+                <a:schemeClr val="bg2"/>
+              </a:buClr>
+              <a:defRPr>
+                <a:solidFill>
+                  <a:schemeClr val="tx2"/>
+                </a:solidFill>
+              </a:defRPr>
+            </a:lvl2pPr>
+            <a:lvl3pPr>
+              <a:buClr>
+                <a:schemeClr val="bg2"/>
+              </a:buClr>
+              <a:defRPr>
+                <a:solidFill>
+                  <a:schemeClr val="tx2"/>
+                </a:solidFill>
+              </a:defRPr>
+            </a:lvl3pPr>
+            <a:lvl4pPr>
+              <a:buClr>
+                <a:schemeClr val="bg2"/>
+              </a:buClr>
+              <a:defRPr>
+                <a:solidFill>
+                  <a:schemeClr val="tx2"/>
+                </a:solidFill>
+              </a:defRPr>
+            </a:lvl4pPr>
+            <a:lvl5pPr>
+              <a:buClr>
+                <a:schemeClr val="bg2"/>
+              </a:buClr>
+              <a:defRPr>
+                <a:solidFill>
+                  <a:schemeClr val="tx2"/>
+                </a:solidFill>
+              </a:defRPr>
+            </a:lvl5pPr>
+          </a:lstStyle>
+          <a:p>
+            <a:pPr lvl="0"/>
+            <a:r>
+              <a:rPr lang="en-US" dirty="0"/>
+              <a:t>Click to edit Master text styles</a:t>
+            </a:r>
+          </a:p>
+          <a:p>
+            <a:pPr lvl="1"/>
+            <a:r>
+              <a:rPr lang="en-US" dirty="0"/>
+              <a:t>Second level</a:t>
+            </a:r>
+          </a:p>
+          <a:p>
+            <a:pPr lvl="2"/>
+            <a:r>
+              <a:rPr lang="en-US" dirty="0"/>
+              <a:t>Third level</a:t>
+            </a:r>
+          </a:p>
+          <a:p>
+            <a:pPr lvl="3"/>
+            <a:r>
+              <a:rPr lang="en-US" dirty="0"/>
+              <a:t>Fourth level</a:t>
+            </a:r>
+          </a:p>
+          <a:p>
+            <a:pPr lvl="4"/>
+            <a:r>
+              <a:rPr lang="en-US" dirty="0"/>
+              <a:t>Fifth level</a:t>
+            </a:r>
+          </a:p>
+        </p:txBody>
+      </p:sp>
+      <p:sp>
+        <p:nvSpPr>
+          <p:cNvPr id="5" name="Footer Placeholder 4"/>
+          <p:cNvSpPr>
+            <a:spLocks noGrp="1"/>
+          </p:cNvSpPr>
+          <p:nvPr>
+            <p:ph type="ftr" sz="quarter" idx="11"/>
+          </p:nvPr>
+        </p:nvSpPr>
+        <p:spPr>
+          <a:xfrm>
+            <a:off x="4038601" y="6356352"/>
+            <a:ext cx="4114800" cy="365125"/>
+          </a:xfrm>
+          <a:prstGeom prst="rect">
+            <a:avLst/>
+          </a:prstGeom>
+        </p:spPr>
+        <p:txBody>
+          <a:bodyPr/>
+          <a:lstStyle>
+            <a:lvl1pPr>
+              <a:defRPr sz="1200"/>
+            </a:lvl1pPr>
+          </a:lstStyle>
+          <a:p>
+            <a:endParaRPr lang="en-US" dirty="0"/>
+          </a:p>
+        </p:txBody>
+      </p:sp>
+      <p:sp>
+        <p:nvSpPr>
+          <p:cNvPr id="6" name="Slide Number Placeholder 5"/>
+          <p:cNvSpPr>
+            <a:spLocks noGrp="1"/>
+          </p:cNvSpPr>
+          <p:nvPr>
+            <p:ph type="sldNum" sz="quarter" idx="12"/>
+          </p:nvPr>
+        </p:nvSpPr>
+        <p:spPr>
+          <a:xfrm>
+            <a:off x="8610601" y="6356352"/>
+            <a:ext cx="2743200" cy="365125"/>
+          </a:xfrm>
+          <a:prstGeom prst="rect">
+            <a:avLst/>
+          </a:prstGeom>
+        </p:spPr>
+        <p:txBody>
+          <a:bodyPr/>
+          <a:lstStyle>
+            <a:lvl1pPr>
+              <a:defRPr sz="1200"/>
+            </a:lvl1pPr>
+          </a:lstStyle>
+          <a:p>
+            <a:fld id="{0B8F101A-5762-A94D-B26B-936FC3619C3C}" type="slidenum">
+              <a:rPr lang="en-US" smtClean="0"/>
+              <a:pPr/>
+              <a:t>‹#›</a:t>
+            </a:fld>
+            <a:endParaRPr lang="en-US" dirty="0"/>
+          </a:p>
+        </p:txBody>
+      </p:sp>
+    </p:spTree>
+    <p:extLst>
+      <p:ext uri="{BB962C8B-B14F-4D97-AF65-F5344CB8AC3E}">
+        <p14:creationId xmlns:p14="http://schemas.microsoft.com/office/powerpoint/2010/main" val="4095620750"/>
+      </p:ext>
+    </p:extLst>
+  </p:cSld>
+  <p:clrMapOvr>
+    <a:masterClrMapping/>
+  </p:clrMapOvr>
+</p:sldLayout>
+</file>
+
+<file path=ppt/slideLayouts/slideLayout14.xml><?xml version="1.0" encoding="utf-8"?>
+<p:sldLayout xmlns:a="http://schemas.openxmlformats.org/drawingml/2006/main" xmlns:r="http://schemas.openxmlformats.org/officeDocument/2006/relationships" xmlns:p="http://schemas.openxmlformats.org/presentationml/2006/main" type="secHead" preserve="1">
+  <p:cSld name="Section Header">
+    <p:spTree>
+      <p:nvGrpSpPr>
+        <p:cNvPr id="1" name=""/>
+        <p:cNvGrpSpPr/>
+        <p:nvPr/>
+      </p:nvGrpSpPr>
+      <p:grpSpPr>
+        <a:xfrm>
+          <a:off x="0" y="0"/>
+          <a:ext cx="0" cy="0"/>
+          <a:chOff x="0" y="0"/>
+          <a:chExt cx="0" cy="0"/>
+        </a:xfrm>
+      </p:grpSpPr>
+      <p:sp>
+        <p:nvSpPr>
+          <p:cNvPr id="2" name="Title 1"/>
+          <p:cNvSpPr>
+            <a:spLocks noGrp="1"/>
+          </p:cNvSpPr>
+          <p:nvPr>
+            <p:ph type="title"/>
+          </p:nvPr>
+        </p:nvSpPr>
+        <p:spPr>
+          <a:xfrm>
+            <a:off x="831852" y="1709742"/>
+            <a:ext cx="10515600" cy="2852737"/>
+          </a:xfrm>
+        </p:spPr>
+        <p:txBody>
+          <a:bodyPr anchor="b"/>
+          <a:lstStyle>
+            <a:lvl1pPr algn="ctr">
+              <a:defRPr sz="4500"/>
+            </a:lvl1pPr>
+          </a:lstStyle>
+          <a:p>
+            <a:r>
+              <a:rPr lang="en-US"/>
+              <a:t>Click to edit Master title style</a:t>
+            </a:r>
+            <a:endParaRPr lang="en-US" dirty="0"/>
+          </a:p>
+        </p:txBody>
+      </p:sp>
+      <p:sp>
+        <p:nvSpPr>
+          <p:cNvPr id="3" name="Text Placeholder 2"/>
+          <p:cNvSpPr>
+            <a:spLocks noGrp="1"/>
+          </p:cNvSpPr>
+          <p:nvPr>
+            <p:ph type="body" idx="1"/>
+          </p:nvPr>
+        </p:nvSpPr>
+        <p:spPr>
+          <a:xfrm>
+            <a:off x="831852" y="4589465"/>
+            <a:ext cx="10515600" cy="1500187"/>
+          </a:xfrm>
+        </p:spPr>
+        <p:txBody>
+          <a:bodyPr/>
+          <a:lstStyle>
+            <a:lvl1pPr marL="0" indent="0" algn="ctr">
+              <a:buNone/>
+              <a:defRPr sz="2400">
+                <a:solidFill>
+                  <a:schemeClr val="accent1"/>
+                </a:solidFill>
+              </a:defRPr>
+            </a:lvl1pPr>
+            <a:lvl2pPr marL="342891" indent="0">
+              <a:buNone/>
+              <a:defRPr sz="1500">
+                <a:solidFill>
+                  <a:schemeClr val="tx1">
+                    <a:tint val="75000"/>
+                  </a:schemeClr>
+                </a:solidFill>
+              </a:defRPr>
+            </a:lvl2pPr>
+            <a:lvl3pPr marL="685783" indent="0">
+              <a:buNone/>
+              <a:defRPr sz="1351">
+                <a:solidFill>
+                  <a:schemeClr val="tx1">
+                    <a:tint val="75000"/>
+                  </a:schemeClr>
+                </a:solidFill>
+              </a:defRPr>
+            </a:lvl3pPr>
+            <a:lvl4pPr marL="1028674" indent="0">
+              <a:buNone/>
+              <a:defRPr sz="1200">
+                <a:solidFill>
+                  <a:schemeClr val="tx1">
+                    <a:tint val="75000"/>
+                  </a:schemeClr>
+                </a:solidFill>
+              </a:defRPr>
+            </a:lvl4pPr>
+            <a:lvl5pPr marL="1371566" indent="0">
+              <a:buNone/>
+              <a:defRPr sz="1200">
+                <a:solidFill>
+                  <a:schemeClr val="tx1">
+                    <a:tint val="75000"/>
+                  </a:schemeClr>
+                </a:solidFill>
+              </a:defRPr>
+            </a:lvl5pPr>
+            <a:lvl6pPr marL="1714457" indent="0">
+              <a:buNone/>
+              <a:defRPr sz="1200">
+                <a:solidFill>
+                  <a:schemeClr val="tx1">
+                    <a:tint val="75000"/>
+                  </a:schemeClr>
+                </a:solidFill>
+              </a:defRPr>
+            </a:lvl6pPr>
+            <a:lvl7pPr marL="2057349" indent="0">
+              <a:buNone/>
+              <a:defRPr sz="1200">
+                <a:solidFill>
+                  <a:schemeClr val="tx1">
+                    <a:tint val="75000"/>
+                  </a:schemeClr>
+                </a:solidFill>
+              </a:defRPr>
+            </a:lvl7pPr>
+            <a:lvl8pPr marL="2400240" indent="0">
+              <a:buNone/>
+              <a:defRPr sz="1200">
+                <a:solidFill>
+                  <a:schemeClr val="tx1">
+                    <a:tint val="75000"/>
+                  </a:schemeClr>
+                </a:solidFill>
+              </a:defRPr>
+            </a:lvl8pPr>
+            <a:lvl9pPr marL="2743131" indent="0">
+              <a:buNone/>
+              <a:defRPr sz="1200">
+                <a:solidFill>
+                  <a:schemeClr val="tx1">
+                    <a:tint val="75000"/>
+                  </a:schemeClr>
+                </a:solidFill>
+              </a:defRPr>
+            </a:lvl9pPr>
+          </a:lstStyle>
+          <a:p>
+            <a:pPr lvl="0"/>
+            <a:r>
+              <a:rPr lang="en-US" dirty="0"/>
+              <a:t>Click to edit Master text styles</a:t>
+            </a:r>
+          </a:p>
+        </p:txBody>
+      </p:sp>
+      <p:sp>
+        <p:nvSpPr>
+          <p:cNvPr id="5" name="Footer Placeholder 4"/>
+          <p:cNvSpPr>
+            <a:spLocks noGrp="1"/>
+          </p:cNvSpPr>
+          <p:nvPr>
+            <p:ph type="ftr" sz="quarter" idx="11"/>
+          </p:nvPr>
+        </p:nvSpPr>
+        <p:spPr>
+          <a:xfrm>
+            <a:off x="4038601" y="6356352"/>
+            <a:ext cx="4114800" cy="365125"/>
+          </a:xfrm>
+          <a:prstGeom prst="rect">
+            <a:avLst/>
+          </a:prstGeom>
+        </p:spPr>
+        <p:txBody>
+          <a:bodyPr/>
+          <a:lstStyle>
+            <a:lvl1pPr>
+              <a:defRPr sz="1200"/>
+            </a:lvl1pPr>
+          </a:lstStyle>
+          <a:p>
+            <a:endParaRPr lang="en-US" dirty="0"/>
+          </a:p>
+        </p:txBody>
+      </p:sp>
+      <p:sp>
+        <p:nvSpPr>
+          <p:cNvPr id="6" name="Slide Number Placeholder 5"/>
+          <p:cNvSpPr>
+            <a:spLocks noGrp="1"/>
+          </p:cNvSpPr>
+          <p:nvPr>
+            <p:ph type="sldNum" sz="quarter" idx="12"/>
+          </p:nvPr>
+        </p:nvSpPr>
+        <p:spPr>
+          <a:xfrm>
+            <a:off x="8610601" y="6356352"/>
+            <a:ext cx="2743200" cy="365125"/>
+          </a:xfrm>
+          <a:prstGeom prst="rect">
+            <a:avLst/>
+          </a:prstGeom>
+        </p:spPr>
+        <p:txBody>
+          <a:bodyPr/>
+          <a:lstStyle>
+            <a:lvl1pPr>
+              <a:defRPr sz="1200"/>
+            </a:lvl1pPr>
+          </a:lstStyle>
+          <a:p>
+            <a:fld id="{0B8F101A-5762-A94D-B26B-936FC3619C3C}" type="slidenum">
+              <a:rPr lang="en-US" smtClean="0"/>
+              <a:pPr/>
+              <a:t>‹#›</a:t>
+            </a:fld>
+            <a:endParaRPr lang="en-US" dirty="0"/>
+          </a:p>
+        </p:txBody>
+      </p:sp>
+    </p:spTree>
+    <p:extLst>
+      <p:ext uri="{BB962C8B-B14F-4D97-AF65-F5344CB8AC3E}">
+        <p14:creationId xmlns:p14="http://schemas.microsoft.com/office/powerpoint/2010/main" val="3973775910"/>
+      </p:ext>
+    </p:extLst>
+  </p:cSld>
+  <p:clrMapOvr>
+    <a:masterClrMapping/>
+  </p:clrMapOvr>
+</p:sldLayout>
+</file>
+
+<file path=ppt/slideLayouts/slideLayout15.xml><?xml version="1.0" encoding="utf-8"?>
+<p:sldLayout xmlns:a="http://schemas.openxmlformats.org/drawingml/2006/main" xmlns:r="http://schemas.openxmlformats.org/officeDocument/2006/relationships" xmlns:p="http://schemas.openxmlformats.org/presentationml/2006/main" type="twoObj" preserve="1">
+  <p:cSld name="Two Content">
+    <p:spTree>
+      <p:nvGrpSpPr>
+        <p:cNvPr id="1" name=""/>
+        <p:cNvGrpSpPr/>
+        <p:nvPr/>
+      </p:nvGrpSpPr>
+      <p:grpSpPr>
+        <a:xfrm>
+          <a:off x="0" y="0"/>
+          <a:ext cx="0" cy="0"/>
+          <a:chOff x="0" y="0"/>
+          <a:chExt cx="0" cy="0"/>
+        </a:xfrm>
+      </p:grpSpPr>
+      <p:sp>
+        <p:nvSpPr>
+          <p:cNvPr id="2" name="Title 1"/>
+          <p:cNvSpPr>
+            <a:spLocks noGrp="1"/>
+          </p:cNvSpPr>
+          <p:nvPr>
+            <p:ph type="title"/>
+          </p:nvPr>
+        </p:nvSpPr>
+        <p:spPr>
+          <a:xfrm>
+            <a:off x="838201" y="512066"/>
+            <a:ext cx="10515600" cy="1076591"/>
+          </a:xfrm>
+        </p:spPr>
+        <p:txBody>
+          <a:bodyPr/>
+          <a:lstStyle>
+            <a:lvl1pPr algn="ctr">
+              <a:defRPr/>
+            </a:lvl1pPr>
+          </a:lstStyle>
+          <a:p>
+            <a:r>
+              <a:rPr lang="en-US"/>
+              <a:t>Click to edit Master title style</a:t>
+            </a:r>
+            <a:endParaRPr lang="en-US" dirty="0"/>
+          </a:p>
+        </p:txBody>
+      </p:sp>
+      <p:sp>
+        <p:nvSpPr>
+          <p:cNvPr id="3" name="Content Placeholder 2"/>
+          <p:cNvSpPr>
+            <a:spLocks noGrp="1"/>
+          </p:cNvSpPr>
+          <p:nvPr>
+            <p:ph sz="half" idx="1"/>
+          </p:nvPr>
+        </p:nvSpPr>
+        <p:spPr>
+          <a:xfrm>
+            <a:off x="838201" y="1588656"/>
+            <a:ext cx="5181600" cy="4588309"/>
+          </a:xfrm>
+        </p:spPr>
+        <p:txBody>
+          <a:bodyPr/>
+          <a:lstStyle>
+            <a:lvl1pPr>
+              <a:buClr>
+                <a:schemeClr val="bg2"/>
+              </a:buClr>
+              <a:defRPr/>
+            </a:lvl1pPr>
+            <a:lvl2pPr>
+              <a:buClr>
+                <a:schemeClr val="bg2"/>
+              </a:buClr>
+              <a:defRPr/>
+            </a:lvl2pPr>
+            <a:lvl3pPr>
+              <a:buClr>
+                <a:schemeClr val="bg2"/>
+              </a:buClr>
+              <a:defRPr/>
+            </a:lvl3pPr>
+            <a:lvl4pPr>
+              <a:buClr>
+                <a:schemeClr val="bg2"/>
+              </a:buClr>
+              <a:defRPr/>
+            </a:lvl4pPr>
+            <a:lvl5pPr>
+              <a:buClr>
+                <a:schemeClr val="bg2"/>
+              </a:buClr>
+              <a:defRPr/>
+            </a:lvl5pPr>
+          </a:lstStyle>
+          <a:p>
+            <a:pPr lvl="0"/>
+            <a:r>
+              <a:rPr lang="en-US" dirty="0"/>
+              <a:t>Click to edit Master text styles</a:t>
+            </a:r>
+          </a:p>
+          <a:p>
+            <a:pPr lvl="1"/>
+            <a:r>
+              <a:rPr lang="en-US" dirty="0"/>
+              <a:t>Second level</a:t>
+            </a:r>
+          </a:p>
+          <a:p>
+            <a:pPr lvl="2"/>
+            <a:r>
+              <a:rPr lang="en-US" dirty="0"/>
+              <a:t>Third level</a:t>
+            </a:r>
+          </a:p>
+          <a:p>
+            <a:pPr lvl="3"/>
+            <a:r>
+              <a:rPr lang="en-US" dirty="0"/>
+              <a:t>Fourth level</a:t>
+            </a:r>
+          </a:p>
+          <a:p>
+            <a:pPr lvl="4"/>
+            <a:r>
+              <a:rPr lang="en-US" dirty="0"/>
+              <a:t>Fifth level</a:t>
+            </a:r>
+          </a:p>
+        </p:txBody>
+      </p:sp>
+      <p:sp>
+        <p:nvSpPr>
+          <p:cNvPr id="4" name="Content Placeholder 3"/>
+          <p:cNvSpPr>
+            <a:spLocks noGrp="1"/>
+          </p:cNvSpPr>
+          <p:nvPr>
+            <p:ph sz="half" idx="2"/>
+          </p:nvPr>
+        </p:nvSpPr>
+        <p:spPr>
+          <a:xfrm>
+            <a:off x="6172201" y="1588656"/>
+            <a:ext cx="5181600" cy="4588309"/>
+          </a:xfrm>
+        </p:spPr>
+        <p:txBody>
+          <a:bodyPr/>
+          <a:lstStyle>
+            <a:lvl1pPr>
+              <a:buClr>
+                <a:schemeClr val="bg2"/>
+              </a:buClr>
+              <a:defRPr/>
+            </a:lvl1pPr>
+            <a:lvl2pPr>
+              <a:buClr>
+                <a:schemeClr val="bg2"/>
+              </a:buClr>
+              <a:defRPr/>
+            </a:lvl2pPr>
+            <a:lvl3pPr>
+              <a:buClr>
+                <a:schemeClr val="bg2"/>
+              </a:buClr>
+              <a:defRPr/>
+            </a:lvl3pPr>
+            <a:lvl4pPr>
+              <a:buClr>
+                <a:schemeClr val="bg2"/>
+              </a:buClr>
+              <a:defRPr/>
+            </a:lvl4pPr>
+            <a:lvl5pPr>
+              <a:buClr>
+                <a:schemeClr val="bg2"/>
+              </a:buClr>
+              <a:defRPr/>
+            </a:lvl5pPr>
+          </a:lstStyle>
+          <a:p>
+            <a:pPr lvl="0"/>
+            <a:r>
+              <a:rPr lang="en-US" dirty="0"/>
+              <a:t>Click to edit Master text styles</a:t>
+            </a:r>
+          </a:p>
+          <a:p>
+            <a:pPr lvl="1"/>
+            <a:r>
+              <a:rPr lang="en-US" dirty="0"/>
+              <a:t>Second level</a:t>
+            </a:r>
+          </a:p>
+          <a:p>
+            <a:pPr lvl="2"/>
+            <a:r>
+              <a:rPr lang="en-US" dirty="0"/>
+              <a:t>Third level</a:t>
+            </a:r>
+          </a:p>
+          <a:p>
+            <a:pPr lvl="3"/>
+            <a:r>
+              <a:rPr lang="en-US" dirty="0"/>
+              <a:t>Fourth level</a:t>
+            </a:r>
+          </a:p>
+          <a:p>
+            <a:pPr lvl="4"/>
+            <a:r>
+              <a:rPr lang="en-US" dirty="0"/>
+              <a:t>Fifth level</a:t>
+            </a:r>
+          </a:p>
+        </p:txBody>
+      </p:sp>
+      <p:sp>
+        <p:nvSpPr>
+          <p:cNvPr id="6" name="Footer Placeholder 5"/>
+          <p:cNvSpPr>
+            <a:spLocks noGrp="1"/>
+          </p:cNvSpPr>
+          <p:nvPr>
+            <p:ph type="ftr" sz="quarter" idx="11"/>
+          </p:nvPr>
+        </p:nvSpPr>
+        <p:spPr>
+          <a:xfrm>
+            <a:off x="4038601" y="6356352"/>
+            <a:ext cx="4114800" cy="365125"/>
+          </a:xfrm>
+          <a:prstGeom prst="rect">
+            <a:avLst/>
+          </a:prstGeom>
+        </p:spPr>
+        <p:txBody>
+          <a:bodyPr/>
+          <a:lstStyle>
+            <a:lvl1pPr>
+              <a:defRPr sz="1200"/>
+            </a:lvl1pPr>
+          </a:lstStyle>
+          <a:p>
+            <a:endParaRPr lang="en-US" dirty="0"/>
+          </a:p>
+        </p:txBody>
+      </p:sp>
+      <p:sp>
+        <p:nvSpPr>
+          <p:cNvPr id="7" name="Slide Number Placeholder 6"/>
+          <p:cNvSpPr>
+            <a:spLocks noGrp="1"/>
+          </p:cNvSpPr>
+          <p:nvPr>
+            <p:ph type="sldNum" sz="quarter" idx="12"/>
+          </p:nvPr>
+        </p:nvSpPr>
+        <p:spPr>
+          <a:xfrm>
+            <a:off x="8610601" y="6356352"/>
+            <a:ext cx="2743200" cy="365125"/>
+          </a:xfrm>
+          <a:prstGeom prst="rect">
+            <a:avLst/>
+          </a:prstGeom>
+        </p:spPr>
+        <p:txBody>
+          <a:bodyPr/>
+          <a:lstStyle>
+            <a:lvl1pPr>
+              <a:defRPr sz="1200"/>
+            </a:lvl1pPr>
+          </a:lstStyle>
+          <a:p>
+            <a:fld id="{0B8F101A-5762-A94D-B26B-936FC3619C3C}" type="slidenum">
+              <a:rPr lang="en-US" smtClean="0"/>
+              <a:pPr/>
+              <a:t>‹#›</a:t>
+            </a:fld>
+            <a:endParaRPr lang="en-US" dirty="0"/>
+          </a:p>
+        </p:txBody>
+      </p:sp>
+    </p:spTree>
+    <p:extLst>
+      <p:ext uri="{BB962C8B-B14F-4D97-AF65-F5344CB8AC3E}">
+        <p14:creationId xmlns:p14="http://schemas.microsoft.com/office/powerpoint/2010/main" val="235199201"/>
+      </p:ext>
+    </p:extLst>
+  </p:cSld>
+  <p:clrMapOvr>
+    <a:masterClrMapping/>
+  </p:clrMapOvr>
+</p:sldLayout>
+</file>
+
+<file path=ppt/slideLayouts/slideLayout16.xml><?xml version="1.0" encoding="utf-8"?>
+<p:sldLayout xmlns:a="http://schemas.openxmlformats.org/drawingml/2006/main" xmlns:r="http://schemas.openxmlformats.org/officeDocument/2006/relationships" xmlns:p="http://schemas.openxmlformats.org/presentationml/2006/main" type="twoTxTwoObj" preserve="1">
+  <p:cSld name="Comparison">
+    <p:spTree>
+      <p:nvGrpSpPr>
+        <p:cNvPr id="1" name=""/>
+        <p:cNvGrpSpPr/>
+        <p:nvPr/>
+      </p:nvGrpSpPr>
+      <p:grpSpPr>
+        <a:xfrm>
+          <a:off x="0" y="0"/>
+          <a:ext cx="0" cy="0"/>
+          <a:chOff x="0" y="0"/>
+          <a:chExt cx="0" cy="0"/>
+        </a:xfrm>
+      </p:grpSpPr>
+      <p:sp>
+        <p:nvSpPr>
+          <p:cNvPr id="2" name="Title 1"/>
+          <p:cNvSpPr>
+            <a:spLocks noGrp="1"/>
+          </p:cNvSpPr>
+          <p:nvPr>
+            <p:ph type="title"/>
+          </p:nvPr>
+        </p:nvSpPr>
+        <p:spPr>
+          <a:xfrm>
+            <a:off x="839789" y="365127"/>
+            <a:ext cx="10515600" cy="1149351"/>
+          </a:xfrm>
+        </p:spPr>
+        <p:txBody>
+          <a:bodyPr/>
+          <a:lstStyle>
+            <a:lvl1pPr algn="ctr">
+              <a:defRPr/>
+            </a:lvl1pPr>
+          </a:lstStyle>
+          <a:p>
+            <a:r>
+              <a:rPr lang="en-US"/>
+              <a:t>Click to edit Master title style</a:t>
+            </a:r>
+            <a:endParaRPr lang="en-US" dirty="0"/>
+          </a:p>
+        </p:txBody>
+      </p:sp>
+      <p:sp>
+        <p:nvSpPr>
+          <p:cNvPr id="3" name="Text Placeholder 2"/>
+          <p:cNvSpPr>
+            <a:spLocks noGrp="1"/>
+          </p:cNvSpPr>
+          <p:nvPr>
+            <p:ph type="body" idx="1"/>
+          </p:nvPr>
+        </p:nvSpPr>
+        <p:spPr>
+          <a:xfrm>
+            <a:off x="839789" y="1596046"/>
+            <a:ext cx="5157787" cy="909031"/>
+          </a:xfrm>
+        </p:spPr>
+        <p:txBody>
+          <a:bodyPr anchor="b"/>
+          <a:lstStyle>
+            <a:lvl1pPr marL="0" indent="0">
+              <a:buNone/>
+              <a:defRPr sz="1800" b="1"/>
+            </a:lvl1pPr>
+            <a:lvl2pPr marL="342891" indent="0">
+              <a:buNone/>
+              <a:defRPr sz="1500" b="1"/>
+            </a:lvl2pPr>
+            <a:lvl3pPr marL="685783" indent="0">
+              <a:buNone/>
+              <a:defRPr sz="1351" b="1"/>
+            </a:lvl3pPr>
+            <a:lvl4pPr marL="1028674" indent="0">
+              <a:buNone/>
+              <a:defRPr sz="1200" b="1"/>
+            </a:lvl4pPr>
+            <a:lvl5pPr marL="1371566" indent="0">
+              <a:buNone/>
+              <a:defRPr sz="1200" b="1"/>
+            </a:lvl5pPr>
+            <a:lvl6pPr marL="1714457" indent="0">
+              <a:buNone/>
+              <a:defRPr sz="1200" b="1"/>
+            </a:lvl6pPr>
+            <a:lvl7pPr marL="2057349" indent="0">
+              <a:buNone/>
+              <a:defRPr sz="1200" b="1"/>
+            </a:lvl7pPr>
+            <a:lvl8pPr marL="2400240" indent="0">
+              <a:buNone/>
+              <a:defRPr sz="1200" b="1"/>
+            </a:lvl8pPr>
+            <a:lvl9pPr marL="2743131" indent="0">
+              <a:buNone/>
+              <a:defRPr sz="1200" b="1"/>
+            </a:lvl9pPr>
+          </a:lstStyle>
+          <a:p>
+            <a:pPr lvl="0"/>
+            <a:r>
+              <a:rPr lang="en-US"/>
+              <a:t>Click to edit Master text styles</a:t>
+            </a:r>
+          </a:p>
+        </p:txBody>
+      </p:sp>
+      <p:sp>
+        <p:nvSpPr>
+          <p:cNvPr id="4" name="Content Placeholder 3"/>
+          <p:cNvSpPr>
+            <a:spLocks noGrp="1"/>
+          </p:cNvSpPr>
+          <p:nvPr>
+            <p:ph sz="half" idx="2"/>
+          </p:nvPr>
+        </p:nvSpPr>
+        <p:spPr>
+          <a:xfrm>
+            <a:off x="839789" y="2505077"/>
+            <a:ext cx="5157787" cy="3684588"/>
+          </a:xfrm>
+        </p:spPr>
+        <p:txBody>
+          <a:bodyPr/>
+          <a:lstStyle>
+            <a:lvl1pPr>
+              <a:buClr>
+                <a:schemeClr val="bg2"/>
+              </a:buClr>
+              <a:defRPr/>
+            </a:lvl1pPr>
+            <a:lvl2pPr>
+              <a:buClr>
+                <a:schemeClr val="bg2"/>
+              </a:buClr>
+              <a:defRPr/>
+            </a:lvl2pPr>
+            <a:lvl3pPr>
+              <a:buClr>
+                <a:schemeClr val="bg2"/>
+              </a:buClr>
+              <a:defRPr/>
+            </a:lvl3pPr>
+            <a:lvl4pPr>
+              <a:buClr>
+                <a:schemeClr val="bg2"/>
+              </a:buClr>
+              <a:defRPr/>
+            </a:lvl4pPr>
+            <a:lvl5pPr>
+              <a:buClr>
+                <a:schemeClr val="bg2"/>
+              </a:buClr>
+              <a:defRPr/>
+            </a:lvl5pPr>
+          </a:lstStyle>
+          <a:p>
+            <a:pPr lvl="0"/>
+            <a:r>
+              <a:rPr lang="en-US" dirty="0"/>
+              <a:t>Click to edit Master text styles</a:t>
+            </a:r>
+          </a:p>
+          <a:p>
+            <a:pPr lvl="1"/>
+            <a:r>
+              <a:rPr lang="en-US" dirty="0"/>
+              <a:t>Second level</a:t>
+            </a:r>
+          </a:p>
+          <a:p>
+            <a:pPr lvl="2"/>
+            <a:r>
+              <a:rPr lang="en-US" dirty="0"/>
+              <a:t>Third level</a:t>
+            </a:r>
+          </a:p>
+          <a:p>
+            <a:pPr lvl="3"/>
+            <a:r>
+              <a:rPr lang="en-US" dirty="0"/>
+              <a:t>Fourth level</a:t>
+            </a:r>
+          </a:p>
+          <a:p>
+            <a:pPr lvl="4"/>
+            <a:r>
+              <a:rPr lang="en-US" dirty="0"/>
+              <a:t>Fifth level</a:t>
+            </a:r>
+          </a:p>
+        </p:txBody>
+      </p:sp>
+      <p:sp>
+        <p:nvSpPr>
+          <p:cNvPr id="5" name="Text Placeholder 4"/>
+          <p:cNvSpPr>
+            <a:spLocks noGrp="1"/>
+          </p:cNvSpPr>
+          <p:nvPr>
+            <p:ph type="body" sz="quarter" idx="3"/>
+          </p:nvPr>
+        </p:nvSpPr>
+        <p:spPr>
+          <a:xfrm>
+            <a:off x="6172202" y="1596046"/>
+            <a:ext cx="5183188" cy="909031"/>
+          </a:xfrm>
+        </p:spPr>
+        <p:txBody>
+          <a:bodyPr anchor="b"/>
+          <a:lstStyle>
+            <a:lvl1pPr marL="0" indent="0">
+              <a:buNone/>
+              <a:defRPr sz="1800" b="1"/>
+            </a:lvl1pPr>
+            <a:lvl2pPr marL="342891" indent="0">
+              <a:buNone/>
+              <a:defRPr sz="1500" b="1"/>
+            </a:lvl2pPr>
+            <a:lvl3pPr marL="685783" indent="0">
+              <a:buNone/>
+              <a:defRPr sz="1351" b="1"/>
+            </a:lvl3pPr>
+            <a:lvl4pPr marL="1028674" indent="0">
+              <a:buNone/>
+              <a:defRPr sz="1200" b="1"/>
+            </a:lvl4pPr>
+            <a:lvl5pPr marL="1371566" indent="0">
+              <a:buNone/>
+              <a:defRPr sz="1200" b="1"/>
+            </a:lvl5pPr>
+            <a:lvl6pPr marL="1714457" indent="0">
+              <a:buNone/>
+              <a:defRPr sz="1200" b="1"/>
+            </a:lvl6pPr>
+            <a:lvl7pPr marL="2057349" indent="0">
+              <a:buNone/>
+              <a:defRPr sz="1200" b="1"/>
+            </a:lvl7pPr>
+            <a:lvl8pPr marL="2400240" indent="0">
+              <a:buNone/>
+              <a:defRPr sz="1200" b="1"/>
+            </a:lvl8pPr>
+            <a:lvl9pPr marL="2743131" indent="0">
+              <a:buNone/>
+              <a:defRPr sz="1200" b="1"/>
+            </a:lvl9pPr>
+          </a:lstStyle>
+          <a:p>
+            <a:pPr lvl="0"/>
+            <a:r>
+              <a:rPr lang="en-US"/>
+              <a:t>Click to edit Master text styles</a:t>
+            </a:r>
+          </a:p>
+        </p:txBody>
+      </p:sp>
+      <p:sp>
+        <p:nvSpPr>
+          <p:cNvPr id="6" name="Content Placeholder 5"/>
+          <p:cNvSpPr>
+            <a:spLocks noGrp="1"/>
+          </p:cNvSpPr>
+          <p:nvPr>
+            <p:ph sz="quarter" idx="4"/>
+          </p:nvPr>
+        </p:nvSpPr>
+        <p:spPr>
+          <a:xfrm>
+            <a:off x="6172202" y="2505077"/>
+            <a:ext cx="5183188" cy="3684588"/>
+          </a:xfrm>
+        </p:spPr>
+        <p:txBody>
+          <a:bodyPr/>
+          <a:lstStyle>
+            <a:lvl1pPr>
+              <a:buClr>
+                <a:schemeClr val="bg2"/>
+              </a:buClr>
+              <a:defRPr/>
+            </a:lvl1pPr>
+            <a:lvl2pPr>
+              <a:buClr>
+                <a:schemeClr val="bg2"/>
+              </a:buClr>
+              <a:defRPr/>
+            </a:lvl2pPr>
+            <a:lvl3pPr>
+              <a:buClr>
+                <a:schemeClr val="bg2"/>
+              </a:buClr>
+              <a:defRPr/>
+            </a:lvl3pPr>
+            <a:lvl4pPr>
+              <a:buClr>
+                <a:schemeClr val="bg2"/>
+              </a:buClr>
+              <a:defRPr/>
+            </a:lvl4pPr>
+            <a:lvl5pPr>
+              <a:buClr>
+                <a:schemeClr val="bg2"/>
+              </a:buClr>
+              <a:defRPr/>
+            </a:lvl5pPr>
+          </a:lstStyle>
+          <a:p>
+            <a:pPr lvl="0"/>
+            <a:r>
+              <a:rPr lang="en-US" dirty="0"/>
+              <a:t>Click to edit Master text styles</a:t>
+            </a:r>
+          </a:p>
+          <a:p>
+            <a:pPr lvl="1"/>
+            <a:r>
+              <a:rPr lang="en-US" dirty="0"/>
+              <a:t>Second level</a:t>
+            </a:r>
+          </a:p>
+          <a:p>
+            <a:pPr lvl="2"/>
+            <a:r>
+              <a:rPr lang="en-US" dirty="0"/>
+              <a:t>Third level</a:t>
+            </a:r>
+          </a:p>
+          <a:p>
+            <a:pPr lvl="3"/>
+            <a:r>
+              <a:rPr lang="en-US" dirty="0"/>
+              <a:t>Fourth level</a:t>
+            </a:r>
+          </a:p>
+          <a:p>
+            <a:pPr lvl="4"/>
+            <a:r>
+              <a:rPr lang="en-US" dirty="0"/>
+              <a:t>Fifth level</a:t>
+            </a:r>
+          </a:p>
+        </p:txBody>
+      </p:sp>
+      <p:sp>
+        <p:nvSpPr>
+          <p:cNvPr id="8" name="Footer Placeholder 7"/>
+          <p:cNvSpPr>
+            <a:spLocks noGrp="1"/>
+          </p:cNvSpPr>
+          <p:nvPr>
+            <p:ph type="ftr" sz="quarter" idx="11"/>
+          </p:nvPr>
+        </p:nvSpPr>
+        <p:spPr>
+          <a:xfrm>
+            <a:off x="4038601" y="6356352"/>
+            <a:ext cx="4114800" cy="365125"/>
+          </a:xfrm>
+          <a:prstGeom prst="rect">
+            <a:avLst/>
+          </a:prstGeom>
+        </p:spPr>
+        <p:txBody>
+          <a:bodyPr/>
+          <a:lstStyle>
+            <a:lvl1pPr>
+              <a:defRPr sz="1200"/>
+            </a:lvl1pPr>
+          </a:lstStyle>
+          <a:p>
+            <a:endParaRPr lang="en-US" dirty="0"/>
+          </a:p>
+        </p:txBody>
+      </p:sp>
+      <p:sp>
+        <p:nvSpPr>
+          <p:cNvPr id="9" name="Slide Number Placeholder 8"/>
+          <p:cNvSpPr>
+            <a:spLocks noGrp="1"/>
+          </p:cNvSpPr>
+          <p:nvPr>
+            <p:ph type="sldNum" sz="quarter" idx="12"/>
+          </p:nvPr>
+        </p:nvSpPr>
+        <p:spPr>
+          <a:xfrm>
+            <a:off x="8610601" y="6356352"/>
+            <a:ext cx="2743200" cy="365125"/>
+          </a:xfrm>
+          <a:prstGeom prst="rect">
+            <a:avLst/>
+          </a:prstGeom>
+        </p:spPr>
+        <p:txBody>
+          <a:bodyPr/>
+          <a:lstStyle>
+            <a:lvl1pPr>
+              <a:defRPr sz="1200"/>
+            </a:lvl1pPr>
+          </a:lstStyle>
+          <a:p>
+            <a:fld id="{0B8F101A-5762-A94D-B26B-936FC3619C3C}" type="slidenum">
+              <a:rPr lang="en-US" smtClean="0"/>
+              <a:pPr/>
+              <a:t>‹#›</a:t>
+            </a:fld>
+            <a:endParaRPr lang="en-US" dirty="0"/>
+          </a:p>
+        </p:txBody>
+      </p:sp>
+    </p:spTree>
+    <p:extLst>
+      <p:ext uri="{BB962C8B-B14F-4D97-AF65-F5344CB8AC3E}">
+        <p14:creationId xmlns:p14="http://schemas.microsoft.com/office/powerpoint/2010/main" val="3051541516"/>
+      </p:ext>
+    </p:extLst>
+  </p:cSld>
+  <p:clrMapOvr>
+    <a:masterClrMapping/>
+  </p:clrMapOvr>
+</p:sldLayout>
+</file>
+
+<file path=ppt/slideLayouts/slideLayout17.xml><?xml version="1.0" encoding="utf-8"?>
+<p:sldLayout xmlns:a="http://schemas.openxmlformats.org/drawingml/2006/main" xmlns:r="http://schemas.openxmlformats.org/officeDocument/2006/relationships" xmlns:p="http://schemas.openxmlformats.org/presentationml/2006/main" type="titleOnly" preserve="1">
+  <p:cSld name="Title Only">
+    <p:spTree>
+      <p:nvGrpSpPr>
+        <p:cNvPr id="1" name=""/>
+        <p:cNvGrpSpPr/>
+        <p:nvPr/>
+      </p:nvGrpSpPr>
+      <p:grpSpPr>
+        <a:xfrm>
+          <a:off x="0" y="0"/>
+          <a:ext cx="0" cy="0"/>
+          <a:chOff x="0" y="0"/>
+          <a:chExt cx="0" cy="0"/>
+        </a:xfrm>
+      </p:grpSpPr>
+      <p:sp>
+        <p:nvSpPr>
+          <p:cNvPr id="2" name="Title 1"/>
+          <p:cNvSpPr>
+            <a:spLocks noGrp="1"/>
+          </p:cNvSpPr>
+          <p:nvPr>
+            <p:ph type="title"/>
+          </p:nvPr>
+        </p:nvSpPr>
+        <p:spPr>
+          <a:xfrm>
+            <a:off x="838201" y="5245427"/>
+            <a:ext cx="10515600" cy="1178624"/>
+          </a:xfrm>
+        </p:spPr>
+        <p:txBody>
+          <a:bodyPr/>
+          <a:lstStyle>
+            <a:lvl1pPr algn="ctr">
+              <a:defRPr>
+                <a:solidFill>
+                  <a:schemeClr val="tx1"/>
+                </a:solidFill>
+              </a:defRPr>
+            </a:lvl1pPr>
+          </a:lstStyle>
+          <a:p>
+            <a:r>
+              <a:rPr lang="en-US" dirty="0"/>
+              <a:t>Click to edit Master title style</a:t>
+            </a:r>
+          </a:p>
+        </p:txBody>
+      </p:sp>
+    </p:spTree>
+    <p:extLst>
+      <p:ext uri="{BB962C8B-B14F-4D97-AF65-F5344CB8AC3E}">
+        <p14:creationId xmlns:p14="http://schemas.microsoft.com/office/powerpoint/2010/main" val="4079892431"/>
+      </p:ext>
+    </p:extLst>
+  </p:cSld>
+  <p:clrMapOvr>
+    <a:masterClrMapping/>
+  </p:clrMapOvr>
+</p:sldLayout>
+</file>
+
+<file path=ppt/slideLayouts/slideLayout18.xml><?xml version="1.0" encoding="utf-8"?>
+<p:sldLayout xmlns:a="http://schemas.openxmlformats.org/drawingml/2006/main" xmlns:r="http://schemas.openxmlformats.org/officeDocument/2006/relationships" xmlns:p="http://schemas.openxmlformats.org/presentationml/2006/main" type="blank" preserve="1">
+  <p:cSld name="Blank">
+    <p:spTree>
+      <p:nvGrpSpPr>
+        <p:cNvPr id="1" name=""/>
+        <p:cNvGrpSpPr/>
+        <p:nvPr/>
+      </p:nvGrpSpPr>
+      <p:grpSpPr>
+        <a:xfrm>
+          <a:off x="0" y="0"/>
+          <a:ext cx="0" cy="0"/>
+          <a:chOff x="0" y="0"/>
+          <a:chExt cx="0" cy="0"/>
+        </a:xfrm>
+      </p:grpSpPr>
+      <p:sp>
+        <p:nvSpPr>
+          <p:cNvPr id="3" name="Footer Placeholder 2"/>
+          <p:cNvSpPr>
+            <a:spLocks noGrp="1"/>
+          </p:cNvSpPr>
+          <p:nvPr>
+            <p:ph type="ftr" sz="quarter" idx="11"/>
+          </p:nvPr>
+        </p:nvSpPr>
+        <p:spPr>
+          <a:xfrm>
+            <a:off x="4038601" y="6356352"/>
+            <a:ext cx="4114800" cy="365125"/>
+          </a:xfrm>
+          <a:prstGeom prst="rect">
+            <a:avLst/>
+          </a:prstGeom>
+        </p:spPr>
+        <p:txBody>
+          <a:bodyPr/>
+          <a:lstStyle>
+            <a:lvl1pPr>
+              <a:defRPr sz="1200"/>
+            </a:lvl1pPr>
+          </a:lstStyle>
+          <a:p>
+            <a:endParaRPr lang="en-US" dirty="0"/>
+          </a:p>
+        </p:txBody>
+      </p:sp>
+      <p:sp>
+        <p:nvSpPr>
+          <p:cNvPr id="4" name="Slide Number Placeholder 3"/>
+          <p:cNvSpPr>
+            <a:spLocks noGrp="1"/>
+          </p:cNvSpPr>
+          <p:nvPr>
+            <p:ph type="sldNum" sz="quarter" idx="12"/>
+          </p:nvPr>
+        </p:nvSpPr>
+        <p:spPr>
+          <a:xfrm>
+            <a:off x="8610601" y="6356352"/>
+            <a:ext cx="2743200" cy="365125"/>
+          </a:xfrm>
+          <a:prstGeom prst="rect">
+            <a:avLst/>
+          </a:prstGeom>
+        </p:spPr>
+        <p:txBody>
+          <a:bodyPr/>
+          <a:lstStyle>
+            <a:lvl1pPr>
+              <a:defRPr sz="1200"/>
+            </a:lvl1pPr>
+          </a:lstStyle>
+          <a:p>
+            <a:fld id="{0B8F101A-5762-A94D-B26B-936FC3619C3C}" type="slidenum">
+              <a:rPr lang="en-US" smtClean="0"/>
+              <a:pPr/>
+              <a:t>‹#›</a:t>
+            </a:fld>
+            <a:endParaRPr lang="en-US" dirty="0"/>
+          </a:p>
+        </p:txBody>
+      </p:sp>
+    </p:spTree>
+    <p:extLst>
+      <p:ext uri="{BB962C8B-B14F-4D97-AF65-F5344CB8AC3E}">
+        <p14:creationId xmlns:p14="http://schemas.microsoft.com/office/powerpoint/2010/main" val="2368474908"/>
+      </p:ext>
+    </p:extLst>
+  </p:cSld>
+  <p:clrMapOvr>
+    <a:masterClrMapping/>
+  </p:clrMapOvr>
+</p:sldLayout>
+</file>
+
+<file path=ppt/slideLayouts/slideLayout19.xml><?xml version="1.0" encoding="utf-8"?>
+<p:sldLayout xmlns:a="http://schemas.openxmlformats.org/drawingml/2006/main" xmlns:r="http://schemas.openxmlformats.org/officeDocument/2006/relationships" xmlns:p="http://schemas.openxmlformats.org/presentationml/2006/main" type="objTx" preserve="1">
+  <p:cSld name="Content with Caption">
+    <p:spTree>
+      <p:nvGrpSpPr>
+        <p:cNvPr id="1" name=""/>
+        <p:cNvGrpSpPr/>
+        <p:nvPr/>
+      </p:nvGrpSpPr>
+      <p:grpSpPr>
+        <a:xfrm>
+          <a:off x="0" y="0"/>
+          <a:ext cx="0" cy="0"/>
+          <a:chOff x="0" y="0"/>
+          <a:chExt cx="0" cy="0"/>
+        </a:xfrm>
+      </p:grpSpPr>
+      <p:sp>
+        <p:nvSpPr>
+          <p:cNvPr id="2" name="Title 1"/>
+          <p:cNvSpPr>
+            <a:spLocks noGrp="1"/>
+          </p:cNvSpPr>
+          <p:nvPr>
+            <p:ph type="title"/>
+          </p:nvPr>
+        </p:nvSpPr>
+        <p:spPr>
+          <a:xfrm>
+            <a:off x="583989" y="516239"/>
+            <a:ext cx="4188039" cy="1079807"/>
+          </a:xfrm>
+        </p:spPr>
+        <p:txBody>
+          <a:bodyPr anchor="t" anchorCtr="0"/>
+          <a:lstStyle>
+            <a:lvl1pPr>
+              <a:defRPr sz="2400"/>
+            </a:lvl1pPr>
+          </a:lstStyle>
+          <a:p>
+            <a:r>
+              <a:rPr lang="en-US"/>
+              <a:t>Click to edit Master title style</a:t>
+            </a:r>
+            <a:endParaRPr lang="en-US" dirty="0"/>
+          </a:p>
+        </p:txBody>
+      </p:sp>
+      <p:sp>
+        <p:nvSpPr>
+          <p:cNvPr id="3" name="Content Placeholder 2"/>
+          <p:cNvSpPr>
+            <a:spLocks noGrp="1"/>
+          </p:cNvSpPr>
+          <p:nvPr>
+            <p:ph idx="1"/>
+          </p:nvPr>
+        </p:nvSpPr>
+        <p:spPr>
+          <a:xfrm>
+            <a:off x="5183189" y="516239"/>
+            <a:ext cx="6172201" cy="5344815"/>
+          </a:xfrm>
+        </p:spPr>
+        <p:txBody>
+          <a:bodyPr/>
+          <a:lstStyle>
+            <a:lvl1pPr>
+              <a:buClr>
+                <a:schemeClr val="bg2"/>
+              </a:buClr>
+              <a:defRPr sz="2400"/>
+            </a:lvl1pPr>
+            <a:lvl2pPr>
+              <a:buClr>
+                <a:schemeClr val="bg2"/>
+              </a:buClr>
+              <a:defRPr sz="2100"/>
+            </a:lvl2pPr>
+            <a:lvl3pPr>
+              <a:buClr>
+                <a:schemeClr val="bg2"/>
+              </a:buClr>
+              <a:defRPr sz="1800"/>
+            </a:lvl3pPr>
+            <a:lvl4pPr>
+              <a:buClr>
+                <a:schemeClr val="bg2"/>
+              </a:buClr>
+              <a:defRPr sz="1500"/>
+            </a:lvl4pPr>
+            <a:lvl5pPr>
+              <a:buClr>
+                <a:schemeClr val="bg2"/>
+              </a:buClr>
+              <a:defRPr sz="1500"/>
+            </a:lvl5pPr>
+            <a:lvl6pPr>
+              <a:defRPr sz="1500"/>
+            </a:lvl6pPr>
+            <a:lvl7pPr>
+              <a:defRPr sz="1500"/>
+            </a:lvl7pPr>
+            <a:lvl8pPr>
+              <a:defRPr sz="1500"/>
+            </a:lvl8pPr>
+            <a:lvl9pPr>
+              <a:defRPr sz="1500"/>
+            </a:lvl9pPr>
+          </a:lstStyle>
+          <a:p>
+            <a:pPr lvl="0"/>
+            <a:r>
+              <a:rPr lang="en-US" dirty="0"/>
+              <a:t>Click to edit Master text styles</a:t>
+            </a:r>
+          </a:p>
+          <a:p>
+            <a:pPr lvl="1"/>
+            <a:r>
+              <a:rPr lang="en-US" dirty="0"/>
+              <a:t>Second level</a:t>
+            </a:r>
+          </a:p>
+          <a:p>
+            <a:pPr lvl="2"/>
+            <a:r>
+              <a:rPr lang="en-US" dirty="0"/>
+              <a:t>Third level</a:t>
+            </a:r>
+          </a:p>
+          <a:p>
+            <a:pPr lvl="3"/>
+            <a:r>
+              <a:rPr lang="en-US" dirty="0"/>
+              <a:t>Fourth level</a:t>
+            </a:r>
+          </a:p>
+          <a:p>
+            <a:pPr lvl="4"/>
+            <a:r>
+              <a:rPr lang="en-US" dirty="0"/>
+              <a:t>Fifth level</a:t>
+            </a:r>
+          </a:p>
+        </p:txBody>
+      </p:sp>
+      <p:sp>
+        <p:nvSpPr>
+          <p:cNvPr id="4" name="Text Placeholder 3"/>
+          <p:cNvSpPr>
+            <a:spLocks noGrp="1"/>
+          </p:cNvSpPr>
+          <p:nvPr>
+            <p:ph type="body" sz="half" idx="2"/>
+          </p:nvPr>
+        </p:nvSpPr>
+        <p:spPr>
+          <a:xfrm>
+            <a:off x="583989" y="1596046"/>
+            <a:ext cx="4188039" cy="4272945"/>
+          </a:xfrm>
+        </p:spPr>
+        <p:txBody>
+          <a:bodyPr/>
+          <a:lstStyle>
+            <a:lvl1pPr marL="0" indent="0">
+              <a:buNone/>
+              <a:defRPr sz="1800"/>
+            </a:lvl1pPr>
+            <a:lvl2pPr marL="342891" indent="0">
+              <a:buNone/>
+              <a:defRPr sz="1051"/>
+            </a:lvl2pPr>
+            <a:lvl3pPr marL="685783" indent="0">
+              <a:buNone/>
+              <a:defRPr sz="900"/>
+            </a:lvl3pPr>
+            <a:lvl4pPr marL="1028674" indent="0">
+              <a:buNone/>
+              <a:defRPr sz="751"/>
+            </a:lvl4pPr>
+            <a:lvl5pPr marL="1371566" indent="0">
+              <a:buNone/>
+              <a:defRPr sz="751"/>
+            </a:lvl5pPr>
+            <a:lvl6pPr marL="1714457" indent="0">
+              <a:buNone/>
+              <a:defRPr sz="751"/>
+            </a:lvl6pPr>
+            <a:lvl7pPr marL="2057349" indent="0">
+              <a:buNone/>
+              <a:defRPr sz="751"/>
+            </a:lvl7pPr>
+            <a:lvl8pPr marL="2400240" indent="0">
+              <a:buNone/>
+              <a:defRPr sz="751"/>
+            </a:lvl8pPr>
+            <a:lvl9pPr marL="2743131" indent="0">
+              <a:buNone/>
+              <a:defRPr sz="751"/>
+            </a:lvl9pPr>
+          </a:lstStyle>
+          <a:p>
+            <a:pPr lvl="0"/>
+            <a:r>
+              <a:rPr lang="en-US" dirty="0"/>
+              <a:t>Click to edit Master text styles</a:t>
+            </a:r>
+          </a:p>
+        </p:txBody>
+      </p:sp>
+      <p:sp>
+        <p:nvSpPr>
+          <p:cNvPr id="6" name="Footer Placeholder 5"/>
+          <p:cNvSpPr>
+            <a:spLocks noGrp="1"/>
+          </p:cNvSpPr>
+          <p:nvPr>
+            <p:ph type="ftr" sz="quarter" idx="11"/>
+          </p:nvPr>
+        </p:nvSpPr>
+        <p:spPr>
+          <a:xfrm>
+            <a:off x="4038601" y="6356352"/>
+            <a:ext cx="4114800" cy="365125"/>
+          </a:xfrm>
+          <a:prstGeom prst="rect">
+            <a:avLst/>
+          </a:prstGeom>
+        </p:spPr>
+        <p:txBody>
+          <a:bodyPr/>
+          <a:lstStyle>
+            <a:lvl1pPr>
+              <a:defRPr sz="1200"/>
+            </a:lvl1pPr>
+          </a:lstStyle>
+          <a:p>
+            <a:endParaRPr lang="en-US" dirty="0"/>
+          </a:p>
+        </p:txBody>
+      </p:sp>
+      <p:sp>
+        <p:nvSpPr>
+          <p:cNvPr id="7" name="Slide Number Placeholder 6"/>
+          <p:cNvSpPr>
+            <a:spLocks noGrp="1"/>
+          </p:cNvSpPr>
+          <p:nvPr>
+            <p:ph type="sldNum" sz="quarter" idx="12"/>
+          </p:nvPr>
+        </p:nvSpPr>
+        <p:spPr>
+          <a:xfrm>
+            <a:off x="8610601" y="6356352"/>
+            <a:ext cx="2743200" cy="365125"/>
+          </a:xfrm>
+          <a:prstGeom prst="rect">
+            <a:avLst/>
+          </a:prstGeom>
+        </p:spPr>
+        <p:txBody>
+          <a:bodyPr/>
+          <a:lstStyle>
+            <a:lvl1pPr>
+              <a:defRPr sz="1200"/>
+            </a:lvl1pPr>
+          </a:lstStyle>
+          <a:p>
+            <a:fld id="{0B8F101A-5762-A94D-B26B-936FC3619C3C}" type="slidenum">
+              <a:rPr lang="en-US" smtClean="0"/>
+              <a:pPr/>
+              <a:t>‹#›</a:t>
+            </a:fld>
+            <a:endParaRPr lang="en-US" dirty="0"/>
+          </a:p>
+        </p:txBody>
+      </p:sp>
+    </p:spTree>
+    <p:extLst>
+      <p:ext uri="{BB962C8B-B14F-4D97-AF65-F5344CB8AC3E}">
+        <p14:creationId xmlns:p14="http://schemas.microsoft.com/office/powerpoint/2010/main" val="2963844553"/>
       </p:ext>
     </p:extLst>
   </p:cSld>
@@ -1930,7 +4811,7 @@
           <a:p>
             <a:fld id="{7ABAF4FD-FC41-49D9-8AF6-B892CFC8B04F}" type="datetimeFigureOut">
               <a:rPr lang="en-US" smtClean="0"/>
-              <a:t>10/21/2022</a:t>
+              <a:t>10/24/2022</a:t>
             </a:fld>
             <a:endParaRPr lang="en-US"/>
           </a:p>
@@ -2205,7 +5086,7 @@
           <a:p>
             <a:fld id="{7ABAF4FD-FC41-49D9-8AF6-B892CFC8B04F}" type="datetimeFigureOut">
               <a:rPr lang="en-US" smtClean="0"/>
-              <a:t>10/21/2022</a:t>
+              <a:t>10/24/2022</a:t>
             </a:fld>
             <a:endParaRPr lang="en-US"/>
           </a:p>
@@ -2470,7 +5351,7 @@
           <a:p>
             <a:fld id="{7ABAF4FD-FC41-49D9-8AF6-B892CFC8B04F}" type="datetimeFigureOut">
               <a:rPr lang="en-US" smtClean="0"/>
-              <a:t>10/21/2022</a:t>
+              <a:t>10/24/2022</a:t>
             </a:fld>
             <a:endParaRPr lang="en-US"/>
           </a:p>
@@ -2882,7 +5763,7 @@
           <a:p>
             <a:fld id="{7ABAF4FD-FC41-49D9-8AF6-B892CFC8B04F}" type="datetimeFigureOut">
               <a:rPr lang="en-US" smtClean="0"/>
-              <a:t>10/21/2022</a:t>
+              <a:t>10/24/2022</a:t>
             </a:fld>
             <a:endParaRPr lang="en-US"/>
           </a:p>
@@ -3023,7 +5904,7 @@
           <a:p>
             <a:fld id="{7ABAF4FD-FC41-49D9-8AF6-B892CFC8B04F}" type="datetimeFigureOut">
               <a:rPr lang="en-US" smtClean="0"/>
-              <a:t>10/21/2022</a:t>
+              <a:t>10/24/2022</a:t>
             </a:fld>
             <a:endParaRPr lang="en-US"/>
           </a:p>
@@ -3136,7 +6017,7 @@
           <a:p>
             <a:fld id="{7ABAF4FD-FC41-49D9-8AF6-B892CFC8B04F}" type="datetimeFigureOut">
               <a:rPr lang="en-US" smtClean="0"/>
-              <a:t>10/21/2022</a:t>
+              <a:t>10/24/2022</a:t>
             </a:fld>
             <a:endParaRPr lang="en-US"/>
           </a:p>
@@ -3447,7 +6328,7 @@
           <a:p>
             <a:fld id="{7ABAF4FD-FC41-49D9-8AF6-B892CFC8B04F}" type="datetimeFigureOut">
               <a:rPr lang="en-US" smtClean="0"/>
-              <a:t>10/21/2022</a:t>
+              <a:t>10/24/2022</a:t>
             </a:fld>
             <a:endParaRPr lang="en-US"/>
           </a:p>
@@ -3735,7 +6616,7 @@
           <a:p>
             <a:fld id="{7ABAF4FD-FC41-49D9-8AF6-B892CFC8B04F}" type="datetimeFigureOut">
               <a:rPr lang="en-US" smtClean="0"/>
-              <a:t>10/21/2022</a:t>
+              <a:t>10/24/2022</a:t>
             </a:fld>
             <a:endParaRPr lang="en-US"/>
           </a:p>
@@ -3976,7 +6857,7 @@
           <a:p>
             <a:fld id="{7ABAF4FD-FC41-49D9-8AF6-B892CFC8B04F}" type="datetimeFigureOut">
               <a:rPr lang="en-US" smtClean="0"/>
-              <a:t>10/21/2022</a:t>
+              <a:t>10/24/2022</a:t>
             </a:fld>
             <a:endParaRPr lang="en-US"/>
           </a:p>
@@ -4376,9 +7257,14 @@
 </p:sldMaster>
 </file>
 
-<file path=ppt/slides/slide1.xml><?xml version="1.0" encoding="utf-8"?>
-<p:sld xmlns:a="http://schemas.openxmlformats.org/drawingml/2006/main" xmlns:r="http://schemas.openxmlformats.org/officeDocument/2006/relationships" xmlns:p="http://schemas.openxmlformats.org/presentationml/2006/main">
+<file path=ppt/slideMasters/slideMaster2.xml><?xml version="1.0" encoding="utf-8"?>
+<p:sldMaster xmlns:a="http://schemas.openxmlformats.org/drawingml/2006/main" xmlns:r="http://schemas.openxmlformats.org/officeDocument/2006/relationships" xmlns:p="http://schemas.openxmlformats.org/presentationml/2006/main">
   <p:cSld>
+    <p:bg>
+      <p:bgRef idx="1001">
+        <a:schemeClr val="bg1"/>
+      </p:bgRef>
+    </p:bg>
     <p:spTree>
       <p:nvGrpSpPr>
         <p:cNvPr id="1" name=""/>
@@ -4393,6 +7279,576 @@
           <a:chExt cx="0" cy="0"/>
         </a:xfrm>
       </p:grpSpPr>
+      <p:pic>
+        <p:nvPicPr>
+          <p:cNvPr id="6" name="Picture 5" descr="University of Pittsburgh logo&#10;">
+            <a:extLst>
+              <a:ext uri="{FF2B5EF4-FFF2-40B4-BE49-F238E27FC236}">
+                <a16:creationId xmlns:a16="http://schemas.microsoft.com/office/drawing/2014/main" id="{F74FB613-DEF2-F045-B6A5-545870898CAE}"/>
+              </a:ext>
+            </a:extLst>
+          </p:cNvPr>
+          <p:cNvPicPr>
+            <a:picLocks noChangeAspect="1"/>
+          </p:cNvPicPr>
+          <p:nvPr userDrawn="1"/>
+        </p:nvPicPr>
+        <p:blipFill>
+          <a:blip r:embed="rId10"/>
+          <a:stretch>
+            <a:fillRect/>
+          </a:stretch>
+        </p:blipFill>
+        <p:spPr>
+          <a:xfrm>
+            <a:off x="433345" y="6239168"/>
+            <a:ext cx="2103887" cy="468939"/>
+          </a:xfrm>
+          <a:prstGeom prst="rect">
+            <a:avLst/>
+          </a:prstGeom>
+        </p:spPr>
+      </p:pic>
+      <p:sp>
+        <p:nvSpPr>
+          <p:cNvPr id="2" name="Title Placeholder 1"/>
+          <p:cNvSpPr>
+            <a:spLocks noGrp="1"/>
+          </p:cNvSpPr>
+          <p:nvPr>
+            <p:ph type="title"/>
+          </p:nvPr>
+        </p:nvSpPr>
+        <p:spPr>
+          <a:xfrm>
+            <a:off x="838201" y="512064"/>
+            <a:ext cx="10515600" cy="1178624"/>
+          </a:xfrm>
+          <a:prstGeom prst="rect">
+            <a:avLst/>
+          </a:prstGeom>
+        </p:spPr>
+        <p:txBody>
+          <a:bodyPr vert="horz" lIns="91440" tIns="45720" rIns="91440" bIns="45720" rtlCol="0" anchor="t" anchorCtr="0">
+            <a:noAutofit/>
+          </a:bodyPr>
+          <a:lstStyle/>
+          <a:p>
+            <a:r>
+              <a:rPr lang="en-US" dirty="0"/>
+              <a:t>Click to edit Master title style</a:t>
+            </a:r>
+          </a:p>
+        </p:txBody>
+      </p:sp>
+      <p:sp>
+        <p:nvSpPr>
+          <p:cNvPr id="3" name="Text Placeholder 2"/>
+          <p:cNvSpPr>
+            <a:spLocks noGrp="1"/>
+          </p:cNvSpPr>
+          <p:nvPr>
+            <p:ph type="body" idx="1"/>
+          </p:nvPr>
+        </p:nvSpPr>
+        <p:spPr>
+          <a:xfrm>
+            <a:off x="838201" y="1825625"/>
+            <a:ext cx="10515600" cy="4351339"/>
+          </a:xfrm>
+          <a:prstGeom prst="rect">
+            <a:avLst/>
+          </a:prstGeom>
+        </p:spPr>
+        <p:txBody>
+          <a:bodyPr vert="horz" lIns="91440" tIns="45720" rIns="91440" bIns="45720" rtlCol="0">
+            <a:noAutofit/>
+          </a:bodyPr>
+          <a:lstStyle/>
+          <a:p>
+            <a:pPr lvl="0"/>
+            <a:r>
+              <a:rPr lang="en-US" dirty="0"/>
+              <a:t>Click to edit Master text styles</a:t>
+            </a:r>
+          </a:p>
+          <a:p>
+            <a:pPr lvl="1"/>
+            <a:r>
+              <a:rPr lang="en-US" dirty="0"/>
+              <a:t>Second level</a:t>
+            </a:r>
+          </a:p>
+          <a:p>
+            <a:pPr lvl="2"/>
+            <a:r>
+              <a:rPr lang="en-US" dirty="0"/>
+              <a:t>Third level</a:t>
+            </a:r>
+          </a:p>
+          <a:p>
+            <a:pPr lvl="3"/>
+            <a:r>
+              <a:rPr lang="en-US" dirty="0"/>
+              <a:t>Fourth level</a:t>
+            </a:r>
+          </a:p>
+          <a:p>
+            <a:pPr lvl="4"/>
+            <a:r>
+              <a:rPr lang="en-US" dirty="0"/>
+              <a:t>Fifth level</a:t>
+            </a:r>
+          </a:p>
+        </p:txBody>
+      </p:sp>
+    </p:spTree>
+    <p:extLst>
+      <p:ext uri="{BB962C8B-B14F-4D97-AF65-F5344CB8AC3E}">
+        <p14:creationId xmlns:p14="http://schemas.microsoft.com/office/powerpoint/2010/main" val="2074057203"/>
+      </p:ext>
+    </p:extLst>
+  </p:cSld>
+  <p:clrMap bg1="lt1" tx1="dk1" bg2="lt2" tx2="dk2" accent1="accent1" accent2="accent2" accent3="accent3" accent4="accent4" accent5="accent5" accent6="accent6" hlink="hlink" folHlink="folHlink"/>
+  <p:sldLayoutIdLst>
+    <p:sldLayoutId id="2147483672" r:id="rId1"/>
+    <p:sldLayoutId id="2147483673" r:id="rId2"/>
+    <p:sldLayoutId id="2147483674" r:id="rId3"/>
+    <p:sldLayoutId id="2147483675" r:id="rId4"/>
+    <p:sldLayoutId id="2147483676" r:id="rId5"/>
+    <p:sldLayoutId id="2147483677" r:id="rId6"/>
+    <p:sldLayoutId id="2147483678" r:id="rId7"/>
+    <p:sldLayoutId id="2147483679" r:id="rId8"/>
+  </p:sldLayoutIdLst>
+  <p:txStyles>
+    <p:titleStyle>
+      <a:lvl1pPr algn="l" defTabSz="685783" rtl="0" eaLnBrk="1" latinLnBrk="0" hangingPunct="1">
+        <a:lnSpc>
+          <a:spcPct val="90000"/>
+        </a:lnSpc>
+        <a:spcBef>
+          <a:spcPct val="0"/>
+        </a:spcBef>
+        <a:buNone/>
+        <a:defRPr sz="3300" kern="1200">
+          <a:solidFill>
+            <a:schemeClr val="tx1"/>
+          </a:solidFill>
+          <a:latin typeface="+mj-lt"/>
+          <a:ea typeface="+mj-ea"/>
+          <a:cs typeface="+mj-cs"/>
+        </a:defRPr>
+      </a:lvl1pPr>
+    </p:titleStyle>
+    <p:bodyStyle>
+      <a:lvl1pPr marL="171446" indent="-171446" algn="l" defTabSz="685783" rtl="0" eaLnBrk="1" latinLnBrk="0" hangingPunct="1">
+        <a:lnSpc>
+          <a:spcPct val="90000"/>
+        </a:lnSpc>
+        <a:spcBef>
+          <a:spcPts val="751"/>
+        </a:spcBef>
+        <a:buClr>
+          <a:schemeClr val="bg2"/>
+        </a:buClr>
+        <a:buFont typeface="Arial" panose="020B0604020202020204" pitchFamily="34" charset="0"/>
+        <a:buChar char="•"/>
+        <a:defRPr sz="2400" kern="1200">
+          <a:solidFill>
+            <a:schemeClr val="tx1"/>
+          </a:solidFill>
+          <a:latin typeface="+mn-lt"/>
+          <a:ea typeface="+mn-ea"/>
+          <a:cs typeface="+mn-cs"/>
+        </a:defRPr>
+      </a:lvl1pPr>
+      <a:lvl2pPr marL="514338" indent="-171446" algn="l" defTabSz="685783" rtl="0" eaLnBrk="1" latinLnBrk="0" hangingPunct="1">
+        <a:lnSpc>
+          <a:spcPct val="90000"/>
+        </a:lnSpc>
+        <a:spcBef>
+          <a:spcPts val="375"/>
+        </a:spcBef>
+        <a:buClr>
+          <a:schemeClr val="bg2"/>
+        </a:buClr>
+        <a:buFont typeface="Arial" panose="020B0604020202020204" pitchFamily="34" charset="0"/>
+        <a:buChar char="•"/>
+        <a:defRPr sz="1800" kern="1200">
+          <a:solidFill>
+            <a:schemeClr val="tx2"/>
+          </a:solidFill>
+          <a:latin typeface="+mn-lt"/>
+          <a:ea typeface="+mn-ea"/>
+          <a:cs typeface="+mn-cs"/>
+        </a:defRPr>
+      </a:lvl2pPr>
+      <a:lvl3pPr marL="857229" indent="-171446" algn="l" defTabSz="685783" rtl="0" eaLnBrk="1" latinLnBrk="0" hangingPunct="1">
+        <a:lnSpc>
+          <a:spcPct val="90000"/>
+        </a:lnSpc>
+        <a:spcBef>
+          <a:spcPts val="375"/>
+        </a:spcBef>
+        <a:buClr>
+          <a:schemeClr val="bg2"/>
+        </a:buClr>
+        <a:buFont typeface="Arial" panose="020B0604020202020204" pitchFamily="34" charset="0"/>
+        <a:buChar char="•"/>
+        <a:defRPr sz="1500" kern="1200">
+          <a:solidFill>
+            <a:schemeClr val="tx2"/>
+          </a:solidFill>
+          <a:latin typeface="+mn-lt"/>
+          <a:ea typeface="+mn-ea"/>
+          <a:cs typeface="+mn-cs"/>
+        </a:defRPr>
+      </a:lvl3pPr>
+      <a:lvl4pPr marL="1200121" indent="-171446" algn="l" defTabSz="685783" rtl="0" eaLnBrk="1" latinLnBrk="0" hangingPunct="1">
+        <a:lnSpc>
+          <a:spcPct val="90000"/>
+        </a:lnSpc>
+        <a:spcBef>
+          <a:spcPts val="375"/>
+        </a:spcBef>
+        <a:buClr>
+          <a:schemeClr val="bg2"/>
+        </a:buClr>
+        <a:buFont typeface="Arial" panose="020B0604020202020204" pitchFamily="34" charset="0"/>
+        <a:buChar char="•"/>
+        <a:defRPr sz="1351" kern="1200">
+          <a:solidFill>
+            <a:schemeClr val="tx2"/>
+          </a:solidFill>
+          <a:latin typeface="+mn-lt"/>
+          <a:ea typeface="+mn-ea"/>
+          <a:cs typeface="+mn-cs"/>
+        </a:defRPr>
+      </a:lvl4pPr>
+      <a:lvl5pPr marL="1543012" indent="-171446" algn="l" defTabSz="685783" rtl="0" eaLnBrk="1" latinLnBrk="0" hangingPunct="1">
+        <a:lnSpc>
+          <a:spcPct val="90000"/>
+        </a:lnSpc>
+        <a:spcBef>
+          <a:spcPts val="375"/>
+        </a:spcBef>
+        <a:buClr>
+          <a:schemeClr val="bg2"/>
+        </a:buClr>
+        <a:buFont typeface="Arial" panose="020B0604020202020204" pitchFamily="34" charset="0"/>
+        <a:buChar char="•"/>
+        <a:defRPr sz="1351" kern="1200">
+          <a:solidFill>
+            <a:schemeClr val="tx2"/>
+          </a:solidFill>
+          <a:latin typeface="+mn-lt"/>
+          <a:ea typeface="+mn-ea"/>
+          <a:cs typeface="+mn-cs"/>
+        </a:defRPr>
+      </a:lvl5pPr>
+      <a:lvl6pPr marL="1885904" indent="-171446" algn="l" defTabSz="685783" rtl="0" eaLnBrk="1" latinLnBrk="0" hangingPunct="1">
+        <a:lnSpc>
+          <a:spcPct val="90000"/>
+        </a:lnSpc>
+        <a:spcBef>
+          <a:spcPts val="375"/>
+        </a:spcBef>
+        <a:buFont typeface="Arial" panose="020B0604020202020204" pitchFamily="34" charset="0"/>
+        <a:buChar char="•"/>
+        <a:defRPr sz="1351" kern="1200">
+          <a:solidFill>
+            <a:schemeClr val="tx1"/>
+          </a:solidFill>
+          <a:latin typeface="+mn-lt"/>
+          <a:ea typeface="+mn-ea"/>
+          <a:cs typeface="+mn-cs"/>
+        </a:defRPr>
+      </a:lvl6pPr>
+      <a:lvl7pPr marL="2228795" indent="-171446" algn="l" defTabSz="685783" rtl="0" eaLnBrk="1" latinLnBrk="0" hangingPunct="1">
+        <a:lnSpc>
+          <a:spcPct val="90000"/>
+        </a:lnSpc>
+        <a:spcBef>
+          <a:spcPts val="375"/>
+        </a:spcBef>
+        <a:buFont typeface="Arial" panose="020B0604020202020204" pitchFamily="34" charset="0"/>
+        <a:buChar char="•"/>
+        <a:defRPr sz="1351" kern="1200">
+          <a:solidFill>
+            <a:schemeClr val="tx1"/>
+          </a:solidFill>
+          <a:latin typeface="+mn-lt"/>
+          <a:ea typeface="+mn-ea"/>
+          <a:cs typeface="+mn-cs"/>
+        </a:defRPr>
+      </a:lvl7pPr>
+      <a:lvl8pPr marL="2571686" indent="-171446" algn="l" defTabSz="685783" rtl="0" eaLnBrk="1" latinLnBrk="0" hangingPunct="1">
+        <a:lnSpc>
+          <a:spcPct val="90000"/>
+        </a:lnSpc>
+        <a:spcBef>
+          <a:spcPts val="375"/>
+        </a:spcBef>
+        <a:buFont typeface="Arial" panose="020B0604020202020204" pitchFamily="34" charset="0"/>
+        <a:buChar char="•"/>
+        <a:defRPr sz="1351" kern="1200">
+          <a:solidFill>
+            <a:schemeClr val="tx1"/>
+          </a:solidFill>
+          <a:latin typeface="+mn-lt"/>
+          <a:ea typeface="+mn-ea"/>
+          <a:cs typeface="+mn-cs"/>
+        </a:defRPr>
+      </a:lvl8pPr>
+      <a:lvl9pPr marL="2914578" indent="-171446" algn="l" defTabSz="685783" rtl="0" eaLnBrk="1" latinLnBrk="0" hangingPunct="1">
+        <a:lnSpc>
+          <a:spcPct val="90000"/>
+        </a:lnSpc>
+        <a:spcBef>
+          <a:spcPts val="375"/>
+        </a:spcBef>
+        <a:buFont typeface="Arial" panose="020B0604020202020204" pitchFamily="34" charset="0"/>
+        <a:buChar char="•"/>
+        <a:defRPr sz="1351" kern="1200">
+          <a:solidFill>
+            <a:schemeClr val="tx1"/>
+          </a:solidFill>
+          <a:latin typeface="+mn-lt"/>
+          <a:ea typeface="+mn-ea"/>
+          <a:cs typeface="+mn-cs"/>
+        </a:defRPr>
+      </a:lvl9pPr>
+    </p:bodyStyle>
+    <p:otherStyle>
+      <a:defPPr>
+        <a:defRPr lang="en-US"/>
+      </a:defPPr>
+      <a:lvl1pPr marL="0" algn="l" defTabSz="685783" rtl="0" eaLnBrk="1" latinLnBrk="0" hangingPunct="1">
+        <a:defRPr sz="1351" kern="1200">
+          <a:solidFill>
+            <a:schemeClr val="tx1"/>
+          </a:solidFill>
+          <a:latin typeface="+mn-lt"/>
+          <a:ea typeface="+mn-ea"/>
+          <a:cs typeface="+mn-cs"/>
+        </a:defRPr>
+      </a:lvl1pPr>
+      <a:lvl2pPr marL="342891" algn="l" defTabSz="685783" rtl="0" eaLnBrk="1" latinLnBrk="0" hangingPunct="1">
+        <a:defRPr sz="1351" kern="1200">
+          <a:solidFill>
+            <a:schemeClr val="tx1"/>
+          </a:solidFill>
+          <a:latin typeface="+mn-lt"/>
+          <a:ea typeface="+mn-ea"/>
+          <a:cs typeface="+mn-cs"/>
+        </a:defRPr>
+      </a:lvl2pPr>
+      <a:lvl3pPr marL="685783" algn="l" defTabSz="685783" rtl="0" eaLnBrk="1" latinLnBrk="0" hangingPunct="1">
+        <a:defRPr sz="1351" kern="1200">
+          <a:solidFill>
+            <a:schemeClr val="tx1"/>
+          </a:solidFill>
+          <a:latin typeface="+mn-lt"/>
+          <a:ea typeface="+mn-ea"/>
+          <a:cs typeface="+mn-cs"/>
+        </a:defRPr>
+      </a:lvl3pPr>
+      <a:lvl4pPr marL="1028674" algn="l" defTabSz="685783" rtl="0" eaLnBrk="1" latinLnBrk="0" hangingPunct="1">
+        <a:defRPr sz="1351" kern="1200">
+          <a:solidFill>
+            <a:schemeClr val="tx1"/>
+          </a:solidFill>
+          <a:latin typeface="+mn-lt"/>
+          <a:ea typeface="+mn-ea"/>
+          <a:cs typeface="+mn-cs"/>
+        </a:defRPr>
+      </a:lvl4pPr>
+      <a:lvl5pPr marL="1371566" algn="l" defTabSz="685783" rtl="0" eaLnBrk="1" latinLnBrk="0" hangingPunct="1">
+        <a:defRPr sz="1351" kern="1200">
+          <a:solidFill>
+            <a:schemeClr val="tx1"/>
+          </a:solidFill>
+          <a:latin typeface="+mn-lt"/>
+          <a:ea typeface="+mn-ea"/>
+          <a:cs typeface="+mn-cs"/>
+        </a:defRPr>
+      </a:lvl5pPr>
+      <a:lvl6pPr marL="1714457" algn="l" defTabSz="685783" rtl="0" eaLnBrk="1" latinLnBrk="0" hangingPunct="1">
+        <a:defRPr sz="1351" kern="1200">
+          <a:solidFill>
+            <a:schemeClr val="tx1"/>
+          </a:solidFill>
+          <a:latin typeface="+mn-lt"/>
+          <a:ea typeface="+mn-ea"/>
+          <a:cs typeface="+mn-cs"/>
+        </a:defRPr>
+      </a:lvl6pPr>
+      <a:lvl7pPr marL="2057349" algn="l" defTabSz="685783" rtl="0" eaLnBrk="1" latinLnBrk="0" hangingPunct="1">
+        <a:defRPr sz="1351" kern="1200">
+          <a:solidFill>
+            <a:schemeClr val="tx1"/>
+          </a:solidFill>
+          <a:latin typeface="+mn-lt"/>
+          <a:ea typeface="+mn-ea"/>
+          <a:cs typeface="+mn-cs"/>
+        </a:defRPr>
+      </a:lvl7pPr>
+      <a:lvl8pPr marL="2400240" algn="l" defTabSz="685783" rtl="0" eaLnBrk="1" latinLnBrk="0" hangingPunct="1">
+        <a:defRPr sz="1351" kern="1200">
+          <a:solidFill>
+            <a:schemeClr val="tx1"/>
+          </a:solidFill>
+          <a:latin typeface="+mn-lt"/>
+          <a:ea typeface="+mn-ea"/>
+          <a:cs typeface="+mn-cs"/>
+        </a:defRPr>
+      </a:lvl8pPr>
+      <a:lvl9pPr marL="2743131" algn="l" defTabSz="685783" rtl="0" eaLnBrk="1" latinLnBrk="0" hangingPunct="1">
+        <a:defRPr sz="1351" kern="1200">
+          <a:solidFill>
+            <a:schemeClr val="tx1"/>
+          </a:solidFill>
+          <a:latin typeface="+mn-lt"/>
+          <a:ea typeface="+mn-ea"/>
+          <a:cs typeface="+mn-cs"/>
+        </a:defRPr>
+      </a:lvl9pPr>
+    </p:otherStyle>
+  </p:txStyles>
+</p:sldMaster>
+</file>
+
+<file path=ppt/slides/slide1.xml><?xml version="1.0" encoding="utf-8"?>
+<p:sld xmlns:a="http://schemas.openxmlformats.org/drawingml/2006/main" xmlns:r="http://schemas.openxmlformats.org/officeDocument/2006/relationships" xmlns:p="http://schemas.openxmlformats.org/presentationml/2006/main">
+  <p:cSld>
+    <p:bg>
+      <p:bgPr>
+        <a:solidFill>
+          <a:schemeClr val="bg1"/>
+        </a:solidFill>
+        <a:effectLst/>
+      </p:bgPr>
+    </p:bg>
+    <p:spTree>
+      <p:nvGrpSpPr>
+        <p:cNvPr id="1" name=""/>
+        <p:cNvGrpSpPr/>
+        <p:nvPr/>
+      </p:nvGrpSpPr>
+      <p:grpSpPr>
+        <a:xfrm>
+          <a:off x="0" y="0"/>
+          <a:ext cx="0" cy="0"/>
+          <a:chOff x="0" y="0"/>
+          <a:chExt cx="0" cy="0"/>
+        </a:xfrm>
+      </p:grpSpPr>
+      <p:sp useBgFill="1">
+        <p:nvSpPr>
+          <p:cNvPr id="1041" name="Rectangle 1032">
+            <a:extLst>
+              <a:ext uri="{FF2B5EF4-FFF2-40B4-BE49-F238E27FC236}">
+                <a16:creationId xmlns:a16="http://schemas.microsoft.com/office/drawing/2014/main" id="{657F69E0-C4B0-4BEC-A689-4F8D877F05D4}"/>
+              </a:ext>
+              <a:ext uri="{C183D7F6-B498-43B3-948B-1728B52AA6E4}">
+                <adec:decorative xmlns:adec="http://schemas.microsoft.com/office/drawing/2017/decorative" val="1"/>
+              </a:ext>
+            </a:extLst>
+          </p:cNvPr>
+          <p:cNvSpPr>
+            <a:spLocks noGrp="1" noRot="1" noChangeAspect="1" noMove="1" noResize="1" noEditPoints="1" noAdjustHandles="1" noChangeArrowheads="1" noChangeShapeType="1" noTextEdit="1"/>
+          </p:cNvSpPr>
+          <p:nvPr>
+            <p:extLst>
+              <p:ext uri="{386F3935-93C4-4BCD-93E2-E3B085C9AB24}">
+                <p16:designElem xmlns:p16="http://schemas.microsoft.com/office/powerpoint/2015/main" val="1"/>
+              </p:ext>
+            </p:extLst>
+          </p:nvPr>
+        </p:nvSpPr>
+        <p:spPr>
+          <a:xfrm>
+            <a:off x="0" y="0"/>
+            <a:ext cx="12188952" cy="6858000"/>
+          </a:xfrm>
+          <a:prstGeom prst="rect">
+            <a:avLst/>
+          </a:prstGeom>
+          <a:ln>
+            <a:noFill/>
+          </a:ln>
+        </p:spPr>
+        <p:style>
+          <a:lnRef idx="2">
+            <a:schemeClr val="accent1">
+              <a:shade val="50000"/>
+            </a:schemeClr>
+          </a:lnRef>
+          <a:fillRef idx="1">
+            <a:schemeClr val="accent1"/>
+          </a:fillRef>
+          <a:effectRef idx="0">
+            <a:schemeClr val="accent1"/>
+          </a:effectRef>
+          <a:fontRef idx="minor">
+            <a:schemeClr val="lt1"/>
+          </a:fontRef>
+        </p:style>
+        <p:txBody>
+          <a:bodyPr rtlCol="0" anchor="ctr"/>
+          <a:lstStyle/>
+          <a:p>
+            <a:pPr algn="ctr"/>
+            <a:endParaRPr lang="en-US"/>
+          </a:p>
+        </p:txBody>
+      </p:sp>
+      <p:pic>
+        <p:nvPicPr>
+          <p:cNvPr id="1028" name="Picture 4" descr="Statistics - University of Johannesburg">
+            <a:extLst>
+              <a:ext uri="{FF2B5EF4-FFF2-40B4-BE49-F238E27FC236}">
+                <a16:creationId xmlns:a16="http://schemas.microsoft.com/office/drawing/2014/main" id="{6ADF1682-5806-9994-7131-DB63E1F09A8D}"/>
+              </a:ext>
+            </a:extLst>
+          </p:cNvPr>
+          <p:cNvPicPr>
+            <a:picLocks noChangeAspect="1" noChangeArrowheads="1"/>
+          </p:cNvPicPr>
+          <p:nvPr/>
+        </p:nvPicPr>
+        <p:blipFill rotWithShape="1">
+          <a:blip r:embed="rId2">
+            <a:alphaModFix amt="50000"/>
+            <a:extLst>
+              <a:ext uri="{28A0092B-C50C-407E-A947-70E740481C1C}">
+                <a14:useLocalDpi xmlns:a14="http://schemas.microsoft.com/office/drawing/2010/main" val="0"/>
+              </a:ext>
+            </a:extLst>
+          </a:blip>
+          <a:srcRect t="418" r="-1" b="-1"/>
+          <a:stretch/>
+        </p:blipFill>
+        <p:spPr bwMode="auto">
+          <a:xfrm>
+            <a:off x="20" y="10"/>
+            <a:ext cx="12188930" cy="6857990"/>
+          </a:xfrm>
+          <a:prstGeom prst="rect">
+            <a:avLst/>
+          </a:prstGeom>
+          <a:noFill/>
+          <a:extLst>
+            <a:ext uri="{909E8E84-426E-40DD-AFC4-6F175D3DCCD1}">
+              <a14:hiddenFill xmlns:a14="http://schemas.microsoft.com/office/drawing/2010/main">
+                <a:solidFill>
+                  <a:srgbClr val="FFFFFF"/>
+                </a:solidFill>
+              </a14:hiddenFill>
+            </a:ext>
+          </a:extLst>
+        </p:spPr>
+      </p:pic>
       <p:sp>
         <p:nvSpPr>
           <p:cNvPr id="2" name="Title 1">
@@ -4409,12 +7865,51 @@
             <p:ph type="ctrTitle"/>
           </p:nvPr>
         </p:nvSpPr>
-        <p:spPr/>
-        <p:txBody>
-          <a:bodyPr/>
+        <p:spPr>
+          <a:xfrm>
+            <a:off x="1524000" y="1122363"/>
+            <a:ext cx="9144000" cy="3063240"/>
+          </a:xfrm>
+        </p:spPr>
+        <p:txBody>
+          <a:bodyPr>
+            <a:normAutofit/>
+          </a:bodyPr>
           <a:lstStyle/>
           <a:p>
-            <a:endParaRPr lang="en-US"/>
+            <a:r>
+              <a:rPr lang="en-US" sz="4400" b="1" dirty="0">
+                <a:solidFill>
+                  <a:srgbClr val="FFFFFF"/>
+                </a:solidFill>
+                <a:latin typeface="Arial Black" panose="020B0A04020102020204" pitchFamily="34" charset="0"/>
+                <a:cs typeface="Arial" panose="020B0604020202020204" pitchFamily="34" charset="0"/>
+              </a:rPr>
+              <a:t>Influence of diversity index and population of children on Covid-19 cases </a:t>
+            </a:r>
+            <a:br>
+              <a:rPr lang="en-US" sz="4100" b="1" dirty="0">
+                <a:solidFill>
+                  <a:srgbClr val="FFFFFF"/>
+                </a:solidFill>
+                <a:latin typeface="Arial Black" panose="020B0A04020102020204" pitchFamily="34" charset="0"/>
+              </a:rPr>
+            </a:br>
+            <a:r>
+              <a:rPr lang="en-US" sz="3200" b="1" dirty="0">
+                <a:solidFill>
+                  <a:srgbClr val="FFFFFF"/>
+                </a:solidFill>
+                <a:latin typeface="Arial Black" panose="020B0A04020102020204" pitchFamily="34" charset="0"/>
+              </a:rPr>
+              <a:t>in the New England region during holiday season 2020</a:t>
+            </a:r>
+            <a:endParaRPr lang="en-US" sz="4100" b="1" dirty="0">
+              <a:solidFill>
+                <a:srgbClr val="FFFFFF"/>
+              </a:solidFill>
+              <a:latin typeface="Arial Black" panose="020B0A04020102020204" pitchFamily="34" charset="0"/>
+            </a:endParaRPr>
           </a:p>
         </p:txBody>
       </p:sp>
@@ -4434,15 +7929,430 @@
             <p:ph type="subTitle" idx="1"/>
           </p:nvPr>
         </p:nvSpPr>
-        <p:spPr/>
-        <p:txBody>
-          <a:bodyPr/>
+        <p:spPr>
+          <a:xfrm>
+            <a:off x="1527048" y="4599432"/>
+            <a:ext cx="9144000" cy="1536192"/>
+          </a:xfrm>
+        </p:spPr>
+        <p:txBody>
+          <a:bodyPr>
+            <a:normAutofit/>
+          </a:bodyPr>
           <a:lstStyle/>
           <a:p>
+            <a:r>
+              <a:rPr lang="en-US" sz="3000" b="1" dirty="0">
+                <a:solidFill>
+                  <a:srgbClr val="FFFFFF"/>
+                </a:solidFill>
+                <a:latin typeface="Arial "/>
+              </a:rPr>
+              <a:t>ChE Math Project 1</a:t>
+            </a:r>
+          </a:p>
+          <a:p>
+            <a:r>
+              <a:rPr lang="en-US" sz="3000" b="1" dirty="0">
+                <a:solidFill>
+                  <a:srgbClr val="FFFFFF"/>
+                </a:solidFill>
+                <a:latin typeface="Arial "/>
+              </a:rPr>
+              <a:t>Shreya Thakkar</a:t>
+            </a:r>
+          </a:p>
+        </p:txBody>
+      </p:sp>
+      <p:sp>
+        <p:nvSpPr>
+          <p:cNvPr id="1042" name="sketchy line">
+            <a:extLst>
+              <a:ext uri="{FF2B5EF4-FFF2-40B4-BE49-F238E27FC236}">
+                <a16:creationId xmlns:a16="http://schemas.microsoft.com/office/drawing/2014/main" id="{9F6380B4-6A1C-481E-8408-B4E6C75B9B81}"/>
+              </a:ext>
+              <a:ext uri="{C183D7F6-B498-43B3-948B-1728B52AA6E4}">
+                <adec:decorative xmlns:adec="http://schemas.microsoft.com/office/drawing/2017/decorative" val="1"/>
+              </a:ext>
+            </a:extLst>
+          </p:cNvPr>
+          <p:cNvSpPr>
+            <a:spLocks noGrp="1" noRot="1" noChangeAspect="1" noMove="1" noResize="1" noEditPoints="1" noAdjustHandles="1" noChangeArrowheads="1" noChangeShapeType="1" noTextEdit="1"/>
+          </p:cNvSpPr>
+          <p:nvPr>
+            <p:extLst>
+              <p:ext uri="{386F3935-93C4-4BCD-93E2-E3B085C9AB24}">
+                <p16:designElem xmlns:p16="http://schemas.microsoft.com/office/powerpoint/2015/main" val="1"/>
+              </p:ext>
+            </p:extLst>
+          </p:nvPr>
+        </p:nvSpPr>
+        <p:spPr>
+          <a:xfrm>
+            <a:off x="3974206" y="4368623"/>
+            <a:ext cx="4243589" cy="18288"/>
+          </a:xfrm>
+          <a:custGeom>
+            <a:avLst/>
+            <a:gdLst>
+              <a:gd name="connsiteX0" fmla="*/ 0 w 4243589"/>
+              <a:gd name="connsiteY0" fmla="*/ 0 h 18288"/>
+              <a:gd name="connsiteX1" fmla="*/ 478919 w 4243589"/>
+              <a:gd name="connsiteY1" fmla="*/ 0 h 18288"/>
+              <a:gd name="connsiteX2" fmla="*/ 957839 w 4243589"/>
+              <a:gd name="connsiteY2" fmla="*/ 0 h 18288"/>
+              <a:gd name="connsiteX3" fmla="*/ 1521630 w 4243589"/>
+              <a:gd name="connsiteY3" fmla="*/ 0 h 18288"/>
+              <a:gd name="connsiteX4" fmla="*/ 2212729 w 4243589"/>
+              <a:gd name="connsiteY4" fmla="*/ 0 h 18288"/>
+              <a:gd name="connsiteX5" fmla="*/ 2734084 w 4243589"/>
+              <a:gd name="connsiteY5" fmla="*/ 0 h 18288"/>
+              <a:gd name="connsiteX6" fmla="*/ 3255439 w 4243589"/>
+              <a:gd name="connsiteY6" fmla="*/ 0 h 18288"/>
+              <a:gd name="connsiteX7" fmla="*/ 4243589 w 4243589"/>
+              <a:gd name="connsiteY7" fmla="*/ 0 h 18288"/>
+              <a:gd name="connsiteX8" fmla="*/ 4243589 w 4243589"/>
+              <a:gd name="connsiteY8" fmla="*/ 18288 h 18288"/>
+              <a:gd name="connsiteX9" fmla="*/ 3594926 w 4243589"/>
+              <a:gd name="connsiteY9" fmla="*/ 18288 h 18288"/>
+              <a:gd name="connsiteX10" fmla="*/ 3073571 w 4243589"/>
+              <a:gd name="connsiteY10" fmla="*/ 18288 h 18288"/>
+              <a:gd name="connsiteX11" fmla="*/ 2552216 w 4243589"/>
+              <a:gd name="connsiteY11" fmla="*/ 18288 h 18288"/>
+              <a:gd name="connsiteX12" fmla="*/ 1903553 w 4243589"/>
+              <a:gd name="connsiteY12" fmla="*/ 18288 h 18288"/>
+              <a:gd name="connsiteX13" fmla="*/ 1212454 w 4243589"/>
+              <a:gd name="connsiteY13" fmla="*/ 18288 h 18288"/>
+              <a:gd name="connsiteX14" fmla="*/ 733535 w 4243589"/>
+              <a:gd name="connsiteY14" fmla="*/ 18288 h 18288"/>
+              <a:gd name="connsiteX15" fmla="*/ 0 w 4243589"/>
+              <a:gd name="connsiteY15" fmla="*/ 18288 h 18288"/>
+              <a:gd name="connsiteX16" fmla="*/ 0 w 4243589"/>
+              <a:gd name="connsiteY16" fmla="*/ 0 h 18288"/>
+            </a:gdLst>
+            <a:ahLst/>
+            <a:cxnLst>
+              <a:cxn ang="0">
+                <a:pos x="connsiteX0" y="connsiteY0"/>
+              </a:cxn>
+              <a:cxn ang="0">
+                <a:pos x="connsiteX1" y="connsiteY1"/>
+              </a:cxn>
+              <a:cxn ang="0">
+                <a:pos x="connsiteX2" y="connsiteY2"/>
+              </a:cxn>
+              <a:cxn ang="0">
+                <a:pos x="connsiteX3" y="connsiteY3"/>
+              </a:cxn>
+              <a:cxn ang="0">
+                <a:pos x="connsiteX4" y="connsiteY4"/>
+              </a:cxn>
+              <a:cxn ang="0">
+                <a:pos x="connsiteX5" y="connsiteY5"/>
+              </a:cxn>
+              <a:cxn ang="0">
+                <a:pos x="connsiteX6" y="connsiteY6"/>
+              </a:cxn>
+              <a:cxn ang="0">
+                <a:pos x="connsiteX7" y="connsiteY7"/>
+              </a:cxn>
+              <a:cxn ang="0">
+                <a:pos x="connsiteX8" y="connsiteY8"/>
+              </a:cxn>
+              <a:cxn ang="0">
+                <a:pos x="connsiteX9" y="connsiteY9"/>
+              </a:cxn>
+              <a:cxn ang="0">
+                <a:pos x="connsiteX10" y="connsiteY10"/>
+              </a:cxn>
+              <a:cxn ang="0">
+                <a:pos x="connsiteX11" y="connsiteY11"/>
+              </a:cxn>
+              <a:cxn ang="0">
+                <a:pos x="connsiteX12" y="connsiteY12"/>
+              </a:cxn>
+              <a:cxn ang="0">
+                <a:pos x="connsiteX13" y="connsiteY13"/>
+              </a:cxn>
+              <a:cxn ang="0">
+                <a:pos x="connsiteX14" y="connsiteY14"/>
+              </a:cxn>
+              <a:cxn ang="0">
+                <a:pos x="connsiteX15" y="connsiteY15"/>
+              </a:cxn>
+              <a:cxn ang="0">
+                <a:pos x="connsiteX16" y="connsiteY16"/>
+              </a:cxn>
+            </a:cxnLst>
+            <a:rect l="l" t="t" r="r" b="b"/>
+            <a:pathLst>
+              <a:path w="4243589" h="18288" fill="none" extrusionOk="0">
+                <a:moveTo>
+                  <a:pt x="0" y="0"/>
+                </a:moveTo>
+                <a:cubicBezTo>
+                  <a:pt x="213395" y="-21006"/>
+                  <a:pt x="307421" y="-18116"/>
+                  <a:pt x="478919" y="0"/>
+                </a:cubicBezTo>
+                <a:cubicBezTo>
+                  <a:pt x="650417" y="18116"/>
+                  <a:pt x="831092" y="-21237"/>
+                  <a:pt x="957839" y="0"/>
+                </a:cubicBezTo>
+                <a:cubicBezTo>
+                  <a:pt x="1084586" y="21237"/>
+                  <a:pt x="1301682" y="25124"/>
+                  <a:pt x="1521630" y="0"/>
+                </a:cubicBezTo>
+                <a:cubicBezTo>
+                  <a:pt x="1741578" y="-25124"/>
+                  <a:pt x="1970269" y="-29139"/>
+                  <a:pt x="2212729" y="0"/>
+                </a:cubicBezTo>
+                <a:cubicBezTo>
+                  <a:pt x="2455189" y="29139"/>
+                  <a:pt x="2558847" y="-4796"/>
+                  <a:pt x="2734084" y="0"/>
+                </a:cubicBezTo>
+                <a:cubicBezTo>
+                  <a:pt x="2909321" y="4796"/>
+                  <a:pt x="3097217" y="-13409"/>
+                  <a:pt x="3255439" y="0"/>
+                </a:cubicBezTo>
+                <a:cubicBezTo>
+                  <a:pt x="3413662" y="13409"/>
+                  <a:pt x="3979999" y="-10121"/>
+                  <a:pt x="4243589" y="0"/>
+                </a:cubicBezTo>
+                <a:cubicBezTo>
+                  <a:pt x="4244484" y="8974"/>
+                  <a:pt x="4243043" y="9359"/>
+                  <a:pt x="4243589" y="18288"/>
+                </a:cubicBezTo>
+                <a:cubicBezTo>
+                  <a:pt x="4058777" y="31246"/>
+                  <a:pt x="3910348" y="3158"/>
+                  <a:pt x="3594926" y="18288"/>
+                </a:cubicBezTo>
+                <a:cubicBezTo>
+                  <a:pt x="3279504" y="33418"/>
+                  <a:pt x="3319955" y="-3977"/>
+                  <a:pt x="3073571" y="18288"/>
+                </a:cubicBezTo>
+                <a:cubicBezTo>
+                  <a:pt x="2827187" y="40553"/>
+                  <a:pt x="2767387" y="1863"/>
+                  <a:pt x="2552216" y="18288"/>
+                </a:cubicBezTo>
+                <a:cubicBezTo>
+                  <a:pt x="2337046" y="34713"/>
+                  <a:pt x="2181871" y="19527"/>
+                  <a:pt x="1903553" y="18288"/>
+                </a:cubicBezTo>
+                <a:cubicBezTo>
+                  <a:pt x="1625235" y="17049"/>
+                  <a:pt x="1557672" y="24174"/>
+                  <a:pt x="1212454" y="18288"/>
+                </a:cubicBezTo>
+                <a:cubicBezTo>
+                  <a:pt x="867236" y="12402"/>
+                  <a:pt x="874382" y="15627"/>
+                  <a:pt x="733535" y="18288"/>
+                </a:cubicBezTo>
+                <a:cubicBezTo>
+                  <a:pt x="592688" y="20949"/>
+                  <a:pt x="183477" y="14753"/>
+                  <a:pt x="0" y="18288"/>
+                </a:cubicBezTo>
+                <a:cubicBezTo>
+                  <a:pt x="-229" y="14222"/>
+                  <a:pt x="509" y="5816"/>
+                  <a:pt x="0" y="0"/>
+                </a:cubicBezTo>
+                <a:close/>
+              </a:path>
+              <a:path w="4243589" h="18288" stroke="0" extrusionOk="0">
+                <a:moveTo>
+                  <a:pt x="0" y="0"/>
+                </a:moveTo>
+                <a:cubicBezTo>
+                  <a:pt x="143690" y="16630"/>
+                  <a:pt x="266667" y="14847"/>
+                  <a:pt x="521355" y="0"/>
+                </a:cubicBezTo>
+                <a:cubicBezTo>
+                  <a:pt x="776043" y="-14847"/>
+                  <a:pt x="814491" y="-17363"/>
+                  <a:pt x="1000275" y="0"/>
+                </a:cubicBezTo>
+                <a:cubicBezTo>
+                  <a:pt x="1186059" y="17363"/>
+                  <a:pt x="1352504" y="-23507"/>
+                  <a:pt x="1521630" y="0"/>
+                </a:cubicBezTo>
+                <a:cubicBezTo>
+                  <a:pt x="1690756" y="23507"/>
+                  <a:pt x="1889525" y="5871"/>
+                  <a:pt x="2127857" y="0"/>
+                </a:cubicBezTo>
+                <a:cubicBezTo>
+                  <a:pt x="2366189" y="-5871"/>
+                  <a:pt x="2620628" y="-27997"/>
+                  <a:pt x="2776520" y="0"/>
+                </a:cubicBezTo>
+                <a:cubicBezTo>
+                  <a:pt x="2932412" y="27997"/>
+                  <a:pt x="3131683" y="-25073"/>
+                  <a:pt x="3467618" y="0"/>
+                </a:cubicBezTo>
+                <a:cubicBezTo>
+                  <a:pt x="3803553" y="25073"/>
+                  <a:pt x="4017371" y="3071"/>
+                  <a:pt x="4243589" y="0"/>
+                </a:cubicBezTo>
+                <a:cubicBezTo>
+                  <a:pt x="4243134" y="6162"/>
+                  <a:pt x="4243492" y="11775"/>
+                  <a:pt x="4243589" y="18288"/>
+                </a:cubicBezTo>
+                <a:cubicBezTo>
+                  <a:pt x="4017834" y="-5779"/>
+                  <a:pt x="3834586" y="13376"/>
+                  <a:pt x="3594926" y="18288"/>
+                </a:cubicBezTo>
+                <a:cubicBezTo>
+                  <a:pt x="3355266" y="23200"/>
+                  <a:pt x="3204179" y="2869"/>
+                  <a:pt x="2903827" y="18288"/>
+                </a:cubicBezTo>
+                <a:cubicBezTo>
+                  <a:pt x="2603475" y="33707"/>
+                  <a:pt x="2526187" y="46187"/>
+                  <a:pt x="2212729" y="18288"/>
+                </a:cubicBezTo>
+                <a:cubicBezTo>
+                  <a:pt x="1899271" y="-9611"/>
+                  <a:pt x="1966289" y="29692"/>
+                  <a:pt x="1733809" y="18288"/>
+                </a:cubicBezTo>
+                <a:cubicBezTo>
+                  <a:pt x="1501329" y="6884"/>
+                  <a:pt x="1343612" y="12492"/>
+                  <a:pt x="1085146" y="18288"/>
+                </a:cubicBezTo>
+                <a:cubicBezTo>
+                  <a:pt x="826680" y="24084"/>
+                  <a:pt x="778184" y="35607"/>
+                  <a:pt x="521355" y="18288"/>
+                </a:cubicBezTo>
+                <a:cubicBezTo>
+                  <a:pt x="264526" y="969"/>
+                  <a:pt x="120277" y="4268"/>
+                  <a:pt x="0" y="18288"/>
+                </a:cubicBezTo>
+                <a:cubicBezTo>
+                  <a:pt x="766" y="10800"/>
+                  <a:pt x="-457" y="8180"/>
+                  <a:pt x="0" y="0"/>
+                </a:cubicBezTo>
+                <a:close/>
+              </a:path>
+            </a:pathLst>
+          </a:custGeom>
+          <a:solidFill>
+            <a:srgbClr val="FFFFFF">
+              <a:alpha val="75000"/>
+            </a:srgbClr>
+          </a:solidFill>
+          <a:ln w="44450" cap="rnd">
+            <a:solidFill>
+              <a:srgbClr val="FFFFFF">
+                <a:alpha val="75000"/>
+              </a:srgbClr>
+            </a:solidFill>
+            <a:round/>
+            <a:extLst>
+              <a:ext uri="{C807C97D-BFC1-408E-A445-0C87EB9F89A2}">
+                <ask:lineSketchStyleProps xmlns:ask="http://schemas.microsoft.com/office/drawing/2018/sketchyshapes" sd="2727557108">
+                  <a:prstGeom prst="rect">
+                    <a:avLst/>
+                  </a:prstGeom>
+                  <ask:type>
+                    <ask:lineSketchFreehand/>
+                  </ask:type>
+                </ask:lineSketchStyleProps>
+              </a:ext>
+            </a:extLst>
+          </a:ln>
+        </p:spPr>
+        <p:style>
+          <a:lnRef idx="2">
+            <a:schemeClr val="accent1">
+              <a:shade val="50000"/>
+            </a:schemeClr>
+          </a:lnRef>
+          <a:fillRef idx="1">
+            <a:schemeClr val="accent1"/>
+          </a:fillRef>
+          <a:effectRef idx="0">
+            <a:schemeClr val="accent1"/>
+          </a:effectRef>
+          <a:fontRef idx="minor">
+            <a:schemeClr val="lt1"/>
+          </a:fontRef>
+        </p:style>
+        <p:txBody>
+          <a:bodyPr rtlCol="0" anchor="ctr"/>
+          <a:lstStyle/>
+          <a:p>
+            <a:pPr algn="ctr"/>
             <a:endParaRPr lang="en-US"/>
           </a:p>
         </p:txBody>
       </p:sp>
+      <p:pic>
+        <p:nvPicPr>
+          <p:cNvPr id="4" name="Picture 4" descr="Logo, company name&#10;&#10;Description automatically generated">
+            <a:extLst>
+              <a:ext uri="{FF2B5EF4-FFF2-40B4-BE49-F238E27FC236}">
+                <a16:creationId xmlns:a16="http://schemas.microsoft.com/office/drawing/2014/main" id="{19D722BE-729A-334D-B22B-2A24ED54FBAD}"/>
+              </a:ext>
+            </a:extLst>
+          </p:cNvPr>
+          <p:cNvPicPr>
+            <a:picLocks noChangeAspect="1"/>
+          </p:cNvPicPr>
+          <p:nvPr/>
+        </p:nvPicPr>
+        <p:blipFill>
+          <a:blip r:embed="rId3">
+            <a:extLst>
+              <a:ext uri="{BEBA8EAE-BF5A-486C-A8C5-ECC9F3942E4B}">
+                <a14:imgProps xmlns:a14="http://schemas.microsoft.com/office/drawing/2010/main">
+                  <a14:imgLayer r:embed="rId4">
+                    <a14:imgEffect>
+                      <a14:brightnessContrast contrast="1000"/>
+                    </a14:imgEffect>
+                  </a14:imgLayer>
+                </a14:imgProps>
+              </a:ext>
+            </a:extLst>
+          </a:blip>
+          <a:stretch>
+            <a:fillRect/>
+          </a:stretch>
+        </p:blipFill>
+        <p:spPr>
+          <a:xfrm>
+            <a:off x="9146" y="6042706"/>
+            <a:ext cx="2055628" cy="800464"/>
+          </a:xfrm>
+          <a:prstGeom prst="rect">
+            <a:avLst/>
+          </a:prstGeom>
+        </p:spPr>
+      </p:pic>
     </p:spTree>
     <p:extLst>
       <p:ext uri="{BB962C8B-B14F-4D97-AF65-F5344CB8AC3E}">
@@ -4451,7 +8361,7 @@
     </p:extLst>
   </p:cSld>
   <p:clrMapOvr>
-    <a:masterClrMapping/>
+    <a:overrideClrMapping bg1="dk1" tx1="lt1" bg2="dk2" tx2="lt2" accent1="accent1" accent2="accent2" accent3="accent3" accent4="accent4" accent5="accent5" accent6="accent6" hlink="hlink" folHlink="folHlink"/>
   </p:clrMapOvr>
 </p:sld>
 </file>
@@ -4478,7 +8388,7 @@
           <p:cNvPr id="2" name="Title 1">
             <a:extLst>
               <a:ext uri="{FF2B5EF4-FFF2-40B4-BE49-F238E27FC236}">
-                <a16:creationId xmlns:a16="http://schemas.microsoft.com/office/drawing/2014/main" id="{F60B3950-E7A3-4EF0-ED20-61C7C2B16C61}"/>
+                <a16:creationId xmlns:a16="http://schemas.microsoft.com/office/drawing/2014/main" id="{32561ECF-EE45-EA00-2C36-4C60BF89D9C4}"/>
               </a:ext>
             </a:extLst>
           </p:cNvPr>
@@ -4489,113 +8399,532 @@
             <p:ph type="title"/>
           </p:nvPr>
         </p:nvSpPr>
-        <p:spPr/>
+        <p:spPr>
+          <a:xfrm>
+            <a:off x="0" y="5506"/>
+            <a:ext cx="10515600" cy="1083980"/>
+          </a:xfrm>
+        </p:spPr>
         <p:txBody>
           <a:bodyPr/>
           <a:lstStyle/>
           <a:p>
             <a:r>
               <a:rPr lang="en-US" dirty="0"/>
-              <a:t>Covid-19 during holiday season of 2020 in New England</a:t>
-            </a:r>
-          </a:p>
-        </p:txBody>
-      </p:sp>
-      <p:sp>
-        <p:nvSpPr>
-          <p:cNvPr id="3" name="Content Placeholder 2">
+              <a:t>The first year of pandemic</a:t>
+            </a:r>
+          </a:p>
+        </p:txBody>
+      </p:sp>
+      <p:grpSp>
+        <p:nvGrpSpPr>
+          <p:cNvPr id="6" name="Group 5">
             <a:extLst>
               <a:ext uri="{FF2B5EF4-FFF2-40B4-BE49-F238E27FC236}">
-                <a16:creationId xmlns:a16="http://schemas.microsoft.com/office/drawing/2014/main" id="{35CE4E5E-1A95-3F32-66AB-6FDE58A66F69}"/>
+                <a16:creationId xmlns:a16="http://schemas.microsoft.com/office/drawing/2014/main" id="{CE9D783F-8078-19AE-F8BA-3147163F7D7B}"/>
               </a:ext>
             </a:extLst>
           </p:cNvPr>
-          <p:cNvSpPr>
-            <a:spLocks noGrp="1"/>
-          </p:cNvSpPr>
-          <p:nvPr>
-            <p:ph idx="1"/>
-          </p:nvPr>
-        </p:nvSpPr>
-        <p:spPr/>
-        <p:txBody>
-          <a:bodyPr/>
-          <a:lstStyle/>
-          <a:p>
-            <a:endParaRPr lang="en-US"/>
-          </a:p>
-        </p:txBody>
-      </p:sp>
-      <p:pic>
-        <p:nvPicPr>
-          <p:cNvPr id="4" name="Picture 3">
+          <p:cNvGrpSpPr/>
+          <p:nvPr/>
+        </p:nvGrpSpPr>
+        <p:grpSpPr>
+          <a:xfrm>
+            <a:off x="63244" y="2047271"/>
+            <a:ext cx="3059180" cy="3711262"/>
+            <a:chOff x="838199" y="1550694"/>
+            <a:chExt cx="3059180" cy="3711262"/>
+          </a:xfrm>
+        </p:grpSpPr>
+        <p:pic>
+          <p:nvPicPr>
+            <p:cNvPr id="4" name="Picture 3">
+              <a:extLst>
+                <a:ext uri="{FF2B5EF4-FFF2-40B4-BE49-F238E27FC236}">
+                  <a16:creationId xmlns:a16="http://schemas.microsoft.com/office/drawing/2014/main" id="{BAFD82EA-DD20-5E23-335F-4983EE9DEF70}"/>
+                </a:ext>
+              </a:extLst>
+            </p:cNvPr>
+            <p:cNvPicPr>
+              <a:picLocks noChangeAspect="1"/>
+            </p:cNvPicPr>
+            <p:nvPr/>
+          </p:nvPicPr>
+          <p:blipFill rotWithShape="1">
+            <a:blip r:embed="rId2"/>
+            <a:srcRect r="58271"/>
+            <a:stretch/>
+          </p:blipFill>
+          <p:spPr>
+            <a:xfrm>
+              <a:off x="838199" y="1550694"/>
+              <a:ext cx="3059180" cy="3711262"/>
+            </a:xfrm>
+            <a:prstGeom prst="rect">
+              <a:avLst/>
+            </a:prstGeom>
+          </p:spPr>
+        </p:pic>
+        <p:sp>
+          <p:nvSpPr>
+            <p:cNvPr id="5" name="Oval 4">
+              <a:extLst>
+                <a:ext uri="{FF2B5EF4-FFF2-40B4-BE49-F238E27FC236}">
+                  <a16:creationId xmlns:a16="http://schemas.microsoft.com/office/drawing/2014/main" id="{88347663-0270-9604-6E1F-F32829F9D585}"/>
+                </a:ext>
+              </a:extLst>
+            </p:cNvPr>
+            <p:cNvSpPr/>
+            <p:nvPr/>
+          </p:nvSpPr>
+          <p:spPr>
+            <a:xfrm>
+              <a:off x="3005847" y="4033088"/>
+              <a:ext cx="603115" cy="865761"/>
+            </a:xfrm>
+            <a:prstGeom prst="ellipse">
+              <a:avLst/>
+            </a:prstGeom>
+            <a:noFill/>
+            <a:ln w="28575">
+              <a:solidFill>
+                <a:srgbClr val="FF0000"/>
+              </a:solidFill>
+            </a:ln>
+          </p:spPr>
+          <p:style>
+            <a:lnRef idx="2">
+              <a:schemeClr val="accent1">
+                <a:shade val="50000"/>
+              </a:schemeClr>
+            </a:lnRef>
+            <a:fillRef idx="1">
+              <a:schemeClr val="accent1"/>
+            </a:fillRef>
+            <a:effectRef idx="0">
+              <a:schemeClr val="accent1"/>
+            </a:effectRef>
+            <a:fontRef idx="minor">
+              <a:schemeClr val="lt1"/>
+            </a:fontRef>
+          </p:style>
+          <p:txBody>
+            <a:bodyPr rtlCol="0" anchor="ctr"/>
+            <a:lstStyle/>
+            <a:p>
+              <a:pPr algn="ctr"/>
+              <a:endParaRPr lang="en-US"/>
+            </a:p>
+          </p:txBody>
+        </p:sp>
+      </p:grpSp>
+      <p:grpSp>
+        <p:nvGrpSpPr>
+          <p:cNvPr id="9" name="Group 8">
             <a:extLst>
               <a:ext uri="{FF2B5EF4-FFF2-40B4-BE49-F238E27FC236}">
-                <a16:creationId xmlns:a16="http://schemas.microsoft.com/office/drawing/2014/main" id="{5FE901F8-AC54-33B7-628F-3A2795DF0FB7}"/>
+                <a16:creationId xmlns:a16="http://schemas.microsoft.com/office/drawing/2014/main" id="{DD0F795A-9429-9B92-66EB-E00A85D9BD93}"/>
               </a:ext>
             </a:extLst>
           </p:cNvPr>
-          <p:cNvPicPr>
-            <a:picLocks noChangeAspect="1"/>
-          </p:cNvPicPr>
+          <p:cNvGrpSpPr/>
           <p:nvPr/>
-        </p:nvPicPr>
-        <p:blipFill>
-          <a:blip r:embed="rId3"/>
-          <a:stretch>
-            <a:fillRect/>
-          </a:stretch>
-        </p:blipFill>
+        </p:nvGrpSpPr>
+        <p:grpSpPr>
+          <a:xfrm>
+            <a:off x="3542412" y="1054055"/>
+            <a:ext cx="8649588" cy="5745406"/>
+            <a:chOff x="3542412" y="1054055"/>
+            <a:chExt cx="8649588" cy="5745406"/>
+          </a:xfrm>
+        </p:grpSpPr>
+        <p:grpSp>
+          <p:nvGrpSpPr>
+            <p:cNvPr id="30" name="Group 29">
+              <a:extLst>
+                <a:ext uri="{FF2B5EF4-FFF2-40B4-BE49-F238E27FC236}">
+                  <a16:creationId xmlns:a16="http://schemas.microsoft.com/office/drawing/2014/main" id="{2F801408-AC03-FA52-170F-E22091171365}"/>
+                </a:ext>
+              </a:extLst>
+            </p:cNvPr>
+            <p:cNvGrpSpPr/>
+            <p:nvPr/>
+          </p:nvGrpSpPr>
+          <p:grpSpPr>
+            <a:xfrm>
+              <a:off x="3542412" y="1349594"/>
+              <a:ext cx="4114800" cy="5106616"/>
+              <a:chOff x="3215663" y="1267386"/>
+              <a:chExt cx="4114800" cy="5106616"/>
+            </a:xfrm>
+          </p:grpSpPr>
+          <p:pic>
+            <p:nvPicPr>
+              <p:cNvPr id="15" name="Picture 14">
+                <a:extLst>
+                  <a:ext uri="{FF2B5EF4-FFF2-40B4-BE49-F238E27FC236}">
+                    <a16:creationId xmlns:a16="http://schemas.microsoft.com/office/drawing/2014/main" id="{CD36BFFD-EC10-B640-7FF3-612D9EE9BFF0}"/>
+                  </a:ext>
+                </a:extLst>
+              </p:cNvPr>
+              <p:cNvPicPr>
+                <a:picLocks noChangeAspect="1"/>
+              </p:cNvPicPr>
+              <p:nvPr/>
+            </p:nvPicPr>
+            <p:blipFill>
+              <a:blip r:embed="rId3"/>
+              <a:stretch>
+                <a:fillRect/>
+              </a:stretch>
+            </p:blipFill>
+            <p:spPr>
+              <a:xfrm>
+                <a:off x="3215663" y="1267386"/>
+                <a:ext cx="4114800" cy="1389588"/>
+              </a:xfrm>
+              <a:prstGeom prst="rect">
+                <a:avLst/>
+              </a:prstGeom>
+            </p:spPr>
+          </p:pic>
+          <p:pic>
+            <p:nvPicPr>
+              <p:cNvPr id="17" name="Picture 16">
+                <a:extLst>
+                  <a:ext uri="{FF2B5EF4-FFF2-40B4-BE49-F238E27FC236}">
+                    <a16:creationId xmlns:a16="http://schemas.microsoft.com/office/drawing/2014/main" id="{910F10EF-75CC-D9A8-88E0-7499FE9A2F4A}"/>
+                  </a:ext>
+                </a:extLst>
+              </p:cNvPr>
+              <p:cNvPicPr>
+                <a:picLocks noChangeAspect="1"/>
+              </p:cNvPicPr>
+              <p:nvPr/>
+            </p:nvPicPr>
+            <p:blipFill>
+              <a:blip r:embed="rId4"/>
+              <a:stretch>
+                <a:fillRect/>
+              </a:stretch>
+            </p:blipFill>
+            <p:spPr>
+              <a:xfrm>
+                <a:off x="3215663" y="4743775"/>
+                <a:ext cx="4114800" cy="1630227"/>
+              </a:xfrm>
+              <a:prstGeom prst="rect">
+                <a:avLst/>
+              </a:prstGeom>
+            </p:spPr>
+          </p:pic>
+          <p:pic>
+            <p:nvPicPr>
+              <p:cNvPr id="27" name="Picture 26">
+                <a:extLst>
+                  <a:ext uri="{FF2B5EF4-FFF2-40B4-BE49-F238E27FC236}">
+                    <a16:creationId xmlns:a16="http://schemas.microsoft.com/office/drawing/2014/main" id="{A4A3191F-87C6-5321-0CCF-83D95F86EC8B}"/>
+                  </a:ext>
+                </a:extLst>
+              </p:cNvPr>
+              <p:cNvPicPr>
+                <a:picLocks noChangeAspect="1"/>
+              </p:cNvPicPr>
+              <p:nvPr/>
+            </p:nvPicPr>
+            <p:blipFill>
+              <a:blip r:embed="rId5"/>
+              <a:stretch>
+                <a:fillRect/>
+              </a:stretch>
+            </p:blipFill>
+            <p:spPr>
+              <a:xfrm>
+                <a:off x="3215663" y="2769314"/>
+                <a:ext cx="4114800" cy="1862121"/>
+              </a:xfrm>
+              <a:prstGeom prst="rect">
+                <a:avLst/>
+              </a:prstGeom>
+            </p:spPr>
+          </p:pic>
+        </p:grpSp>
+        <p:grpSp>
+          <p:nvGrpSpPr>
+            <p:cNvPr id="31" name="Group 30">
+              <a:extLst>
+                <a:ext uri="{FF2B5EF4-FFF2-40B4-BE49-F238E27FC236}">
+                  <a16:creationId xmlns:a16="http://schemas.microsoft.com/office/drawing/2014/main" id="{C5E09B91-3895-30A3-F4B5-8B7377C95660}"/>
+                </a:ext>
+              </a:extLst>
+            </p:cNvPr>
+            <p:cNvGrpSpPr/>
+            <p:nvPr/>
+          </p:nvGrpSpPr>
+          <p:grpSpPr>
+            <a:xfrm>
+              <a:off x="8077200" y="1054055"/>
+              <a:ext cx="4114800" cy="5745406"/>
+              <a:chOff x="7779423" y="600529"/>
+              <a:chExt cx="4114800" cy="5745406"/>
+            </a:xfrm>
+          </p:grpSpPr>
+          <p:pic>
+            <p:nvPicPr>
+              <p:cNvPr id="25" name="Picture 24">
+                <a:extLst>
+                  <a:ext uri="{FF2B5EF4-FFF2-40B4-BE49-F238E27FC236}">
+                    <a16:creationId xmlns:a16="http://schemas.microsoft.com/office/drawing/2014/main" id="{2E24F1DD-D0FC-DD8A-D90D-D296E2B745BF}"/>
+                  </a:ext>
+                </a:extLst>
+              </p:cNvPr>
+              <p:cNvPicPr>
+                <a:picLocks noChangeAspect="1"/>
+              </p:cNvPicPr>
+              <p:nvPr/>
+            </p:nvPicPr>
+            <p:blipFill>
+              <a:blip r:embed="rId6"/>
+              <a:stretch>
+                <a:fillRect/>
+              </a:stretch>
+            </p:blipFill>
+            <p:spPr>
+              <a:xfrm>
+                <a:off x="7779423" y="2916935"/>
+                <a:ext cx="4114800" cy="3429000"/>
+              </a:xfrm>
+              <a:prstGeom prst="rect">
+                <a:avLst/>
+              </a:prstGeom>
+            </p:spPr>
+          </p:pic>
+          <p:pic>
+            <p:nvPicPr>
+              <p:cNvPr id="29" name="Picture 28">
+                <a:extLst>
+                  <a:ext uri="{FF2B5EF4-FFF2-40B4-BE49-F238E27FC236}">
+                    <a16:creationId xmlns:a16="http://schemas.microsoft.com/office/drawing/2014/main" id="{6BA18399-7A7B-F4FA-D3BD-75123EAE9016}"/>
+                  </a:ext>
+                </a:extLst>
+              </p:cNvPr>
+              <p:cNvPicPr>
+                <a:picLocks noChangeAspect="1"/>
+              </p:cNvPicPr>
+              <p:nvPr/>
+            </p:nvPicPr>
+            <p:blipFill>
+              <a:blip r:embed="rId7"/>
+              <a:stretch>
+                <a:fillRect/>
+              </a:stretch>
+            </p:blipFill>
+            <p:spPr>
+              <a:xfrm>
+                <a:off x="7779423" y="600529"/>
+                <a:ext cx="4114800" cy="1991032"/>
+              </a:xfrm>
+              <a:prstGeom prst="rect">
+                <a:avLst/>
+              </a:prstGeom>
+            </p:spPr>
+          </p:pic>
+        </p:grpSp>
+      </p:grpSp>
+      <p:sp>
+        <p:nvSpPr>
+          <p:cNvPr id="7" name="TextBox 6">
+            <a:extLst>
+              <a:ext uri="{FF2B5EF4-FFF2-40B4-BE49-F238E27FC236}">
+                <a16:creationId xmlns:a16="http://schemas.microsoft.com/office/drawing/2014/main" id="{E0265B39-A7DF-B205-17AC-06962E5F8F56}"/>
+              </a:ext>
+            </a:extLst>
+          </p:cNvPr>
+          <p:cNvSpPr txBox="1"/>
+          <p:nvPr/>
+        </p:nvSpPr>
         <p:spPr>
           <a:xfrm>
-            <a:off x="2430462" y="2145663"/>
-            <a:ext cx="7331075" cy="3711262"/>
+            <a:off x="512179" y="5655534"/>
+            <a:ext cx="2161309" cy="461665"/>
           </a:xfrm>
           <a:prstGeom prst="rect">
             <a:avLst/>
           </a:prstGeom>
+          <a:noFill/>
         </p:spPr>
-      </p:pic>
-      <p:pic>
-        <p:nvPicPr>
-          <p:cNvPr id="5" name="Picture 4">
+        <p:txBody>
+          <a:bodyPr wrap="square" rtlCol="0">
+            <a:spAutoFit/>
+          </a:bodyPr>
+          <a:lstStyle/>
+          <a:p>
+            <a:r>
+              <a:rPr lang="en-US" sz="800" b="0" i="1" dirty="0">
+                <a:solidFill>
+                  <a:srgbClr val="1F1F1F"/>
+                </a:solidFill>
+                <a:effectLst/>
+                <a:latin typeface="Arial "/>
+              </a:rPr>
+              <a:t>Data comes from </a:t>
+            </a:r>
+            <a:r>
+              <a:rPr lang="en-US" sz="800" b="0" i="1" strike="noStrike" dirty="0">
+                <a:solidFill>
+                  <a:srgbClr val="0B57D0"/>
+                </a:solidFill>
+                <a:effectLst/>
+                <a:latin typeface="Arial "/>
+                <a:hlinkClick r:id="rId8"/>
+              </a:rPr>
+              <a:t>Wikipedia</a:t>
+            </a:r>
+            <a:r>
+              <a:rPr lang="en-US" sz="800" b="0" i="1" dirty="0">
+                <a:solidFill>
+                  <a:srgbClr val="1F1F1F"/>
+                </a:solidFill>
+                <a:effectLst/>
+                <a:latin typeface="Arial "/>
+              </a:rPr>
+              <a:t>, government health ministries, The New York Times, and other authoritative sources</a:t>
+            </a:r>
+            <a:endParaRPr lang="en-US" sz="800" i="1" dirty="0">
+              <a:latin typeface="Arial "/>
+            </a:endParaRPr>
+          </a:p>
+        </p:txBody>
+      </p:sp>
+      <p:sp>
+        <p:nvSpPr>
+          <p:cNvPr id="8" name="TextBox 7">
             <a:extLst>
               <a:ext uri="{FF2B5EF4-FFF2-40B4-BE49-F238E27FC236}">
-                <a16:creationId xmlns:a16="http://schemas.microsoft.com/office/drawing/2014/main" id="{FE37FFEE-5728-BA91-4C16-E90EE0EBA7D4}"/>
+                <a16:creationId xmlns:a16="http://schemas.microsoft.com/office/drawing/2014/main" id="{97F734CC-42F9-32E5-EBF8-E0C2DD7DF238}"/>
               </a:ext>
             </a:extLst>
           </p:cNvPr>
-          <p:cNvPicPr>
-            <a:picLocks noChangeAspect="1"/>
-          </p:cNvPicPr>
+          <p:cNvSpPr txBox="1"/>
           <p:nvPr/>
-        </p:nvPicPr>
-        <p:blipFill>
-          <a:blip r:embed="rId3"/>
-          <a:stretch>
-            <a:fillRect/>
-          </a:stretch>
-        </p:blipFill>
+        </p:nvSpPr>
         <p:spPr>
           <a:xfrm>
-            <a:off x="2582862" y="2298063"/>
-            <a:ext cx="7331075" cy="3711262"/>
+            <a:off x="3542412" y="6584017"/>
+            <a:ext cx="2658883" cy="215444"/>
           </a:xfrm>
           <a:prstGeom prst="rect">
             <a:avLst/>
           </a:prstGeom>
+          <a:noFill/>
         </p:spPr>
-      </p:pic>
+        <p:txBody>
+          <a:bodyPr wrap="square" rtlCol="0">
+            <a:spAutoFit/>
+          </a:bodyPr>
+          <a:lstStyle/>
+          <a:p>
+            <a:r>
+              <a:rPr lang="en-US" sz="800" b="0" i="1" dirty="0">
+                <a:solidFill>
+                  <a:srgbClr val="1F1F1F"/>
+                </a:solidFill>
+                <a:effectLst/>
+                <a:latin typeface="Arial "/>
+              </a:rPr>
+              <a:t>News article snaps accessed on Oct 24,2022</a:t>
+            </a:r>
+            <a:endParaRPr lang="en-US" sz="800" i="1" dirty="0">
+              <a:latin typeface="Arial "/>
+            </a:endParaRPr>
+          </a:p>
+        </p:txBody>
+      </p:sp>
     </p:spTree>
     <p:extLst>
       <p:ext uri="{BB962C8B-B14F-4D97-AF65-F5344CB8AC3E}">
-        <p14:creationId xmlns:p14="http://schemas.microsoft.com/office/powerpoint/2010/main" val="3949987653"/>
+        <p14:creationId xmlns:p14="http://schemas.microsoft.com/office/powerpoint/2010/main" val="260391411"/>
       </p:ext>
     </p:extLst>
   </p:cSld>
   <p:clrMapOvr>
     <a:masterClrMapping/>
   </p:clrMapOvr>
+  <p:timing>
+    <p:tnLst>
+      <p:par>
+        <p:cTn id="1" dur="indefinite" restart="never" nodeType="tmRoot">
+          <p:childTnLst>
+            <p:seq concurrent="1" nextAc="seek">
+              <p:cTn id="2" dur="indefinite" nodeType="mainSeq">
+                <p:childTnLst>
+                  <p:par>
+                    <p:cTn id="3" fill="hold">
+                      <p:stCondLst>
+                        <p:cond delay="indefinite"/>
+                      </p:stCondLst>
+                      <p:childTnLst>
+                        <p:par>
+                          <p:cTn id="4" fill="hold">
+                            <p:stCondLst>
+                              <p:cond delay="0"/>
+                            </p:stCondLst>
+                            <p:childTnLst>
+                              <p:par>
+                                <p:cTn id="5" presetID="1" presetClass="entr" presetSubtype="0" fill="hold" nodeType="clickEffect">
+                                  <p:stCondLst>
+                                    <p:cond delay="0"/>
+                                  </p:stCondLst>
+                                  <p:childTnLst>
+                                    <p:set>
+                                      <p:cBhvr>
+                                        <p:cTn id="6" dur="1" fill="hold">
+                                          <p:stCondLst>
+                                            <p:cond delay="0"/>
+                                          </p:stCondLst>
+                                        </p:cTn>
+                                        <p:tgtEl>
+                                          <p:spTgt spid="9"/>
+                                        </p:tgtEl>
+                                        <p:attrNameLst>
+                                          <p:attrName>style.visibility</p:attrName>
+                                        </p:attrNameLst>
+                                      </p:cBhvr>
+                                      <p:to>
+                                        <p:strVal val="visible"/>
+                                      </p:to>
+                                    </p:set>
+                                  </p:childTnLst>
+                                </p:cTn>
+                              </p:par>
+                            </p:childTnLst>
+                          </p:cTn>
+                        </p:par>
+                      </p:childTnLst>
+                    </p:cTn>
+                  </p:par>
+                </p:childTnLst>
+              </p:cTn>
+              <p:prevCondLst>
+                <p:cond evt="onPrev" delay="0">
+                  <p:tgtEl>
+                    <p:sldTgt/>
+                  </p:tgtEl>
+                </p:cond>
+              </p:prevCondLst>
+              <p:nextCondLst>
+                <p:cond evt="onNext" delay="0">
+                  <p:tgtEl>
+                    <p:sldTgt/>
+                  </p:tgtEl>
+                </p:cond>
+              </p:nextCondLst>
+            </p:seq>
+          </p:childTnLst>
+        </p:cTn>
+      </p:par>
+    </p:tnLst>
+  </p:timing>
 </p:sld>
 </file>
 
@@ -4632,53 +8961,29 @@
             <p:ph type="title"/>
           </p:nvPr>
         </p:nvSpPr>
-        <p:spPr/>
+        <p:spPr>
+          <a:xfrm>
+            <a:off x="0" y="29465"/>
+            <a:ext cx="12191999" cy="1083980"/>
+          </a:xfrm>
+        </p:spPr>
         <p:txBody>
           <a:bodyPr/>
           <a:lstStyle/>
           <a:p>
             <a:r>
               <a:rPr lang="en-US" dirty="0"/>
-              <a:t>Covid-19 during holiday season of 2020 in New England</a:t>
-            </a:r>
-          </a:p>
-        </p:txBody>
-      </p:sp>
-      <p:pic>
-        <p:nvPicPr>
-          <p:cNvPr id="11" name="Content Placeholder 10">
+              <a:t>Problem Selection: Effect population of children and diversity index on Covid-19 cases in New England during holiday season 2020 </a:t>
+            </a:r>
+          </a:p>
+        </p:txBody>
+      </p:sp>
+      <p:grpSp>
+        <p:nvGrpSpPr>
+          <p:cNvPr id="17" name="Group 16">
             <a:extLst>
               <a:ext uri="{FF2B5EF4-FFF2-40B4-BE49-F238E27FC236}">
-                <a16:creationId xmlns:a16="http://schemas.microsoft.com/office/drawing/2014/main" id="{FB8FD794-E654-5C08-3B4D-A4AC9623A431}"/>
-              </a:ext>
-            </a:extLst>
-          </p:cNvPr>
-          <p:cNvPicPr>
-            <a:picLocks noGrp="1" noChangeAspect="1"/>
-          </p:cNvPicPr>
-          <p:nvPr>
-            <p:ph idx="1"/>
-          </p:nvPr>
-        </p:nvPicPr>
-        <p:blipFill>
-          <a:blip r:embed="rId3"/>
-          <a:stretch>
-            <a:fillRect/>
-          </a:stretch>
-        </p:blipFill>
-        <p:spPr>
-          <a:xfrm>
-            <a:off x="4527761" y="1825625"/>
-            <a:ext cx="3863009" cy="2497481"/>
-          </a:xfrm>
-        </p:spPr>
-      </p:pic>
-      <p:grpSp>
-        <p:nvGrpSpPr>
-          <p:cNvPr id="9" name="Group 8">
-            <a:extLst>
-              <a:ext uri="{FF2B5EF4-FFF2-40B4-BE49-F238E27FC236}">
-                <a16:creationId xmlns:a16="http://schemas.microsoft.com/office/drawing/2014/main" id="{17446D98-C3D6-C065-C19E-B055632D6F69}"/>
+                <a16:creationId xmlns:a16="http://schemas.microsoft.com/office/drawing/2014/main" id="{C6CE992F-8A11-9B61-F9A5-B6013F3FDD4A}"/>
               </a:ext>
             </a:extLst>
           </p:cNvPr>
@@ -4687,48 +8992,65 @@
         </p:nvGrpSpPr>
         <p:grpSpPr>
           <a:xfrm>
-            <a:off x="264268" y="1825625"/>
-            <a:ext cx="3863010" cy="2212014"/>
-            <a:chOff x="838200" y="1825625"/>
-            <a:chExt cx="3863010" cy="2212014"/>
+            <a:off x="190428" y="3122272"/>
+            <a:ext cx="2743201" cy="2398161"/>
+            <a:chOff x="190428" y="2689167"/>
+            <a:chExt cx="2743201" cy="2398161"/>
           </a:xfrm>
         </p:grpSpPr>
         <p:pic>
           <p:nvPicPr>
-            <p:cNvPr id="7" name="Picture 6">
+            <p:cNvPr id="2050" name="Picture 2" descr="University of Massachusetts Amherst: CDC Designates New England Center of  Excellence in Vector-borne Diseases at UMass Amherst – India Education |  Latest Education News | Global Educational News | Recent Educational News">
               <a:extLst>
                 <a:ext uri="{FF2B5EF4-FFF2-40B4-BE49-F238E27FC236}">
-                  <a16:creationId xmlns:a16="http://schemas.microsoft.com/office/drawing/2014/main" id="{E6CEE55B-30B8-CE63-26E9-8F1D19B512EF}"/>
+                  <a16:creationId xmlns:a16="http://schemas.microsoft.com/office/drawing/2014/main" id="{9BFCADC4-3465-E376-D882-B72104D3E75B}"/>
                 </a:ext>
               </a:extLst>
             </p:cNvPr>
             <p:cNvPicPr>
-              <a:picLocks noChangeAspect="1"/>
+              <a:picLocks noChangeAspect="1" noChangeArrowheads="1"/>
             </p:cNvPicPr>
             <p:nvPr/>
           </p:nvPicPr>
           <p:blipFill>
-            <a:blip r:embed="rId4"/>
+            <a:blip r:embed="rId3">
+              <a:extLst>
+                <a:ext uri="{28A0092B-C50C-407E-A947-70E740481C1C}">
+                  <a14:useLocalDpi xmlns:a14="http://schemas.microsoft.com/office/drawing/2010/main" val="0"/>
+                </a:ext>
+              </a:extLst>
+            </a:blip>
+            <a:srcRect/>
             <a:stretch>
               <a:fillRect/>
             </a:stretch>
           </p:blipFill>
-          <p:spPr>
+          <p:spPr bwMode="auto">
             <a:xfrm>
-              <a:off x="838200" y="1825625"/>
-              <a:ext cx="3863010" cy="2212014"/>
+              <a:off x="190428" y="2689167"/>
+              <a:ext cx="2743200" cy="1828800"/>
             </a:xfrm>
             <a:prstGeom prst="rect">
               <a:avLst/>
             </a:prstGeom>
+            <a:noFill/>
+            <a:extLst>
+              <a:ext uri="{909E8E84-426E-40DD-AFC4-6F175D3DCCD1}">
+                <a14:hiddenFill xmlns:a14="http://schemas.microsoft.com/office/drawing/2010/main">
+                  <a:solidFill>
+                    <a:srgbClr val="FFFFFF"/>
+                  </a:solidFill>
+                </a14:hiddenFill>
+              </a:ext>
+            </a:extLst>
           </p:spPr>
         </p:pic>
         <p:sp>
           <p:nvSpPr>
-            <p:cNvPr id="8" name="TextBox 7">
+            <p:cNvPr id="7" name="TextBox 6">
               <a:extLst>
                 <a:ext uri="{FF2B5EF4-FFF2-40B4-BE49-F238E27FC236}">
-                  <a16:creationId xmlns:a16="http://schemas.microsoft.com/office/drawing/2014/main" id="{7A0BCAA3-CD5D-5B58-17B5-50E40706611A}"/>
+                  <a16:creationId xmlns:a16="http://schemas.microsoft.com/office/drawing/2014/main" id="{AE01CDF2-3097-F26F-9010-EF255703DA8E}"/>
                 </a:ext>
               </a:extLst>
             </p:cNvPr>
@@ -4737,8 +9059,8 @@
           </p:nvSpPr>
           <p:spPr>
             <a:xfrm>
-              <a:off x="1490870" y="1845209"/>
-              <a:ext cx="3210340" cy="646331"/>
+              <a:off x="190429" y="4625663"/>
+              <a:ext cx="2743200" cy="461665"/>
             </a:xfrm>
             <a:prstGeom prst="rect">
               <a:avLst/>
@@ -4752,58 +9074,407 @@
             <a:lstStyle/>
             <a:p>
               <a:r>
-                <a:rPr lang="en-US" dirty="0"/>
-                <a:t>Covid-19 cases in Massachusetts during first year of pandemic</a:t>
+                <a:rPr lang="en-US" sz="800" dirty="0"/>
+                <a:t>https://i0.wp.com/indiaeducationdiary.in/wp-content/uploads/2022/08/University-of-Massachusetts-Amherst.jpeg?fit=600%2C400&amp;ssl=1</a:t>
               </a:r>
             </a:p>
           </p:txBody>
         </p:sp>
       </p:grpSp>
-      <p:sp>
-        <p:nvSpPr>
-          <p:cNvPr id="12" name="TextBox 11">
+      <p:grpSp>
+        <p:nvGrpSpPr>
+          <p:cNvPr id="3" name="Group 2">
             <a:extLst>
               <a:ext uri="{FF2B5EF4-FFF2-40B4-BE49-F238E27FC236}">
-                <a16:creationId xmlns:a16="http://schemas.microsoft.com/office/drawing/2014/main" id="{AC4B9DC2-5E2F-9942-AE62-782D8A68F54F}"/>
+                <a16:creationId xmlns:a16="http://schemas.microsoft.com/office/drawing/2014/main" id="{9F4B8569-AD69-E2A6-F0D0-03207506BC7E}"/>
               </a:ext>
             </a:extLst>
           </p:cNvPr>
-          <p:cNvSpPr txBox="1"/>
+          <p:cNvGrpSpPr/>
           <p:nvPr/>
-        </p:nvSpPr>
-        <p:spPr>
+        </p:nvGrpSpPr>
+        <p:grpSpPr>
           <a:xfrm>
-            <a:off x="4968020" y="1825625"/>
-            <a:ext cx="3422750" cy="646331"/>
+            <a:off x="6515172" y="1816892"/>
+            <a:ext cx="5486400" cy="5004744"/>
+            <a:chOff x="6515172" y="1816892"/>
+            <a:chExt cx="5486400" cy="5004744"/>
           </a:xfrm>
-          <a:prstGeom prst="rect">
-            <a:avLst/>
-          </a:prstGeom>
-          <a:noFill/>
-        </p:spPr>
-        <p:txBody>
-          <a:bodyPr wrap="square" rtlCol="0">
-            <a:spAutoFit/>
-          </a:bodyPr>
-          <a:lstStyle/>
-          <a:p>
-            <a:r>
-              <a:rPr lang="en-US" dirty="0"/>
-              <a:t>Covid-19 cases in New Hampshire during first year of pandemic</a:t>
-            </a:r>
-          </a:p>
-        </p:txBody>
-      </p:sp>
+        </p:grpSpPr>
+        <p:sp>
+          <p:nvSpPr>
+            <p:cNvPr id="9" name="TextBox 8">
+              <a:extLst>
+                <a:ext uri="{FF2B5EF4-FFF2-40B4-BE49-F238E27FC236}">
+                  <a16:creationId xmlns:a16="http://schemas.microsoft.com/office/drawing/2014/main" id="{C2B366FD-C14C-E797-6803-1F2C0F7546B4}"/>
+                </a:ext>
+              </a:extLst>
+            </p:cNvPr>
+            <p:cNvSpPr txBox="1"/>
+            <p:nvPr/>
+          </p:nvSpPr>
+          <p:spPr>
+            <a:xfrm>
+              <a:off x="6515172" y="6606192"/>
+              <a:ext cx="4076628" cy="215444"/>
+            </a:xfrm>
+            <a:prstGeom prst="rect">
+              <a:avLst/>
+            </a:prstGeom>
+            <a:noFill/>
+          </p:spPr>
+          <p:txBody>
+            <a:bodyPr wrap="square" rtlCol="0">
+              <a:spAutoFit/>
+            </a:bodyPr>
+            <a:lstStyle/>
+            <a:p>
+              <a:r>
+                <a:rPr lang="en-US" sz="800" dirty="0"/>
+                <a:t>https://newengland.com/wp-content/uploads/new-england-states-map.jpg</a:t>
+              </a:r>
+            </a:p>
+          </p:txBody>
+        </p:sp>
+        <p:pic>
+          <p:nvPicPr>
+            <p:cNvPr id="2052" name="Picture 4" descr="Diversity in American Schools Today - Giving Compass">
+              <a:extLst>
+                <a:ext uri="{FF2B5EF4-FFF2-40B4-BE49-F238E27FC236}">
+                  <a16:creationId xmlns:a16="http://schemas.microsoft.com/office/drawing/2014/main" id="{D5893C17-D254-75F1-2785-9F83E4124687}"/>
+                </a:ext>
+              </a:extLst>
+            </p:cNvPr>
+            <p:cNvPicPr>
+              <a:picLocks noChangeAspect="1" noChangeArrowheads="1"/>
+            </p:cNvPicPr>
+            <p:nvPr/>
+          </p:nvPicPr>
+          <p:blipFill rotWithShape="1">
+            <a:blip r:embed="rId4">
+              <a:extLst>
+                <a:ext uri="{28A0092B-C50C-407E-A947-70E740481C1C}">
+                  <a14:useLocalDpi xmlns:a14="http://schemas.microsoft.com/office/drawing/2010/main" val="0"/>
+                </a:ext>
+              </a:extLst>
+            </a:blip>
+            <a:srcRect t="38219"/>
+            <a:stretch/>
+          </p:blipFill>
+          <p:spPr bwMode="auto">
+            <a:xfrm>
+              <a:off x="6515172" y="4588943"/>
+              <a:ext cx="5486400" cy="1907844"/>
+            </a:xfrm>
+            <a:prstGeom prst="rect">
+              <a:avLst/>
+            </a:prstGeom>
+            <a:noFill/>
+            <a:extLst>
+              <a:ext uri="{909E8E84-426E-40DD-AFC4-6F175D3DCCD1}">
+                <a14:hiddenFill xmlns:a14="http://schemas.microsoft.com/office/drawing/2010/main">
+                  <a:solidFill>
+                    <a:srgbClr val="FFFFFF"/>
+                  </a:solidFill>
+                </a14:hiddenFill>
+              </a:ext>
+            </a:extLst>
+          </p:spPr>
+        </p:pic>
+        <p:sp>
+          <p:nvSpPr>
+            <p:cNvPr id="10" name="TextBox 9">
+              <a:extLst>
+                <a:ext uri="{FF2B5EF4-FFF2-40B4-BE49-F238E27FC236}">
+                  <a16:creationId xmlns:a16="http://schemas.microsoft.com/office/drawing/2014/main" id="{ED76FF4B-92BE-7028-182E-5C1FDB77068D}"/>
+                </a:ext>
+              </a:extLst>
+            </p:cNvPr>
+            <p:cNvSpPr txBox="1"/>
+            <p:nvPr/>
+          </p:nvSpPr>
+          <p:spPr>
+            <a:xfrm>
+              <a:off x="6515172" y="3665613"/>
+              <a:ext cx="5486400" cy="830997"/>
+            </a:xfrm>
+            <a:prstGeom prst="rect">
+              <a:avLst/>
+            </a:prstGeom>
+            <a:noFill/>
+          </p:spPr>
+          <p:txBody>
+            <a:bodyPr wrap="square" rtlCol="0">
+              <a:spAutoFit/>
+            </a:bodyPr>
+            <a:lstStyle/>
+            <a:p>
+              <a:pPr algn="ctr"/>
+              <a:r>
+                <a:rPr lang="en-US" sz="4800" b="1" dirty="0">
+                  <a:ln w="0"/>
+                  <a:gradFill>
+                    <a:gsLst>
+                      <a:gs pos="0">
+                        <a:schemeClr val="accent5">
+                          <a:lumMod val="50000"/>
+                        </a:schemeClr>
+                      </a:gs>
+                      <a:gs pos="50000">
+                        <a:schemeClr val="accent5"/>
+                      </a:gs>
+                      <a:gs pos="100000">
+                        <a:schemeClr val="accent5">
+                          <a:lumMod val="60000"/>
+                          <a:lumOff val="40000"/>
+                        </a:schemeClr>
+                      </a:gs>
+                    </a:gsLst>
+                    <a:lin ang="5400000"/>
+                  </a:gradFill>
+                  <a:effectLst>
+                    <a:reflection blurRad="6350" stA="53000" endA="300" endPos="35500" dir="5400000" sy="-90000" algn="bl" rotWithShape="0"/>
+                  </a:effectLst>
+                </a:rPr>
+                <a:t>DIVERSITY INDEX</a:t>
+              </a:r>
+              <a:endParaRPr lang="en-US" sz="4800" b="1" dirty="0"/>
+            </a:p>
+          </p:txBody>
+        </p:sp>
+        <p:sp>
+          <p:nvSpPr>
+            <p:cNvPr id="12" name="TextBox 11">
+              <a:extLst>
+                <a:ext uri="{FF2B5EF4-FFF2-40B4-BE49-F238E27FC236}">
+                  <a16:creationId xmlns:a16="http://schemas.microsoft.com/office/drawing/2014/main" id="{BD6CCB45-8781-8BD7-EF34-9CF48C539162}"/>
+                </a:ext>
+              </a:extLst>
+            </p:cNvPr>
+            <p:cNvSpPr txBox="1"/>
+            <p:nvPr/>
+          </p:nvSpPr>
+          <p:spPr>
+            <a:xfrm>
+              <a:off x="6515172" y="1816892"/>
+              <a:ext cx="5486400" cy="830997"/>
+            </a:xfrm>
+            <a:prstGeom prst="rect">
+              <a:avLst/>
+            </a:prstGeom>
+            <a:noFill/>
+          </p:spPr>
+          <p:txBody>
+            <a:bodyPr wrap="square" rtlCol="0">
+              <a:spAutoFit/>
+            </a:bodyPr>
+            <a:lstStyle/>
+            <a:p>
+              <a:pPr algn="ctr"/>
+              <a:r>
+                <a:rPr lang="en-US" sz="4800" b="1" dirty="0">
+                  <a:ln w="0"/>
+                  <a:gradFill>
+                    <a:gsLst>
+                      <a:gs pos="0">
+                        <a:schemeClr val="accent5">
+                          <a:lumMod val="50000"/>
+                        </a:schemeClr>
+                      </a:gs>
+                      <a:gs pos="50000">
+                        <a:schemeClr val="accent5"/>
+                      </a:gs>
+                      <a:gs pos="100000">
+                        <a:schemeClr val="accent5">
+                          <a:lumMod val="60000"/>
+                          <a:lumOff val="40000"/>
+                        </a:schemeClr>
+                      </a:gs>
+                    </a:gsLst>
+                    <a:lin ang="5400000"/>
+                  </a:gradFill>
+                  <a:effectLst>
+                    <a:reflection blurRad="6350" stA="53000" endA="300" endPos="35500" dir="5400000" sy="-90000" algn="bl" rotWithShape="0"/>
+                  </a:effectLst>
+                </a:rPr>
+                <a:t>AGE UNDER 18</a:t>
+              </a:r>
+              <a:endParaRPr lang="en-US" sz="4800" b="1" dirty="0"/>
+            </a:p>
+          </p:txBody>
+        </p:sp>
+      </p:grpSp>
+      <p:grpSp>
+        <p:nvGrpSpPr>
+          <p:cNvPr id="19" name="Group 18">
+            <a:extLst>
+              <a:ext uri="{FF2B5EF4-FFF2-40B4-BE49-F238E27FC236}">
+                <a16:creationId xmlns:a16="http://schemas.microsoft.com/office/drawing/2014/main" id="{4986B29C-22B2-0227-5E6A-440003222159}"/>
+              </a:ext>
+            </a:extLst>
+          </p:cNvPr>
+          <p:cNvGrpSpPr/>
+          <p:nvPr/>
+        </p:nvGrpSpPr>
+        <p:grpSpPr>
+          <a:xfrm>
+            <a:off x="3103578" y="1805377"/>
+            <a:ext cx="3241645" cy="5027775"/>
+            <a:chOff x="2952677" y="1778528"/>
+            <a:chExt cx="3241645" cy="5027775"/>
+          </a:xfrm>
+        </p:grpSpPr>
+        <p:sp>
+          <p:nvSpPr>
+            <p:cNvPr id="8" name="TextBox 7">
+              <a:extLst>
+                <a:ext uri="{FF2B5EF4-FFF2-40B4-BE49-F238E27FC236}">
+                  <a16:creationId xmlns:a16="http://schemas.microsoft.com/office/drawing/2014/main" id="{1317F1BF-D69C-6C4A-004D-3FC67042B2F4}"/>
+                </a:ext>
+              </a:extLst>
+            </p:cNvPr>
+            <p:cNvSpPr txBox="1"/>
+            <p:nvPr/>
+          </p:nvSpPr>
+          <p:spPr>
+            <a:xfrm>
+              <a:off x="2952677" y="6467749"/>
+              <a:ext cx="3241645" cy="338554"/>
+            </a:xfrm>
+            <a:prstGeom prst="rect">
+              <a:avLst/>
+            </a:prstGeom>
+            <a:noFill/>
+          </p:spPr>
+          <p:txBody>
+            <a:bodyPr wrap="square" rtlCol="0">
+              <a:spAutoFit/>
+            </a:bodyPr>
+            <a:lstStyle/>
+            <a:p>
+              <a:r>
+                <a:rPr lang="en-US" sz="800" dirty="0"/>
+                <a:t>https://newengland.com/wp-content/uploads/new-england-states-map.jpg</a:t>
+              </a:r>
+            </a:p>
+          </p:txBody>
+        </p:sp>
+        <p:pic>
+          <p:nvPicPr>
+            <p:cNvPr id="14" name="Content Placeholder 2">
+              <a:extLst>
+                <a:ext uri="{FF2B5EF4-FFF2-40B4-BE49-F238E27FC236}">
+                  <a16:creationId xmlns:a16="http://schemas.microsoft.com/office/drawing/2014/main" id="{79C9CFA7-3CF1-85F8-5765-A7D0D7C6A648}"/>
+                </a:ext>
+              </a:extLst>
+            </p:cNvPr>
+            <p:cNvPicPr>
+              <a:picLocks noChangeAspect="1"/>
+            </p:cNvPicPr>
+            <p:nvPr/>
+          </p:nvPicPr>
+          <p:blipFill>
+            <a:blip r:embed="rId5"/>
+            <a:stretch>
+              <a:fillRect/>
+            </a:stretch>
+          </p:blipFill>
+          <p:spPr>
+            <a:xfrm>
+              <a:off x="2952677" y="1778528"/>
+              <a:ext cx="3241645" cy="4581525"/>
+            </a:xfrm>
+            <a:prstGeom prst="rect">
+              <a:avLst/>
+            </a:prstGeom>
+          </p:spPr>
+        </p:pic>
+      </p:grpSp>
     </p:spTree>
     <p:extLst>
       <p:ext uri="{BB962C8B-B14F-4D97-AF65-F5344CB8AC3E}">
-        <p14:creationId xmlns:p14="http://schemas.microsoft.com/office/powerpoint/2010/main" val="2976897817"/>
+        <p14:creationId xmlns:p14="http://schemas.microsoft.com/office/powerpoint/2010/main" val="1366530771"/>
       </p:ext>
     </p:extLst>
   </p:cSld>
   <p:clrMapOvr>
     <a:masterClrMapping/>
   </p:clrMapOvr>
+  <p:timing>
+    <p:tnLst>
+      <p:par>
+        <p:cTn id="1" dur="indefinite" restart="never" nodeType="tmRoot">
+          <p:childTnLst>
+            <p:seq concurrent="1" nextAc="seek">
+              <p:cTn id="2" dur="indefinite" nodeType="mainSeq">
+                <p:childTnLst>
+                  <p:par>
+                    <p:cTn id="3" fill="hold">
+                      <p:stCondLst>
+                        <p:cond delay="indefinite"/>
+                      </p:stCondLst>
+                      <p:childTnLst>
+                        <p:par>
+                          <p:cTn id="4" fill="hold">
+                            <p:stCondLst>
+                              <p:cond delay="0"/>
+                            </p:stCondLst>
+                            <p:childTnLst>
+                              <p:par>
+                                <p:cTn id="5" presetID="1" presetClass="entr" presetSubtype="0" fill="hold" nodeType="clickEffect">
+                                  <p:stCondLst>
+                                    <p:cond delay="0"/>
+                                  </p:stCondLst>
+                                  <p:childTnLst>
+                                    <p:set>
+                                      <p:cBhvr>
+                                        <p:cTn id="6" dur="1" fill="hold">
+                                          <p:stCondLst>
+                                            <p:cond delay="0"/>
+                                          </p:stCondLst>
+                                        </p:cTn>
+                                        <p:tgtEl>
+                                          <p:spTgt spid="3"/>
+                                        </p:tgtEl>
+                                        <p:attrNameLst>
+                                          <p:attrName>style.visibility</p:attrName>
+                                        </p:attrNameLst>
+                                      </p:cBhvr>
+                                      <p:to>
+                                        <p:strVal val="visible"/>
+                                      </p:to>
+                                    </p:set>
+                                  </p:childTnLst>
+                                </p:cTn>
+                              </p:par>
+                            </p:childTnLst>
+                          </p:cTn>
+                        </p:par>
+                      </p:childTnLst>
+                    </p:cTn>
+                  </p:par>
+                </p:childTnLst>
+              </p:cTn>
+              <p:prevCondLst>
+                <p:cond evt="onPrev" delay="0">
+                  <p:tgtEl>
+                    <p:sldTgt/>
+                  </p:tgtEl>
+                </p:cond>
+              </p:prevCondLst>
+              <p:nextCondLst>
+                <p:cond evt="onNext" delay="0">
+                  <p:tgtEl>
+                    <p:sldTgt/>
+                  </p:tgtEl>
+                </p:cond>
+              </p:nextCondLst>
+            </p:seq>
+          </p:childTnLst>
+        </p:cTn>
+      </p:par>
+    </p:tnLst>
+  </p:timing>
 </p:sld>
 </file>
 
@@ -4840,15 +9511,45 @@
             <p:ph type="title"/>
           </p:nvPr>
         </p:nvSpPr>
-        <p:spPr/>
+        <p:spPr>
+          <a:xfrm>
+            <a:off x="0" y="0"/>
+            <a:ext cx="12192000" cy="1083980"/>
+          </a:xfrm>
+        </p:spPr>
         <p:txBody>
           <a:bodyPr/>
           <a:lstStyle/>
           <a:p>
             <a:r>
               <a:rPr lang="en-US" dirty="0"/>
-              <a:t>Studies of Covid-19 in New England during Holiday season 2020</a:t>
-            </a:r>
+              <a:t>Studies of Covid-19 dependence on age of children and diversity index</a:t>
+            </a:r>
+          </a:p>
+        </p:txBody>
+      </p:sp>
+      <p:sp>
+        <p:nvSpPr>
+          <p:cNvPr id="3" name="Content Placeholder 2">
+            <a:extLst>
+              <a:ext uri="{FF2B5EF4-FFF2-40B4-BE49-F238E27FC236}">
+                <a16:creationId xmlns:a16="http://schemas.microsoft.com/office/drawing/2014/main" id="{CA2AAC9E-8BF7-93C9-F38C-0BA6729F1DC3}"/>
+              </a:ext>
+            </a:extLst>
+          </p:cNvPr>
+          <p:cNvSpPr>
+            <a:spLocks noGrp="1"/>
+          </p:cNvSpPr>
+          <p:nvPr>
+            <p:ph idx="1"/>
+          </p:nvPr>
+        </p:nvSpPr>
+        <p:spPr/>
+        <p:txBody>
+          <a:bodyPr/>
+          <a:lstStyle/>
+          <a:p>
+            <a:endParaRPr lang="en-US"/>
           </a:p>
         </p:txBody>
       </p:sp>
@@ -4898,7 +9599,12 @@
             <p:ph type="title"/>
           </p:nvPr>
         </p:nvSpPr>
-        <p:spPr/>
+        <p:spPr>
+          <a:xfrm>
+            <a:off x="0" y="0"/>
+            <a:ext cx="10515600" cy="1083980"/>
+          </a:xfrm>
+        </p:spPr>
         <p:txBody>
           <a:bodyPr/>
           <a:lstStyle/>
@@ -4907,31 +9613,6 @@
               <a:rPr lang="en-US" dirty="0"/>
               <a:t>Raw data collected</a:t>
             </a:r>
-          </a:p>
-        </p:txBody>
-      </p:sp>
-      <p:sp>
-        <p:nvSpPr>
-          <p:cNvPr id="3" name="Content Placeholder 2">
-            <a:extLst>
-              <a:ext uri="{FF2B5EF4-FFF2-40B4-BE49-F238E27FC236}">
-                <a16:creationId xmlns:a16="http://schemas.microsoft.com/office/drawing/2014/main" id="{18688FFC-F01A-09E8-5858-9C2CFD636F1D}"/>
-              </a:ext>
-            </a:extLst>
-          </p:cNvPr>
-          <p:cNvSpPr>
-            <a:spLocks noGrp="1"/>
-          </p:cNvSpPr>
-          <p:nvPr>
-            <p:ph idx="1"/>
-          </p:nvPr>
-        </p:nvSpPr>
-        <p:spPr/>
-        <p:txBody>
-          <a:bodyPr/>
-          <a:lstStyle/>
-          <a:p>
-            <a:endParaRPr lang="en-US" dirty="0"/>
           </a:p>
         </p:txBody>
       </p:sp>
@@ -4964,8 +9645,8 @@
         </p:blipFill>
         <p:spPr bwMode="auto">
           <a:xfrm>
-            <a:off x="339795" y="1983064"/>
-            <a:ext cx="5486400" cy="3484160"/>
+            <a:off x="76201" y="2090188"/>
+            <a:ext cx="5943600" cy="3774506"/>
           </a:xfrm>
           <a:prstGeom prst="rect">
             <a:avLst/>
@@ -5011,7 +9692,7 @@
         </p:blipFill>
         <p:spPr bwMode="auto">
           <a:xfrm>
-            <a:off x="6533530" y="4171768"/>
+            <a:off x="6524386" y="4062678"/>
             <a:ext cx="5486400" cy="2446373"/>
           </a:xfrm>
           <a:prstGeom prst="rect">
@@ -5058,7 +9739,7 @@
         </p:blipFill>
         <p:spPr bwMode="auto">
           <a:xfrm>
-            <a:off x="5867400" y="1554921"/>
+            <a:off x="6524386" y="1445831"/>
             <a:ext cx="5486400" cy="2446373"/>
           </a:xfrm>
           <a:prstGeom prst="rect">
@@ -5086,6 +9767,126 @@
   <p:clrMapOvr>
     <a:masterClrMapping/>
   </p:clrMapOvr>
+  <p:timing>
+    <p:tnLst>
+      <p:par>
+        <p:cTn id="1" dur="indefinite" restart="never" nodeType="tmRoot">
+          <p:childTnLst>
+            <p:seq concurrent="1" nextAc="seek">
+              <p:cTn id="2" dur="indefinite" nodeType="mainSeq">
+                <p:childTnLst>
+                  <p:par>
+                    <p:cTn id="3" fill="hold">
+                      <p:stCondLst>
+                        <p:cond delay="indefinite"/>
+                      </p:stCondLst>
+                      <p:childTnLst>
+                        <p:par>
+                          <p:cTn id="4" fill="hold">
+                            <p:stCondLst>
+                              <p:cond delay="0"/>
+                            </p:stCondLst>
+                            <p:childTnLst>
+                              <p:par>
+                                <p:cTn id="5" presetID="1" presetClass="entr" presetSubtype="0" fill="hold" nodeType="clickEffect">
+                                  <p:stCondLst>
+                                    <p:cond delay="0"/>
+                                  </p:stCondLst>
+                                  <p:childTnLst>
+                                    <p:set>
+                                      <p:cBhvr>
+                                        <p:cTn id="6" dur="1" fill="hold">
+                                          <p:stCondLst>
+                                            <p:cond delay="0"/>
+                                          </p:stCondLst>
+                                        </p:cTn>
+                                        <p:tgtEl>
+                                          <p:spTgt spid="1030"/>
+                                        </p:tgtEl>
+                                        <p:attrNameLst>
+                                          <p:attrName>style.visibility</p:attrName>
+                                        </p:attrNameLst>
+                                      </p:cBhvr>
+                                      <p:to>
+                                        <p:strVal val="visible"/>
+                                      </p:to>
+                                    </p:set>
+                                  </p:childTnLst>
+                                </p:cTn>
+                              </p:par>
+                            </p:childTnLst>
+                          </p:cTn>
+                        </p:par>
+                      </p:childTnLst>
+                    </p:cTn>
+                  </p:par>
+                  <p:par>
+                    <p:cTn id="7" fill="hold">
+                      <p:stCondLst>
+                        <p:cond delay="indefinite"/>
+                      </p:stCondLst>
+                      <p:childTnLst>
+                        <p:par>
+                          <p:cTn id="8" fill="hold">
+                            <p:stCondLst>
+                              <p:cond delay="0"/>
+                            </p:stCondLst>
+                            <p:childTnLst>
+                              <p:par>
+                                <p:cTn id="9" presetID="1" presetClass="entr" presetSubtype="0" fill="hold" nodeType="clickEffect">
+                                  <p:stCondLst>
+                                    <p:cond delay="0"/>
+                                  </p:stCondLst>
+                                  <p:childTnLst>
+                                    <p:set>
+                                      <p:cBhvr>
+                                        <p:cTn id="10" dur="1" fill="hold">
+                                          <p:stCondLst>
+                                            <p:cond delay="0"/>
+                                          </p:stCondLst>
+                                        </p:cTn>
+                                        <p:tgtEl>
+                                          <p:spTgt spid="1028"/>
+                                        </p:tgtEl>
+                                        <p:attrNameLst>
+                                          <p:attrName>style.visibility</p:attrName>
+                                        </p:attrNameLst>
+                                      </p:cBhvr>
+                                      <p:to>
+                                        <p:strVal val="visible"/>
+                                      </p:to>
+                                    </p:set>
+                                  </p:childTnLst>
+                                </p:cTn>
+                              </p:par>
+                            </p:childTnLst>
+                          </p:cTn>
+                        </p:par>
+                      </p:childTnLst>
+                    </p:cTn>
+                  </p:par>
+                </p:childTnLst>
+              </p:cTn>
+              <p:prevCondLst>
+                <p:cond evt="onPrev" delay="0">
+                  <p:tgtEl>
+                    <p:sldTgt/>
+                  </p:tgtEl>
+                </p:cond>
+              </p:prevCondLst>
+              <p:nextCondLst>
+                <p:cond evt="onNext" delay="0">
+                  <p:tgtEl>
+                    <p:sldTgt/>
+                  </p:tgtEl>
+                </p:cond>
+              </p:nextCondLst>
+            </p:seq>
+          </p:childTnLst>
+        </p:cTn>
+      </p:par>
+    </p:tnLst>
+  </p:timing>
 </p:sld>
 </file>
 
@@ -5122,7 +9923,12 @@
             <p:ph type="title"/>
           </p:nvPr>
         </p:nvSpPr>
-        <p:spPr/>
+        <p:spPr>
+          <a:xfrm>
+            <a:off x="0" y="0"/>
+            <a:ext cx="10515600" cy="1083980"/>
+          </a:xfrm>
+        </p:spPr>
         <p:txBody>
           <a:bodyPr/>
           <a:lstStyle/>
@@ -5131,31 +9937,6 @@
               <a:rPr lang="en-US" dirty="0"/>
               <a:t>Dependence of factors</a:t>
             </a:r>
-          </a:p>
-        </p:txBody>
-      </p:sp>
-      <p:sp>
-        <p:nvSpPr>
-          <p:cNvPr id="3" name="Content Placeholder 2">
-            <a:extLst>
-              <a:ext uri="{FF2B5EF4-FFF2-40B4-BE49-F238E27FC236}">
-                <a16:creationId xmlns:a16="http://schemas.microsoft.com/office/drawing/2014/main" id="{F714BB64-8FCA-8062-C89B-1B359EA8D5E5}"/>
-              </a:ext>
-            </a:extLst>
-          </p:cNvPr>
-          <p:cNvSpPr>
-            <a:spLocks noGrp="1"/>
-          </p:cNvSpPr>
-          <p:nvPr>
-            <p:ph idx="1"/>
-          </p:nvPr>
-        </p:nvSpPr>
-        <p:spPr/>
-        <p:txBody>
-          <a:bodyPr/>
-          <a:lstStyle/>
-          <a:p>
-            <a:endParaRPr lang="en-US"/>
           </a:p>
         </p:txBody>
       </p:sp>
@@ -5188,8 +9969,8 @@
         </p:blipFill>
         <p:spPr bwMode="auto">
           <a:xfrm>
-            <a:off x="6096000" y="1825625"/>
-            <a:ext cx="5353050" cy="4114800"/>
+            <a:off x="6235700" y="1711294"/>
+            <a:ext cx="5715000" cy="4393025"/>
           </a:xfrm>
           <a:prstGeom prst="rect">
             <a:avLst/>
@@ -5235,8 +10016,8 @@
         </p:blipFill>
         <p:spPr bwMode="auto">
           <a:xfrm>
-            <a:off x="838200" y="1825625"/>
-            <a:ext cx="5276850" cy="4114800"/>
+            <a:off x="241300" y="1679575"/>
+            <a:ext cx="5715000" cy="4456462"/>
           </a:xfrm>
           <a:prstGeom prst="rect">
             <a:avLst/>
@@ -5263,6 +10044,81 @@
   <p:clrMapOvr>
     <a:masterClrMapping/>
   </p:clrMapOvr>
+  <p:timing>
+    <p:tnLst>
+      <p:par>
+        <p:cTn id="1" dur="indefinite" restart="never" nodeType="tmRoot">
+          <p:childTnLst>
+            <p:seq concurrent="1" nextAc="seek">
+              <p:cTn id="2" dur="indefinite" nodeType="mainSeq">
+                <p:childTnLst>
+                  <p:par>
+                    <p:cTn id="3" fill="hold">
+                      <p:stCondLst>
+                        <p:cond delay="indefinite"/>
+                      </p:stCondLst>
+                      <p:childTnLst>
+                        <p:par>
+                          <p:cTn id="4" fill="hold">
+                            <p:stCondLst>
+                              <p:cond delay="0"/>
+                            </p:stCondLst>
+                            <p:childTnLst>
+                              <p:par>
+                                <p:cTn id="5" presetID="1" presetClass="entr" presetSubtype="0" fill="hold" nodeType="clickEffect">
+                                  <p:stCondLst>
+                                    <p:cond delay="0"/>
+                                  </p:stCondLst>
+                                  <p:childTnLst>
+                                    <p:set>
+                                      <p:cBhvr>
+                                        <p:cTn id="6" dur="1" fill="hold">
+                                          <p:stCondLst>
+                                            <p:cond delay="0"/>
+                                          </p:stCondLst>
+                                        </p:cTn>
+                                        <p:tgtEl>
+                                          <p:spTgt spid="2052"/>
+                                        </p:tgtEl>
+                                        <p:attrNameLst>
+                                          <p:attrName>style.visibility</p:attrName>
+                                        </p:attrNameLst>
+                                      </p:cBhvr>
+                                      <p:to>
+                                        <p:strVal val="visible"/>
+                                      </p:to>
+                                    </p:set>
+                                  </p:childTnLst>
+                                </p:cTn>
+                              </p:par>
+                            </p:childTnLst>
+                          </p:cTn>
+                        </p:par>
+                      </p:childTnLst>
+                    </p:cTn>
+                  </p:par>
+                </p:childTnLst>
+              </p:cTn>
+              <p:prevCondLst>
+                <p:cond evt="onPrev" delay="0">
+                  <p:tgtEl>
+                    <p:sldTgt/>
+                  </p:tgtEl>
+                </p:cond>
+              </p:prevCondLst>
+              <p:nextCondLst>
+                <p:cond evt="onNext" delay="0">
+                  <p:tgtEl>
+                    <p:sldTgt/>
+                  </p:tgtEl>
+                </p:cond>
+              </p:nextCondLst>
+            </p:seq>
+          </p:childTnLst>
+        </p:cTn>
+      </p:par>
+    </p:tnLst>
+  </p:timing>
 </p:sld>
 </file>
 
@@ -5299,203 +10155,31 @@
             <p:ph type="title"/>
           </p:nvPr>
         </p:nvSpPr>
-        <p:spPr/>
-        <p:txBody>
-          <a:bodyPr>
-            <a:noAutofit/>
+        <p:spPr>
+          <a:xfrm>
+            <a:off x="0" y="0"/>
+            <a:ext cx="12192000" cy="1480930"/>
+          </a:xfrm>
+        </p:spPr>
+        <p:txBody>
+          <a:bodyPr anchor="t">
+            <a:normAutofit fontScale="90000"/>
           </a:bodyPr>
           <a:lstStyle/>
           <a:p>
-            <a:r>
-              <a:rPr lang="en-US" sz="2800" b="1" i="0" dirty="0">
-                <a:solidFill>
-                  <a:srgbClr val="000000"/>
-                </a:solidFill>
+            <a:pPr algn="l"/>
+            <a:r>
+              <a:rPr lang="en-US" b="1" i="0" dirty="0">
                 <a:effectLst/>
-                <a:latin typeface="Helvetica Neue"/>
               </a:rPr>
-              <a:t>Did counties with higher population of children (age &lt; 18 years) have lower percentage of Covid-19 cases during the holiday season (October - December) of the year 2020?</a:t>
+              <a:t>Did counties with higher population of children have lower percentage of Covid-19 cases during the holiday season of the year 2020?</a:t>
             </a:r>
             <a:br>
-              <a:rPr lang="en-US" sz="2800" b="1" i="0" dirty="0">
-                <a:solidFill>
-                  <a:srgbClr val="000000"/>
-                </a:solidFill>
+              <a:rPr lang="en-US" sz="1600" b="1" i="0" dirty="0">
                 <a:effectLst/>
-                <a:latin typeface="Helvetica Neue"/>
               </a:rPr>
             </a:br>
-            <a:endParaRPr lang="en-US" sz="2800" dirty="0"/>
-          </a:p>
-        </p:txBody>
-      </p:sp>
-      <p:sp>
-        <p:nvSpPr>
-          <p:cNvPr id="6" name="Content Placeholder 5">
-            <a:extLst>
-              <a:ext uri="{FF2B5EF4-FFF2-40B4-BE49-F238E27FC236}">
-                <a16:creationId xmlns:a16="http://schemas.microsoft.com/office/drawing/2014/main" id="{7A7B1CBD-D150-A503-0FE0-50478A305E0A}"/>
-              </a:ext>
-            </a:extLst>
-          </p:cNvPr>
-          <p:cNvSpPr>
-            <a:spLocks noGrp="1"/>
-          </p:cNvSpPr>
-          <p:nvPr>
-            <p:ph sz="half" idx="1"/>
-          </p:nvPr>
-        </p:nvSpPr>
-        <p:spPr/>
-        <p:txBody>
-          <a:bodyPr>
-            <a:normAutofit fontScale="85000" lnSpcReduction="20000"/>
-          </a:bodyPr>
-          <a:lstStyle/>
-          <a:p>
-            <a:endParaRPr lang="en-US"/>
-          </a:p>
-        </p:txBody>
-      </p:sp>
-      <p:sp>
-        <p:nvSpPr>
-          <p:cNvPr id="7" name="Content Placeholder 6">
-            <a:extLst>
-              <a:ext uri="{FF2B5EF4-FFF2-40B4-BE49-F238E27FC236}">
-                <a16:creationId xmlns:a16="http://schemas.microsoft.com/office/drawing/2014/main" id="{FCD5B277-B5F2-CDDA-89CC-2C67A9698FC5}"/>
-              </a:ext>
-            </a:extLst>
-          </p:cNvPr>
-          <p:cNvSpPr>
-            <a:spLocks noGrp="1"/>
-          </p:cNvSpPr>
-          <p:nvPr>
-            <p:ph sz="half" idx="2"/>
-          </p:nvPr>
-        </p:nvSpPr>
-        <p:spPr/>
-        <p:txBody>
-          <a:bodyPr>
-            <a:normAutofit fontScale="85000" lnSpcReduction="20000"/>
-          </a:bodyPr>
-          <a:lstStyle/>
-          <a:p>
-            <a:pPr marL="0" indent="0">
-              <a:buNone/>
-            </a:pPr>
-            <a:r>
-              <a:rPr lang="en-US" b="1" dirty="0"/>
-              <a:t>Null </a:t>
-            </a:r>
-            <a:r>
-              <a:rPr lang="en-US" b="1" dirty="0">
-                <a:latin typeface="Helvetica Neue"/>
-              </a:rPr>
-              <a:t>hypothesis</a:t>
-            </a:r>
-            <a:r>
-              <a:rPr lang="en-US" b="1" dirty="0"/>
-              <a:t>:</a:t>
-            </a:r>
-          </a:p>
-          <a:p>
-            <a:pPr marL="0" indent="0">
-              <a:buNone/>
-            </a:pPr>
-            <a:r>
-              <a:rPr lang="en-US" dirty="0">
-                <a:solidFill>
-                  <a:srgbClr val="000000"/>
-                </a:solidFill>
-                <a:latin typeface="Helvetica Neue"/>
-              </a:rPr>
-              <a:t>C</a:t>
-            </a:r>
-            <a:r>
-              <a:rPr lang="en-US" b="0" i="0" dirty="0">
-                <a:solidFill>
-                  <a:srgbClr val="000000"/>
-                </a:solidFill>
-                <a:effectLst/>
-                <a:latin typeface="Helvetica Neue"/>
-              </a:rPr>
-              <a:t>ounties with the population of children (age &lt; 18 years) less than 18 % had lower percent of Covid-19 cases during the holiday season of 2020</a:t>
-            </a:r>
-          </a:p>
-          <a:p>
-            <a:pPr marL="0" indent="0">
-              <a:buNone/>
-            </a:pPr>
-            <a:endParaRPr lang="en-US" dirty="0">
-              <a:solidFill>
-                <a:srgbClr val="000000"/>
-              </a:solidFill>
-              <a:latin typeface="Helvetica Neue"/>
-            </a:endParaRPr>
-          </a:p>
-          <a:p>
-            <a:pPr marL="0" indent="0">
-              <a:buNone/>
-            </a:pPr>
-            <a:r>
-              <a:rPr lang="en-US" dirty="0">
-                <a:solidFill>
-                  <a:srgbClr val="000000"/>
-                </a:solidFill>
-                <a:latin typeface="Helvetica Neue"/>
-              </a:rPr>
-              <a:t>2 sample t-test p value = 0.0059</a:t>
-            </a:r>
-          </a:p>
-          <a:p>
-            <a:pPr marL="0" indent="0">
-              <a:buNone/>
-            </a:pPr>
-            <a:endParaRPr lang="en-US" dirty="0">
-              <a:solidFill>
-                <a:srgbClr val="000000"/>
-              </a:solidFill>
-              <a:latin typeface="Helvetica Neue"/>
-            </a:endParaRPr>
-          </a:p>
-          <a:p>
-            <a:pPr marL="0" indent="0">
-              <a:buNone/>
-            </a:pPr>
-            <a:r>
-              <a:rPr lang="en-US" dirty="0">
-                <a:solidFill>
-                  <a:srgbClr val="000000"/>
-                </a:solidFill>
-                <a:latin typeface="Helvetica Neue"/>
-              </a:rPr>
-              <a:t>2 sample Wilcoxon sum test (U-test) p value = 0.0079</a:t>
-            </a:r>
-          </a:p>
-          <a:p>
-            <a:pPr marL="0" indent="0">
-              <a:buNone/>
-            </a:pPr>
-            <a:endParaRPr lang="en-US" dirty="0">
-              <a:solidFill>
-                <a:srgbClr val="000000"/>
-              </a:solidFill>
-              <a:latin typeface="Helvetica Neue"/>
-            </a:endParaRPr>
-          </a:p>
-          <a:p>
-            <a:pPr marL="0" indent="0">
-              <a:buNone/>
-            </a:pPr>
-            <a:r>
-              <a:rPr lang="en-US" dirty="0">
-                <a:solidFill>
-                  <a:srgbClr val="000000"/>
-                </a:solidFill>
-                <a:latin typeface="Helvetica Neue"/>
-              </a:rPr>
-              <a:t>Result : Null hypothesis invalid</a:t>
-            </a:r>
-            <a:endParaRPr lang="en-US" dirty="0"/>
+            <a:endParaRPr lang="en-US" sz="1600" dirty="0"/>
           </a:p>
         </p:txBody>
       </p:sp>
@@ -5521,31 +10205,209 @@
               </a:ext>
             </a:extLst>
           </a:blip>
-          <a:srcRect/>
           <a:stretch>
             <a:fillRect/>
           </a:stretch>
         </p:blipFill>
         <p:spPr bwMode="auto">
           <a:xfrm>
-            <a:off x="742950" y="1943894"/>
-            <a:ext cx="5276850" cy="4114800"/>
+            <a:off x="0" y="2130544"/>
+            <a:ext cx="5181600" cy="4041648"/>
           </a:xfrm>
           <a:prstGeom prst="rect">
             <a:avLst/>
           </a:prstGeom>
-          <a:noFill/>
-          <a:extLst>
-            <a:ext uri="{909E8E84-426E-40DD-AFC4-6F175D3DCCD1}">
-              <a14:hiddenFill xmlns:a14="http://schemas.microsoft.com/office/drawing/2010/main">
-                <a:solidFill>
-                  <a:srgbClr val="FFFFFF"/>
-                </a:solidFill>
-              </a14:hiddenFill>
-            </a:ext>
-          </a:extLst>
+          <a:solidFill>
+            <a:srgbClr val="FFFFFF"/>
+          </a:solidFill>
         </p:spPr>
       </p:pic>
+      <p:sp>
+        <p:nvSpPr>
+          <p:cNvPr id="7" name="Content Placeholder 6">
+            <a:extLst>
+              <a:ext uri="{FF2B5EF4-FFF2-40B4-BE49-F238E27FC236}">
+                <a16:creationId xmlns:a16="http://schemas.microsoft.com/office/drawing/2014/main" id="{FCD5B277-B5F2-CDDA-89CC-2C67A9698FC5}"/>
+              </a:ext>
+            </a:extLst>
+          </p:cNvPr>
+          <p:cNvSpPr>
+            <a:spLocks noGrp="1"/>
+          </p:cNvSpPr>
+          <p:nvPr>
+            <p:ph sz="half" idx="2"/>
+          </p:nvPr>
+        </p:nvSpPr>
+        <p:spPr>
+          <a:xfrm>
+            <a:off x="5791201" y="2051021"/>
+            <a:ext cx="6400799" cy="4806979"/>
+          </a:xfrm>
+        </p:spPr>
+        <p:txBody>
+          <a:bodyPr>
+            <a:noAutofit/>
+          </a:bodyPr>
+          <a:lstStyle/>
+          <a:p>
+            <a:pPr marL="0" indent="0">
+              <a:lnSpc>
+                <a:spcPct val="80000"/>
+              </a:lnSpc>
+              <a:spcBef>
+                <a:spcPts val="0"/>
+              </a:spcBef>
+              <a:buNone/>
+            </a:pPr>
+            <a:r>
+              <a:rPr lang="en-US" sz="2800" b="1" dirty="0">
+                <a:solidFill>
+                  <a:schemeClr val="accent4">
+                    <a:lumMod val="95000"/>
+                    <a:lumOff val="5000"/>
+                  </a:schemeClr>
+                </a:solidFill>
+              </a:rPr>
+              <a:t>Null hypothesis:</a:t>
+            </a:r>
+          </a:p>
+          <a:p>
+            <a:pPr marL="0" indent="0">
+              <a:lnSpc>
+                <a:spcPct val="80000"/>
+              </a:lnSpc>
+              <a:spcBef>
+                <a:spcPts val="0"/>
+              </a:spcBef>
+              <a:buNone/>
+            </a:pPr>
+            <a:endParaRPr lang="en-US" sz="2800" dirty="0">
+              <a:solidFill>
+                <a:schemeClr val="accent4">
+                  <a:lumMod val="95000"/>
+                  <a:lumOff val="5000"/>
+                </a:schemeClr>
+              </a:solidFill>
+            </a:endParaRPr>
+          </a:p>
+          <a:p>
+            <a:pPr marL="0" indent="0">
+              <a:lnSpc>
+                <a:spcPct val="80000"/>
+              </a:lnSpc>
+              <a:spcBef>
+                <a:spcPts val="0"/>
+              </a:spcBef>
+              <a:buNone/>
+            </a:pPr>
+            <a:r>
+              <a:rPr lang="en-US" sz="2800" dirty="0">
+                <a:solidFill>
+                  <a:schemeClr val="accent4">
+                    <a:lumMod val="95000"/>
+                    <a:lumOff val="5000"/>
+                  </a:schemeClr>
+                </a:solidFill>
+              </a:rPr>
+              <a:t>C</a:t>
+            </a:r>
+            <a:r>
+              <a:rPr lang="en-US" sz="2800" b="0" i="0" dirty="0">
+                <a:solidFill>
+                  <a:schemeClr val="accent4">
+                    <a:lumMod val="95000"/>
+                    <a:lumOff val="5000"/>
+                  </a:schemeClr>
+                </a:solidFill>
+                <a:effectLst/>
+              </a:rPr>
+              <a:t>ounties with the population of children (age &lt; 18 years) less than 18 % had lower percent of Covid-19 cases during the holiday season of 2020</a:t>
+            </a:r>
+          </a:p>
+          <a:p>
+            <a:pPr marL="0" indent="0">
+              <a:lnSpc>
+                <a:spcPct val="80000"/>
+              </a:lnSpc>
+              <a:spcBef>
+                <a:spcPts val="0"/>
+              </a:spcBef>
+              <a:buNone/>
+            </a:pPr>
+            <a:endParaRPr lang="en-US" sz="2800" dirty="0">
+              <a:solidFill>
+                <a:schemeClr val="accent4">
+                  <a:lumMod val="95000"/>
+                  <a:lumOff val="5000"/>
+                </a:schemeClr>
+              </a:solidFill>
+            </a:endParaRPr>
+          </a:p>
+          <a:p>
+            <a:pPr marL="0" indent="0">
+              <a:lnSpc>
+                <a:spcPct val="80000"/>
+              </a:lnSpc>
+              <a:spcBef>
+                <a:spcPts val="0"/>
+              </a:spcBef>
+              <a:buNone/>
+            </a:pPr>
+            <a:r>
+              <a:rPr lang="en-US" sz="2800" dirty="0">
+                <a:solidFill>
+                  <a:schemeClr val="accent4">
+                    <a:lumMod val="95000"/>
+                    <a:lumOff val="5000"/>
+                  </a:schemeClr>
+                </a:solidFill>
+              </a:rPr>
+              <a:t>2 sample Wilcoxon sum test (U-test) p value = 0.0079</a:t>
+            </a:r>
+          </a:p>
+          <a:p>
+            <a:pPr marL="0" indent="0">
+              <a:lnSpc>
+                <a:spcPct val="80000"/>
+              </a:lnSpc>
+              <a:spcBef>
+                <a:spcPts val="0"/>
+              </a:spcBef>
+              <a:buNone/>
+            </a:pPr>
+            <a:endParaRPr lang="en-US" sz="2800" dirty="0">
+              <a:solidFill>
+                <a:schemeClr val="accent4">
+                  <a:lumMod val="95000"/>
+                  <a:lumOff val="5000"/>
+                </a:schemeClr>
+              </a:solidFill>
+            </a:endParaRPr>
+          </a:p>
+          <a:p>
+            <a:pPr marL="0" indent="0">
+              <a:lnSpc>
+                <a:spcPct val="80000"/>
+              </a:lnSpc>
+              <a:spcBef>
+                <a:spcPts val="0"/>
+              </a:spcBef>
+              <a:buNone/>
+            </a:pPr>
+            <a:r>
+              <a:rPr lang="en-US" sz="2800" b="1" dirty="0">
+                <a:solidFill>
+                  <a:schemeClr val="accent4">
+                    <a:lumMod val="95000"/>
+                    <a:lumOff val="5000"/>
+                  </a:schemeClr>
+                </a:solidFill>
+              </a:rPr>
+              <a:t>Result : Null hypothesis invalid</a:t>
+            </a:r>
+          </a:p>
+        </p:txBody>
+      </p:sp>
     </p:spTree>
     <p:extLst>
       <p:ext uri="{BB962C8B-B14F-4D97-AF65-F5344CB8AC3E}">
@@ -5556,6 +10418,116 @@
   <p:clrMapOvr>
     <a:masterClrMapping/>
   </p:clrMapOvr>
+  <p:timing>
+    <p:tnLst>
+      <p:par>
+        <p:cTn id="1" dur="indefinite" restart="never" nodeType="tmRoot">
+          <p:childTnLst>
+            <p:seq concurrent="1" nextAc="seek">
+              <p:cTn id="2" dur="indefinite" nodeType="mainSeq">
+                <p:childTnLst>
+                  <p:par>
+                    <p:cTn id="3" fill="hold">
+                      <p:stCondLst>
+                        <p:cond delay="indefinite"/>
+                      </p:stCondLst>
+                      <p:childTnLst>
+                        <p:par>
+                          <p:cTn id="4" fill="hold">
+                            <p:stCondLst>
+                              <p:cond delay="0"/>
+                            </p:stCondLst>
+                            <p:childTnLst>
+                              <p:par>
+                                <p:cTn id="5" presetID="1" presetClass="entr" presetSubtype="0" fill="hold" nodeType="clickEffect">
+                                  <p:stCondLst>
+                                    <p:cond delay="0"/>
+                                  </p:stCondLst>
+                                  <p:childTnLst>
+                                    <p:set>
+                                      <p:cBhvr>
+                                        <p:cTn id="6" dur="1" fill="hold">
+                                          <p:stCondLst>
+                                            <p:cond delay="0"/>
+                                          </p:stCondLst>
+                                        </p:cTn>
+                                        <p:tgtEl>
+                                          <p:spTgt spid="7">
+                                            <p:txEl>
+                                              <p:pRg st="4" end="4"/>
+                                            </p:txEl>
+                                          </p:spTgt>
+                                        </p:tgtEl>
+                                        <p:attrNameLst>
+                                          <p:attrName>style.visibility</p:attrName>
+                                        </p:attrNameLst>
+                                      </p:cBhvr>
+                                      <p:to>
+                                        <p:strVal val="visible"/>
+                                      </p:to>
+                                    </p:set>
+                                  </p:childTnLst>
+                                </p:cTn>
+                              </p:par>
+                              <p:par>
+                                <p:cTn id="7" presetID="1" presetClass="entr" presetSubtype="0" fill="hold" nodeType="withEffect">
+                                  <p:stCondLst>
+                                    <p:cond delay="0"/>
+                                  </p:stCondLst>
+                                  <p:childTnLst>
+                                    <p:set>
+                                      <p:cBhvr>
+                                        <p:cTn id="8" dur="1" fill="hold">
+                                          <p:stCondLst>
+                                            <p:cond delay="0"/>
+                                          </p:stCondLst>
+                                        </p:cTn>
+                                        <p:tgtEl>
+                                          <p:spTgt spid="7">
+                                            <p:txEl>
+                                              <p:pRg st="6" end="6"/>
+                                            </p:txEl>
+                                          </p:spTgt>
+                                        </p:tgtEl>
+                                        <p:attrNameLst>
+                                          <p:attrName>style.visibility</p:attrName>
+                                        </p:attrNameLst>
+                                      </p:cBhvr>
+                                      <p:to>
+                                        <p:strVal val="visible"/>
+                                      </p:to>
+                                    </p:set>
+                                  </p:childTnLst>
+                                </p:cTn>
+                              </p:par>
+                            </p:childTnLst>
+                          </p:cTn>
+                        </p:par>
+                      </p:childTnLst>
+                    </p:cTn>
+                  </p:par>
+                </p:childTnLst>
+              </p:cTn>
+              <p:prevCondLst>
+                <p:cond evt="onPrev" delay="0">
+                  <p:tgtEl>
+                    <p:sldTgt/>
+                  </p:tgtEl>
+                </p:cond>
+              </p:prevCondLst>
+              <p:nextCondLst>
+                <p:cond evt="onNext" delay="0">
+                  <p:tgtEl>
+                    <p:sldTgt/>
+                  </p:tgtEl>
+                </p:cond>
+              </p:nextCondLst>
+            </p:seq>
+          </p:childTnLst>
+        </p:cTn>
+      </p:par>
+    </p:tnLst>
+  </p:timing>
 </p:sld>
 </file>
 
@@ -5592,217 +10564,35 @@
             <p:ph type="title"/>
           </p:nvPr>
         </p:nvSpPr>
-        <p:spPr/>
-        <p:txBody>
-          <a:bodyPr>
+        <p:spPr>
+          <a:xfrm>
+            <a:off x="0" y="0"/>
+            <a:ext cx="12192000" cy="1076591"/>
+          </a:xfrm>
+        </p:spPr>
+        <p:txBody>
+          <a:bodyPr anchor="t">
             <a:noAutofit/>
           </a:bodyPr>
           <a:lstStyle/>
           <a:p>
-            <a:r>
-              <a:rPr lang="en-US" sz="2800" b="1" i="0" dirty="0">
-                <a:solidFill>
-                  <a:srgbClr val="000000"/>
-                </a:solidFill>
+            <a:pPr algn="l"/>
+            <a:r>
+              <a:rPr lang="en-US" b="1" i="0" dirty="0">
                 <a:effectLst/>
-                <a:latin typeface="Helvetica Neue"/>
               </a:rPr>
-              <a:t>Did counties with higher diversity index have higher percentage of Covid-19 cases during the holiday season (October - December) of the year 2020?</a:t>
+              <a:t>Did counties with higher diversity index have higher percentage of Covid-19 cases during the holiday season of the year 2020?</a:t>
             </a:r>
             <a:br>
-              <a:rPr lang="en-US" sz="2800" b="1" i="0" dirty="0">
-                <a:solidFill>
-                  <a:srgbClr val="000000"/>
-                </a:solidFill>
+              <a:rPr lang="en-US" b="1" i="0" dirty="0">
                 <a:effectLst/>
-                <a:latin typeface="Helvetica Neue"/>
               </a:rPr>
             </a:br>
             <a:br>
-              <a:rPr lang="en-US" sz="2800" b="1" i="0" dirty="0">
-                <a:solidFill>
-                  <a:srgbClr val="000000"/>
-                </a:solidFill>
+              <a:rPr lang="en-US" b="1" i="0" dirty="0">
                 <a:effectLst/>
-                <a:latin typeface="Helvetica Neue"/>
               </a:rPr>
             </a:br>
-            <a:endParaRPr lang="en-US" sz="2800" dirty="0"/>
-          </a:p>
-        </p:txBody>
-      </p:sp>
-      <p:sp>
-        <p:nvSpPr>
-          <p:cNvPr id="6" name="Content Placeholder 5">
-            <a:extLst>
-              <a:ext uri="{FF2B5EF4-FFF2-40B4-BE49-F238E27FC236}">
-                <a16:creationId xmlns:a16="http://schemas.microsoft.com/office/drawing/2014/main" id="{7A7B1CBD-D150-A503-0FE0-50478A305E0A}"/>
-              </a:ext>
-            </a:extLst>
-          </p:cNvPr>
-          <p:cNvSpPr>
-            <a:spLocks noGrp="1"/>
-          </p:cNvSpPr>
-          <p:nvPr>
-            <p:ph sz="half" idx="1"/>
-          </p:nvPr>
-        </p:nvSpPr>
-        <p:spPr/>
-        <p:txBody>
-          <a:bodyPr>
-            <a:normAutofit fontScale="92500" lnSpcReduction="20000"/>
-          </a:bodyPr>
-          <a:lstStyle/>
-          <a:p>
-            <a:endParaRPr lang="en-US"/>
-          </a:p>
-        </p:txBody>
-      </p:sp>
-      <p:sp>
-        <p:nvSpPr>
-          <p:cNvPr id="7" name="Content Placeholder 6">
-            <a:extLst>
-              <a:ext uri="{FF2B5EF4-FFF2-40B4-BE49-F238E27FC236}">
-                <a16:creationId xmlns:a16="http://schemas.microsoft.com/office/drawing/2014/main" id="{FCD5B277-B5F2-CDDA-89CC-2C67A9698FC5}"/>
-              </a:ext>
-            </a:extLst>
-          </p:cNvPr>
-          <p:cNvSpPr>
-            <a:spLocks noGrp="1"/>
-          </p:cNvSpPr>
-          <p:nvPr>
-            <p:ph sz="half" idx="2"/>
-          </p:nvPr>
-        </p:nvSpPr>
-        <p:spPr/>
-        <p:txBody>
-          <a:bodyPr>
-            <a:normAutofit fontScale="92500" lnSpcReduction="20000"/>
-          </a:bodyPr>
-          <a:lstStyle/>
-          <a:p>
-            <a:pPr marL="0" indent="0">
-              <a:buNone/>
-            </a:pPr>
-            <a:r>
-              <a:rPr lang="en-US" b="1" dirty="0">
-                <a:latin typeface="Helvetica Neue"/>
-              </a:rPr>
-              <a:t>Null</a:t>
-            </a:r>
-            <a:r>
-              <a:rPr lang="en-US" b="1" dirty="0"/>
-              <a:t> </a:t>
-            </a:r>
-            <a:r>
-              <a:rPr lang="en-US" b="1" dirty="0">
-                <a:latin typeface="Helvetica Neue"/>
-              </a:rPr>
-              <a:t>hypothesis</a:t>
-            </a:r>
-            <a:r>
-              <a:rPr lang="en-US" b="1" dirty="0"/>
-              <a:t>:</a:t>
-            </a:r>
-          </a:p>
-          <a:p>
-            <a:pPr marL="0" indent="0">
-              <a:buNone/>
-            </a:pPr>
-            <a:r>
-              <a:rPr lang="en-US" dirty="0">
-                <a:solidFill>
-                  <a:srgbClr val="000000"/>
-                </a:solidFill>
-                <a:latin typeface="Helvetica Neue"/>
-              </a:rPr>
-              <a:t>C</a:t>
-            </a:r>
-            <a:r>
-              <a:rPr lang="en-US" b="0" i="0" dirty="0">
-                <a:solidFill>
-                  <a:srgbClr val="000000"/>
-                </a:solidFill>
-                <a:effectLst/>
-                <a:latin typeface="Helvetica Neue"/>
-              </a:rPr>
-              <a:t>ounties with the diversity index greater than 25 % had higher percentage of Covid-19 cases during the holiday season of 2020</a:t>
-            </a:r>
-          </a:p>
-          <a:p>
-            <a:pPr marL="0" indent="0">
-              <a:buNone/>
-            </a:pPr>
-            <a:endParaRPr lang="en-US" dirty="0">
-              <a:solidFill>
-                <a:srgbClr val="000000"/>
-              </a:solidFill>
-              <a:latin typeface="Helvetica Neue"/>
-            </a:endParaRPr>
-          </a:p>
-          <a:p>
-            <a:pPr marL="0" indent="0">
-              <a:buNone/>
-            </a:pPr>
-            <a:r>
-              <a:rPr lang="en-US" dirty="0">
-                <a:solidFill>
-                  <a:srgbClr val="000000"/>
-                </a:solidFill>
-                <a:latin typeface="Helvetica Neue"/>
-              </a:rPr>
-              <a:t>2 sample t-test p value = 1</a:t>
-            </a:r>
-          </a:p>
-          <a:p>
-            <a:pPr marL="0" indent="0">
-              <a:buNone/>
-            </a:pPr>
-            <a:endParaRPr lang="en-US" dirty="0">
-              <a:solidFill>
-                <a:srgbClr val="000000"/>
-              </a:solidFill>
-              <a:latin typeface="Helvetica Neue"/>
-            </a:endParaRPr>
-          </a:p>
-          <a:p>
-            <a:pPr marL="0" indent="0">
-              <a:buNone/>
-            </a:pPr>
-            <a:r>
-              <a:rPr lang="en-US" dirty="0">
-                <a:solidFill>
-                  <a:srgbClr val="000000"/>
-                </a:solidFill>
-                <a:latin typeface="Helvetica Neue"/>
-              </a:rPr>
-              <a:t>2 sample Wilcoxon sum test (U-test) p value = 1</a:t>
-            </a:r>
-          </a:p>
-          <a:p>
-            <a:pPr marL="0" indent="0">
-              <a:buNone/>
-            </a:pPr>
-            <a:endParaRPr lang="en-US" dirty="0">
-              <a:solidFill>
-                <a:srgbClr val="000000"/>
-              </a:solidFill>
-              <a:latin typeface="Helvetica Neue"/>
-            </a:endParaRPr>
-          </a:p>
-          <a:p>
-            <a:pPr marL="0" indent="0">
-              <a:buNone/>
-            </a:pPr>
-            <a:r>
-              <a:rPr lang="en-US" dirty="0">
-                <a:solidFill>
-                  <a:srgbClr val="000000"/>
-                </a:solidFill>
-                <a:latin typeface="Helvetica Neue"/>
-              </a:rPr>
-              <a:t>Result : Null hypothesis is valid</a:t>
-            </a:r>
             <a:endParaRPr lang="en-US" dirty="0"/>
           </a:p>
         </p:txBody>
@@ -5829,31 +10619,143 @@
               </a:ext>
             </a:extLst>
           </a:blip>
-          <a:srcRect/>
           <a:stretch>
             <a:fillRect/>
           </a:stretch>
         </p:blipFill>
         <p:spPr bwMode="auto">
           <a:xfrm>
-            <a:off x="617098" y="1943894"/>
-            <a:ext cx="5276850" cy="4114800"/>
+            <a:off x="152401" y="1861986"/>
+            <a:ext cx="5181600" cy="4041648"/>
           </a:xfrm>
           <a:prstGeom prst="rect">
             <a:avLst/>
           </a:prstGeom>
-          <a:noFill/>
-          <a:extLst>
-            <a:ext uri="{909E8E84-426E-40DD-AFC4-6F175D3DCCD1}">
-              <a14:hiddenFill xmlns:a14="http://schemas.microsoft.com/office/drawing/2010/main">
-                <a:solidFill>
-                  <a:srgbClr val="FFFFFF"/>
-                </a:solidFill>
-              </a14:hiddenFill>
-            </a:ext>
-          </a:extLst>
+          <a:solidFill>
+            <a:srgbClr val="FFFFFF"/>
+          </a:solidFill>
         </p:spPr>
       </p:pic>
+      <p:sp>
+        <p:nvSpPr>
+          <p:cNvPr id="7" name="Content Placeholder 6">
+            <a:extLst>
+              <a:ext uri="{FF2B5EF4-FFF2-40B4-BE49-F238E27FC236}">
+                <a16:creationId xmlns:a16="http://schemas.microsoft.com/office/drawing/2014/main" id="{FCD5B277-B5F2-CDDA-89CC-2C67A9698FC5}"/>
+              </a:ext>
+            </a:extLst>
+          </p:cNvPr>
+          <p:cNvSpPr>
+            <a:spLocks noGrp="1"/>
+          </p:cNvSpPr>
+          <p:nvPr>
+            <p:ph sz="half" idx="2"/>
+          </p:nvPr>
+        </p:nvSpPr>
+        <p:spPr>
+          <a:xfrm>
+            <a:off x="5537200" y="1588656"/>
+            <a:ext cx="6654799" cy="4588309"/>
+          </a:xfrm>
+        </p:spPr>
+        <p:txBody>
+          <a:bodyPr>
+            <a:noAutofit/>
+          </a:bodyPr>
+          <a:lstStyle/>
+          <a:p>
+            <a:pPr marL="0" indent="0">
+              <a:buNone/>
+            </a:pPr>
+            <a:r>
+              <a:rPr lang="en-US" sz="2800" b="1" dirty="0">
+                <a:solidFill>
+                  <a:schemeClr val="accent4"/>
+                </a:solidFill>
+              </a:rPr>
+              <a:t>Null hypothesis:</a:t>
+            </a:r>
+          </a:p>
+          <a:p>
+            <a:pPr marL="0" indent="0">
+              <a:buNone/>
+            </a:pPr>
+            <a:endParaRPr lang="en-US" sz="2800" b="1" dirty="0">
+              <a:solidFill>
+                <a:schemeClr val="accent4"/>
+              </a:solidFill>
+            </a:endParaRPr>
+          </a:p>
+          <a:p>
+            <a:pPr marL="0" indent="0">
+              <a:buNone/>
+            </a:pPr>
+            <a:r>
+              <a:rPr lang="en-US" sz="2800" dirty="0">
+                <a:solidFill>
+                  <a:schemeClr val="accent4"/>
+                </a:solidFill>
+              </a:rPr>
+              <a:t>C</a:t>
+            </a:r>
+            <a:r>
+              <a:rPr lang="en-US" sz="2800" b="0" i="0" dirty="0">
+                <a:solidFill>
+                  <a:schemeClr val="accent4"/>
+                </a:solidFill>
+                <a:effectLst/>
+              </a:rPr>
+              <a:t>ounties with the diversity index greater than 25 % had higher percentage of Covid-19 cases during the holiday season of 2020</a:t>
+            </a:r>
+          </a:p>
+          <a:p>
+            <a:pPr marL="0" indent="0">
+              <a:buNone/>
+            </a:pPr>
+            <a:endParaRPr lang="en-US" sz="2800" dirty="0">
+              <a:solidFill>
+                <a:schemeClr val="accent4"/>
+              </a:solidFill>
+            </a:endParaRPr>
+          </a:p>
+          <a:p>
+            <a:pPr marL="0" indent="0">
+              <a:buNone/>
+            </a:pPr>
+            <a:r>
+              <a:rPr lang="en-US" sz="2800" dirty="0">
+                <a:solidFill>
+                  <a:schemeClr val="accent4"/>
+                </a:solidFill>
+              </a:rPr>
+              <a:t>2 sample Wilcoxon sum test (U-test) p value = 1</a:t>
+            </a:r>
+          </a:p>
+          <a:p>
+            <a:pPr marL="0" indent="0">
+              <a:buNone/>
+            </a:pPr>
+            <a:endParaRPr lang="en-US" sz="2800" dirty="0">
+              <a:solidFill>
+                <a:schemeClr val="accent4"/>
+              </a:solidFill>
+            </a:endParaRPr>
+          </a:p>
+          <a:p>
+            <a:pPr marL="0" indent="0">
+              <a:buNone/>
+            </a:pPr>
+            <a:r>
+              <a:rPr lang="en-US" sz="2800" b="1" dirty="0">
+                <a:solidFill>
+                  <a:schemeClr val="accent4"/>
+                </a:solidFill>
+              </a:rPr>
+              <a:t>Result : Null hypothesis is valid</a:t>
+            </a:r>
+          </a:p>
+        </p:txBody>
+      </p:sp>
     </p:spTree>
     <p:extLst>
       <p:ext uri="{BB962C8B-B14F-4D97-AF65-F5344CB8AC3E}">
@@ -5864,6 +10766,464 @@
   <p:clrMapOvr>
     <a:masterClrMapping/>
   </p:clrMapOvr>
+  <p:timing>
+    <p:tnLst>
+      <p:par>
+        <p:cTn id="1" dur="indefinite" restart="never" nodeType="tmRoot">
+          <p:childTnLst>
+            <p:seq concurrent="1" nextAc="seek">
+              <p:cTn id="2" dur="indefinite" nodeType="mainSeq">
+                <p:childTnLst>
+                  <p:par>
+                    <p:cTn id="3" fill="hold">
+                      <p:stCondLst>
+                        <p:cond delay="indefinite"/>
+                      </p:stCondLst>
+                      <p:childTnLst>
+                        <p:par>
+                          <p:cTn id="4" fill="hold">
+                            <p:stCondLst>
+                              <p:cond delay="0"/>
+                            </p:stCondLst>
+                            <p:childTnLst>
+                              <p:par>
+                                <p:cTn id="5" presetID="1" presetClass="entr" presetSubtype="0" fill="hold" nodeType="clickEffect">
+                                  <p:stCondLst>
+                                    <p:cond delay="0"/>
+                                  </p:stCondLst>
+                                  <p:childTnLst>
+                                    <p:set>
+                                      <p:cBhvr>
+                                        <p:cTn id="6" dur="1" fill="hold">
+                                          <p:stCondLst>
+                                            <p:cond delay="0"/>
+                                          </p:stCondLst>
+                                        </p:cTn>
+                                        <p:tgtEl>
+                                          <p:spTgt spid="7">
+                                            <p:txEl>
+                                              <p:pRg st="4" end="4"/>
+                                            </p:txEl>
+                                          </p:spTgt>
+                                        </p:tgtEl>
+                                        <p:attrNameLst>
+                                          <p:attrName>style.visibility</p:attrName>
+                                        </p:attrNameLst>
+                                      </p:cBhvr>
+                                      <p:to>
+                                        <p:strVal val="visible"/>
+                                      </p:to>
+                                    </p:set>
+                                  </p:childTnLst>
+                                </p:cTn>
+                              </p:par>
+                              <p:par>
+                                <p:cTn id="7" presetID="1" presetClass="entr" presetSubtype="0" fill="hold" nodeType="withEffect">
+                                  <p:stCondLst>
+                                    <p:cond delay="0"/>
+                                  </p:stCondLst>
+                                  <p:childTnLst>
+                                    <p:set>
+                                      <p:cBhvr>
+                                        <p:cTn id="8" dur="1" fill="hold">
+                                          <p:stCondLst>
+                                            <p:cond delay="0"/>
+                                          </p:stCondLst>
+                                        </p:cTn>
+                                        <p:tgtEl>
+                                          <p:spTgt spid="7">
+                                            <p:txEl>
+                                              <p:pRg st="6" end="6"/>
+                                            </p:txEl>
+                                          </p:spTgt>
+                                        </p:tgtEl>
+                                        <p:attrNameLst>
+                                          <p:attrName>style.visibility</p:attrName>
+                                        </p:attrNameLst>
+                                      </p:cBhvr>
+                                      <p:to>
+                                        <p:strVal val="visible"/>
+                                      </p:to>
+                                    </p:set>
+                                  </p:childTnLst>
+                                </p:cTn>
+                              </p:par>
+                            </p:childTnLst>
+                          </p:cTn>
+                        </p:par>
+                      </p:childTnLst>
+                    </p:cTn>
+                  </p:par>
+                </p:childTnLst>
+              </p:cTn>
+              <p:prevCondLst>
+                <p:cond evt="onPrev" delay="0">
+                  <p:tgtEl>
+                    <p:sldTgt/>
+                  </p:tgtEl>
+                </p:cond>
+              </p:prevCondLst>
+              <p:nextCondLst>
+                <p:cond evt="onNext" delay="0">
+                  <p:tgtEl>
+                    <p:sldTgt/>
+                  </p:tgtEl>
+                </p:cond>
+              </p:nextCondLst>
+            </p:seq>
+          </p:childTnLst>
+        </p:cTn>
+      </p:par>
+    </p:tnLst>
+  </p:timing>
+</p:sld>
+</file>
+
+<file path=ppt/slides/slide9.xml><?xml version="1.0" encoding="utf-8"?>
+<p:sld xmlns:a="http://schemas.openxmlformats.org/drawingml/2006/main" xmlns:r="http://schemas.openxmlformats.org/officeDocument/2006/relationships" xmlns:p="http://schemas.openxmlformats.org/presentationml/2006/main">
+  <p:cSld>
+    <p:spTree>
+      <p:nvGrpSpPr>
+        <p:cNvPr id="1" name=""/>
+        <p:cNvGrpSpPr/>
+        <p:nvPr/>
+      </p:nvGrpSpPr>
+      <p:grpSpPr>
+        <a:xfrm>
+          <a:off x="0" y="0"/>
+          <a:ext cx="0" cy="0"/>
+          <a:chOff x="0" y="0"/>
+          <a:chExt cx="0" cy="0"/>
+        </a:xfrm>
+      </p:grpSpPr>
+      <p:sp>
+        <p:nvSpPr>
+          <p:cNvPr id="2" name="Title 1">
+            <a:extLst>
+              <a:ext uri="{FF2B5EF4-FFF2-40B4-BE49-F238E27FC236}">
+                <a16:creationId xmlns:a16="http://schemas.microsoft.com/office/drawing/2014/main" id="{0724A799-4E0A-0E42-91FD-E1301110C604}"/>
+              </a:ext>
+            </a:extLst>
+          </p:cNvPr>
+          <p:cNvSpPr>
+            <a:spLocks noGrp="1"/>
+          </p:cNvSpPr>
+          <p:nvPr>
+            <p:ph type="title"/>
+          </p:nvPr>
+        </p:nvSpPr>
+        <p:spPr>
+          <a:xfrm>
+            <a:off x="0" y="0"/>
+            <a:ext cx="12192000" cy="1076591"/>
+          </a:xfrm>
+        </p:spPr>
+        <p:txBody>
+          <a:bodyPr anchor="t">
+            <a:noAutofit/>
+          </a:bodyPr>
+          <a:lstStyle/>
+          <a:p>
+            <a:pPr algn="l"/>
+            <a:r>
+              <a:rPr lang="en-US" b="1" i="0" dirty="0">
+                <a:effectLst/>
+              </a:rPr>
+              <a:t>Did counties with higher diversity index have higher percentage of Covid-19 cases during the holiday season of the year 2020?</a:t>
+            </a:r>
+            <a:br>
+              <a:rPr lang="en-US" b="1" i="0" dirty="0">
+                <a:effectLst/>
+              </a:rPr>
+            </a:br>
+            <a:br>
+              <a:rPr lang="en-US" b="1" i="0" dirty="0">
+                <a:effectLst/>
+              </a:rPr>
+            </a:br>
+            <a:endParaRPr lang="en-US" dirty="0"/>
+          </a:p>
+        </p:txBody>
+      </p:sp>
+      <p:pic>
+        <p:nvPicPr>
+          <p:cNvPr id="4100" name="Picture 4">
+            <a:extLst>
+              <a:ext uri="{FF2B5EF4-FFF2-40B4-BE49-F238E27FC236}">
+                <a16:creationId xmlns:a16="http://schemas.microsoft.com/office/drawing/2014/main" id="{C702095C-493B-F7DB-5F05-9C7A63CF08CD}"/>
+              </a:ext>
+            </a:extLst>
+          </p:cNvPr>
+          <p:cNvPicPr>
+            <a:picLocks noChangeAspect="1" noChangeArrowheads="1"/>
+          </p:cNvPicPr>
+          <p:nvPr/>
+        </p:nvPicPr>
+        <p:blipFill>
+          <a:blip r:embed="rId2">
+            <a:extLst>
+              <a:ext uri="{28A0092B-C50C-407E-A947-70E740481C1C}">
+                <a14:useLocalDpi xmlns:a14="http://schemas.microsoft.com/office/drawing/2010/main" val="0"/>
+              </a:ext>
+            </a:extLst>
+          </a:blip>
+          <a:stretch>
+            <a:fillRect/>
+          </a:stretch>
+        </p:blipFill>
+        <p:spPr bwMode="auto">
+          <a:xfrm>
+            <a:off x="152401" y="1861986"/>
+            <a:ext cx="5181600" cy="4041648"/>
+          </a:xfrm>
+          <a:prstGeom prst="rect">
+            <a:avLst/>
+          </a:prstGeom>
+          <a:solidFill>
+            <a:srgbClr val="FFFFFF"/>
+          </a:solidFill>
+        </p:spPr>
+      </p:pic>
+      <p:sp>
+        <p:nvSpPr>
+          <p:cNvPr id="7" name="Content Placeholder 6">
+            <a:extLst>
+              <a:ext uri="{FF2B5EF4-FFF2-40B4-BE49-F238E27FC236}">
+                <a16:creationId xmlns:a16="http://schemas.microsoft.com/office/drawing/2014/main" id="{FCD5B277-B5F2-CDDA-89CC-2C67A9698FC5}"/>
+              </a:ext>
+            </a:extLst>
+          </p:cNvPr>
+          <p:cNvSpPr>
+            <a:spLocks noGrp="1"/>
+          </p:cNvSpPr>
+          <p:nvPr>
+            <p:ph sz="half" idx="2"/>
+          </p:nvPr>
+        </p:nvSpPr>
+        <p:spPr>
+          <a:xfrm>
+            <a:off x="5537200" y="1588656"/>
+            <a:ext cx="6654799" cy="4588309"/>
+          </a:xfrm>
+        </p:spPr>
+        <p:txBody>
+          <a:bodyPr>
+            <a:noAutofit/>
+          </a:bodyPr>
+          <a:lstStyle/>
+          <a:p>
+            <a:pPr marL="0" indent="0">
+              <a:buNone/>
+            </a:pPr>
+            <a:r>
+              <a:rPr lang="en-US" sz="2800" b="1" dirty="0">
+                <a:solidFill>
+                  <a:schemeClr val="accent4"/>
+                </a:solidFill>
+              </a:rPr>
+              <a:t>Null hypothesis:</a:t>
+            </a:r>
+          </a:p>
+          <a:p>
+            <a:pPr marL="0" indent="0">
+              <a:buNone/>
+            </a:pPr>
+            <a:endParaRPr lang="en-US" sz="2800" b="1" dirty="0">
+              <a:solidFill>
+                <a:schemeClr val="accent4"/>
+              </a:solidFill>
+            </a:endParaRPr>
+          </a:p>
+          <a:p>
+            <a:pPr marL="0" indent="0">
+              <a:buNone/>
+            </a:pPr>
+            <a:r>
+              <a:rPr lang="en-US" sz="2800" dirty="0">
+                <a:solidFill>
+                  <a:schemeClr val="accent4"/>
+                </a:solidFill>
+              </a:rPr>
+              <a:t>C</a:t>
+            </a:r>
+            <a:r>
+              <a:rPr lang="en-US" sz="2800" b="0" i="0" dirty="0">
+                <a:solidFill>
+                  <a:schemeClr val="accent4"/>
+                </a:solidFill>
+                <a:effectLst/>
+              </a:rPr>
+              <a:t>ounties with the diversity index greater than 25 % had higher percentage of Covid-19 cases during the holiday season of 2020</a:t>
+            </a:r>
+          </a:p>
+          <a:p>
+            <a:pPr marL="0" indent="0">
+              <a:buNone/>
+            </a:pPr>
+            <a:endParaRPr lang="en-US" sz="2800" dirty="0">
+              <a:solidFill>
+                <a:schemeClr val="accent4"/>
+              </a:solidFill>
+            </a:endParaRPr>
+          </a:p>
+          <a:p>
+            <a:pPr marL="0" indent="0">
+              <a:buNone/>
+            </a:pPr>
+            <a:r>
+              <a:rPr lang="en-US" sz="2800" dirty="0">
+                <a:solidFill>
+                  <a:schemeClr val="accent4"/>
+                </a:solidFill>
+              </a:rPr>
+              <a:t>2 sample Wilcoxon sum test (U-test) p value = 1</a:t>
+            </a:r>
+          </a:p>
+          <a:p>
+            <a:pPr marL="0" indent="0">
+              <a:buNone/>
+            </a:pPr>
+            <a:endParaRPr lang="en-US" sz="2800" dirty="0">
+              <a:solidFill>
+                <a:schemeClr val="accent4"/>
+              </a:solidFill>
+            </a:endParaRPr>
+          </a:p>
+          <a:p>
+            <a:pPr marL="0" indent="0">
+              <a:buNone/>
+            </a:pPr>
+            <a:r>
+              <a:rPr lang="en-US" sz="2800" b="1" dirty="0">
+                <a:solidFill>
+                  <a:schemeClr val="accent4"/>
+                </a:solidFill>
+              </a:rPr>
+              <a:t>Result : Null hypothesis is valid</a:t>
+            </a:r>
+          </a:p>
+        </p:txBody>
+      </p:sp>
+    </p:spTree>
+    <p:extLst>
+      <p:ext uri="{BB962C8B-B14F-4D97-AF65-F5344CB8AC3E}">
+        <p14:creationId xmlns:p14="http://schemas.microsoft.com/office/powerpoint/2010/main" val="3451731900"/>
+      </p:ext>
+    </p:extLst>
+  </p:cSld>
+  <p:clrMapOvr>
+    <a:masterClrMapping/>
+  </p:clrMapOvr>
+  <p:timing>
+    <p:tnLst>
+      <p:par>
+        <p:cTn id="1" dur="indefinite" restart="never" nodeType="tmRoot">
+          <p:childTnLst>
+            <p:seq concurrent="1" nextAc="seek">
+              <p:cTn id="2" dur="indefinite" nodeType="mainSeq">
+                <p:childTnLst>
+                  <p:par>
+                    <p:cTn id="3" fill="hold">
+                      <p:stCondLst>
+                        <p:cond delay="indefinite"/>
+                      </p:stCondLst>
+                      <p:childTnLst>
+                        <p:par>
+                          <p:cTn id="4" fill="hold">
+                            <p:stCondLst>
+                              <p:cond delay="0"/>
+                            </p:stCondLst>
+                            <p:childTnLst>
+                              <p:par>
+                                <p:cTn id="5" presetID="1" presetClass="entr" presetSubtype="0" fill="hold" nodeType="clickEffect">
+                                  <p:stCondLst>
+                                    <p:cond delay="0"/>
+                                  </p:stCondLst>
+                                  <p:childTnLst>
+                                    <p:set>
+                                      <p:cBhvr>
+                                        <p:cTn id="6" dur="1" fill="hold">
+                                          <p:stCondLst>
+                                            <p:cond delay="0"/>
+                                          </p:stCondLst>
+                                        </p:cTn>
+                                        <p:tgtEl>
+                                          <p:spTgt spid="7">
+                                            <p:txEl>
+                                              <p:pRg st="4" end="4"/>
+                                            </p:txEl>
+                                          </p:spTgt>
+                                        </p:tgtEl>
+                                        <p:attrNameLst>
+                                          <p:attrName>style.visibility</p:attrName>
+                                        </p:attrNameLst>
+                                      </p:cBhvr>
+                                      <p:to>
+                                        <p:strVal val="visible"/>
+                                      </p:to>
+                                    </p:set>
+                                  </p:childTnLst>
+                                </p:cTn>
+                              </p:par>
+                              <p:par>
+                                <p:cTn id="7" presetID="1" presetClass="entr" presetSubtype="0" fill="hold" nodeType="withEffect">
+                                  <p:stCondLst>
+                                    <p:cond delay="0"/>
+                                  </p:stCondLst>
+                                  <p:childTnLst>
+                                    <p:set>
+                                      <p:cBhvr>
+                                        <p:cTn id="8" dur="1" fill="hold">
+                                          <p:stCondLst>
+                                            <p:cond delay="0"/>
+                                          </p:stCondLst>
+                                        </p:cTn>
+                                        <p:tgtEl>
+                                          <p:spTgt spid="7">
+                                            <p:txEl>
+                                              <p:pRg st="6" end="6"/>
+                                            </p:txEl>
+                                          </p:spTgt>
+                                        </p:tgtEl>
+                                        <p:attrNameLst>
+                                          <p:attrName>style.visibility</p:attrName>
+                                        </p:attrNameLst>
+                                      </p:cBhvr>
+                                      <p:to>
+                                        <p:strVal val="visible"/>
+                                      </p:to>
+                                    </p:set>
+                                  </p:childTnLst>
+                                </p:cTn>
+                              </p:par>
+                            </p:childTnLst>
+                          </p:cTn>
+                        </p:par>
+                      </p:childTnLst>
+                    </p:cTn>
+                  </p:par>
+                </p:childTnLst>
+              </p:cTn>
+              <p:prevCondLst>
+                <p:cond evt="onPrev" delay="0">
+                  <p:tgtEl>
+                    <p:sldTgt/>
+                  </p:tgtEl>
+                </p:cond>
+              </p:prevCondLst>
+              <p:nextCondLst>
+                <p:cond evt="onNext" delay="0">
+                  <p:tgtEl>
+                    <p:sldTgt/>
+                  </p:tgtEl>
+                </p:cond>
+              </p:nextCondLst>
+            </p:seq>
+          </p:childTnLst>
+        </p:cTn>
+      </p:par>
+    </p:tnLst>
+  </p:timing>
 </p:sld>
 </file>
 
@@ -6163,6 +11523,267 @@
 </file>
 
 <file path=ppt/theme/theme2.xml><?xml version="1.0" encoding="utf-8"?>
+<a:theme xmlns:a="http://schemas.openxmlformats.org/drawingml/2006/main" name="2_Office Theme">
+  <a:themeElements>
+    <a:clrScheme name="Custom 36">
+      <a:dk1>
+        <a:srgbClr val="003493"/>
+      </a:dk1>
+      <a:lt1>
+        <a:srgbClr val="FFFFFF"/>
+      </a:lt1>
+      <a:dk2>
+        <a:srgbClr val="00205B"/>
+      </a:dk2>
+      <a:lt2>
+        <a:srgbClr val="FFB71B"/>
+      </a:lt2>
+      <a:accent1>
+        <a:srgbClr val="B48400"/>
+      </a:accent1>
+      <a:accent2>
+        <a:srgbClr val="49C1E0"/>
+      </a:accent2>
+      <a:accent3>
+        <a:srgbClr val="96989A"/>
+      </a:accent3>
+      <a:accent4>
+        <a:srgbClr val="000000"/>
+      </a:accent4>
+      <a:accent5>
+        <a:srgbClr val="DB5729"/>
+      </a:accent5>
+      <a:accent6>
+        <a:srgbClr val="008163"/>
+      </a:accent6>
+      <a:hlink>
+        <a:srgbClr val="0059C8"/>
+      </a:hlink>
+      <a:folHlink>
+        <a:srgbClr val="007FD1"/>
+      </a:folHlink>
+    </a:clrScheme>
+    <a:fontScheme name="Arial Black-Arial">
+      <a:majorFont>
+        <a:latin typeface="Arial Black" panose="020B0A04020102020204"/>
+        <a:ea typeface=""/>
+        <a:cs typeface=""/>
+        <a:font script="Jpan" typeface="ＭＳ ゴシック"/>
+        <a:font script="Hang" typeface="굴림"/>
+        <a:font script="Hans" typeface="微软雅黑"/>
+        <a:font script="Hant" typeface="微軟正黑體"/>
+        <a:font script="Arab" typeface="Tahoma"/>
+        <a:font script="Hebr" typeface="Tahoma"/>
+        <a:font script="Thai" typeface="FreesiaUPC"/>
+        <a:font script="Ethi" typeface="Nyala"/>
+        <a:font script="Beng" typeface="Vrinda"/>
+        <a:font script="Gujr" typeface="Shruti"/>
+        <a:font script="Khmr" typeface="DaunPenh"/>
+        <a:font script="Knda" typeface="Tunga"/>
+        <a:font script="Guru" typeface="Raavi"/>
+        <a:font script="Cans" typeface="Euphemia"/>
+        <a:font script="Cher" typeface="Plantagenet Cherokee"/>
+        <a:font script="Yiii" typeface="Microsoft Yi Baiti"/>
+        <a:font script="Tibt" typeface="Microsoft Himalaya"/>
+        <a:font script="Thaa" typeface="MV Boli"/>
+        <a:font script="Deva" typeface="Mangal"/>
+        <a:font script="Telu" typeface="Gautami"/>
+        <a:font script="Taml" typeface="Latha"/>
+        <a:font script="Syrc" typeface="Estrangelo Edessa"/>
+        <a:font script="Orya" typeface="Kalinga"/>
+        <a:font script="Mlym" typeface="Kartika"/>
+        <a:font script="Laoo" typeface="DokChampa"/>
+        <a:font script="Sinh" typeface="Iskoola Pota"/>
+        <a:font script="Mong" typeface="Mongolian Baiti"/>
+        <a:font script="Viet" typeface="Verdana"/>
+        <a:font script="Uigh" typeface="Microsoft Uighur"/>
+        <a:font script="Geor" typeface="Sylfaen"/>
+      </a:majorFont>
+      <a:minorFont>
+        <a:latin typeface="Arial" panose="020B0604020202020204"/>
+        <a:ea typeface=""/>
+        <a:cs typeface=""/>
+        <a:font script="Jpan" typeface="ＭＳ Ｐゴシック"/>
+        <a:font script="Hang" typeface="굴림"/>
+        <a:font script="Hans" typeface="黑体"/>
+        <a:font script="Hant" typeface="微軟正黑體"/>
+        <a:font script="Arab" typeface="Arial"/>
+        <a:font script="Hebr" typeface="Arial"/>
+        <a:font script="Thai" typeface="Cordia New"/>
+        <a:font script="Ethi" typeface="Nyala"/>
+        <a:font script="Beng" typeface="Vrinda"/>
+        <a:font script="Gujr" typeface="Shruti"/>
+        <a:font script="Khmr" typeface="DaunPenh"/>
+        <a:font script="Knda" typeface="Tunga"/>
+        <a:font script="Guru" typeface="Raavi"/>
+        <a:font script="Cans" typeface="Euphemia"/>
+        <a:font script="Cher" typeface="Plantagenet Cherokee"/>
+        <a:font script="Yiii" typeface="Microsoft Yi Baiti"/>
+        <a:font script="Tibt" typeface="Microsoft Himalaya"/>
+        <a:font script="Thaa" typeface="MV Boli"/>
+        <a:font script="Deva" typeface="Mangal"/>
+        <a:font script="Telu" typeface="Gautami"/>
+        <a:font script="Taml" typeface="Latha"/>
+        <a:font script="Syrc" typeface="Estrangelo Edessa"/>
+        <a:font script="Orya" typeface="Kalinga"/>
+        <a:font script="Mlym" typeface="Kartika"/>
+        <a:font script="Laoo" typeface="DokChampa"/>
+        <a:font script="Sinh" typeface="Iskoola Pota"/>
+        <a:font script="Mong" typeface="Mongolian Baiti"/>
+        <a:font script="Viet" typeface="Arial"/>
+        <a:font script="Uigh" typeface="Microsoft Uighur"/>
+        <a:font script="Geor" typeface="Sylfaen"/>
+      </a:minorFont>
+    </a:fontScheme>
+    <a:fmtScheme name="Office Theme">
+      <a:fillStyleLst>
+        <a:solidFill>
+          <a:schemeClr val="phClr"/>
+        </a:solidFill>
+        <a:gradFill rotWithShape="1">
+          <a:gsLst>
+            <a:gs pos="0">
+              <a:schemeClr val="phClr">
+                <a:lumMod val="110000"/>
+                <a:satMod val="105000"/>
+                <a:tint val="67000"/>
+              </a:schemeClr>
+            </a:gs>
+            <a:gs pos="50000">
+              <a:schemeClr val="phClr">
+                <a:lumMod val="105000"/>
+                <a:satMod val="103000"/>
+                <a:tint val="73000"/>
+              </a:schemeClr>
+            </a:gs>
+            <a:gs pos="100000">
+              <a:schemeClr val="phClr">
+                <a:lumMod val="105000"/>
+                <a:satMod val="109000"/>
+                <a:tint val="81000"/>
+              </a:schemeClr>
+            </a:gs>
+          </a:gsLst>
+          <a:lin ang="5400000" scaled="0"/>
+        </a:gradFill>
+        <a:gradFill rotWithShape="1">
+          <a:gsLst>
+            <a:gs pos="0">
+              <a:schemeClr val="phClr">
+                <a:satMod val="103000"/>
+                <a:lumMod val="102000"/>
+                <a:tint val="94000"/>
+              </a:schemeClr>
+            </a:gs>
+            <a:gs pos="50000">
+              <a:schemeClr val="phClr">
+                <a:satMod val="110000"/>
+                <a:lumMod val="100000"/>
+                <a:shade val="100000"/>
+              </a:schemeClr>
+            </a:gs>
+            <a:gs pos="100000">
+              <a:schemeClr val="phClr">
+                <a:lumMod val="99000"/>
+                <a:satMod val="120000"/>
+                <a:shade val="78000"/>
+              </a:schemeClr>
+            </a:gs>
+          </a:gsLst>
+          <a:lin ang="5400000" scaled="0"/>
+        </a:gradFill>
+      </a:fillStyleLst>
+      <a:lnStyleLst>
+        <a:ln w="6350" cap="flat" cmpd="sng" algn="ctr">
+          <a:solidFill>
+            <a:schemeClr val="phClr"/>
+          </a:solidFill>
+          <a:prstDash val="solid"/>
+          <a:miter lim="800000"/>
+        </a:ln>
+        <a:ln w="12700" cap="flat" cmpd="sng" algn="ctr">
+          <a:solidFill>
+            <a:schemeClr val="phClr"/>
+          </a:solidFill>
+          <a:prstDash val="solid"/>
+          <a:miter lim="800000"/>
+        </a:ln>
+        <a:ln w="19050" cap="flat" cmpd="sng" algn="ctr">
+          <a:solidFill>
+            <a:schemeClr val="phClr"/>
+          </a:solidFill>
+          <a:prstDash val="solid"/>
+          <a:miter lim="800000"/>
+        </a:ln>
+      </a:lnStyleLst>
+      <a:effectStyleLst>
+        <a:effectStyle>
+          <a:effectLst/>
+        </a:effectStyle>
+        <a:effectStyle>
+          <a:effectLst/>
+        </a:effectStyle>
+        <a:effectStyle>
+          <a:effectLst>
+            <a:outerShdw blurRad="57150" dist="19050" dir="5400000" algn="ctr" rotWithShape="0">
+              <a:srgbClr val="000000">
+                <a:alpha val="63000"/>
+              </a:srgbClr>
+            </a:outerShdw>
+          </a:effectLst>
+        </a:effectStyle>
+      </a:effectStyleLst>
+      <a:bgFillStyleLst>
+        <a:solidFill>
+          <a:schemeClr val="phClr"/>
+        </a:solidFill>
+        <a:solidFill>
+          <a:schemeClr val="phClr">
+            <a:tint val="95000"/>
+            <a:satMod val="170000"/>
+          </a:schemeClr>
+        </a:solidFill>
+        <a:gradFill rotWithShape="1">
+          <a:gsLst>
+            <a:gs pos="0">
+              <a:schemeClr val="phClr">
+                <a:tint val="93000"/>
+                <a:satMod val="150000"/>
+                <a:shade val="98000"/>
+                <a:lumMod val="102000"/>
+              </a:schemeClr>
+            </a:gs>
+            <a:gs pos="50000">
+              <a:schemeClr val="phClr">
+                <a:tint val="98000"/>
+                <a:satMod val="130000"/>
+                <a:shade val="90000"/>
+                <a:lumMod val="103000"/>
+              </a:schemeClr>
+            </a:gs>
+            <a:gs pos="100000">
+              <a:schemeClr val="phClr">
+                <a:shade val="63000"/>
+                <a:satMod val="120000"/>
+              </a:schemeClr>
+            </a:gs>
+          </a:gsLst>
+          <a:lin ang="5400000" scaled="0"/>
+        </a:gradFill>
+      </a:bgFillStyleLst>
+    </a:fmtScheme>
+  </a:themeElements>
+  <a:objectDefaults/>
+  <a:extraClrSchemeLst/>
+  <a:extLst>
+    <a:ext uri="{05A4C25C-085E-4340-85A3-A5531E510DB2}">
+      <thm15:themeFamily xmlns:thm15="http://schemas.microsoft.com/office/thememl/2012/main" name="ForgeAhead_template_formal 4_3" id="{648C221C-5568-5049-89E5-0561A30337AE}" vid="{9A0CDC1A-8693-2746-8237-54F03AD85945}"/>
+    </a:ext>
+  </a:extLst>
+</a:theme>
+</file>
+
+<file path=ppt/theme/theme3.xml><?xml version="1.0" encoding="utf-8"?>
 <a:theme xmlns:a="http://schemas.openxmlformats.org/drawingml/2006/main" name="Office Theme">
   <a:themeElements>
     <a:clrScheme name="Office">

--- a/Presentation.pptx
+++ b/Presentation.pptx
@@ -6,7 +6,7 @@
     <p:sldMasterId id="2147483671" r:id="rId2"/>
   </p:sldMasterIdLst>
   <p:notesMasterIdLst>
-    <p:notesMasterId r:id="rId12"/>
+    <p:notesMasterId r:id="rId16"/>
   </p:notesMasterIdLst>
   <p:sldIdLst>
     <p:sldId id="256" r:id="rId3"/>
@@ -17,7 +17,11 @@
     <p:sldId id="260" r:id="rId8"/>
     <p:sldId id="261" r:id="rId9"/>
     <p:sldId id="263" r:id="rId10"/>
-    <p:sldId id="271" r:id="rId11"/>
+    <p:sldId id="274" r:id="rId11"/>
+    <p:sldId id="275" r:id="rId12"/>
+    <p:sldId id="273" r:id="rId13"/>
+    <p:sldId id="276" r:id="rId14"/>
+    <p:sldId id="272" r:id="rId15"/>
   </p:sldIdLst>
   <p:sldSz cx="12192000" cy="6858000"/>
   <p:notesSz cx="6858000" cy="9144000"/>
@@ -127,7 +131,7 @@
 <file path=ppt/revisionInfo.xml><?xml version="1.0" encoding="utf-8"?>
 <p1510:revInfo xmlns:a="http://schemas.openxmlformats.org/drawingml/2006/main" xmlns:r="http://schemas.openxmlformats.org/officeDocument/2006/relationships" xmlns:p1510="http://schemas.microsoft.com/office/powerpoint/2015/10/main">
   <p1510:revLst>
-    <p1510:client id="{C5087647-03AF-41B4-ADA2-A7F16B9C6FCD}" v="221" dt="2022-10-25T04:57:44.043"/>
+    <p1510:client id="{C5087647-03AF-41B4-ADA2-A7F16B9C6FCD}" v="404" dt="2022-10-25T15:37:07.549"/>
   </p1510:revLst>
 </p1510:revInfo>
 </file>
@@ -797,8 +801,8 @@
   </pc:docChgLst>
   <pc:docChgLst>
     <pc:chgData name="Shreya Thakkar" userId="8250697c-6c39-48a4-a3bd-4e6e657dfce2" providerId="ADAL" clId="{C5087647-03AF-41B4-ADA2-A7F16B9C6FCD}"/>
-    <pc:docChg chg="undo custSel addSld delSld modSld sldOrd">
-      <pc:chgData name="Shreya Thakkar" userId="8250697c-6c39-48a4-a3bd-4e6e657dfce2" providerId="ADAL" clId="{C5087647-03AF-41B4-ADA2-A7F16B9C6FCD}" dt="2022-10-25T05:03:53.155" v="1540" actId="2890"/>
+    <pc:docChg chg="undo redo custSel addSld delSld modSld sldOrd">
+      <pc:chgData name="Shreya Thakkar" userId="8250697c-6c39-48a4-a3bd-4e6e657dfce2" providerId="ADAL" clId="{C5087647-03AF-41B4-ADA2-A7F16B9C6FCD}" dt="2022-10-25T15:37:07.549" v="2835"/>
       <pc:docMkLst>
         <pc:docMk/>
       </pc:docMkLst>
@@ -809,14 +813,14 @@
           <pc:sldMk cId="1641127009" sldId="256"/>
         </pc:sldMkLst>
       </pc:sldChg>
-      <pc:sldChg chg="addSp delSp modSp new mod modNotesTx">
-        <pc:chgData name="Shreya Thakkar" userId="8250697c-6c39-48a4-a3bd-4e6e657dfce2" providerId="ADAL" clId="{C5087647-03AF-41B4-ADA2-A7F16B9C6FCD}" dt="2022-10-25T04:54:13.878" v="1511" actId="20577"/>
+      <pc:sldChg chg="addSp delSp modSp new mod modAnim modNotesTx">
+        <pc:chgData name="Shreya Thakkar" userId="8250697c-6c39-48a4-a3bd-4e6e657dfce2" providerId="ADAL" clId="{C5087647-03AF-41B4-ADA2-A7F16B9C6FCD}" dt="2022-10-25T14:38:50.821" v="2676" actId="20577"/>
         <pc:sldMkLst>
           <pc:docMk/>
           <pc:sldMk cId="3884592554" sldId="257"/>
         </pc:sldMkLst>
         <pc:spChg chg="mod">
-          <ac:chgData name="Shreya Thakkar" userId="8250697c-6c39-48a4-a3bd-4e6e657dfce2" providerId="ADAL" clId="{C5087647-03AF-41B4-ADA2-A7F16B9C6FCD}" dt="2022-10-25T04:54:13.878" v="1511" actId="20577"/>
+          <ac:chgData name="Shreya Thakkar" userId="8250697c-6c39-48a4-a3bd-4e6e657dfce2" providerId="ADAL" clId="{C5087647-03AF-41B4-ADA2-A7F16B9C6FCD}" dt="2022-10-25T14:28:36.236" v="2627" actId="20577"/>
           <ac:spMkLst>
             <pc:docMk/>
             <pc:sldMk cId="3884592554" sldId="257"/>
@@ -831,12 +835,116 @@
             <ac:spMk id="3" creationId="{1F2A4A60-299B-5BE4-D391-0049DC49997A}"/>
           </ac:spMkLst>
         </pc:spChg>
+        <pc:spChg chg="del">
+          <ac:chgData name="Shreya Thakkar" userId="8250697c-6c39-48a4-a3bd-4e6e657dfce2" providerId="ADAL" clId="{C5087647-03AF-41B4-ADA2-A7F16B9C6FCD}" dt="2022-10-25T14:10:03.343" v="2442" actId="478"/>
+          <ac:spMkLst>
+            <pc:docMk/>
+            <pc:sldMk cId="3884592554" sldId="257"/>
+            <ac:spMk id="3" creationId="{CA2AAC9E-8BF7-93C9-F38C-0BA6729F1DC3}"/>
+          </ac:spMkLst>
+        </pc:spChg>
+        <pc:spChg chg="add mod">
+          <ac:chgData name="Shreya Thakkar" userId="8250697c-6c39-48a4-a3bd-4e6e657dfce2" providerId="ADAL" clId="{C5087647-03AF-41B4-ADA2-A7F16B9C6FCD}" dt="2022-10-25T14:16:04.617" v="2468" actId="20577"/>
+          <ac:spMkLst>
+            <pc:docMk/>
+            <pc:sldMk cId="3884592554" sldId="257"/>
+            <ac:spMk id="6" creationId="{B5704042-C7ED-80A8-82A6-09FEAFB7651D}"/>
+          </ac:spMkLst>
+        </pc:spChg>
+        <pc:spChg chg="add mod">
+          <ac:chgData name="Shreya Thakkar" userId="8250697c-6c39-48a4-a3bd-4e6e657dfce2" providerId="ADAL" clId="{C5087647-03AF-41B4-ADA2-A7F16B9C6FCD}" dt="2022-10-25T14:29:49.982" v="2637" actId="1076"/>
+          <ac:spMkLst>
+            <pc:docMk/>
+            <pc:sldMk cId="3884592554" sldId="257"/>
+            <ac:spMk id="8" creationId="{7BC345AC-AF28-AB77-8D36-45BB5DFDDD3D}"/>
+          </ac:spMkLst>
+        </pc:spChg>
+        <pc:spChg chg="add del mod">
+          <ac:chgData name="Shreya Thakkar" userId="8250697c-6c39-48a4-a3bd-4e6e657dfce2" providerId="ADAL" clId="{C5087647-03AF-41B4-ADA2-A7F16B9C6FCD}" dt="2022-10-25T14:29:34.241" v="2636" actId="478"/>
+          <ac:spMkLst>
+            <pc:docMk/>
+            <pc:sldMk cId="3884592554" sldId="257"/>
+            <ac:spMk id="12" creationId="{1FEDAD10-EE75-D11C-E059-8CC0FA56C309}"/>
+          </ac:spMkLst>
+        </pc:spChg>
+        <pc:spChg chg="add mod">
+          <ac:chgData name="Shreya Thakkar" userId="8250697c-6c39-48a4-a3bd-4e6e657dfce2" providerId="ADAL" clId="{C5087647-03AF-41B4-ADA2-A7F16B9C6FCD}" dt="2022-10-25T14:37:18.157" v="2665" actId="207"/>
+          <ac:spMkLst>
+            <pc:docMk/>
+            <pc:sldMk cId="3884592554" sldId="257"/>
+            <ac:spMk id="14" creationId="{89573A70-A1CD-2D5E-A40A-8A249001743D}"/>
+          </ac:spMkLst>
+        </pc:spChg>
+        <pc:grpChg chg="add mod">
+          <ac:chgData name="Shreya Thakkar" userId="8250697c-6c39-48a4-a3bd-4e6e657dfce2" providerId="ADAL" clId="{C5087647-03AF-41B4-ADA2-A7F16B9C6FCD}" dt="2022-10-25T14:11:58.148" v="2457" actId="164"/>
+          <ac:grpSpMkLst>
+            <pc:docMk/>
+            <pc:sldMk cId="3884592554" sldId="257"/>
+            <ac:grpSpMk id="7" creationId="{F86943BB-3EEA-2389-50B4-CE809D51B658}"/>
+          </ac:grpSpMkLst>
+        </pc:grpChg>
+        <pc:graphicFrameChg chg="add del mod">
+          <ac:chgData name="Shreya Thakkar" userId="8250697c-6c39-48a4-a3bd-4e6e657dfce2" providerId="ADAL" clId="{C5087647-03AF-41B4-ADA2-A7F16B9C6FCD}" dt="2022-10-25T14:26:45.775" v="2601"/>
+          <ac:graphicFrameMkLst>
+            <pc:docMk/>
+            <pc:sldMk cId="3884592554" sldId="257"/>
+            <ac:graphicFrameMk id="9" creationId="{873C46BB-324C-1112-7CC7-161841A3DCED}"/>
+          </ac:graphicFrameMkLst>
+        </pc:graphicFrameChg>
+        <pc:graphicFrameChg chg="add mod">
+          <ac:chgData name="Shreya Thakkar" userId="8250697c-6c39-48a4-a3bd-4e6e657dfce2" providerId="ADAL" clId="{C5087647-03AF-41B4-ADA2-A7F16B9C6FCD}" dt="2022-10-25T14:29:49.982" v="2637" actId="1076"/>
+          <ac:graphicFrameMkLst>
+            <pc:docMk/>
+            <pc:sldMk cId="3884592554" sldId="257"/>
+            <ac:graphicFrameMk id="10" creationId="{3EDF4CB2-89FF-0952-77C5-F3817B13B30F}"/>
+          </ac:graphicFrameMkLst>
+        </pc:graphicFrameChg>
+        <pc:graphicFrameChg chg="add del mod modGraphic">
+          <ac:chgData name="Shreya Thakkar" userId="8250697c-6c39-48a4-a3bd-4e6e657dfce2" providerId="ADAL" clId="{C5087647-03AF-41B4-ADA2-A7F16B9C6FCD}" dt="2022-10-25T14:29:30.297" v="2634" actId="478"/>
+          <ac:graphicFrameMkLst>
+            <pc:docMk/>
+            <pc:sldMk cId="3884592554" sldId="257"/>
+            <ac:graphicFrameMk id="13" creationId="{6B6C8651-D4F8-39DF-F050-46909D5C86A1}"/>
+          </ac:graphicFrameMkLst>
+        </pc:graphicFrameChg>
+        <pc:picChg chg="add mod">
+          <ac:chgData name="Shreya Thakkar" userId="8250697c-6c39-48a4-a3bd-4e6e657dfce2" providerId="ADAL" clId="{C5087647-03AF-41B4-ADA2-A7F16B9C6FCD}" dt="2022-10-25T14:11:58.148" v="2457" actId="164"/>
+          <ac:picMkLst>
+            <pc:docMk/>
+            <pc:sldMk cId="3884592554" sldId="257"/>
+            <ac:picMk id="5" creationId="{0A82D0E1-A26F-BE7E-3841-F1422F3B5A44}"/>
+          </ac:picMkLst>
+        </pc:picChg>
         <pc:picChg chg="add del">
           <ac:chgData name="Shreya Thakkar" userId="8250697c-6c39-48a4-a3bd-4e6e657dfce2" providerId="ADAL" clId="{C5087647-03AF-41B4-ADA2-A7F16B9C6FCD}" dt="2022-10-19T15:09:21.914" v="100" actId="21"/>
           <ac:picMkLst>
             <pc:docMk/>
             <pc:sldMk cId="3884592554" sldId="257"/>
             <ac:picMk id="5" creationId="{C0FB10EB-FD87-5C6A-430D-EA7D704C0162}"/>
+          </ac:picMkLst>
+        </pc:picChg>
+        <pc:picChg chg="add del mod">
+          <ac:chgData name="Shreya Thakkar" userId="8250697c-6c39-48a4-a3bd-4e6e657dfce2" providerId="ADAL" clId="{C5087647-03AF-41B4-ADA2-A7F16B9C6FCD}" dt="2022-10-25T14:29:23.034" v="2631" actId="478"/>
+          <ac:picMkLst>
+            <pc:docMk/>
+            <pc:sldMk cId="3884592554" sldId="257"/>
+            <ac:picMk id="11" creationId="{765A77ED-D1CE-03E8-A763-614AD58B2CFC}"/>
+          </ac:picMkLst>
+        </pc:picChg>
+        <pc:picChg chg="add mod">
+          <ac:chgData name="Shreya Thakkar" userId="8250697c-6c39-48a4-a3bd-4e6e657dfce2" providerId="ADAL" clId="{C5087647-03AF-41B4-ADA2-A7F16B9C6FCD}" dt="2022-10-25T14:29:49.982" v="2637" actId="1076"/>
+          <ac:picMkLst>
+            <pc:docMk/>
+            <pc:sldMk cId="3884592554" sldId="257"/>
+            <ac:picMk id="4098" creationId="{D3E0E1F3-8034-F571-3142-A114636E56AD}"/>
+          </ac:picMkLst>
+        </pc:picChg>
+        <pc:picChg chg="add del">
+          <ac:chgData name="Shreya Thakkar" userId="8250697c-6c39-48a4-a3bd-4e6e657dfce2" providerId="ADAL" clId="{C5087647-03AF-41B4-ADA2-A7F16B9C6FCD}" dt="2022-10-25T14:16:06.925" v="2469" actId="478"/>
+          <ac:picMkLst>
+            <pc:docMk/>
+            <pc:sldMk cId="3884592554" sldId="257"/>
+            <ac:picMk id="4100" creationId="{04A869C2-4AC9-95C9-F3C9-26C44BCDADB1}"/>
           </ac:picMkLst>
         </pc:picChg>
       </pc:sldChg>
@@ -1118,13 +1226,13 @@
         </pc:picChg>
       </pc:sldChg>
       <pc:sldChg chg="addSp delSp modSp new mod modClrScheme modAnim chgLayout">
-        <pc:chgData name="Shreya Thakkar" userId="8250697c-6c39-48a4-a3bd-4e6e657dfce2" providerId="ADAL" clId="{C5087647-03AF-41B4-ADA2-A7F16B9C6FCD}" dt="2022-10-25T04:57:22.917" v="1537"/>
+        <pc:chgData name="Shreya Thakkar" userId="8250697c-6c39-48a4-a3bd-4e6e657dfce2" providerId="ADAL" clId="{C5087647-03AF-41B4-ADA2-A7F16B9C6FCD}" dt="2022-10-25T15:36:58.792" v="2834"/>
         <pc:sldMkLst>
           <pc:docMk/>
           <pc:sldMk cId="301883751" sldId="261"/>
         </pc:sldMkLst>
         <pc:spChg chg="mod ord">
-          <ac:chgData name="Shreya Thakkar" userId="8250697c-6c39-48a4-a3bd-4e6e657dfce2" providerId="ADAL" clId="{C5087647-03AF-41B4-ADA2-A7F16B9C6FCD}" dt="2022-10-25T04:51:25.458" v="1445" actId="20577"/>
+          <ac:chgData name="Shreya Thakkar" userId="8250697c-6c39-48a4-a3bd-4e6e657dfce2" providerId="ADAL" clId="{C5087647-03AF-41B4-ADA2-A7F16B9C6FCD}" dt="2022-10-25T14:54:11.733" v="2722" actId="20577"/>
           <ac:spMkLst>
             <pc:docMk/>
             <pc:sldMk cId="301883751" sldId="261"/>
@@ -1260,13 +1368,13 @@
         </pc:picChg>
       </pc:sldChg>
       <pc:sldChg chg="addSp delSp modSp add mod modAnim">
-        <pc:chgData name="Shreya Thakkar" userId="8250697c-6c39-48a4-a3bd-4e6e657dfce2" providerId="ADAL" clId="{C5087647-03AF-41B4-ADA2-A7F16B9C6FCD}" dt="2022-10-25T04:57:44.043" v="1539"/>
+        <pc:chgData name="Shreya Thakkar" userId="8250697c-6c39-48a4-a3bd-4e6e657dfce2" providerId="ADAL" clId="{C5087647-03AF-41B4-ADA2-A7F16B9C6FCD}" dt="2022-10-25T15:37:07.549" v="2835"/>
         <pc:sldMkLst>
           <pc:docMk/>
           <pc:sldMk cId="1902377987" sldId="263"/>
         </pc:sldMkLst>
         <pc:spChg chg="mod">
-          <ac:chgData name="Shreya Thakkar" userId="8250697c-6c39-48a4-a3bd-4e6e657dfce2" providerId="ADAL" clId="{C5087647-03AF-41B4-ADA2-A7F16B9C6FCD}" dt="2022-10-25T04:51:15.659" v="1444" actId="120"/>
+          <ac:chgData name="Shreya Thakkar" userId="8250697c-6c39-48a4-a3bd-4e6e657dfce2" providerId="ADAL" clId="{C5087647-03AF-41B4-ADA2-A7F16B9C6FCD}" dt="2022-10-25T14:56:48.690" v="2740" actId="113"/>
           <ac:spMkLst>
             <pc:docMk/>
             <pc:sldMk cId="1902377987" sldId="263"/>
@@ -1654,12 +1762,303 @@
           </ac:picMkLst>
         </pc:picChg>
       </pc:sldChg>
-      <pc:sldChg chg="add">
-        <pc:chgData name="Shreya Thakkar" userId="8250697c-6c39-48a4-a3bd-4e6e657dfce2" providerId="ADAL" clId="{C5087647-03AF-41B4-ADA2-A7F16B9C6FCD}" dt="2022-10-25T05:03:53.155" v="1540" actId="2890"/>
+      <pc:sldChg chg="add del">
+        <pc:chgData name="Shreya Thakkar" userId="8250697c-6c39-48a4-a3bd-4e6e657dfce2" providerId="ADAL" clId="{C5087647-03AF-41B4-ADA2-A7F16B9C6FCD}" dt="2022-10-25T13:43:00.148" v="1956" actId="47"/>
         <pc:sldMkLst>
           <pc:docMk/>
           <pc:sldMk cId="3451731900" sldId="271"/>
         </pc:sldMkLst>
+      </pc:sldChg>
+      <pc:sldChg chg="addSp delSp modSp add mod delAnim">
+        <pc:chgData name="Shreya Thakkar" userId="8250697c-6c39-48a4-a3bd-4e6e657dfce2" providerId="ADAL" clId="{C5087647-03AF-41B4-ADA2-A7F16B9C6FCD}" dt="2022-10-25T13:38:10.978" v="1754" actId="6549"/>
+        <pc:sldMkLst>
+          <pc:docMk/>
+          <pc:sldMk cId="1250904346" sldId="272"/>
+        </pc:sldMkLst>
+        <pc:spChg chg="mod">
+          <ac:chgData name="Shreya Thakkar" userId="8250697c-6c39-48a4-a3bd-4e6e657dfce2" providerId="ADAL" clId="{C5087647-03AF-41B4-ADA2-A7F16B9C6FCD}" dt="2022-10-25T13:38:10.978" v="1754" actId="6549"/>
+          <ac:spMkLst>
+            <pc:docMk/>
+            <pc:sldMk cId="1250904346" sldId="272"/>
+            <ac:spMk id="2" creationId="{0724A799-4E0A-0E42-91FD-E1301110C604}"/>
+          </ac:spMkLst>
+        </pc:spChg>
+        <pc:spChg chg="add mod">
+          <ac:chgData name="Shreya Thakkar" userId="8250697c-6c39-48a4-a3bd-4e6e657dfce2" providerId="ADAL" clId="{C5087647-03AF-41B4-ADA2-A7F16B9C6FCD}" dt="2022-10-25T13:30:25.913" v="1543" actId="478"/>
+          <ac:spMkLst>
+            <pc:docMk/>
+            <pc:sldMk cId="1250904346" sldId="272"/>
+            <ac:spMk id="4" creationId="{9011DC8A-60A9-D7B5-2904-55EE24A93AAF}"/>
+          </ac:spMkLst>
+        </pc:spChg>
+        <pc:spChg chg="del">
+          <ac:chgData name="Shreya Thakkar" userId="8250697c-6c39-48a4-a3bd-4e6e657dfce2" providerId="ADAL" clId="{C5087647-03AF-41B4-ADA2-A7F16B9C6FCD}" dt="2022-10-25T13:30:25.913" v="1543" actId="478"/>
+          <ac:spMkLst>
+            <pc:docMk/>
+            <pc:sldMk cId="1250904346" sldId="272"/>
+            <ac:spMk id="7" creationId="{FCD5B277-B5F2-CDDA-89CC-2C67A9698FC5}"/>
+          </ac:spMkLst>
+        </pc:spChg>
+        <pc:spChg chg="add mod">
+          <ac:chgData name="Shreya Thakkar" userId="8250697c-6c39-48a4-a3bd-4e6e657dfce2" providerId="ADAL" clId="{C5087647-03AF-41B4-ADA2-A7F16B9C6FCD}" dt="2022-10-25T13:33:30.681" v="1577" actId="1036"/>
+          <ac:spMkLst>
+            <pc:docMk/>
+            <pc:sldMk cId="1250904346" sldId="272"/>
+            <ac:spMk id="8" creationId="{17B1E86D-870E-ABAB-C961-95ABEC995040}"/>
+          </ac:spMkLst>
+        </pc:spChg>
+        <pc:spChg chg="add mod">
+          <ac:chgData name="Shreya Thakkar" userId="8250697c-6c39-48a4-a3bd-4e6e657dfce2" providerId="ADAL" clId="{C5087647-03AF-41B4-ADA2-A7F16B9C6FCD}" dt="2022-10-25T13:33:25.002" v="1569" actId="1076"/>
+          <ac:spMkLst>
+            <pc:docMk/>
+            <pc:sldMk cId="1250904346" sldId="272"/>
+            <ac:spMk id="9" creationId="{8C0822D7-24DA-1BCC-E923-861EE1B6ABBD}"/>
+          </ac:spMkLst>
+        </pc:spChg>
+        <pc:grpChg chg="add mod">
+          <ac:chgData name="Shreya Thakkar" userId="8250697c-6c39-48a4-a3bd-4e6e657dfce2" providerId="ADAL" clId="{C5087647-03AF-41B4-ADA2-A7F16B9C6FCD}" dt="2022-10-25T13:33:25.002" v="1569" actId="1076"/>
+          <ac:grpSpMkLst>
+            <pc:docMk/>
+            <pc:sldMk cId="1250904346" sldId="272"/>
+            <ac:grpSpMk id="10" creationId="{0DD94EC8-C146-4C45-ED07-449587E8539A}"/>
+          </ac:grpSpMkLst>
+        </pc:grpChg>
+        <pc:grpChg chg="add mod">
+          <ac:chgData name="Shreya Thakkar" userId="8250697c-6c39-48a4-a3bd-4e6e657dfce2" providerId="ADAL" clId="{C5087647-03AF-41B4-ADA2-A7F16B9C6FCD}" dt="2022-10-25T13:33:30.681" v="1577" actId="1036"/>
+          <ac:grpSpMkLst>
+            <pc:docMk/>
+            <pc:sldMk cId="1250904346" sldId="272"/>
+            <ac:grpSpMk id="11" creationId="{99BCA040-3FDE-EF4B-DD12-69C5EE936BDB}"/>
+          </ac:grpSpMkLst>
+        </pc:grpChg>
+        <pc:picChg chg="add mod">
+          <ac:chgData name="Shreya Thakkar" userId="8250697c-6c39-48a4-a3bd-4e6e657dfce2" providerId="ADAL" clId="{C5087647-03AF-41B4-ADA2-A7F16B9C6FCD}" dt="2022-10-25T13:31:38.101" v="1552" actId="1076"/>
+          <ac:picMkLst>
+            <pc:docMk/>
+            <pc:sldMk cId="1250904346" sldId="272"/>
+            <ac:picMk id="6" creationId="{8A5C6467-463C-0F02-9DFD-868FB2BEBD30}"/>
+          </ac:picMkLst>
+        </pc:picChg>
+        <pc:picChg chg="add mod">
+          <ac:chgData name="Shreya Thakkar" userId="8250697c-6c39-48a4-a3bd-4e6e657dfce2" providerId="ADAL" clId="{C5087647-03AF-41B4-ADA2-A7F16B9C6FCD}" dt="2022-10-25T13:33:30.681" v="1577" actId="1036"/>
+          <ac:picMkLst>
+            <pc:docMk/>
+            <pc:sldMk cId="1250904346" sldId="272"/>
+            <ac:picMk id="1026" creationId="{EC8D9A82-83F6-FCBF-8739-7146DA417C15}"/>
+          </ac:picMkLst>
+        </pc:picChg>
+        <pc:picChg chg="add mod">
+          <ac:chgData name="Shreya Thakkar" userId="8250697c-6c39-48a4-a3bd-4e6e657dfce2" providerId="ADAL" clId="{C5087647-03AF-41B4-ADA2-A7F16B9C6FCD}" dt="2022-10-25T13:33:25.002" v="1569" actId="1076"/>
+          <ac:picMkLst>
+            <pc:docMk/>
+            <pc:sldMk cId="1250904346" sldId="272"/>
+            <ac:picMk id="1028" creationId="{7A7446FE-B6D4-1734-9CFF-29334B3FFB86}"/>
+          </ac:picMkLst>
+        </pc:picChg>
+        <pc:picChg chg="del">
+          <ac:chgData name="Shreya Thakkar" userId="8250697c-6c39-48a4-a3bd-4e6e657dfce2" providerId="ADAL" clId="{C5087647-03AF-41B4-ADA2-A7F16B9C6FCD}" dt="2022-10-25T13:30:56.192" v="1548" actId="478"/>
+          <ac:picMkLst>
+            <pc:docMk/>
+            <pc:sldMk cId="1250904346" sldId="272"/>
+            <ac:picMk id="4100" creationId="{C702095C-493B-F7DB-5F05-9C7A63CF08CD}"/>
+          </ac:picMkLst>
+        </pc:picChg>
+      </pc:sldChg>
+      <pc:sldChg chg="new">
+        <pc:chgData name="Shreya Thakkar" userId="8250697c-6c39-48a4-a3bd-4e6e657dfce2" providerId="ADAL" clId="{C5087647-03AF-41B4-ADA2-A7F16B9C6FCD}" dt="2022-10-25T13:30:09.895" v="1542" actId="680"/>
+        <pc:sldMkLst>
+          <pc:docMk/>
+          <pc:sldMk cId="1710748684" sldId="273"/>
+        </pc:sldMkLst>
+      </pc:sldChg>
+      <pc:sldChg chg="addSp delSp modSp add mod ord modAnim">
+        <pc:chgData name="Shreya Thakkar" userId="8250697c-6c39-48a4-a3bd-4e6e657dfce2" providerId="ADAL" clId="{C5087647-03AF-41B4-ADA2-A7F16B9C6FCD}" dt="2022-10-25T15:31:18.810" v="2833"/>
+        <pc:sldMkLst>
+          <pc:docMk/>
+          <pc:sldMk cId="1977802696" sldId="274"/>
+        </pc:sldMkLst>
+        <pc:spChg chg="mod">
+          <ac:chgData name="Shreya Thakkar" userId="8250697c-6c39-48a4-a3bd-4e6e657dfce2" providerId="ADAL" clId="{C5087647-03AF-41B4-ADA2-A7F16B9C6FCD}" dt="2022-10-25T15:30:27.277" v="2825" actId="12788"/>
+          <ac:spMkLst>
+            <pc:docMk/>
+            <pc:sldMk cId="1977802696" sldId="274"/>
+            <ac:spMk id="4" creationId="{9011DC8A-60A9-D7B5-2904-55EE24A93AAF}"/>
+          </ac:spMkLst>
+        </pc:spChg>
+        <pc:spChg chg="add mod ord">
+          <ac:chgData name="Shreya Thakkar" userId="8250697c-6c39-48a4-a3bd-4e6e657dfce2" providerId="ADAL" clId="{C5087647-03AF-41B4-ADA2-A7F16B9C6FCD}" dt="2022-10-25T15:30:45.173" v="2827" actId="1076"/>
+          <ac:spMkLst>
+            <pc:docMk/>
+            <pc:sldMk cId="1977802696" sldId="274"/>
+            <ac:spMk id="7" creationId="{59C97700-7D08-0B92-C52B-BC4DAEF973A9}"/>
+          </ac:spMkLst>
+        </pc:spChg>
+        <pc:spChg chg="mod">
+          <ac:chgData name="Shreya Thakkar" userId="8250697c-6c39-48a4-a3bd-4e6e657dfce2" providerId="ADAL" clId="{C5087647-03AF-41B4-ADA2-A7F16B9C6FCD}" dt="2022-10-25T13:35:35.034" v="1718" actId="1076"/>
+          <ac:spMkLst>
+            <pc:docMk/>
+            <pc:sldMk cId="1977802696" sldId="274"/>
+            <ac:spMk id="8" creationId="{17B1E86D-870E-ABAB-C961-95ABEC995040}"/>
+          </ac:spMkLst>
+        </pc:spChg>
+        <pc:grpChg chg="del">
+          <ac:chgData name="Shreya Thakkar" userId="8250697c-6c39-48a4-a3bd-4e6e657dfce2" providerId="ADAL" clId="{C5087647-03AF-41B4-ADA2-A7F16B9C6FCD}" dt="2022-10-25T13:35:37.097" v="1720" actId="478"/>
+          <ac:grpSpMkLst>
+            <pc:docMk/>
+            <pc:sldMk cId="1977802696" sldId="274"/>
+            <ac:grpSpMk id="10" creationId="{0DD94EC8-C146-4C45-ED07-449587E8539A}"/>
+          </ac:grpSpMkLst>
+        </pc:grpChg>
+        <pc:grpChg chg="del mod">
+          <ac:chgData name="Shreya Thakkar" userId="8250697c-6c39-48a4-a3bd-4e6e657dfce2" providerId="ADAL" clId="{C5087647-03AF-41B4-ADA2-A7F16B9C6FCD}" dt="2022-10-25T13:35:35.501" v="1719" actId="478"/>
+          <ac:grpSpMkLst>
+            <pc:docMk/>
+            <pc:sldMk cId="1977802696" sldId="274"/>
+            <ac:grpSpMk id="11" creationId="{99BCA040-3FDE-EF4B-DD12-69C5EE936BDB}"/>
+          </ac:grpSpMkLst>
+        </pc:grpChg>
+        <pc:grpChg chg="add del mod">
+          <ac:chgData name="Shreya Thakkar" userId="8250697c-6c39-48a4-a3bd-4e6e657dfce2" providerId="ADAL" clId="{C5087647-03AF-41B4-ADA2-A7F16B9C6FCD}" dt="2022-10-25T15:29:11.267" v="2811" actId="478"/>
+          <ac:grpSpMkLst>
+            <pc:docMk/>
+            <pc:sldMk cId="1977802696" sldId="274"/>
+            <ac:grpSpMk id="12" creationId="{8406CB1B-C47F-6C65-2267-E69824520322}"/>
+          </ac:grpSpMkLst>
+        </pc:grpChg>
+        <pc:grpChg chg="add mod">
+          <ac:chgData name="Shreya Thakkar" userId="8250697c-6c39-48a4-a3bd-4e6e657dfce2" providerId="ADAL" clId="{C5087647-03AF-41B4-ADA2-A7F16B9C6FCD}" dt="2022-10-25T15:30:24.960" v="2823" actId="12789"/>
+          <ac:grpSpMkLst>
+            <pc:docMk/>
+            <pc:sldMk cId="1977802696" sldId="274"/>
+            <ac:grpSpMk id="13" creationId="{75066AF8-6C18-6ED5-9172-3974C18D3BE6}"/>
+          </ac:grpSpMkLst>
+        </pc:grpChg>
+        <pc:picChg chg="add mod modCrop">
+          <ac:chgData name="Shreya Thakkar" userId="8250697c-6c39-48a4-a3bd-4e6e657dfce2" providerId="ADAL" clId="{C5087647-03AF-41B4-ADA2-A7F16B9C6FCD}" dt="2022-10-25T15:30:37.199" v="2826" actId="1076"/>
+          <ac:picMkLst>
+            <pc:docMk/>
+            <pc:sldMk cId="1977802696" sldId="274"/>
+            <ac:picMk id="5" creationId="{0E4B792A-6716-84A8-2092-06AC2E861697}"/>
+          </ac:picMkLst>
+        </pc:picChg>
+        <pc:picChg chg="del">
+          <ac:chgData name="Shreya Thakkar" userId="8250697c-6c39-48a4-a3bd-4e6e657dfce2" providerId="ADAL" clId="{C5087647-03AF-41B4-ADA2-A7F16B9C6FCD}" dt="2022-10-25T13:36:13.591" v="1725" actId="478"/>
+          <ac:picMkLst>
+            <pc:docMk/>
+            <pc:sldMk cId="1977802696" sldId="274"/>
+            <ac:picMk id="6" creationId="{8A5C6467-463C-0F02-9DFD-868FB2BEBD30}"/>
+          </ac:picMkLst>
+        </pc:picChg>
+        <pc:picChg chg="mod">
+          <ac:chgData name="Shreya Thakkar" userId="8250697c-6c39-48a4-a3bd-4e6e657dfce2" providerId="ADAL" clId="{C5087647-03AF-41B4-ADA2-A7F16B9C6FCD}" dt="2022-10-25T13:35:35.034" v="1718" actId="1076"/>
+          <ac:picMkLst>
+            <pc:docMk/>
+            <pc:sldMk cId="1977802696" sldId="274"/>
+            <ac:picMk id="1026" creationId="{EC8D9A82-83F6-FCBF-8739-7146DA417C15}"/>
+          </ac:picMkLst>
+        </pc:picChg>
+        <pc:picChg chg="add del mod">
+          <ac:chgData name="Shreya Thakkar" userId="8250697c-6c39-48a4-a3bd-4e6e657dfce2" providerId="ADAL" clId="{C5087647-03AF-41B4-ADA2-A7F16B9C6FCD}" dt="2022-10-25T15:29:11.267" v="2811" actId="478"/>
+          <ac:picMkLst>
+            <pc:docMk/>
+            <pc:sldMk cId="1977802696" sldId="274"/>
+            <ac:picMk id="2050" creationId="{F8C2F4BF-5753-1CAF-1686-43C192D1F7D8}"/>
+          </ac:picMkLst>
+        </pc:picChg>
+        <pc:picChg chg="add mod">
+          <ac:chgData name="Shreya Thakkar" userId="8250697c-6c39-48a4-a3bd-4e6e657dfce2" providerId="ADAL" clId="{C5087647-03AF-41B4-ADA2-A7F16B9C6FCD}" dt="2022-10-25T15:30:24.960" v="2823" actId="12789"/>
+          <ac:picMkLst>
+            <pc:docMk/>
+            <pc:sldMk cId="1977802696" sldId="274"/>
+            <ac:picMk id="2052" creationId="{2CBFE44B-4E77-E142-CF49-D186C2FA0053}"/>
+          </ac:picMkLst>
+        </pc:picChg>
+      </pc:sldChg>
+      <pc:sldChg chg="addSp delSp modSp add mod modAnim">
+        <pc:chgData name="Shreya Thakkar" userId="8250697c-6c39-48a4-a3bd-4e6e657dfce2" providerId="ADAL" clId="{C5087647-03AF-41B4-ADA2-A7F16B9C6FCD}" dt="2022-10-25T14:50:27.425" v="2705"/>
+        <pc:sldMkLst>
+          <pc:docMk/>
+          <pc:sldMk cId="2905761227" sldId="275"/>
+        </pc:sldMkLst>
+        <pc:spChg chg="mod">
+          <ac:chgData name="Shreya Thakkar" userId="8250697c-6c39-48a4-a3bd-4e6e657dfce2" providerId="ADAL" clId="{C5087647-03AF-41B4-ADA2-A7F16B9C6FCD}" dt="2022-10-25T13:45:16.815" v="1970" actId="20577"/>
+          <ac:spMkLst>
+            <pc:docMk/>
+            <pc:sldMk cId="2905761227" sldId="275"/>
+            <ac:spMk id="2" creationId="{0724A799-4E0A-0E42-91FD-E1301110C604}"/>
+          </ac:spMkLst>
+        </pc:spChg>
+        <pc:spChg chg="mod">
+          <ac:chgData name="Shreya Thakkar" userId="8250697c-6c39-48a4-a3bd-4e6e657dfce2" providerId="ADAL" clId="{C5087647-03AF-41B4-ADA2-A7F16B9C6FCD}" dt="2022-10-25T14:04:37.138" v="2441" actId="20577"/>
+          <ac:spMkLst>
+            <pc:docMk/>
+            <pc:sldMk cId="2905761227" sldId="275"/>
+            <ac:spMk id="4" creationId="{9011DC8A-60A9-D7B5-2904-55EE24A93AAF}"/>
+          </ac:spMkLst>
+        </pc:spChg>
+        <pc:grpChg chg="add del mod">
+          <ac:chgData name="Shreya Thakkar" userId="8250697c-6c39-48a4-a3bd-4e6e657dfce2" providerId="ADAL" clId="{C5087647-03AF-41B4-ADA2-A7F16B9C6FCD}" dt="2022-10-25T14:49:20.044" v="2690" actId="165"/>
+          <ac:grpSpMkLst>
+            <pc:docMk/>
+            <pc:sldMk cId="2905761227" sldId="275"/>
+            <ac:grpSpMk id="6" creationId="{09BEB889-D3DC-13C5-4C68-A851DB39E33A}"/>
+          </ac:grpSpMkLst>
+        </pc:grpChg>
+        <pc:picChg chg="add mod topLvl">
+          <ac:chgData name="Shreya Thakkar" userId="8250697c-6c39-48a4-a3bd-4e6e657dfce2" providerId="ADAL" clId="{C5087647-03AF-41B4-ADA2-A7F16B9C6FCD}" dt="2022-10-25T14:49:20.044" v="2690" actId="165"/>
+          <ac:picMkLst>
+            <pc:docMk/>
+            <pc:sldMk cId="2905761227" sldId="275"/>
+            <ac:picMk id="3" creationId="{C4EFDC19-1761-4C6F-E140-950719CA3B11}"/>
+          </ac:picMkLst>
+        </pc:picChg>
+        <pc:picChg chg="del">
+          <ac:chgData name="Shreya Thakkar" userId="8250697c-6c39-48a4-a3bd-4e6e657dfce2" providerId="ADAL" clId="{C5087647-03AF-41B4-ADA2-A7F16B9C6FCD}" dt="2022-10-25T13:45:36.798" v="1971" actId="478"/>
+          <ac:picMkLst>
+            <pc:docMk/>
+            <pc:sldMk cId="2905761227" sldId="275"/>
+            <ac:picMk id="5" creationId="{0E4B792A-6716-84A8-2092-06AC2E861697}"/>
+          </ac:picMkLst>
+        </pc:picChg>
+        <pc:picChg chg="mod topLvl">
+          <ac:chgData name="Shreya Thakkar" userId="8250697c-6c39-48a4-a3bd-4e6e657dfce2" providerId="ADAL" clId="{C5087647-03AF-41B4-ADA2-A7F16B9C6FCD}" dt="2022-10-25T14:49:20.044" v="2690" actId="165"/>
+          <ac:picMkLst>
+            <pc:docMk/>
+            <pc:sldMk cId="2905761227" sldId="275"/>
+            <ac:picMk id="2050" creationId="{F8C2F4BF-5753-1CAF-1686-43C192D1F7D8}"/>
+          </ac:picMkLst>
+        </pc:picChg>
+      </pc:sldChg>
+      <pc:sldChg chg="addSp delSp modSp new mod ord">
+        <pc:chgData name="Shreya Thakkar" userId="8250697c-6c39-48a4-a3bd-4e6e657dfce2" providerId="ADAL" clId="{C5087647-03AF-41B4-ADA2-A7F16B9C6FCD}" dt="2022-10-25T14:22:10.985" v="2599" actId="122"/>
+        <pc:sldMkLst>
+          <pc:docMk/>
+          <pc:sldMk cId="2073589846" sldId="276"/>
+        </pc:sldMkLst>
+        <pc:spChg chg="add mod">
+          <ac:chgData name="Shreya Thakkar" userId="8250697c-6c39-48a4-a3bd-4e6e657dfce2" providerId="ADAL" clId="{C5087647-03AF-41B4-ADA2-A7F16B9C6FCD}" dt="2022-10-25T14:22:10.985" v="2599" actId="122"/>
+          <ac:spMkLst>
+            <pc:docMk/>
+            <pc:sldMk cId="2073589846" sldId="276"/>
+            <ac:spMk id="4" creationId="{644AD5B3-5DC5-7296-1A59-97F9698F0F49}"/>
+          </ac:spMkLst>
+        </pc:spChg>
+        <pc:graphicFrameChg chg="add del mod">
+          <ac:chgData name="Shreya Thakkar" userId="8250697c-6c39-48a4-a3bd-4e6e657dfce2" providerId="ADAL" clId="{C5087647-03AF-41B4-ADA2-A7F16B9C6FCD}" dt="2022-10-25T13:59:05.536" v="2421"/>
+          <ac:graphicFrameMkLst>
+            <pc:docMk/>
+            <pc:sldMk cId="2073589846" sldId="276"/>
+            <ac:graphicFrameMk id="2" creationId="{D736AD6E-8BDD-C1DF-5E0E-3A0B932188AA}"/>
+          </ac:graphicFrameMkLst>
+        </pc:graphicFrameChg>
+        <pc:picChg chg="add mod">
+          <ac:chgData name="Shreya Thakkar" userId="8250697c-6c39-48a4-a3bd-4e6e657dfce2" providerId="ADAL" clId="{C5087647-03AF-41B4-ADA2-A7F16B9C6FCD}" dt="2022-10-25T14:21:54.047" v="2597" actId="12788"/>
+          <ac:picMkLst>
+            <pc:docMk/>
+            <pc:sldMk cId="2073589846" sldId="276"/>
+            <ac:picMk id="3" creationId="{87AB0532-AE8A-54DB-96E5-447E9A326170}"/>
+          </ac:picMkLst>
+        </pc:picChg>
       </pc:sldChg>
     </pc:docChg>
   </pc:docChgLst>
@@ -1748,7 +2147,7 @@
           <a:p>
             <a:fld id="{646B853F-10A2-45A4-A8F3-36315CFC3086}" type="datetimeFigureOut">
               <a:rPr lang="en-US" smtClean="0"/>
-              <a:t>10/24/2022</a:t>
+              <a:t>10/25/2022</a:t>
             </a:fld>
             <a:endParaRPr lang="en-US"/>
           </a:p>
@@ -2152,12 +2551,6 @@
           <a:bodyPr/>
           <a:lstStyle/>
           <a:p>
-            <a:r>
-              <a:rPr lang="en-US" dirty="0"/>
-              <a:t>https://www.science.org/doi/10.1126/science.abe8372</a:t>
-            </a:r>
-          </a:p>
-          <a:p>
             <a:endParaRPr lang="en-US" dirty="0"/>
           </a:p>
         </p:txBody>
@@ -2345,7 +2738,7 @@
           <a:p>
             <a:fld id="{7ABAF4FD-FC41-49D9-8AF6-B892CFC8B04F}" type="datetimeFigureOut">
               <a:rPr lang="en-US" smtClean="0"/>
-              <a:t>10/24/2022</a:t>
+              <a:t>10/25/2022</a:t>
             </a:fld>
             <a:endParaRPr lang="en-US"/>
           </a:p>
@@ -2543,7 +2936,7 @@
           <a:p>
             <a:fld id="{7ABAF4FD-FC41-49D9-8AF6-B892CFC8B04F}" type="datetimeFigureOut">
               <a:rPr lang="en-US" smtClean="0"/>
-              <a:t>10/24/2022</a:t>
+              <a:t>10/25/2022</a:t>
             </a:fld>
             <a:endParaRPr lang="en-US"/>
           </a:p>
@@ -2751,7 +3144,7 @@
           <a:p>
             <a:fld id="{7ABAF4FD-FC41-49D9-8AF6-B892CFC8B04F}" type="datetimeFigureOut">
               <a:rPr lang="en-US" smtClean="0"/>
-              <a:t>10/24/2022</a:t>
+              <a:t>10/25/2022</a:t>
             </a:fld>
             <a:endParaRPr lang="en-US"/>
           </a:p>
@@ -4811,7 +5204,7 @@
           <a:p>
             <a:fld id="{7ABAF4FD-FC41-49D9-8AF6-B892CFC8B04F}" type="datetimeFigureOut">
               <a:rPr lang="en-US" smtClean="0"/>
-              <a:t>10/24/2022</a:t>
+              <a:t>10/25/2022</a:t>
             </a:fld>
             <a:endParaRPr lang="en-US"/>
           </a:p>
@@ -5086,7 +5479,7 @@
           <a:p>
             <a:fld id="{7ABAF4FD-FC41-49D9-8AF6-B892CFC8B04F}" type="datetimeFigureOut">
               <a:rPr lang="en-US" smtClean="0"/>
-              <a:t>10/24/2022</a:t>
+              <a:t>10/25/2022</a:t>
             </a:fld>
             <a:endParaRPr lang="en-US"/>
           </a:p>
@@ -5351,7 +5744,7 @@
           <a:p>
             <a:fld id="{7ABAF4FD-FC41-49D9-8AF6-B892CFC8B04F}" type="datetimeFigureOut">
               <a:rPr lang="en-US" smtClean="0"/>
-              <a:t>10/24/2022</a:t>
+              <a:t>10/25/2022</a:t>
             </a:fld>
             <a:endParaRPr lang="en-US"/>
           </a:p>
@@ -5763,7 +6156,7 @@
           <a:p>
             <a:fld id="{7ABAF4FD-FC41-49D9-8AF6-B892CFC8B04F}" type="datetimeFigureOut">
               <a:rPr lang="en-US" smtClean="0"/>
-              <a:t>10/24/2022</a:t>
+              <a:t>10/25/2022</a:t>
             </a:fld>
             <a:endParaRPr lang="en-US"/>
           </a:p>
@@ -5904,7 +6297,7 @@
           <a:p>
             <a:fld id="{7ABAF4FD-FC41-49D9-8AF6-B892CFC8B04F}" type="datetimeFigureOut">
               <a:rPr lang="en-US" smtClean="0"/>
-              <a:t>10/24/2022</a:t>
+              <a:t>10/25/2022</a:t>
             </a:fld>
             <a:endParaRPr lang="en-US"/>
           </a:p>
@@ -6017,7 +6410,7 @@
           <a:p>
             <a:fld id="{7ABAF4FD-FC41-49D9-8AF6-B892CFC8B04F}" type="datetimeFigureOut">
               <a:rPr lang="en-US" smtClean="0"/>
-              <a:t>10/24/2022</a:t>
+              <a:t>10/25/2022</a:t>
             </a:fld>
             <a:endParaRPr lang="en-US"/>
           </a:p>
@@ -6328,7 +6721,7 @@
           <a:p>
             <a:fld id="{7ABAF4FD-FC41-49D9-8AF6-B892CFC8B04F}" type="datetimeFigureOut">
               <a:rPr lang="en-US" smtClean="0"/>
-              <a:t>10/24/2022</a:t>
+              <a:t>10/25/2022</a:t>
             </a:fld>
             <a:endParaRPr lang="en-US"/>
           </a:p>
@@ -6616,7 +7009,7 @@
           <a:p>
             <a:fld id="{7ABAF4FD-FC41-49D9-8AF6-B892CFC8B04F}" type="datetimeFigureOut">
               <a:rPr lang="en-US" smtClean="0"/>
-              <a:t>10/24/2022</a:t>
+              <a:t>10/25/2022</a:t>
             </a:fld>
             <a:endParaRPr lang="en-US"/>
           </a:p>
@@ -6857,7 +7250,7 @@
           <a:p>
             <a:fld id="{7ABAF4FD-FC41-49D9-8AF6-B892CFC8B04F}" type="datetimeFigureOut">
               <a:rPr lang="en-US" smtClean="0"/>
-              <a:t>10/24/2022</a:t>
+              <a:t>10/25/2022</a:t>
             </a:fld>
             <a:endParaRPr lang="en-US"/>
           </a:p>
@@ -8362,6 +8755,1183 @@
   </p:cSld>
   <p:clrMapOvr>
     <a:overrideClrMapping bg1="dk1" tx1="lt1" bg2="dk2" tx2="lt2" accent1="accent1" accent2="accent2" accent3="accent3" accent4="accent4" accent5="accent5" accent6="accent6" hlink="hlink" folHlink="folHlink"/>
+  </p:clrMapOvr>
+</p:sld>
+</file>
+
+<file path=ppt/slides/slide10.xml><?xml version="1.0" encoding="utf-8"?>
+<p:sld xmlns:a="http://schemas.openxmlformats.org/drawingml/2006/main" xmlns:r="http://schemas.openxmlformats.org/officeDocument/2006/relationships" xmlns:p="http://schemas.openxmlformats.org/presentationml/2006/main">
+  <p:cSld>
+    <p:spTree>
+      <p:nvGrpSpPr>
+        <p:cNvPr id="1" name=""/>
+        <p:cNvGrpSpPr/>
+        <p:nvPr/>
+      </p:nvGrpSpPr>
+      <p:grpSpPr>
+        <a:xfrm>
+          <a:off x="0" y="0"/>
+          <a:ext cx="0" cy="0"/>
+          <a:chOff x="0" y="0"/>
+          <a:chExt cx="0" cy="0"/>
+        </a:xfrm>
+      </p:grpSpPr>
+      <p:sp>
+        <p:nvSpPr>
+          <p:cNvPr id="2" name="Title 1">
+            <a:extLst>
+              <a:ext uri="{FF2B5EF4-FFF2-40B4-BE49-F238E27FC236}">
+                <a16:creationId xmlns:a16="http://schemas.microsoft.com/office/drawing/2014/main" id="{0724A799-4E0A-0E42-91FD-E1301110C604}"/>
+              </a:ext>
+            </a:extLst>
+          </p:cNvPr>
+          <p:cNvSpPr>
+            <a:spLocks noGrp="1"/>
+          </p:cNvSpPr>
+          <p:nvPr>
+            <p:ph type="title"/>
+          </p:nvPr>
+        </p:nvSpPr>
+        <p:spPr>
+          <a:xfrm>
+            <a:off x="0" y="0"/>
+            <a:ext cx="12192000" cy="1076591"/>
+          </a:xfrm>
+        </p:spPr>
+        <p:txBody>
+          <a:bodyPr anchor="t">
+            <a:noAutofit/>
+          </a:bodyPr>
+          <a:lstStyle/>
+          <a:p>
+            <a:pPr algn="l"/>
+            <a:r>
+              <a:rPr lang="en-US" b="1" dirty="0"/>
+              <a:t>Summary</a:t>
+            </a:r>
+            <a:br>
+              <a:rPr lang="en-US" b="1" i="0" dirty="0">
+                <a:effectLst/>
+              </a:rPr>
+            </a:br>
+            <a:br>
+              <a:rPr lang="en-US" b="1" i="0" dirty="0">
+                <a:effectLst/>
+              </a:rPr>
+            </a:br>
+            <a:endParaRPr lang="en-US" dirty="0"/>
+          </a:p>
+        </p:txBody>
+      </p:sp>
+      <p:sp>
+        <p:nvSpPr>
+          <p:cNvPr id="4" name="Content Placeholder 3">
+            <a:extLst>
+              <a:ext uri="{FF2B5EF4-FFF2-40B4-BE49-F238E27FC236}">
+                <a16:creationId xmlns:a16="http://schemas.microsoft.com/office/drawing/2014/main" id="{9011DC8A-60A9-D7B5-2904-55EE24A93AAF}"/>
+              </a:ext>
+            </a:extLst>
+          </p:cNvPr>
+          <p:cNvSpPr>
+            <a:spLocks noGrp="1"/>
+          </p:cNvSpPr>
+          <p:nvPr>
+            <p:ph sz="half" idx="2"/>
+          </p:nvPr>
+        </p:nvSpPr>
+        <p:spPr>
+          <a:xfrm>
+            <a:off x="3723132" y="712031"/>
+            <a:ext cx="8229600" cy="5486400"/>
+          </a:xfrm>
+        </p:spPr>
+        <p:txBody>
+          <a:bodyPr/>
+          <a:lstStyle/>
+          <a:p>
+            <a:r>
+              <a:rPr lang="en-US" sz="3200" dirty="0">
+                <a:solidFill>
+                  <a:schemeClr val="accent4"/>
+                </a:solidFill>
+              </a:rPr>
+              <a:t>Covid-19 cases show dependence on population of children and diversity index and their interaction</a:t>
+            </a:r>
+          </a:p>
+          <a:p>
+            <a:r>
+              <a:rPr lang="en-US" sz="3200" dirty="0">
+                <a:solidFill>
+                  <a:schemeClr val="accent4"/>
+                </a:solidFill>
+              </a:rPr>
+              <a:t>Linear regression is not a great model due to data in clusters</a:t>
+            </a:r>
+          </a:p>
+          <a:p>
+            <a:endParaRPr lang="en-US" sz="3200" dirty="0">
+              <a:solidFill>
+                <a:schemeClr val="accent4"/>
+              </a:solidFill>
+            </a:endParaRPr>
+          </a:p>
+          <a:p>
+            <a:r>
+              <a:rPr lang="en-US" sz="3200" b="1" dirty="0">
+                <a:solidFill>
+                  <a:schemeClr val="accent4"/>
+                </a:solidFill>
+              </a:rPr>
+              <a:t>Future work</a:t>
+            </a:r>
+          </a:p>
+          <a:p>
+            <a:pPr lvl="1"/>
+            <a:r>
+              <a:rPr lang="en-US" sz="3000" dirty="0">
+                <a:solidFill>
+                  <a:schemeClr val="accent4"/>
+                </a:solidFill>
+              </a:rPr>
+              <a:t>Type of data collected</a:t>
+            </a:r>
+          </a:p>
+          <a:p>
+            <a:pPr lvl="2"/>
+            <a:r>
+              <a:rPr lang="en-US" sz="2800" dirty="0">
+                <a:solidFill>
+                  <a:schemeClr val="accent4"/>
+                </a:solidFill>
+              </a:rPr>
+              <a:t>City-wise data</a:t>
+            </a:r>
+          </a:p>
+          <a:p>
+            <a:pPr lvl="2"/>
+            <a:r>
+              <a:rPr lang="en-US" sz="2800" dirty="0">
+                <a:solidFill>
+                  <a:schemeClr val="accent4"/>
+                </a:solidFill>
+              </a:rPr>
+              <a:t>Overall effect over larger time period</a:t>
+            </a:r>
+          </a:p>
+          <a:p>
+            <a:pPr lvl="2"/>
+            <a:r>
+              <a:rPr lang="en-US" sz="2800" dirty="0">
+                <a:solidFill>
+                  <a:schemeClr val="accent4"/>
+                </a:solidFill>
+              </a:rPr>
+              <a:t>Wider range</a:t>
+            </a:r>
+          </a:p>
+          <a:p>
+            <a:pPr lvl="1"/>
+            <a:r>
+              <a:rPr lang="en-US" sz="3000" dirty="0">
+                <a:solidFill>
+                  <a:schemeClr val="accent4"/>
+                </a:solidFill>
+              </a:rPr>
+              <a:t>Non – linear model analysis</a:t>
+            </a:r>
+          </a:p>
+        </p:txBody>
+      </p:sp>
+      <p:pic>
+        <p:nvPicPr>
+          <p:cNvPr id="2050" name="Picture 2">
+            <a:extLst>
+              <a:ext uri="{FF2B5EF4-FFF2-40B4-BE49-F238E27FC236}">
+                <a16:creationId xmlns:a16="http://schemas.microsoft.com/office/drawing/2014/main" id="{F8C2F4BF-5753-1CAF-1686-43C192D1F7D8}"/>
+              </a:ext>
+            </a:extLst>
+          </p:cNvPr>
+          <p:cNvPicPr>
+            <a:picLocks noChangeAspect="1" noChangeArrowheads="1"/>
+          </p:cNvPicPr>
+          <p:nvPr/>
+        </p:nvPicPr>
+        <p:blipFill>
+          <a:blip r:embed="rId2">
+            <a:extLst>
+              <a:ext uri="{28A0092B-C50C-407E-A947-70E740481C1C}">
+                <a14:useLocalDpi xmlns:a14="http://schemas.microsoft.com/office/drawing/2010/main" val="0"/>
+              </a:ext>
+            </a:extLst>
+          </a:blip>
+          <a:srcRect/>
+          <a:stretch>
+            <a:fillRect/>
+          </a:stretch>
+        </p:blipFill>
+        <p:spPr bwMode="auto">
+          <a:xfrm>
+            <a:off x="0" y="686789"/>
+            <a:ext cx="3200400" cy="2922740"/>
+          </a:xfrm>
+          <a:prstGeom prst="rect">
+            <a:avLst/>
+          </a:prstGeom>
+          <a:noFill/>
+          <a:extLst>
+            <a:ext uri="{909E8E84-426E-40DD-AFC4-6F175D3DCCD1}">
+              <a14:hiddenFill xmlns:a14="http://schemas.microsoft.com/office/drawing/2010/main">
+                <a:solidFill>
+                  <a:srgbClr val="FFFFFF"/>
+                </a:solidFill>
+              </a14:hiddenFill>
+            </a:ext>
+          </a:extLst>
+        </p:spPr>
+      </p:pic>
+      <p:pic>
+        <p:nvPicPr>
+          <p:cNvPr id="3" name="Picture 6">
+            <a:extLst>
+              <a:ext uri="{FF2B5EF4-FFF2-40B4-BE49-F238E27FC236}">
+                <a16:creationId xmlns:a16="http://schemas.microsoft.com/office/drawing/2014/main" id="{C4EFDC19-1761-4C6F-E140-950719CA3B11}"/>
+              </a:ext>
+            </a:extLst>
+          </p:cNvPr>
+          <p:cNvPicPr>
+            <a:picLocks noChangeAspect="1" noChangeArrowheads="1"/>
+          </p:cNvPicPr>
+          <p:nvPr/>
+        </p:nvPicPr>
+        <p:blipFill>
+          <a:blip r:embed="rId3">
+            <a:extLst>
+              <a:ext uri="{28A0092B-C50C-407E-A947-70E740481C1C}">
+                <a14:useLocalDpi xmlns:a14="http://schemas.microsoft.com/office/drawing/2010/main" val="0"/>
+              </a:ext>
+            </a:extLst>
+          </a:blip>
+          <a:srcRect/>
+          <a:stretch>
+            <a:fillRect/>
+          </a:stretch>
+        </p:blipFill>
+        <p:spPr bwMode="auto">
+          <a:xfrm>
+            <a:off x="0" y="3728055"/>
+            <a:ext cx="3200400" cy="2495619"/>
+          </a:xfrm>
+          <a:prstGeom prst="rect">
+            <a:avLst/>
+          </a:prstGeom>
+          <a:noFill/>
+          <a:extLst>
+            <a:ext uri="{909E8E84-426E-40DD-AFC4-6F175D3DCCD1}">
+              <a14:hiddenFill xmlns:a14="http://schemas.microsoft.com/office/drawing/2010/main">
+                <a:solidFill>
+                  <a:srgbClr val="FFFFFF"/>
+                </a:solidFill>
+              </a14:hiddenFill>
+            </a:ext>
+          </a:extLst>
+        </p:spPr>
+      </p:pic>
+    </p:spTree>
+    <p:extLst>
+      <p:ext uri="{BB962C8B-B14F-4D97-AF65-F5344CB8AC3E}">
+        <p14:creationId xmlns:p14="http://schemas.microsoft.com/office/powerpoint/2010/main" val="2905761227"/>
+      </p:ext>
+    </p:extLst>
+  </p:cSld>
+  <p:clrMapOvr>
+    <a:masterClrMapping/>
+  </p:clrMapOvr>
+  <p:timing>
+    <p:tnLst>
+      <p:par>
+        <p:cTn id="1" dur="indefinite" restart="never" nodeType="tmRoot">
+          <p:childTnLst>
+            <p:seq concurrent="1" nextAc="seek">
+              <p:cTn id="2" dur="indefinite" nodeType="mainSeq">
+                <p:childTnLst>
+                  <p:par>
+                    <p:cTn id="3" fill="hold">
+                      <p:stCondLst>
+                        <p:cond delay="indefinite"/>
+                      </p:stCondLst>
+                      <p:childTnLst>
+                        <p:par>
+                          <p:cTn id="4" fill="hold">
+                            <p:stCondLst>
+                              <p:cond delay="0"/>
+                            </p:stCondLst>
+                            <p:childTnLst>
+                              <p:par>
+                                <p:cTn id="5" presetID="1" presetClass="entr" presetSubtype="0" fill="hold" nodeType="clickEffect">
+                                  <p:stCondLst>
+                                    <p:cond delay="0"/>
+                                  </p:stCondLst>
+                                  <p:childTnLst>
+                                    <p:set>
+                                      <p:cBhvr>
+                                        <p:cTn id="6" dur="1" fill="hold">
+                                          <p:stCondLst>
+                                            <p:cond delay="0"/>
+                                          </p:stCondLst>
+                                        </p:cTn>
+                                        <p:tgtEl>
+                                          <p:spTgt spid="2050"/>
+                                        </p:tgtEl>
+                                        <p:attrNameLst>
+                                          <p:attrName>style.visibility</p:attrName>
+                                        </p:attrNameLst>
+                                      </p:cBhvr>
+                                      <p:to>
+                                        <p:strVal val="visible"/>
+                                      </p:to>
+                                    </p:set>
+                                  </p:childTnLst>
+                                </p:cTn>
+                              </p:par>
+                              <p:par>
+                                <p:cTn id="7" presetID="1" presetClass="entr" presetSubtype="0" fill="hold" grpId="0" nodeType="withEffect">
+                                  <p:stCondLst>
+                                    <p:cond delay="0"/>
+                                  </p:stCondLst>
+                                  <p:childTnLst>
+                                    <p:set>
+                                      <p:cBhvr>
+                                        <p:cTn id="8" dur="1" fill="hold">
+                                          <p:stCondLst>
+                                            <p:cond delay="0"/>
+                                          </p:stCondLst>
+                                        </p:cTn>
+                                        <p:tgtEl>
+                                          <p:spTgt spid="4">
+                                            <p:txEl>
+                                              <p:pRg st="0" end="0"/>
+                                            </p:txEl>
+                                          </p:spTgt>
+                                        </p:tgtEl>
+                                        <p:attrNameLst>
+                                          <p:attrName>style.visibility</p:attrName>
+                                        </p:attrNameLst>
+                                      </p:cBhvr>
+                                      <p:to>
+                                        <p:strVal val="visible"/>
+                                      </p:to>
+                                    </p:set>
+                                  </p:childTnLst>
+                                </p:cTn>
+                              </p:par>
+                            </p:childTnLst>
+                          </p:cTn>
+                        </p:par>
+                      </p:childTnLst>
+                    </p:cTn>
+                  </p:par>
+                  <p:par>
+                    <p:cTn id="9" fill="hold">
+                      <p:stCondLst>
+                        <p:cond delay="indefinite"/>
+                      </p:stCondLst>
+                      <p:childTnLst>
+                        <p:par>
+                          <p:cTn id="10" fill="hold">
+                            <p:stCondLst>
+                              <p:cond delay="0"/>
+                            </p:stCondLst>
+                            <p:childTnLst>
+                              <p:par>
+                                <p:cTn id="11" presetID="1" presetClass="entr" presetSubtype="0" fill="hold" nodeType="clickEffect">
+                                  <p:stCondLst>
+                                    <p:cond delay="0"/>
+                                  </p:stCondLst>
+                                  <p:childTnLst>
+                                    <p:set>
+                                      <p:cBhvr>
+                                        <p:cTn id="12" dur="1" fill="hold">
+                                          <p:stCondLst>
+                                            <p:cond delay="0"/>
+                                          </p:stCondLst>
+                                        </p:cTn>
+                                        <p:tgtEl>
+                                          <p:spTgt spid="3"/>
+                                        </p:tgtEl>
+                                        <p:attrNameLst>
+                                          <p:attrName>style.visibility</p:attrName>
+                                        </p:attrNameLst>
+                                      </p:cBhvr>
+                                      <p:to>
+                                        <p:strVal val="visible"/>
+                                      </p:to>
+                                    </p:set>
+                                  </p:childTnLst>
+                                </p:cTn>
+                              </p:par>
+                              <p:par>
+                                <p:cTn id="13" presetID="1" presetClass="entr" presetSubtype="0" fill="hold" grpId="0" nodeType="withEffect">
+                                  <p:stCondLst>
+                                    <p:cond delay="0"/>
+                                  </p:stCondLst>
+                                  <p:childTnLst>
+                                    <p:set>
+                                      <p:cBhvr>
+                                        <p:cTn id="14" dur="1" fill="hold">
+                                          <p:stCondLst>
+                                            <p:cond delay="0"/>
+                                          </p:stCondLst>
+                                        </p:cTn>
+                                        <p:tgtEl>
+                                          <p:spTgt spid="4">
+                                            <p:txEl>
+                                              <p:pRg st="1" end="1"/>
+                                            </p:txEl>
+                                          </p:spTgt>
+                                        </p:tgtEl>
+                                        <p:attrNameLst>
+                                          <p:attrName>style.visibility</p:attrName>
+                                        </p:attrNameLst>
+                                      </p:cBhvr>
+                                      <p:to>
+                                        <p:strVal val="visible"/>
+                                      </p:to>
+                                    </p:set>
+                                  </p:childTnLst>
+                                </p:cTn>
+                              </p:par>
+                            </p:childTnLst>
+                          </p:cTn>
+                        </p:par>
+                      </p:childTnLst>
+                    </p:cTn>
+                  </p:par>
+                  <p:par>
+                    <p:cTn id="15" fill="hold">
+                      <p:stCondLst>
+                        <p:cond delay="indefinite"/>
+                      </p:stCondLst>
+                      <p:childTnLst>
+                        <p:par>
+                          <p:cTn id="16" fill="hold">
+                            <p:stCondLst>
+                              <p:cond delay="0"/>
+                            </p:stCondLst>
+                            <p:childTnLst>
+                              <p:par>
+                                <p:cTn id="17" presetID="1" presetClass="entr" presetSubtype="0" fill="hold" grpId="0" nodeType="clickEffect">
+                                  <p:stCondLst>
+                                    <p:cond delay="0"/>
+                                  </p:stCondLst>
+                                  <p:childTnLst>
+                                    <p:set>
+                                      <p:cBhvr>
+                                        <p:cTn id="18" dur="1" fill="hold">
+                                          <p:stCondLst>
+                                            <p:cond delay="0"/>
+                                          </p:stCondLst>
+                                        </p:cTn>
+                                        <p:tgtEl>
+                                          <p:spTgt spid="4">
+                                            <p:txEl>
+                                              <p:pRg st="3" end="3"/>
+                                            </p:txEl>
+                                          </p:spTgt>
+                                        </p:tgtEl>
+                                        <p:attrNameLst>
+                                          <p:attrName>style.visibility</p:attrName>
+                                        </p:attrNameLst>
+                                      </p:cBhvr>
+                                      <p:to>
+                                        <p:strVal val="visible"/>
+                                      </p:to>
+                                    </p:set>
+                                  </p:childTnLst>
+                                </p:cTn>
+                              </p:par>
+                              <p:par>
+                                <p:cTn id="19" presetID="1" presetClass="entr" presetSubtype="0" fill="hold" grpId="0" nodeType="withEffect">
+                                  <p:stCondLst>
+                                    <p:cond delay="0"/>
+                                  </p:stCondLst>
+                                  <p:childTnLst>
+                                    <p:set>
+                                      <p:cBhvr>
+                                        <p:cTn id="20" dur="1" fill="hold">
+                                          <p:stCondLst>
+                                            <p:cond delay="0"/>
+                                          </p:stCondLst>
+                                        </p:cTn>
+                                        <p:tgtEl>
+                                          <p:spTgt spid="4">
+                                            <p:txEl>
+                                              <p:pRg st="4" end="4"/>
+                                            </p:txEl>
+                                          </p:spTgt>
+                                        </p:tgtEl>
+                                        <p:attrNameLst>
+                                          <p:attrName>style.visibility</p:attrName>
+                                        </p:attrNameLst>
+                                      </p:cBhvr>
+                                      <p:to>
+                                        <p:strVal val="visible"/>
+                                      </p:to>
+                                    </p:set>
+                                  </p:childTnLst>
+                                </p:cTn>
+                              </p:par>
+                              <p:par>
+                                <p:cTn id="21" presetID="1" presetClass="entr" presetSubtype="0" fill="hold" grpId="0" nodeType="withEffect">
+                                  <p:stCondLst>
+                                    <p:cond delay="0"/>
+                                  </p:stCondLst>
+                                  <p:childTnLst>
+                                    <p:set>
+                                      <p:cBhvr>
+                                        <p:cTn id="22" dur="1" fill="hold">
+                                          <p:stCondLst>
+                                            <p:cond delay="0"/>
+                                          </p:stCondLst>
+                                        </p:cTn>
+                                        <p:tgtEl>
+                                          <p:spTgt spid="4">
+                                            <p:txEl>
+                                              <p:pRg st="5" end="5"/>
+                                            </p:txEl>
+                                          </p:spTgt>
+                                        </p:tgtEl>
+                                        <p:attrNameLst>
+                                          <p:attrName>style.visibility</p:attrName>
+                                        </p:attrNameLst>
+                                      </p:cBhvr>
+                                      <p:to>
+                                        <p:strVal val="visible"/>
+                                      </p:to>
+                                    </p:set>
+                                  </p:childTnLst>
+                                </p:cTn>
+                              </p:par>
+                              <p:par>
+                                <p:cTn id="23" presetID="1" presetClass="entr" presetSubtype="0" fill="hold" grpId="0" nodeType="withEffect">
+                                  <p:stCondLst>
+                                    <p:cond delay="0"/>
+                                  </p:stCondLst>
+                                  <p:childTnLst>
+                                    <p:set>
+                                      <p:cBhvr>
+                                        <p:cTn id="24" dur="1" fill="hold">
+                                          <p:stCondLst>
+                                            <p:cond delay="0"/>
+                                          </p:stCondLst>
+                                        </p:cTn>
+                                        <p:tgtEl>
+                                          <p:spTgt spid="4">
+                                            <p:txEl>
+                                              <p:pRg st="6" end="6"/>
+                                            </p:txEl>
+                                          </p:spTgt>
+                                        </p:tgtEl>
+                                        <p:attrNameLst>
+                                          <p:attrName>style.visibility</p:attrName>
+                                        </p:attrNameLst>
+                                      </p:cBhvr>
+                                      <p:to>
+                                        <p:strVal val="visible"/>
+                                      </p:to>
+                                    </p:set>
+                                  </p:childTnLst>
+                                </p:cTn>
+                              </p:par>
+                              <p:par>
+                                <p:cTn id="25" presetID="1" presetClass="entr" presetSubtype="0" fill="hold" grpId="0" nodeType="withEffect">
+                                  <p:stCondLst>
+                                    <p:cond delay="0"/>
+                                  </p:stCondLst>
+                                  <p:childTnLst>
+                                    <p:set>
+                                      <p:cBhvr>
+                                        <p:cTn id="26" dur="1" fill="hold">
+                                          <p:stCondLst>
+                                            <p:cond delay="0"/>
+                                          </p:stCondLst>
+                                        </p:cTn>
+                                        <p:tgtEl>
+                                          <p:spTgt spid="4">
+                                            <p:txEl>
+                                              <p:pRg st="7" end="7"/>
+                                            </p:txEl>
+                                          </p:spTgt>
+                                        </p:tgtEl>
+                                        <p:attrNameLst>
+                                          <p:attrName>style.visibility</p:attrName>
+                                        </p:attrNameLst>
+                                      </p:cBhvr>
+                                      <p:to>
+                                        <p:strVal val="visible"/>
+                                      </p:to>
+                                    </p:set>
+                                  </p:childTnLst>
+                                </p:cTn>
+                              </p:par>
+                              <p:par>
+                                <p:cTn id="27" presetID="1" presetClass="entr" presetSubtype="0" fill="hold" grpId="0" nodeType="withEffect">
+                                  <p:stCondLst>
+                                    <p:cond delay="0"/>
+                                  </p:stCondLst>
+                                  <p:childTnLst>
+                                    <p:set>
+                                      <p:cBhvr>
+                                        <p:cTn id="28" dur="1" fill="hold">
+                                          <p:stCondLst>
+                                            <p:cond delay="0"/>
+                                          </p:stCondLst>
+                                        </p:cTn>
+                                        <p:tgtEl>
+                                          <p:spTgt spid="4">
+                                            <p:txEl>
+                                              <p:pRg st="8" end="8"/>
+                                            </p:txEl>
+                                          </p:spTgt>
+                                        </p:tgtEl>
+                                        <p:attrNameLst>
+                                          <p:attrName>style.visibility</p:attrName>
+                                        </p:attrNameLst>
+                                      </p:cBhvr>
+                                      <p:to>
+                                        <p:strVal val="visible"/>
+                                      </p:to>
+                                    </p:set>
+                                  </p:childTnLst>
+                                </p:cTn>
+                              </p:par>
+                            </p:childTnLst>
+                          </p:cTn>
+                        </p:par>
+                      </p:childTnLst>
+                    </p:cTn>
+                  </p:par>
+                </p:childTnLst>
+              </p:cTn>
+              <p:prevCondLst>
+                <p:cond evt="onPrev" delay="0">
+                  <p:tgtEl>
+                    <p:sldTgt/>
+                  </p:tgtEl>
+                </p:cond>
+              </p:prevCondLst>
+              <p:nextCondLst>
+                <p:cond evt="onNext" delay="0">
+                  <p:tgtEl>
+                    <p:sldTgt/>
+                  </p:tgtEl>
+                </p:cond>
+              </p:nextCondLst>
+            </p:seq>
+          </p:childTnLst>
+        </p:cTn>
+      </p:par>
+    </p:tnLst>
+    <p:bldLst>
+      <p:bldP spid="4" grpId="0" uiExpand="1" build="p"/>
+    </p:bldLst>
+  </p:timing>
+</p:sld>
+</file>
+
+<file path=ppt/slides/slide11.xml><?xml version="1.0" encoding="utf-8"?>
+<p:sld xmlns:a="http://schemas.openxmlformats.org/drawingml/2006/main" xmlns:r="http://schemas.openxmlformats.org/officeDocument/2006/relationships" xmlns:p="http://schemas.openxmlformats.org/presentationml/2006/main">
+  <p:cSld>
+    <p:spTree>
+      <p:nvGrpSpPr>
+        <p:cNvPr id="1" name=""/>
+        <p:cNvGrpSpPr/>
+        <p:nvPr/>
+      </p:nvGrpSpPr>
+      <p:grpSpPr>
+        <a:xfrm>
+          <a:off x="0" y="0"/>
+          <a:ext cx="0" cy="0"/>
+          <a:chOff x="0" y="0"/>
+          <a:chExt cx="0" cy="0"/>
+        </a:xfrm>
+      </p:grpSpPr>
+    </p:spTree>
+    <p:extLst>
+      <p:ext uri="{BB962C8B-B14F-4D97-AF65-F5344CB8AC3E}">
+        <p14:creationId xmlns:p14="http://schemas.microsoft.com/office/powerpoint/2010/main" val="1710748684"/>
+      </p:ext>
+    </p:extLst>
+  </p:cSld>
+  <p:clrMapOvr>
+    <a:masterClrMapping/>
+  </p:clrMapOvr>
+</p:sld>
+</file>
+
+<file path=ppt/slides/slide12.xml><?xml version="1.0" encoding="utf-8"?>
+<p:sld xmlns:a="http://schemas.openxmlformats.org/drawingml/2006/main" xmlns:r="http://schemas.openxmlformats.org/officeDocument/2006/relationships" xmlns:p="http://schemas.openxmlformats.org/presentationml/2006/main">
+  <p:cSld>
+    <p:spTree>
+      <p:nvGrpSpPr>
+        <p:cNvPr id="1" name=""/>
+        <p:cNvGrpSpPr/>
+        <p:nvPr/>
+      </p:nvGrpSpPr>
+      <p:grpSpPr>
+        <a:xfrm>
+          <a:off x="0" y="0"/>
+          <a:ext cx="0" cy="0"/>
+          <a:chOff x="0" y="0"/>
+          <a:chExt cx="0" cy="0"/>
+        </a:xfrm>
+      </p:grpSpPr>
+      <p:pic>
+        <p:nvPicPr>
+          <p:cNvPr id="3" name="Picture 2">
+            <a:extLst>
+              <a:ext uri="{FF2B5EF4-FFF2-40B4-BE49-F238E27FC236}">
+                <a16:creationId xmlns:a16="http://schemas.microsoft.com/office/drawing/2014/main" id="{87AB0532-AE8A-54DB-96E5-447E9A326170}"/>
+              </a:ext>
+            </a:extLst>
+          </p:cNvPr>
+          <p:cNvPicPr>
+            <a:picLocks noChangeAspect="1"/>
+          </p:cNvPicPr>
+          <p:nvPr/>
+        </p:nvPicPr>
+        <p:blipFill>
+          <a:blip r:embed="rId2"/>
+          <a:stretch>
+            <a:fillRect/>
+          </a:stretch>
+        </p:blipFill>
+        <p:spPr>
+          <a:xfrm>
+            <a:off x="732264" y="925068"/>
+            <a:ext cx="10727473" cy="4572000"/>
+          </a:xfrm>
+          <a:prstGeom prst="rect">
+            <a:avLst/>
+          </a:prstGeom>
+        </p:spPr>
+      </p:pic>
+      <p:sp>
+        <p:nvSpPr>
+          <p:cNvPr id="4" name="TextBox 3">
+            <a:extLst>
+              <a:ext uri="{FF2B5EF4-FFF2-40B4-BE49-F238E27FC236}">
+                <a16:creationId xmlns:a16="http://schemas.microsoft.com/office/drawing/2014/main" id="{644AD5B3-5DC5-7296-1A59-97F9698F0F49}"/>
+              </a:ext>
+            </a:extLst>
+          </p:cNvPr>
+          <p:cNvSpPr txBox="1"/>
+          <p:nvPr/>
+        </p:nvSpPr>
+        <p:spPr>
+          <a:xfrm>
+            <a:off x="533210" y="533400"/>
+            <a:ext cx="11125581" cy="369332"/>
+          </a:xfrm>
+          <a:prstGeom prst="rect">
+            <a:avLst/>
+          </a:prstGeom>
+          <a:noFill/>
+        </p:spPr>
+        <p:txBody>
+          <a:bodyPr wrap="square" rtlCol="0">
+            <a:spAutoFit/>
+          </a:bodyPr>
+          <a:lstStyle/>
+          <a:p>
+            <a:pPr algn="ctr"/>
+            <a:r>
+              <a:rPr lang="en-US" dirty="0"/>
+              <a:t>Diversity Index tells us the chance (%) that two people chosen at random will be from different race and ethnicity</a:t>
+            </a:r>
+          </a:p>
+        </p:txBody>
+      </p:sp>
+    </p:spTree>
+    <p:extLst>
+      <p:ext uri="{BB962C8B-B14F-4D97-AF65-F5344CB8AC3E}">
+        <p14:creationId xmlns:p14="http://schemas.microsoft.com/office/powerpoint/2010/main" val="2073589846"/>
+      </p:ext>
+    </p:extLst>
+  </p:cSld>
+  <p:clrMapOvr>
+    <a:masterClrMapping/>
+  </p:clrMapOvr>
+</p:sld>
+</file>
+
+<file path=ppt/slides/slide13.xml><?xml version="1.0" encoding="utf-8"?>
+<p:sld xmlns:a="http://schemas.openxmlformats.org/drawingml/2006/main" xmlns:r="http://schemas.openxmlformats.org/officeDocument/2006/relationships" xmlns:p="http://schemas.openxmlformats.org/presentationml/2006/main">
+  <p:cSld>
+    <p:spTree>
+      <p:nvGrpSpPr>
+        <p:cNvPr id="1" name=""/>
+        <p:cNvGrpSpPr/>
+        <p:nvPr/>
+      </p:nvGrpSpPr>
+      <p:grpSpPr>
+        <a:xfrm>
+          <a:off x="0" y="0"/>
+          <a:ext cx="0" cy="0"/>
+          <a:chOff x="0" y="0"/>
+          <a:chExt cx="0" cy="0"/>
+        </a:xfrm>
+      </p:grpSpPr>
+      <p:sp>
+        <p:nvSpPr>
+          <p:cNvPr id="2" name="Title 1">
+            <a:extLst>
+              <a:ext uri="{FF2B5EF4-FFF2-40B4-BE49-F238E27FC236}">
+                <a16:creationId xmlns:a16="http://schemas.microsoft.com/office/drawing/2014/main" id="{0724A799-4E0A-0E42-91FD-E1301110C604}"/>
+              </a:ext>
+            </a:extLst>
+          </p:cNvPr>
+          <p:cNvSpPr>
+            <a:spLocks noGrp="1"/>
+          </p:cNvSpPr>
+          <p:nvPr>
+            <p:ph type="title"/>
+          </p:nvPr>
+        </p:nvSpPr>
+        <p:spPr>
+          <a:xfrm>
+            <a:off x="0" y="0"/>
+            <a:ext cx="12192000" cy="1076591"/>
+          </a:xfrm>
+        </p:spPr>
+        <p:txBody>
+          <a:bodyPr anchor="t">
+            <a:noAutofit/>
+          </a:bodyPr>
+          <a:lstStyle/>
+          <a:p>
+            <a:pPr algn="l"/>
+            <a:r>
+              <a:rPr lang="en-US" b="1" dirty="0"/>
+              <a:t>Were Covid-19 cases higher in counties with more population of children and higher diversity index?</a:t>
+            </a:r>
+            <a:br>
+              <a:rPr lang="en-US" b="1" i="0" dirty="0">
+                <a:effectLst/>
+              </a:rPr>
+            </a:br>
+            <a:br>
+              <a:rPr lang="en-US" b="1" i="0" dirty="0">
+                <a:effectLst/>
+              </a:rPr>
+            </a:br>
+            <a:endParaRPr lang="en-US" dirty="0"/>
+          </a:p>
+        </p:txBody>
+      </p:sp>
+      <p:sp>
+        <p:nvSpPr>
+          <p:cNvPr id="4" name="Content Placeholder 3">
+            <a:extLst>
+              <a:ext uri="{FF2B5EF4-FFF2-40B4-BE49-F238E27FC236}">
+                <a16:creationId xmlns:a16="http://schemas.microsoft.com/office/drawing/2014/main" id="{9011DC8A-60A9-D7B5-2904-55EE24A93AAF}"/>
+              </a:ext>
+            </a:extLst>
+          </p:cNvPr>
+          <p:cNvSpPr>
+            <a:spLocks noGrp="1"/>
+          </p:cNvSpPr>
+          <p:nvPr>
+            <p:ph sz="half" idx="2"/>
+          </p:nvPr>
+        </p:nvSpPr>
+        <p:spPr/>
+        <p:txBody>
+          <a:bodyPr/>
+          <a:lstStyle/>
+          <a:p>
+            <a:endParaRPr lang="en-US"/>
+          </a:p>
+        </p:txBody>
+      </p:sp>
+      <p:pic>
+        <p:nvPicPr>
+          <p:cNvPr id="6" name="Picture 5">
+            <a:extLst>
+              <a:ext uri="{FF2B5EF4-FFF2-40B4-BE49-F238E27FC236}">
+                <a16:creationId xmlns:a16="http://schemas.microsoft.com/office/drawing/2014/main" id="{8A5C6467-463C-0F02-9DFD-868FB2BEBD30}"/>
+              </a:ext>
+            </a:extLst>
+          </p:cNvPr>
+          <p:cNvPicPr>
+            <a:picLocks noChangeAspect="1"/>
+          </p:cNvPicPr>
+          <p:nvPr/>
+        </p:nvPicPr>
+        <p:blipFill>
+          <a:blip r:embed="rId2"/>
+          <a:stretch>
+            <a:fillRect/>
+          </a:stretch>
+        </p:blipFill>
+        <p:spPr>
+          <a:xfrm>
+            <a:off x="6258462" y="1643520"/>
+            <a:ext cx="5933538" cy="4011770"/>
+          </a:xfrm>
+          <a:prstGeom prst="rect">
+            <a:avLst/>
+          </a:prstGeom>
+        </p:spPr>
+      </p:pic>
+      <p:grpSp>
+        <p:nvGrpSpPr>
+          <p:cNvPr id="11" name="Group 10">
+            <a:extLst>
+              <a:ext uri="{FF2B5EF4-FFF2-40B4-BE49-F238E27FC236}">
+                <a16:creationId xmlns:a16="http://schemas.microsoft.com/office/drawing/2014/main" id="{99BCA040-3FDE-EF4B-DD12-69C5EE936BDB}"/>
+              </a:ext>
+            </a:extLst>
+          </p:cNvPr>
+          <p:cNvGrpSpPr/>
+          <p:nvPr/>
+        </p:nvGrpSpPr>
+        <p:grpSpPr>
+          <a:xfrm>
+            <a:off x="0" y="1435608"/>
+            <a:ext cx="3517900" cy="2743200"/>
+            <a:chOff x="0" y="1362456"/>
+            <a:chExt cx="3517900" cy="2743200"/>
+          </a:xfrm>
+        </p:grpSpPr>
+        <p:pic>
+          <p:nvPicPr>
+            <p:cNvPr id="1026" name="Picture 2">
+              <a:extLst>
+                <a:ext uri="{FF2B5EF4-FFF2-40B4-BE49-F238E27FC236}">
+                  <a16:creationId xmlns:a16="http://schemas.microsoft.com/office/drawing/2014/main" id="{EC8D9A82-83F6-FCBF-8739-7146DA417C15}"/>
+                </a:ext>
+              </a:extLst>
+            </p:cNvPr>
+            <p:cNvPicPr>
+              <a:picLocks noChangeAspect="1" noChangeArrowheads="1"/>
+            </p:cNvPicPr>
+            <p:nvPr/>
+          </p:nvPicPr>
+          <p:blipFill>
+            <a:blip r:embed="rId3">
+              <a:extLst>
+                <a:ext uri="{28A0092B-C50C-407E-A947-70E740481C1C}">
+                  <a14:useLocalDpi xmlns:a14="http://schemas.microsoft.com/office/drawing/2010/main" val="0"/>
+                </a:ext>
+              </a:extLst>
+            </a:blip>
+            <a:srcRect/>
+            <a:stretch>
+              <a:fillRect/>
+            </a:stretch>
+          </p:blipFill>
+          <p:spPr bwMode="auto">
+            <a:xfrm>
+              <a:off x="0" y="1362456"/>
+              <a:ext cx="3517900" cy="2743200"/>
+            </a:xfrm>
+            <a:prstGeom prst="rect">
+              <a:avLst/>
+            </a:prstGeom>
+            <a:noFill/>
+            <a:extLst>
+              <a:ext uri="{909E8E84-426E-40DD-AFC4-6F175D3DCCD1}">
+                <a14:hiddenFill xmlns:a14="http://schemas.microsoft.com/office/drawing/2010/main">
+                  <a:solidFill>
+                    <a:srgbClr val="FFFFFF"/>
+                  </a:solidFill>
+                </a14:hiddenFill>
+              </a:ext>
+            </a:extLst>
+          </p:spPr>
+        </p:pic>
+        <p:sp>
+          <p:nvSpPr>
+            <p:cNvPr id="8" name="Oval 7">
+              <a:extLst>
+                <a:ext uri="{FF2B5EF4-FFF2-40B4-BE49-F238E27FC236}">
+                  <a16:creationId xmlns:a16="http://schemas.microsoft.com/office/drawing/2014/main" id="{17B1E86D-870E-ABAB-C961-95ABEC995040}"/>
+                </a:ext>
+              </a:extLst>
+            </p:cNvPr>
+            <p:cNvSpPr/>
+            <p:nvPr/>
+          </p:nvSpPr>
+          <p:spPr>
+            <a:xfrm>
+              <a:off x="1122870" y="3255264"/>
+              <a:ext cx="1272159" cy="475488"/>
+            </a:xfrm>
+            <a:prstGeom prst="ellipse">
+              <a:avLst/>
+            </a:prstGeom>
+            <a:noFill/>
+            <a:ln w="28575">
+              <a:solidFill>
+                <a:srgbClr val="FF0000"/>
+              </a:solidFill>
+            </a:ln>
+          </p:spPr>
+          <p:style>
+            <a:lnRef idx="2">
+              <a:schemeClr val="accent1">
+                <a:shade val="50000"/>
+              </a:schemeClr>
+            </a:lnRef>
+            <a:fillRef idx="1">
+              <a:schemeClr val="accent1"/>
+            </a:fillRef>
+            <a:effectRef idx="0">
+              <a:schemeClr val="accent1"/>
+            </a:effectRef>
+            <a:fontRef idx="minor">
+              <a:schemeClr val="lt1"/>
+            </a:fontRef>
+          </p:style>
+          <p:txBody>
+            <a:bodyPr rtlCol="0" anchor="ctr"/>
+            <a:lstStyle/>
+            <a:p>
+              <a:pPr algn="ctr"/>
+              <a:endParaRPr lang="en-US"/>
+            </a:p>
+          </p:txBody>
+        </p:sp>
+      </p:grpSp>
+      <p:grpSp>
+        <p:nvGrpSpPr>
+          <p:cNvPr id="10" name="Group 9">
+            <a:extLst>
+              <a:ext uri="{FF2B5EF4-FFF2-40B4-BE49-F238E27FC236}">
+                <a16:creationId xmlns:a16="http://schemas.microsoft.com/office/drawing/2014/main" id="{0DD94EC8-C146-4C45-ED07-449587E8539A}"/>
+              </a:ext>
+            </a:extLst>
+          </p:cNvPr>
+          <p:cNvGrpSpPr/>
+          <p:nvPr/>
+        </p:nvGrpSpPr>
+        <p:grpSpPr>
+          <a:xfrm>
+            <a:off x="2611171" y="4105656"/>
+            <a:ext cx="3517900" cy="2743200"/>
+            <a:chOff x="2395029" y="3995928"/>
+            <a:chExt cx="3517900" cy="2743200"/>
+          </a:xfrm>
+        </p:grpSpPr>
+        <p:pic>
+          <p:nvPicPr>
+            <p:cNvPr id="1028" name="Picture 4">
+              <a:extLst>
+                <a:ext uri="{FF2B5EF4-FFF2-40B4-BE49-F238E27FC236}">
+                  <a16:creationId xmlns:a16="http://schemas.microsoft.com/office/drawing/2014/main" id="{7A7446FE-B6D4-1734-9CFF-29334B3FFB86}"/>
+                </a:ext>
+              </a:extLst>
+            </p:cNvPr>
+            <p:cNvPicPr>
+              <a:picLocks noChangeAspect="1" noChangeArrowheads="1"/>
+            </p:cNvPicPr>
+            <p:nvPr/>
+          </p:nvPicPr>
+          <p:blipFill>
+            <a:blip r:embed="rId4">
+              <a:extLst>
+                <a:ext uri="{28A0092B-C50C-407E-A947-70E740481C1C}">
+                  <a14:useLocalDpi xmlns:a14="http://schemas.microsoft.com/office/drawing/2010/main" val="0"/>
+                </a:ext>
+              </a:extLst>
+            </a:blip>
+            <a:srcRect/>
+            <a:stretch>
+              <a:fillRect/>
+            </a:stretch>
+          </p:blipFill>
+          <p:spPr bwMode="auto">
+            <a:xfrm>
+              <a:off x="2395029" y="3995928"/>
+              <a:ext cx="3517900" cy="2743200"/>
+            </a:xfrm>
+            <a:prstGeom prst="rect">
+              <a:avLst/>
+            </a:prstGeom>
+            <a:noFill/>
+            <a:extLst>
+              <a:ext uri="{909E8E84-426E-40DD-AFC4-6F175D3DCCD1}">
+                <a14:hiddenFill xmlns:a14="http://schemas.microsoft.com/office/drawing/2010/main">
+                  <a:solidFill>
+                    <a:srgbClr val="FFFFFF"/>
+                  </a:solidFill>
+                </a14:hiddenFill>
+              </a:ext>
+            </a:extLst>
+          </p:spPr>
+        </p:pic>
+        <p:sp>
+          <p:nvSpPr>
+            <p:cNvPr id="9" name="Oval 8">
+              <a:extLst>
+                <a:ext uri="{FF2B5EF4-FFF2-40B4-BE49-F238E27FC236}">
+                  <a16:creationId xmlns:a16="http://schemas.microsoft.com/office/drawing/2014/main" id="{8C0822D7-24DA-1BCC-E923-861EE1B6ABBD}"/>
+                </a:ext>
+              </a:extLst>
+            </p:cNvPr>
+            <p:cNvSpPr/>
+            <p:nvPr/>
+          </p:nvSpPr>
+          <p:spPr>
+            <a:xfrm>
+              <a:off x="2692591" y="5655290"/>
+              <a:ext cx="727266" cy="759419"/>
+            </a:xfrm>
+            <a:prstGeom prst="ellipse">
+              <a:avLst/>
+            </a:prstGeom>
+            <a:noFill/>
+            <a:ln w="28575">
+              <a:solidFill>
+                <a:srgbClr val="FF0000"/>
+              </a:solidFill>
+            </a:ln>
+          </p:spPr>
+          <p:style>
+            <a:lnRef idx="2">
+              <a:schemeClr val="accent1">
+                <a:shade val="50000"/>
+              </a:schemeClr>
+            </a:lnRef>
+            <a:fillRef idx="1">
+              <a:schemeClr val="accent1"/>
+            </a:fillRef>
+            <a:effectRef idx="0">
+              <a:schemeClr val="accent1"/>
+            </a:effectRef>
+            <a:fontRef idx="minor">
+              <a:schemeClr val="lt1"/>
+            </a:fontRef>
+          </p:style>
+          <p:txBody>
+            <a:bodyPr rtlCol="0" anchor="ctr"/>
+            <a:lstStyle/>
+            <a:p>
+              <a:pPr algn="ctr"/>
+              <a:endParaRPr lang="en-US"/>
+            </a:p>
+          </p:txBody>
+        </p:sp>
+      </p:grpSp>
+    </p:spTree>
+    <p:extLst>
+      <p:ext uri="{BB962C8B-B14F-4D97-AF65-F5344CB8AC3E}">
+        <p14:creationId xmlns:p14="http://schemas.microsoft.com/office/powerpoint/2010/main" val="1250904346"/>
+      </p:ext>
+    </p:extLst>
+  </p:cSld>
+  <p:clrMapOvr>
+    <a:masterClrMapping/>
   </p:clrMapOvr>
 </p:sld>
 </file>
@@ -9523,33 +11093,1264 @@
           <a:p>
             <a:r>
               <a:rPr lang="en-US" dirty="0"/>
-              <a:t>Studies of Covid-19 dependence on age of children and diversity index</a:t>
+              <a:t>Studies of Covid-19 dependence on age of children and diversity</a:t>
             </a:r>
           </a:p>
         </p:txBody>
       </p:sp>
-      <p:sp>
-        <p:nvSpPr>
-          <p:cNvPr id="3" name="Content Placeholder 2">
+      <p:grpSp>
+        <p:nvGrpSpPr>
+          <p:cNvPr id="7" name="Group 6">
             <a:extLst>
               <a:ext uri="{FF2B5EF4-FFF2-40B4-BE49-F238E27FC236}">
-                <a16:creationId xmlns:a16="http://schemas.microsoft.com/office/drawing/2014/main" id="{CA2AAC9E-8BF7-93C9-F38C-0BA6729F1DC3}"/>
+                <a16:creationId xmlns:a16="http://schemas.microsoft.com/office/drawing/2014/main" id="{F86943BB-3EEA-2389-50B4-CE809D51B658}"/>
               </a:ext>
             </a:extLst>
           </p:cNvPr>
-          <p:cNvSpPr>
-            <a:spLocks noGrp="1"/>
-          </p:cNvSpPr>
+          <p:cNvGrpSpPr/>
+          <p:nvPr/>
+        </p:nvGrpSpPr>
+        <p:grpSpPr>
+          <a:xfrm>
+            <a:off x="74104" y="1179101"/>
+            <a:ext cx="4404742" cy="2372091"/>
+            <a:chOff x="74104" y="1179101"/>
+            <a:chExt cx="4404742" cy="2372091"/>
+          </a:xfrm>
+        </p:grpSpPr>
+        <p:pic>
+          <p:nvPicPr>
+            <p:cNvPr id="5" name="Picture 4">
+              <a:extLst>
+                <a:ext uri="{FF2B5EF4-FFF2-40B4-BE49-F238E27FC236}">
+                  <a16:creationId xmlns:a16="http://schemas.microsoft.com/office/drawing/2014/main" id="{0A82D0E1-A26F-BE7E-3841-F1422F3B5A44}"/>
+                </a:ext>
+              </a:extLst>
+            </p:cNvPr>
+            <p:cNvPicPr>
+              <a:picLocks noChangeAspect="1"/>
+            </p:cNvPicPr>
+            <p:nvPr/>
+          </p:nvPicPr>
+          <p:blipFill>
+            <a:blip r:embed="rId3"/>
+            <a:stretch>
+              <a:fillRect/>
+            </a:stretch>
+          </p:blipFill>
+          <p:spPr>
+            <a:xfrm>
+              <a:off x="74104" y="1179101"/>
+              <a:ext cx="4404742" cy="2156647"/>
+            </a:xfrm>
+            <a:prstGeom prst="rect">
+              <a:avLst/>
+            </a:prstGeom>
+          </p:spPr>
+        </p:pic>
+        <p:sp>
+          <p:nvSpPr>
+            <p:cNvPr id="6" name="TextBox 5">
+              <a:extLst>
+                <a:ext uri="{FF2B5EF4-FFF2-40B4-BE49-F238E27FC236}">
+                  <a16:creationId xmlns:a16="http://schemas.microsoft.com/office/drawing/2014/main" id="{B5704042-C7ED-80A8-82A6-09FEAFB7651D}"/>
+                </a:ext>
+              </a:extLst>
+            </p:cNvPr>
+            <p:cNvSpPr txBox="1"/>
+            <p:nvPr/>
+          </p:nvSpPr>
+          <p:spPr>
+            <a:xfrm>
+              <a:off x="74104" y="3335748"/>
+              <a:ext cx="4404742" cy="215444"/>
+            </a:xfrm>
+            <a:prstGeom prst="rect">
+              <a:avLst/>
+            </a:prstGeom>
+            <a:noFill/>
+          </p:spPr>
+          <p:txBody>
+            <a:bodyPr wrap="square" rtlCol="0">
+              <a:spAutoFit/>
+            </a:bodyPr>
+            <a:lstStyle/>
+            <a:p>
+              <a:r>
+                <a:rPr lang="en-US" sz="800" b="0" i="0" dirty="0">
+                  <a:effectLst/>
+                  <a:latin typeface="-apple-system"/>
+                </a:rPr>
+                <a:t>Davies, N.G., </a:t>
+              </a:r>
+              <a:r>
+                <a:rPr lang="en-US" sz="800" b="0" i="1" dirty="0">
+                  <a:effectLst/>
+                  <a:latin typeface="-apple-system"/>
+                </a:rPr>
+                <a:t>et al.</a:t>
+              </a:r>
+              <a:r>
+                <a:rPr lang="en-US" sz="800" b="0" i="0" dirty="0">
+                  <a:effectLst/>
+                  <a:latin typeface="-apple-system"/>
+                </a:rPr>
+                <a:t> . </a:t>
+              </a:r>
+              <a:r>
+                <a:rPr lang="en-US" sz="800" b="0" i="1" dirty="0">
+                  <a:effectLst/>
+                  <a:latin typeface="-apple-system"/>
+                </a:rPr>
+                <a:t>Nat Med</a:t>
+              </a:r>
+              <a:r>
+                <a:rPr lang="en-US" sz="800" b="0" i="0" dirty="0">
+                  <a:effectLst/>
+                  <a:latin typeface="-apple-system"/>
+                </a:rPr>
+                <a:t> </a:t>
+              </a:r>
+              <a:r>
+                <a:rPr lang="en-US" sz="800" b="1" i="0" dirty="0">
+                  <a:effectLst/>
+                  <a:latin typeface="-apple-system"/>
+                </a:rPr>
+                <a:t>26</a:t>
+              </a:r>
+              <a:r>
+                <a:rPr lang="en-US" sz="800" b="0" i="0" dirty="0">
+                  <a:effectLst/>
+                  <a:latin typeface="-apple-system"/>
+                </a:rPr>
+                <a:t>, 1205–1211 (2020). https://doi.org/10.1038/s41591-020-0962-9</a:t>
+              </a:r>
+              <a:endParaRPr lang="en-US" sz="800" dirty="0"/>
+            </a:p>
+          </p:txBody>
+        </p:sp>
+      </p:grpSp>
+      <p:pic>
+        <p:nvPicPr>
+          <p:cNvPr id="4098" name="Picture 2" descr="The figure is a combination bar and line chart showing weekly test volume and percentage of SARS-CoV-2-positive test results among persons aged 0–24 years, by age group, in the United States during May 31–Dec 12, 2020.">
+            <a:extLst>
+              <a:ext uri="{FF2B5EF4-FFF2-40B4-BE49-F238E27FC236}">
+                <a16:creationId xmlns:a16="http://schemas.microsoft.com/office/drawing/2014/main" id="{D3E0E1F3-8034-F571-3142-A114636E56AD}"/>
+              </a:ext>
+            </a:extLst>
+          </p:cNvPr>
+          <p:cNvPicPr>
+            <a:picLocks noChangeAspect="1" noChangeArrowheads="1"/>
+          </p:cNvPicPr>
+          <p:nvPr/>
+        </p:nvPicPr>
+        <p:blipFill>
+          <a:blip r:embed="rId4">
+            <a:extLst>
+              <a:ext uri="{28A0092B-C50C-407E-A947-70E740481C1C}">
+                <a14:useLocalDpi xmlns:a14="http://schemas.microsoft.com/office/drawing/2010/main" val="0"/>
+              </a:ext>
+            </a:extLst>
+          </a:blip>
+          <a:srcRect/>
+          <a:stretch>
+            <a:fillRect/>
+          </a:stretch>
+        </p:blipFill>
+        <p:spPr bwMode="auto">
+          <a:xfrm>
+            <a:off x="5791200" y="931580"/>
+            <a:ext cx="6400800" cy="3630190"/>
+          </a:xfrm>
+          <a:prstGeom prst="rect">
+            <a:avLst/>
+          </a:prstGeom>
+          <a:noFill/>
+          <a:extLst>
+            <a:ext uri="{909E8E84-426E-40DD-AFC4-6F175D3DCCD1}">
+              <a14:hiddenFill xmlns:a14="http://schemas.microsoft.com/office/drawing/2010/main">
+                <a:solidFill>
+                  <a:srgbClr val="FFFFFF"/>
+                </a:solidFill>
+              </a14:hiddenFill>
+            </a:ext>
+          </a:extLst>
+        </p:spPr>
+      </p:pic>
+      <p:sp>
+        <p:nvSpPr>
+          <p:cNvPr id="8" name="TextBox 7">
+            <a:extLst>
+              <a:ext uri="{FF2B5EF4-FFF2-40B4-BE49-F238E27FC236}">
+                <a16:creationId xmlns:a16="http://schemas.microsoft.com/office/drawing/2014/main" id="{7BC345AC-AF28-AB77-8D36-45BB5DFDDD3D}"/>
+              </a:ext>
+            </a:extLst>
+          </p:cNvPr>
+          <p:cNvSpPr txBox="1"/>
+          <p:nvPr/>
+        </p:nvSpPr>
+        <p:spPr>
+          <a:xfrm>
+            <a:off x="6118225" y="6297590"/>
+            <a:ext cx="5746750" cy="215444"/>
+          </a:xfrm>
+          <a:prstGeom prst="rect">
+            <a:avLst/>
+          </a:prstGeom>
+          <a:noFill/>
+        </p:spPr>
+        <p:txBody>
+          <a:bodyPr wrap="square" rtlCol="0">
+            <a:spAutoFit/>
+          </a:bodyPr>
+          <a:lstStyle/>
+          <a:p>
+            <a:r>
+              <a:rPr lang="en-US" sz="800" b="0" i="0" dirty="0" err="1">
+                <a:effectLst/>
+                <a:latin typeface="Open Sans" panose="020B0606030504020204" pitchFamily="34" charset="0"/>
+              </a:rPr>
+              <a:t>Leidman</a:t>
+            </a:r>
+            <a:r>
+              <a:rPr lang="en-US" sz="800" b="0" i="0" dirty="0">
+                <a:effectLst/>
+                <a:latin typeface="Open Sans" panose="020B0606030504020204" pitchFamily="34" charset="0"/>
+              </a:rPr>
+              <a:t> E, et al. MMWR </a:t>
+            </a:r>
+            <a:r>
+              <a:rPr lang="en-US" sz="800" b="0" i="0" dirty="0" err="1">
+                <a:effectLst/>
+                <a:latin typeface="Open Sans" panose="020B0606030504020204" pitchFamily="34" charset="0"/>
+              </a:rPr>
+              <a:t>Morb</a:t>
+            </a:r>
+            <a:r>
+              <a:rPr lang="en-US" sz="800" b="0" i="0" dirty="0">
+                <a:effectLst/>
+                <a:latin typeface="Open Sans" panose="020B0606030504020204" pitchFamily="34" charset="0"/>
+              </a:rPr>
+              <a:t> Mortal </a:t>
+            </a:r>
+            <a:r>
+              <a:rPr lang="en-US" sz="800" b="0" i="0" dirty="0" err="1">
+                <a:effectLst/>
+                <a:latin typeface="Open Sans" panose="020B0606030504020204" pitchFamily="34" charset="0"/>
+              </a:rPr>
+              <a:t>Wkly</a:t>
+            </a:r>
+            <a:r>
+              <a:rPr lang="en-US" sz="800" b="0" i="0" dirty="0">
+                <a:effectLst/>
+                <a:latin typeface="Open Sans" panose="020B0606030504020204" pitchFamily="34" charset="0"/>
+              </a:rPr>
+              <a:t> Rep 2021;70:88–94. DOI: </a:t>
+            </a:r>
+            <a:r>
+              <a:rPr lang="en-US" sz="800" b="0" i="0" u="none" strike="noStrike" dirty="0">
+                <a:effectLst/>
+                <a:latin typeface="Open Sans" panose="020B0606030504020204" pitchFamily="34" charset="0"/>
+                <a:hlinkClick r:id="rId5">
+                  <a:extLst>
+                    <a:ext uri="{A12FA001-AC4F-418D-AE19-62706E023703}">
+                      <ahyp:hlinkClr xmlns:ahyp="http://schemas.microsoft.com/office/drawing/2018/hyperlinkcolor" val="tx"/>
+                    </a:ext>
+                  </a:extLst>
+                </a:hlinkClick>
+              </a:rPr>
+              <a:t>http://dx.doi.org/10.15585/mmwr.mm7003e1</a:t>
+            </a:r>
+            <a:endParaRPr lang="en-US" sz="800" dirty="0"/>
+          </a:p>
+        </p:txBody>
+      </p:sp>
+      <p:graphicFrame>
+        <p:nvGraphicFramePr>
+          <p:cNvPr id="10" name="Table 9">
+            <a:extLst>
+              <a:ext uri="{FF2B5EF4-FFF2-40B4-BE49-F238E27FC236}">
+                <a16:creationId xmlns:a16="http://schemas.microsoft.com/office/drawing/2014/main" id="{3EDF4CB2-89FF-0952-77C5-F3817B13B30F}"/>
+              </a:ext>
+            </a:extLst>
+          </p:cNvPr>
+          <p:cNvGraphicFramePr>
+            <a:graphicFrameLocks noGrp="1"/>
+          </p:cNvGraphicFramePr>
           <p:nvPr>
-            <p:ph idx="1"/>
+            <p:extLst>
+              <p:ext uri="{D42A27DB-BD31-4B8C-83A1-F6EECF244321}">
+                <p14:modId xmlns:p14="http://schemas.microsoft.com/office/powerpoint/2010/main" val="4049508363"/>
+              </p:ext>
+            </p:extLst>
           </p:nvPr>
+        </p:nvGraphicFramePr>
+        <p:xfrm>
+          <a:off x="6445250" y="4709590"/>
+          <a:ext cx="5092700" cy="1440180"/>
+        </p:xfrm>
+        <a:graphic>
+          <a:graphicData uri="http://schemas.openxmlformats.org/drawingml/2006/table">
+            <a:tbl>
+              <a:tblPr/>
+              <a:tblGrid>
+                <a:gridCol w="2590800">
+                  <a:extLst>
+                    <a:ext uri="{9D8B030D-6E8A-4147-A177-3AD203B41FA5}">
+                      <a16:colId xmlns:a16="http://schemas.microsoft.com/office/drawing/2014/main" val="3610048560"/>
+                    </a:ext>
+                  </a:extLst>
+                </a:gridCol>
+                <a:gridCol w="2501900">
+                  <a:extLst>
+                    <a:ext uri="{9D8B030D-6E8A-4147-A177-3AD203B41FA5}">
+                      <a16:colId xmlns:a16="http://schemas.microsoft.com/office/drawing/2014/main" val="4175823665"/>
+                    </a:ext>
+                  </a:extLst>
+                </a:gridCol>
+              </a:tblGrid>
+              <a:tr h="182880">
+                <a:tc>
+                  <a:txBody>
+                    <a:bodyPr/>
+                    <a:lstStyle/>
+                    <a:p>
+                      <a:pPr algn="ctr" fontAlgn="b"/>
+                      <a:r>
+                        <a:rPr lang="en-US" sz="1100" b="0" i="0" u="none" strike="noStrike">
+                          <a:solidFill>
+                            <a:srgbClr val="000000"/>
+                          </a:solidFill>
+                          <a:effectLst/>
+                          <a:latin typeface="Calibri" panose="020F0502020204030204" pitchFamily="34" charset="0"/>
+                        </a:rPr>
+                        <a:t> </a:t>
+                      </a:r>
+                    </a:p>
+                  </a:txBody>
+                  <a:tcPr marL="7620" marR="7620" marT="7620" marB="0" anchor="b">
+                    <a:lnL w="6350" cap="flat" cmpd="sng" algn="ctr">
+                      <a:solidFill>
+                        <a:srgbClr val="000000"/>
+                      </a:solidFill>
+                      <a:prstDash val="solid"/>
+                      <a:round/>
+                      <a:headEnd type="none" w="med" len="med"/>
+                      <a:tailEnd type="none" w="med" len="med"/>
+                    </a:lnL>
+                    <a:lnR w="6350" cap="flat" cmpd="sng" algn="ctr">
+                      <a:solidFill>
+                        <a:srgbClr val="000000"/>
+                      </a:solidFill>
+                      <a:prstDash val="solid"/>
+                      <a:round/>
+                      <a:headEnd type="none" w="med" len="med"/>
+                      <a:tailEnd type="none" w="med" len="med"/>
+                    </a:lnR>
+                    <a:lnT w="6350" cap="flat" cmpd="sng" algn="ctr">
+                      <a:solidFill>
+                        <a:srgbClr val="000000"/>
+                      </a:solidFill>
+                      <a:prstDash val="solid"/>
+                      <a:round/>
+                      <a:headEnd type="none" w="med" len="med"/>
+                      <a:tailEnd type="none" w="med" len="med"/>
+                    </a:lnT>
+                    <a:lnB w="6350" cap="flat" cmpd="sng" algn="ctr">
+                      <a:solidFill>
+                        <a:srgbClr val="000000"/>
+                      </a:solidFill>
+                      <a:prstDash val="solid"/>
+                      <a:round/>
+                      <a:headEnd type="none" w="med" len="med"/>
+                      <a:tailEnd type="none" w="med" len="med"/>
+                    </a:lnB>
+                  </a:tcPr>
+                </a:tc>
+                <a:tc>
+                  <a:txBody>
+                    <a:bodyPr/>
+                    <a:lstStyle/>
+                    <a:p>
+                      <a:pPr algn="ctr" fontAlgn="b"/>
+                      <a:r>
+                        <a:rPr lang="en-US" sz="1100" b="0" i="0" u="none" strike="noStrike">
+                          <a:solidFill>
+                            <a:srgbClr val="000000"/>
+                          </a:solidFill>
+                          <a:effectLst/>
+                          <a:latin typeface="Calibri" panose="020F0502020204030204" pitchFamily="34" charset="0"/>
+                        </a:rPr>
+                        <a:t>% Age group (0-17) with positive test results</a:t>
+                      </a:r>
+                    </a:p>
+                  </a:txBody>
+                  <a:tcPr marL="7620" marR="7620" marT="7620" marB="0" anchor="b">
+                    <a:lnL w="6350" cap="flat" cmpd="sng" algn="ctr">
+                      <a:solidFill>
+                        <a:srgbClr val="000000"/>
+                      </a:solidFill>
+                      <a:prstDash val="solid"/>
+                      <a:round/>
+                      <a:headEnd type="none" w="med" len="med"/>
+                      <a:tailEnd type="none" w="med" len="med"/>
+                    </a:lnL>
+                    <a:lnR w="6350" cap="flat" cmpd="sng" algn="ctr">
+                      <a:solidFill>
+                        <a:srgbClr val="000000"/>
+                      </a:solidFill>
+                      <a:prstDash val="solid"/>
+                      <a:round/>
+                      <a:headEnd type="none" w="med" len="med"/>
+                      <a:tailEnd type="none" w="med" len="med"/>
+                    </a:lnR>
+                    <a:lnT w="6350" cap="flat" cmpd="sng" algn="ctr">
+                      <a:solidFill>
+                        <a:srgbClr val="000000"/>
+                      </a:solidFill>
+                      <a:prstDash val="solid"/>
+                      <a:round/>
+                      <a:headEnd type="none" w="med" len="med"/>
+                      <a:tailEnd type="none" w="med" len="med"/>
+                    </a:lnT>
+                    <a:lnB w="6350" cap="flat" cmpd="sng" algn="ctr">
+                      <a:solidFill>
+                        <a:srgbClr val="000000"/>
+                      </a:solidFill>
+                      <a:prstDash val="solid"/>
+                      <a:round/>
+                      <a:headEnd type="none" w="med" len="med"/>
+                      <a:tailEnd type="none" w="med" len="med"/>
+                    </a:lnB>
+                  </a:tcPr>
+                </a:tc>
+                <a:extLst>
+                  <a:ext uri="{0D108BD9-81ED-4DB2-BD59-A6C34878D82A}">
+                    <a16:rowId xmlns:a16="http://schemas.microsoft.com/office/drawing/2014/main" val="3197869173"/>
+                  </a:ext>
+                </a:extLst>
+              </a:tr>
+              <a:tr h="182880">
+                <a:tc>
+                  <a:txBody>
+                    <a:bodyPr/>
+                    <a:lstStyle/>
+                    <a:p>
+                      <a:pPr algn="ctr" fontAlgn="b"/>
+                      <a:r>
+                        <a:rPr lang="en-US" sz="1100" b="0" i="0" u="none" strike="noStrike">
+                          <a:solidFill>
+                            <a:srgbClr val="000000"/>
+                          </a:solidFill>
+                          <a:effectLst/>
+                          <a:latin typeface="Calibri" panose="020F0502020204030204" pitchFamily="34" charset="0"/>
+                        </a:rPr>
+                        <a:t>Hispanic/Latino</a:t>
+                      </a:r>
+                    </a:p>
+                  </a:txBody>
+                  <a:tcPr marL="7620" marR="7620" marT="7620" marB="0" anchor="b">
+                    <a:lnL w="6350" cap="flat" cmpd="sng" algn="ctr">
+                      <a:solidFill>
+                        <a:srgbClr val="000000"/>
+                      </a:solidFill>
+                      <a:prstDash val="solid"/>
+                      <a:round/>
+                      <a:headEnd type="none" w="med" len="med"/>
+                      <a:tailEnd type="none" w="med" len="med"/>
+                    </a:lnL>
+                    <a:lnR w="6350" cap="flat" cmpd="sng" algn="ctr">
+                      <a:solidFill>
+                        <a:srgbClr val="000000"/>
+                      </a:solidFill>
+                      <a:prstDash val="solid"/>
+                      <a:round/>
+                      <a:headEnd type="none" w="med" len="med"/>
+                      <a:tailEnd type="none" w="med" len="med"/>
+                    </a:lnR>
+                    <a:lnT w="6350" cap="flat" cmpd="sng" algn="ctr">
+                      <a:solidFill>
+                        <a:srgbClr val="000000"/>
+                      </a:solidFill>
+                      <a:prstDash val="solid"/>
+                      <a:round/>
+                      <a:headEnd type="none" w="med" len="med"/>
+                      <a:tailEnd type="none" w="med" len="med"/>
+                    </a:lnT>
+                    <a:lnB w="6350" cap="flat" cmpd="sng" algn="ctr">
+                      <a:solidFill>
+                        <a:srgbClr val="000000"/>
+                      </a:solidFill>
+                      <a:prstDash val="solid"/>
+                      <a:round/>
+                      <a:headEnd type="none" w="med" len="med"/>
+                      <a:tailEnd type="none" w="med" len="med"/>
+                    </a:lnB>
+                  </a:tcPr>
+                </a:tc>
+                <a:tc>
+                  <a:txBody>
+                    <a:bodyPr/>
+                    <a:lstStyle/>
+                    <a:p>
+                      <a:pPr algn="ctr" fontAlgn="b"/>
+                      <a:r>
+                        <a:rPr lang="en-US" sz="1100" b="0" i="0" u="none" strike="noStrike">
+                          <a:solidFill>
+                            <a:srgbClr val="000000"/>
+                          </a:solidFill>
+                          <a:effectLst/>
+                          <a:latin typeface="Calibri" panose="020F0502020204030204" pitchFamily="34" charset="0"/>
+                        </a:rPr>
+                        <a:t>31</a:t>
+                      </a:r>
+                    </a:p>
+                  </a:txBody>
+                  <a:tcPr marL="7620" marR="7620" marT="7620" marB="0" anchor="b">
+                    <a:lnL w="6350" cap="flat" cmpd="sng" algn="ctr">
+                      <a:solidFill>
+                        <a:srgbClr val="000000"/>
+                      </a:solidFill>
+                      <a:prstDash val="solid"/>
+                      <a:round/>
+                      <a:headEnd type="none" w="med" len="med"/>
+                      <a:tailEnd type="none" w="med" len="med"/>
+                    </a:lnL>
+                    <a:lnR w="6350" cap="flat" cmpd="sng" algn="ctr">
+                      <a:solidFill>
+                        <a:srgbClr val="000000"/>
+                      </a:solidFill>
+                      <a:prstDash val="solid"/>
+                      <a:round/>
+                      <a:headEnd type="none" w="med" len="med"/>
+                      <a:tailEnd type="none" w="med" len="med"/>
+                    </a:lnR>
+                    <a:lnT w="6350" cap="flat" cmpd="sng" algn="ctr">
+                      <a:solidFill>
+                        <a:srgbClr val="000000"/>
+                      </a:solidFill>
+                      <a:prstDash val="solid"/>
+                      <a:round/>
+                      <a:headEnd type="none" w="med" len="med"/>
+                      <a:tailEnd type="none" w="med" len="med"/>
+                    </a:lnT>
+                    <a:lnB w="6350" cap="flat" cmpd="sng" algn="ctr">
+                      <a:solidFill>
+                        <a:srgbClr val="000000"/>
+                      </a:solidFill>
+                      <a:prstDash val="solid"/>
+                      <a:round/>
+                      <a:headEnd type="none" w="med" len="med"/>
+                      <a:tailEnd type="none" w="med" len="med"/>
+                    </a:lnB>
+                  </a:tcPr>
+                </a:tc>
+                <a:extLst>
+                  <a:ext uri="{0D108BD9-81ED-4DB2-BD59-A6C34878D82A}">
+                    <a16:rowId xmlns:a16="http://schemas.microsoft.com/office/drawing/2014/main" val="2992304176"/>
+                  </a:ext>
+                </a:extLst>
+              </a:tr>
+              <a:tr h="182880">
+                <a:tc>
+                  <a:txBody>
+                    <a:bodyPr/>
+                    <a:lstStyle/>
+                    <a:p>
+                      <a:pPr algn="ctr" fontAlgn="b"/>
+                      <a:r>
+                        <a:rPr lang="en-US" sz="1100" b="0" i="0" u="none" strike="noStrike">
+                          <a:solidFill>
+                            <a:srgbClr val="000000"/>
+                          </a:solidFill>
+                          <a:effectLst/>
+                          <a:latin typeface="Calibri" panose="020F0502020204030204" pitchFamily="34" charset="0"/>
+                        </a:rPr>
+                        <a:t>White, non-Hispanic</a:t>
+                      </a:r>
+                    </a:p>
+                  </a:txBody>
+                  <a:tcPr marL="7620" marR="7620" marT="7620" marB="0" anchor="b">
+                    <a:lnL w="6350" cap="flat" cmpd="sng" algn="ctr">
+                      <a:solidFill>
+                        <a:srgbClr val="000000"/>
+                      </a:solidFill>
+                      <a:prstDash val="solid"/>
+                      <a:round/>
+                      <a:headEnd type="none" w="med" len="med"/>
+                      <a:tailEnd type="none" w="med" len="med"/>
+                    </a:lnL>
+                    <a:lnR w="6350" cap="flat" cmpd="sng" algn="ctr">
+                      <a:solidFill>
+                        <a:srgbClr val="000000"/>
+                      </a:solidFill>
+                      <a:prstDash val="solid"/>
+                      <a:round/>
+                      <a:headEnd type="none" w="med" len="med"/>
+                      <a:tailEnd type="none" w="med" len="med"/>
+                    </a:lnR>
+                    <a:lnT w="6350" cap="flat" cmpd="sng" algn="ctr">
+                      <a:solidFill>
+                        <a:srgbClr val="000000"/>
+                      </a:solidFill>
+                      <a:prstDash val="solid"/>
+                      <a:round/>
+                      <a:headEnd type="none" w="med" len="med"/>
+                      <a:tailEnd type="none" w="med" len="med"/>
+                    </a:lnT>
+                    <a:lnB w="6350" cap="flat" cmpd="sng" algn="ctr">
+                      <a:solidFill>
+                        <a:srgbClr val="000000"/>
+                      </a:solidFill>
+                      <a:prstDash val="solid"/>
+                      <a:round/>
+                      <a:headEnd type="none" w="med" len="med"/>
+                      <a:tailEnd type="none" w="med" len="med"/>
+                    </a:lnB>
+                  </a:tcPr>
+                </a:tc>
+                <a:tc>
+                  <a:txBody>
+                    <a:bodyPr/>
+                    <a:lstStyle/>
+                    <a:p>
+                      <a:pPr algn="ctr" fontAlgn="b"/>
+                      <a:r>
+                        <a:rPr lang="en-US" sz="1100" b="0" i="0" u="none" strike="noStrike">
+                          <a:solidFill>
+                            <a:srgbClr val="000000"/>
+                          </a:solidFill>
+                          <a:effectLst/>
+                          <a:latin typeface="Calibri" panose="020F0502020204030204" pitchFamily="34" charset="0"/>
+                        </a:rPr>
+                        <a:t>45.4</a:t>
+                      </a:r>
+                    </a:p>
+                  </a:txBody>
+                  <a:tcPr marL="7620" marR="7620" marT="7620" marB="0" anchor="b">
+                    <a:lnL w="6350" cap="flat" cmpd="sng" algn="ctr">
+                      <a:solidFill>
+                        <a:srgbClr val="000000"/>
+                      </a:solidFill>
+                      <a:prstDash val="solid"/>
+                      <a:round/>
+                      <a:headEnd type="none" w="med" len="med"/>
+                      <a:tailEnd type="none" w="med" len="med"/>
+                    </a:lnL>
+                    <a:lnR w="6350" cap="flat" cmpd="sng" algn="ctr">
+                      <a:solidFill>
+                        <a:srgbClr val="000000"/>
+                      </a:solidFill>
+                      <a:prstDash val="solid"/>
+                      <a:round/>
+                      <a:headEnd type="none" w="med" len="med"/>
+                      <a:tailEnd type="none" w="med" len="med"/>
+                    </a:lnR>
+                    <a:lnT w="6350" cap="flat" cmpd="sng" algn="ctr">
+                      <a:solidFill>
+                        <a:srgbClr val="000000"/>
+                      </a:solidFill>
+                      <a:prstDash val="solid"/>
+                      <a:round/>
+                      <a:headEnd type="none" w="med" len="med"/>
+                      <a:tailEnd type="none" w="med" len="med"/>
+                    </a:lnT>
+                    <a:lnB w="6350" cap="flat" cmpd="sng" algn="ctr">
+                      <a:solidFill>
+                        <a:srgbClr val="000000"/>
+                      </a:solidFill>
+                      <a:prstDash val="solid"/>
+                      <a:round/>
+                      <a:headEnd type="none" w="med" len="med"/>
+                      <a:tailEnd type="none" w="med" len="med"/>
+                    </a:lnB>
+                  </a:tcPr>
+                </a:tc>
+                <a:extLst>
+                  <a:ext uri="{0D108BD9-81ED-4DB2-BD59-A6C34878D82A}">
+                    <a16:rowId xmlns:a16="http://schemas.microsoft.com/office/drawing/2014/main" val="2648063918"/>
+                  </a:ext>
+                </a:extLst>
+              </a:tr>
+              <a:tr h="182880">
+                <a:tc>
+                  <a:txBody>
+                    <a:bodyPr/>
+                    <a:lstStyle/>
+                    <a:p>
+                      <a:pPr algn="ctr" fontAlgn="b"/>
+                      <a:r>
+                        <a:rPr lang="en-US" sz="1100" b="0" i="0" u="none" strike="noStrike">
+                          <a:solidFill>
+                            <a:srgbClr val="000000"/>
+                          </a:solidFill>
+                          <a:effectLst/>
+                          <a:latin typeface="Calibri" panose="020F0502020204030204" pitchFamily="34" charset="0"/>
+                        </a:rPr>
+                        <a:t>Black, non - Hispanic</a:t>
+                      </a:r>
+                    </a:p>
+                  </a:txBody>
+                  <a:tcPr marL="7620" marR="7620" marT="7620" marB="0" anchor="b">
+                    <a:lnL w="6350" cap="flat" cmpd="sng" algn="ctr">
+                      <a:solidFill>
+                        <a:srgbClr val="000000"/>
+                      </a:solidFill>
+                      <a:prstDash val="solid"/>
+                      <a:round/>
+                      <a:headEnd type="none" w="med" len="med"/>
+                      <a:tailEnd type="none" w="med" len="med"/>
+                    </a:lnL>
+                    <a:lnR w="6350" cap="flat" cmpd="sng" algn="ctr">
+                      <a:solidFill>
+                        <a:srgbClr val="000000"/>
+                      </a:solidFill>
+                      <a:prstDash val="solid"/>
+                      <a:round/>
+                      <a:headEnd type="none" w="med" len="med"/>
+                      <a:tailEnd type="none" w="med" len="med"/>
+                    </a:lnR>
+                    <a:lnT w="6350" cap="flat" cmpd="sng" algn="ctr">
+                      <a:solidFill>
+                        <a:srgbClr val="000000"/>
+                      </a:solidFill>
+                      <a:prstDash val="solid"/>
+                      <a:round/>
+                      <a:headEnd type="none" w="med" len="med"/>
+                      <a:tailEnd type="none" w="med" len="med"/>
+                    </a:lnT>
+                    <a:lnB w="6350" cap="flat" cmpd="sng" algn="ctr">
+                      <a:solidFill>
+                        <a:srgbClr val="000000"/>
+                      </a:solidFill>
+                      <a:prstDash val="solid"/>
+                      <a:round/>
+                      <a:headEnd type="none" w="med" len="med"/>
+                      <a:tailEnd type="none" w="med" len="med"/>
+                    </a:lnB>
+                  </a:tcPr>
+                </a:tc>
+                <a:tc>
+                  <a:txBody>
+                    <a:bodyPr/>
+                    <a:lstStyle/>
+                    <a:p>
+                      <a:pPr algn="ctr" fontAlgn="b"/>
+                      <a:r>
+                        <a:rPr lang="en-US" sz="1100" b="0" i="0" u="none" strike="noStrike">
+                          <a:solidFill>
+                            <a:srgbClr val="000000"/>
+                          </a:solidFill>
+                          <a:effectLst/>
+                          <a:latin typeface="Calibri" panose="020F0502020204030204" pitchFamily="34" charset="0"/>
+                        </a:rPr>
+                        <a:t>12.3</a:t>
+                      </a:r>
+                    </a:p>
+                  </a:txBody>
+                  <a:tcPr marL="7620" marR="7620" marT="7620" marB="0" anchor="b">
+                    <a:lnL w="6350" cap="flat" cmpd="sng" algn="ctr">
+                      <a:solidFill>
+                        <a:srgbClr val="000000"/>
+                      </a:solidFill>
+                      <a:prstDash val="solid"/>
+                      <a:round/>
+                      <a:headEnd type="none" w="med" len="med"/>
+                      <a:tailEnd type="none" w="med" len="med"/>
+                    </a:lnL>
+                    <a:lnR w="6350" cap="flat" cmpd="sng" algn="ctr">
+                      <a:solidFill>
+                        <a:srgbClr val="000000"/>
+                      </a:solidFill>
+                      <a:prstDash val="solid"/>
+                      <a:round/>
+                      <a:headEnd type="none" w="med" len="med"/>
+                      <a:tailEnd type="none" w="med" len="med"/>
+                    </a:lnR>
+                    <a:lnT w="6350" cap="flat" cmpd="sng" algn="ctr">
+                      <a:solidFill>
+                        <a:srgbClr val="000000"/>
+                      </a:solidFill>
+                      <a:prstDash val="solid"/>
+                      <a:round/>
+                      <a:headEnd type="none" w="med" len="med"/>
+                      <a:tailEnd type="none" w="med" len="med"/>
+                    </a:lnT>
+                    <a:lnB w="6350" cap="flat" cmpd="sng" algn="ctr">
+                      <a:solidFill>
+                        <a:srgbClr val="000000"/>
+                      </a:solidFill>
+                      <a:prstDash val="solid"/>
+                      <a:round/>
+                      <a:headEnd type="none" w="med" len="med"/>
+                      <a:tailEnd type="none" w="med" len="med"/>
+                    </a:lnB>
+                  </a:tcPr>
+                </a:tc>
+                <a:extLst>
+                  <a:ext uri="{0D108BD9-81ED-4DB2-BD59-A6C34878D82A}">
+                    <a16:rowId xmlns:a16="http://schemas.microsoft.com/office/drawing/2014/main" val="1484968247"/>
+                  </a:ext>
+                </a:extLst>
+              </a:tr>
+              <a:tr h="182880">
+                <a:tc>
+                  <a:txBody>
+                    <a:bodyPr/>
+                    <a:lstStyle/>
+                    <a:p>
+                      <a:pPr algn="ctr" fontAlgn="b"/>
+                      <a:r>
+                        <a:rPr lang="en-US" sz="1100" b="0" i="0" u="none" strike="noStrike">
+                          <a:solidFill>
+                            <a:srgbClr val="000000"/>
+                          </a:solidFill>
+                          <a:effectLst/>
+                          <a:latin typeface="Calibri" panose="020F0502020204030204" pitchFamily="34" charset="0"/>
+                        </a:rPr>
+                        <a:t>Asian/Pacific Islander, non-Hispanic</a:t>
+                      </a:r>
+                    </a:p>
+                  </a:txBody>
+                  <a:tcPr marL="7620" marR="7620" marT="7620" marB="0" anchor="b">
+                    <a:lnL w="6350" cap="flat" cmpd="sng" algn="ctr">
+                      <a:solidFill>
+                        <a:srgbClr val="000000"/>
+                      </a:solidFill>
+                      <a:prstDash val="solid"/>
+                      <a:round/>
+                      <a:headEnd type="none" w="med" len="med"/>
+                      <a:tailEnd type="none" w="med" len="med"/>
+                    </a:lnL>
+                    <a:lnR w="6350" cap="flat" cmpd="sng" algn="ctr">
+                      <a:solidFill>
+                        <a:srgbClr val="000000"/>
+                      </a:solidFill>
+                      <a:prstDash val="solid"/>
+                      <a:round/>
+                      <a:headEnd type="none" w="med" len="med"/>
+                      <a:tailEnd type="none" w="med" len="med"/>
+                    </a:lnR>
+                    <a:lnT w="6350" cap="flat" cmpd="sng" algn="ctr">
+                      <a:solidFill>
+                        <a:srgbClr val="000000"/>
+                      </a:solidFill>
+                      <a:prstDash val="solid"/>
+                      <a:round/>
+                      <a:headEnd type="none" w="med" len="med"/>
+                      <a:tailEnd type="none" w="med" len="med"/>
+                    </a:lnT>
+                    <a:lnB w="6350" cap="flat" cmpd="sng" algn="ctr">
+                      <a:solidFill>
+                        <a:srgbClr val="000000"/>
+                      </a:solidFill>
+                      <a:prstDash val="solid"/>
+                      <a:round/>
+                      <a:headEnd type="none" w="med" len="med"/>
+                      <a:tailEnd type="none" w="med" len="med"/>
+                    </a:lnB>
+                  </a:tcPr>
+                </a:tc>
+                <a:tc>
+                  <a:txBody>
+                    <a:bodyPr/>
+                    <a:lstStyle/>
+                    <a:p>
+                      <a:pPr algn="ctr" fontAlgn="b"/>
+                      <a:r>
+                        <a:rPr lang="en-US" sz="1100" b="0" i="0" u="none" strike="noStrike">
+                          <a:solidFill>
+                            <a:srgbClr val="000000"/>
+                          </a:solidFill>
+                          <a:effectLst/>
+                          <a:latin typeface="Calibri" panose="020F0502020204030204" pitchFamily="34" charset="0"/>
+                        </a:rPr>
+                        <a:t>3.3</a:t>
+                      </a:r>
+                    </a:p>
+                  </a:txBody>
+                  <a:tcPr marL="7620" marR="7620" marT="7620" marB="0" anchor="b">
+                    <a:lnL w="6350" cap="flat" cmpd="sng" algn="ctr">
+                      <a:solidFill>
+                        <a:srgbClr val="000000"/>
+                      </a:solidFill>
+                      <a:prstDash val="solid"/>
+                      <a:round/>
+                      <a:headEnd type="none" w="med" len="med"/>
+                      <a:tailEnd type="none" w="med" len="med"/>
+                    </a:lnL>
+                    <a:lnR w="6350" cap="flat" cmpd="sng" algn="ctr">
+                      <a:solidFill>
+                        <a:srgbClr val="000000"/>
+                      </a:solidFill>
+                      <a:prstDash val="solid"/>
+                      <a:round/>
+                      <a:headEnd type="none" w="med" len="med"/>
+                      <a:tailEnd type="none" w="med" len="med"/>
+                    </a:lnR>
+                    <a:lnT w="6350" cap="flat" cmpd="sng" algn="ctr">
+                      <a:solidFill>
+                        <a:srgbClr val="000000"/>
+                      </a:solidFill>
+                      <a:prstDash val="solid"/>
+                      <a:round/>
+                      <a:headEnd type="none" w="med" len="med"/>
+                      <a:tailEnd type="none" w="med" len="med"/>
+                    </a:lnT>
+                    <a:lnB w="6350" cap="flat" cmpd="sng" algn="ctr">
+                      <a:solidFill>
+                        <a:srgbClr val="000000"/>
+                      </a:solidFill>
+                      <a:prstDash val="solid"/>
+                      <a:round/>
+                      <a:headEnd type="none" w="med" len="med"/>
+                      <a:tailEnd type="none" w="med" len="med"/>
+                    </a:lnB>
+                  </a:tcPr>
+                </a:tc>
+                <a:extLst>
+                  <a:ext uri="{0D108BD9-81ED-4DB2-BD59-A6C34878D82A}">
+                    <a16:rowId xmlns:a16="http://schemas.microsoft.com/office/drawing/2014/main" val="1856127078"/>
+                  </a:ext>
+                </a:extLst>
+              </a:tr>
+              <a:tr h="182880">
+                <a:tc>
+                  <a:txBody>
+                    <a:bodyPr/>
+                    <a:lstStyle/>
+                    <a:p>
+                      <a:pPr algn="ctr" fontAlgn="b"/>
+                      <a:r>
+                        <a:rPr lang="en-US" sz="1100" b="0" i="0" u="none" strike="noStrike">
+                          <a:solidFill>
+                            <a:srgbClr val="000000"/>
+                          </a:solidFill>
+                          <a:effectLst/>
+                          <a:latin typeface="Calibri" panose="020F0502020204030204" pitchFamily="34" charset="0"/>
+                        </a:rPr>
+                        <a:t>American Indian/Alaska native, non-Hispanic</a:t>
+                      </a:r>
+                    </a:p>
+                  </a:txBody>
+                  <a:tcPr marL="7620" marR="7620" marT="7620" marB="0" anchor="b">
+                    <a:lnL w="6350" cap="flat" cmpd="sng" algn="ctr">
+                      <a:solidFill>
+                        <a:srgbClr val="000000"/>
+                      </a:solidFill>
+                      <a:prstDash val="solid"/>
+                      <a:round/>
+                      <a:headEnd type="none" w="med" len="med"/>
+                      <a:tailEnd type="none" w="med" len="med"/>
+                    </a:lnL>
+                    <a:lnR w="6350" cap="flat" cmpd="sng" algn="ctr">
+                      <a:solidFill>
+                        <a:srgbClr val="000000"/>
+                      </a:solidFill>
+                      <a:prstDash val="solid"/>
+                      <a:round/>
+                      <a:headEnd type="none" w="med" len="med"/>
+                      <a:tailEnd type="none" w="med" len="med"/>
+                    </a:lnR>
+                    <a:lnT w="6350" cap="flat" cmpd="sng" algn="ctr">
+                      <a:solidFill>
+                        <a:srgbClr val="000000"/>
+                      </a:solidFill>
+                      <a:prstDash val="solid"/>
+                      <a:round/>
+                      <a:headEnd type="none" w="med" len="med"/>
+                      <a:tailEnd type="none" w="med" len="med"/>
+                    </a:lnT>
+                    <a:lnB w="6350" cap="flat" cmpd="sng" algn="ctr">
+                      <a:solidFill>
+                        <a:srgbClr val="000000"/>
+                      </a:solidFill>
+                      <a:prstDash val="solid"/>
+                      <a:round/>
+                      <a:headEnd type="none" w="med" len="med"/>
+                      <a:tailEnd type="none" w="med" len="med"/>
+                    </a:lnB>
+                  </a:tcPr>
+                </a:tc>
+                <a:tc>
+                  <a:txBody>
+                    <a:bodyPr/>
+                    <a:lstStyle/>
+                    <a:p>
+                      <a:pPr algn="ctr" fontAlgn="b"/>
+                      <a:r>
+                        <a:rPr lang="en-US" sz="1100" b="0" i="0" u="none" strike="noStrike">
+                          <a:solidFill>
+                            <a:srgbClr val="000000"/>
+                          </a:solidFill>
+                          <a:effectLst/>
+                          <a:latin typeface="Calibri" panose="020F0502020204030204" pitchFamily="34" charset="0"/>
+                        </a:rPr>
+                        <a:t>2</a:t>
+                      </a:r>
+                    </a:p>
+                  </a:txBody>
+                  <a:tcPr marL="7620" marR="7620" marT="7620" marB="0" anchor="b">
+                    <a:lnL w="6350" cap="flat" cmpd="sng" algn="ctr">
+                      <a:solidFill>
+                        <a:srgbClr val="000000"/>
+                      </a:solidFill>
+                      <a:prstDash val="solid"/>
+                      <a:round/>
+                      <a:headEnd type="none" w="med" len="med"/>
+                      <a:tailEnd type="none" w="med" len="med"/>
+                    </a:lnL>
+                    <a:lnR w="6350" cap="flat" cmpd="sng" algn="ctr">
+                      <a:solidFill>
+                        <a:srgbClr val="000000"/>
+                      </a:solidFill>
+                      <a:prstDash val="solid"/>
+                      <a:round/>
+                      <a:headEnd type="none" w="med" len="med"/>
+                      <a:tailEnd type="none" w="med" len="med"/>
+                    </a:lnR>
+                    <a:lnT w="6350" cap="flat" cmpd="sng" algn="ctr">
+                      <a:solidFill>
+                        <a:srgbClr val="000000"/>
+                      </a:solidFill>
+                      <a:prstDash val="solid"/>
+                      <a:round/>
+                      <a:headEnd type="none" w="med" len="med"/>
+                      <a:tailEnd type="none" w="med" len="med"/>
+                    </a:lnT>
+                    <a:lnB w="6350" cap="flat" cmpd="sng" algn="ctr">
+                      <a:solidFill>
+                        <a:srgbClr val="000000"/>
+                      </a:solidFill>
+                      <a:prstDash val="solid"/>
+                      <a:round/>
+                      <a:headEnd type="none" w="med" len="med"/>
+                      <a:tailEnd type="none" w="med" len="med"/>
+                    </a:lnB>
+                  </a:tcPr>
+                </a:tc>
+                <a:extLst>
+                  <a:ext uri="{0D108BD9-81ED-4DB2-BD59-A6C34878D82A}">
+                    <a16:rowId xmlns:a16="http://schemas.microsoft.com/office/drawing/2014/main" val="3953886114"/>
+                  </a:ext>
+                </a:extLst>
+              </a:tr>
+              <a:tr h="182880">
+                <a:tc>
+                  <a:txBody>
+                    <a:bodyPr/>
+                    <a:lstStyle/>
+                    <a:p>
+                      <a:pPr algn="ctr" fontAlgn="b"/>
+                      <a:r>
+                        <a:rPr lang="en-US" sz="1100" b="0" i="0" u="none" strike="noStrike">
+                          <a:solidFill>
+                            <a:srgbClr val="000000"/>
+                          </a:solidFill>
+                          <a:effectLst/>
+                          <a:latin typeface="Calibri" panose="020F0502020204030204" pitchFamily="34" charset="0"/>
+                        </a:rPr>
+                        <a:t>Multiracial/ Other</a:t>
+                      </a:r>
+                    </a:p>
+                  </a:txBody>
+                  <a:tcPr marL="7620" marR="7620" marT="7620" marB="0" anchor="b">
+                    <a:lnL w="6350" cap="flat" cmpd="sng" algn="ctr">
+                      <a:solidFill>
+                        <a:srgbClr val="000000"/>
+                      </a:solidFill>
+                      <a:prstDash val="solid"/>
+                      <a:round/>
+                      <a:headEnd type="none" w="med" len="med"/>
+                      <a:tailEnd type="none" w="med" len="med"/>
+                    </a:lnL>
+                    <a:lnR w="6350" cap="flat" cmpd="sng" algn="ctr">
+                      <a:solidFill>
+                        <a:srgbClr val="000000"/>
+                      </a:solidFill>
+                      <a:prstDash val="solid"/>
+                      <a:round/>
+                      <a:headEnd type="none" w="med" len="med"/>
+                      <a:tailEnd type="none" w="med" len="med"/>
+                    </a:lnR>
+                    <a:lnT w="6350" cap="flat" cmpd="sng" algn="ctr">
+                      <a:solidFill>
+                        <a:srgbClr val="000000"/>
+                      </a:solidFill>
+                      <a:prstDash val="solid"/>
+                      <a:round/>
+                      <a:headEnd type="none" w="med" len="med"/>
+                      <a:tailEnd type="none" w="med" len="med"/>
+                    </a:lnT>
+                    <a:lnB w="6350" cap="flat" cmpd="sng" algn="ctr">
+                      <a:solidFill>
+                        <a:srgbClr val="000000"/>
+                      </a:solidFill>
+                      <a:prstDash val="solid"/>
+                      <a:round/>
+                      <a:headEnd type="none" w="med" len="med"/>
+                      <a:tailEnd type="none" w="med" len="med"/>
+                    </a:lnB>
+                  </a:tcPr>
+                </a:tc>
+                <a:tc>
+                  <a:txBody>
+                    <a:bodyPr/>
+                    <a:lstStyle/>
+                    <a:p>
+                      <a:pPr algn="ctr" fontAlgn="b"/>
+                      <a:r>
+                        <a:rPr lang="en-US" sz="1100" b="0" i="0" u="none" strike="noStrike" dirty="0">
+                          <a:solidFill>
+                            <a:srgbClr val="000000"/>
+                          </a:solidFill>
+                          <a:effectLst/>
+                          <a:latin typeface="Calibri" panose="020F0502020204030204" pitchFamily="34" charset="0"/>
+                        </a:rPr>
+                        <a:t>6</a:t>
+                      </a:r>
+                    </a:p>
+                  </a:txBody>
+                  <a:tcPr marL="7620" marR="7620" marT="7620" marB="0" anchor="b">
+                    <a:lnL w="6350" cap="flat" cmpd="sng" algn="ctr">
+                      <a:solidFill>
+                        <a:srgbClr val="000000"/>
+                      </a:solidFill>
+                      <a:prstDash val="solid"/>
+                      <a:round/>
+                      <a:headEnd type="none" w="med" len="med"/>
+                      <a:tailEnd type="none" w="med" len="med"/>
+                    </a:lnL>
+                    <a:lnR w="6350" cap="flat" cmpd="sng" algn="ctr">
+                      <a:solidFill>
+                        <a:srgbClr val="000000"/>
+                      </a:solidFill>
+                      <a:prstDash val="solid"/>
+                      <a:round/>
+                      <a:headEnd type="none" w="med" len="med"/>
+                      <a:tailEnd type="none" w="med" len="med"/>
+                    </a:lnR>
+                    <a:lnT w="6350" cap="flat" cmpd="sng" algn="ctr">
+                      <a:solidFill>
+                        <a:srgbClr val="000000"/>
+                      </a:solidFill>
+                      <a:prstDash val="solid"/>
+                      <a:round/>
+                      <a:headEnd type="none" w="med" len="med"/>
+                      <a:tailEnd type="none" w="med" len="med"/>
+                    </a:lnT>
+                    <a:lnB w="6350" cap="flat" cmpd="sng" algn="ctr">
+                      <a:solidFill>
+                        <a:srgbClr val="000000"/>
+                      </a:solidFill>
+                      <a:prstDash val="solid"/>
+                      <a:round/>
+                      <a:headEnd type="none" w="med" len="med"/>
+                      <a:tailEnd type="none" w="med" len="med"/>
+                    </a:lnB>
+                  </a:tcPr>
+                </a:tc>
+                <a:extLst>
+                  <a:ext uri="{0D108BD9-81ED-4DB2-BD59-A6C34878D82A}">
+                    <a16:rowId xmlns:a16="http://schemas.microsoft.com/office/drawing/2014/main" val="1662060580"/>
+                  </a:ext>
+                </a:extLst>
+              </a:tr>
+            </a:tbl>
+          </a:graphicData>
+        </a:graphic>
+      </p:graphicFrame>
+      <p:sp>
+        <p:nvSpPr>
+          <p:cNvPr id="14" name="TextBox 13">
+            <a:extLst>
+              <a:ext uri="{FF2B5EF4-FFF2-40B4-BE49-F238E27FC236}">
+                <a16:creationId xmlns:a16="http://schemas.microsoft.com/office/drawing/2014/main" id="{89573A70-A1CD-2D5E-A40A-8A249001743D}"/>
+              </a:ext>
+            </a:extLst>
+          </p:cNvPr>
+          <p:cNvSpPr txBox="1"/>
+          <p:nvPr/>
         </p:nvSpPr>
-        <p:spPr/>
+        <p:spPr>
+          <a:xfrm flipH="1">
+            <a:off x="0" y="3880492"/>
+            <a:ext cx="5791200" cy="1938992"/>
+          </a:xfrm>
+          <a:prstGeom prst="rect">
+            <a:avLst/>
+          </a:prstGeom>
+          <a:noFill/>
+        </p:spPr>
         <p:txBody>
-          <a:bodyPr/>
+          <a:bodyPr wrap="square" rtlCol="0">
+            <a:spAutoFit/>
+          </a:bodyPr>
           <a:lstStyle/>
           <a:p>
-            <a:endParaRPr lang="en-US"/>
+            <a:r>
+              <a:rPr lang="en-US" sz="2800" dirty="0">
+                <a:latin typeface="Arial "/>
+              </a:rPr>
+              <a:t>“</a:t>
+            </a:r>
+            <a:r>
+              <a:rPr lang="en-US" sz="2800" b="0" i="0" dirty="0">
+                <a:solidFill>
+                  <a:srgbClr val="333333"/>
+                </a:solidFill>
+                <a:effectLst/>
+                <a:latin typeface="Arial "/>
+              </a:rPr>
+              <a:t>Counties with higher percentages of racial/ethnic minority populations experienced a higher burden of COVID-19 incidence”</a:t>
+            </a:r>
+          </a:p>
+          <a:p>
+            <a:r>
+              <a:rPr lang="en-US" sz="800" b="0" i="0" dirty="0" err="1">
+                <a:effectLst/>
+                <a:latin typeface="Guardian TextSans Web"/>
+              </a:rPr>
+              <a:t>Karmakar</a:t>
+            </a:r>
+            <a:r>
+              <a:rPr lang="en-US" sz="800" b="0" i="0" dirty="0">
+                <a:effectLst/>
+                <a:latin typeface="Guardian TextSans Web"/>
+              </a:rPr>
+              <a:t> M et al... </a:t>
+            </a:r>
+            <a:r>
+              <a:rPr lang="en-US" sz="800" b="0" i="1" dirty="0">
+                <a:effectLst/>
+                <a:latin typeface="Guardian TextSans Web"/>
+              </a:rPr>
+              <a:t>JAMA </a:t>
+            </a:r>
+            <a:r>
+              <a:rPr lang="en-US" sz="800" b="0" i="1" dirty="0" err="1">
+                <a:effectLst/>
+                <a:latin typeface="Guardian TextSans Web"/>
+              </a:rPr>
+              <a:t>Netw</a:t>
+            </a:r>
+            <a:r>
+              <a:rPr lang="en-US" sz="800" b="0" i="1" dirty="0">
+                <a:effectLst/>
+                <a:latin typeface="Guardian TextSans Web"/>
+              </a:rPr>
+              <a:t> Open.</a:t>
+            </a:r>
+            <a:r>
+              <a:rPr lang="en-US" sz="800" b="0" i="0" dirty="0">
+                <a:effectLst/>
+                <a:latin typeface="Guardian TextSans Web"/>
+              </a:rPr>
+              <a:t> 2021;4(1):e2036462. doi:10.1001/jamanetworkopen.2020.36462</a:t>
+            </a:r>
+            <a:endParaRPr lang="en-US" sz="800" b="1" dirty="0">
+              <a:latin typeface="Arial "/>
+            </a:endParaRPr>
           </a:p>
         </p:txBody>
       </p:sp>
@@ -9563,6 +12364,229 @@
   <p:clrMapOvr>
     <a:masterClrMapping/>
   </p:clrMapOvr>
+  <p:timing>
+    <p:tnLst>
+      <p:par>
+        <p:cTn id="1" dur="indefinite" restart="never" nodeType="tmRoot">
+          <p:childTnLst>
+            <p:seq concurrent="1" nextAc="seek">
+              <p:cTn id="2" dur="indefinite" nodeType="mainSeq">
+                <p:childTnLst>
+                  <p:par>
+                    <p:cTn id="3" fill="hold">
+                      <p:stCondLst>
+                        <p:cond delay="indefinite"/>
+                      </p:stCondLst>
+                      <p:childTnLst>
+                        <p:par>
+                          <p:cTn id="4" fill="hold">
+                            <p:stCondLst>
+                              <p:cond delay="0"/>
+                            </p:stCondLst>
+                            <p:childTnLst>
+                              <p:par>
+                                <p:cTn id="5" presetID="1" presetClass="entr" presetSubtype="0" fill="hold" nodeType="clickEffect">
+                                  <p:stCondLst>
+                                    <p:cond delay="0"/>
+                                  </p:stCondLst>
+                                  <p:childTnLst>
+                                    <p:set>
+                                      <p:cBhvr>
+                                        <p:cTn id="6" dur="1" fill="hold">
+                                          <p:stCondLst>
+                                            <p:cond delay="0"/>
+                                          </p:stCondLst>
+                                        </p:cTn>
+                                        <p:tgtEl>
+                                          <p:spTgt spid="7"/>
+                                        </p:tgtEl>
+                                        <p:attrNameLst>
+                                          <p:attrName>style.visibility</p:attrName>
+                                        </p:attrNameLst>
+                                      </p:cBhvr>
+                                      <p:to>
+                                        <p:strVal val="visible"/>
+                                      </p:to>
+                                    </p:set>
+                                  </p:childTnLst>
+                                </p:cTn>
+                              </p:par>
+                            </p:childTnLst>
+                          </p:cTn>
+                        </p:par>
+                      </p:childTnLst>
+                    </p:cTn>
+                  </p:par>
+                  <p:par>
+                    <p:cTn id="7" fill="hold">
+                      <p:stCondLst>
+                        <p:cond delay="indefinite"/>
+                      </p:stCondLst>
+                      <p:childTnLst>
+                        <p:par>
+                          <p:cTn id="8" fill="hold">
+                            <p:stCondLst>
+                              <p:cond delay="0"/>
+                            </p:stCondLst>
+                            <p:childTnLst>
+                              <p:par>
+                                <p:cTn id="9" presetID="1" presetClass="entr" presetSubtype="0" fill="hold" grpId="0" nodeType="clickEffect">
+                                  <p:stCondLst>
+                                    <p:cond delay="0"/>
+                                  </p:stCondLst>
+                                  <p:childTnLst>
+                                    <p:set>
+                                      <p:cBhvr>
+                                        <p:cTn id="10" dur="1" fill="hold">
+                                          <p:stCondLst>
+                                            <p:cond delay="0"/>
+                                          </p:stCondLst>
+                                        </p:cTn>
+                                        <p:tgtEl>
+                                          <p:spTgt spid="14"/>
+                                        </p:tgtEl>
+                                        <p:attrNameLst>
+                                          <p:attrName>style.visibility</p:attrName>
+                                        </p:attrNameLst>
+                                      </p:cBhvr>
+                                      <p:to>
+                                        <p:strVal val="visible"/>
+                                      </p:to>
+                                    </p:set>
+                                  </p:childTnLst>
+                                </p:cTn>
+                              </p:par>
+                            </p:childTnLst>
+                          </p:cTn>
+                        </p:par>
+                      </p:childTnLst>
+                    </p:cTn>
+                  </p:par>
+                  <p:par>
+                    <p:cTn id="11" fill="hold">
+                      <p:stCondLst>
+                        <p:cond delay="indefinite"/>
+                      </p:stCondLst>
+                      <p:childTnLst>
+                        <p:par>
+                          <p:cTn id="12" fill="hold">
+                            <p:stCondLst>
+                              <p:cond delay="0"/>
+                            </p:stCondLst>
+                            <p:childTnLst>
+                              <p:par>
+                                <p:cTn id="13" presetID="1" presetClass="entr" presetSubtype="0" fill="hold" nodeType="clickEffect">
+                                  <p:stCondLst>
+                                    <p:cond delay="0"/>
+                                  </p:stCondLst>
+                                  <p:childTnLst>
+                                    <p:set>
+                                      <p:cBhvr>
+                                        <p:cTn id="14" dur="1" fill="hold">
+                                          <p:stCondLst>
+                                            <p:cond delay="0"/>
+                                          </p:stCondLst>
+                                        </p:cTn>
+                                        <p:tgtEl>
+                                          <p:spTgt spid="4098"/>
+                                        </p:tgtEl>
+                                        <p:attrNameLst>
+                                          <p:attrName>style.visibility</p:attrName>
+                                        </p:attrNameLst>
+                                      </p:cBhvr>
+                                      <p:to>
+                                        <p:strVal val="visible"/>
+                                      </p:to>
+                                    </p:set>
+                                  </p:childTnLst>
+                                </p:cTn>
+                              </p:par>
+                              <p:par>
+                                <p:cTn id="15" presetID="1" presetClass="entr" presetSubtype="0" fill="hold" nodeType="withEffect">
+                                  <p:stCondLst>
+                                    <p:cond delay="0"/>
+                                  </p:stCondLst>
+                                  <p:childTnLst>
+                                    <p:set>
+                                      <p:cBhvr>
+                                        <p:cTn id="16" dur="1" fill="hold">
+                                          <p:stCondLst>
+                                            <p:cond delay="0"/>
+                                          </p:stCondLst>
+                                        </p:cTn>
+                                        <p:tgtEl>
+                                          <p:spTgt spid="10"/>
+                                        </p:tgtEl>
+                                        <p:attrNameLst>
+                                          <p:attrName>style.visibility</p:attrName>
+                                        </p:attrNameLst>
+                                      </p:cBhvr>
+                                      <p:to>
+                                        <p:strVal val="visible"/>
+                                      </p:to>
+                                    </p:set>
+                                  </p:childTnLst>
+                                </p:cTn>
+                              </p:par>
+                              <p:par>
+                                <p:cTn id="17" presetID="1" presetClass="entr" presetSubtype="0" fill="hold" grpId="0" nodeType="withEffect">
+                                  <p:stCondLst>
+                                    <p:cond delay="0"/>
+                                  </p:stCondLst>
+                                  <p:childTnLst>
+                                    <p:set>
+                                      <p:cBhvr>
+                                        <p:cTn id="18" dur="1" fill="hold">
+                                          <p:stCondLst>
+                                            <p:cond delay="0"/>
+                                          </p:stCondLst>
+                                        </p:cTn>
+                                        <p:tgtEl>
+                                          <p:spTgt spid="8"/>
+                                        </p:tgtEl>
+                                        <p:attrNameLst>
+                                          <p:attrName>style.visibility</p:attrName>
+                                        </p:attrNameLst>
+                                      </p:cBhvr>
+                                      <p:to>
+                                        <p:strVal val="visible"/>
+                                      </p:to>
+                                    </p:set>
+                                  </p:childTnLst>
+                                </p:cTn>
+                              </p:par>
+                            </p:childTnLst>
+                          </p:cTn>
+                        </p:par>
+                      </p:childTnLst>
+                    </p:cTn>
+                  </p:par>
+                </p:childTnLst>
+              </p:cTn>
+              <p:prevCondLst>
+                <p:cond evt="onPrev" delay="0">
+                  <p:tgtEl>
+                    <p:sldTgt/>
+                  </p:tgtEl>
+                </p:cond>
+              </p:prevCondLst>
+              <p:nextCondLst>
+                <p:cond evt="onNext" delay="0">
+                  <p:tgtEl>
+                    <p:sldTgt/>
+                  </p:tgtEl>
+                </p:cond>
+              </p:nextCondLst>
+            </p:seq>
+          </p:childTnLst>
+        </p:cTn>
+      </p:par>
+    </p:tnLst>
+    <p:bldLst>
+      <p:bldP spid="8" grpId="0"/>
+      <p:bldP spid="14" grpId="0"/>
+    </p:bldLst>
+  </p:timing>
 </p:sld>
 </file>
 
@@ -10172,7 +13196,7 @@
               <a:rPr lang="en-US" b="1" i="0" dirty="0">
                 <a:effectLst/>
               </a:rPr>
-              <a:t>Did counties with higher population of children have lower percentage of Covid-19 cases during the holiday season of the year 2020?</a:t>
+              <a:t>Did counties with population of children higher than 18% have lower percentage of Covid-19 cases during the holiday season of the year 2020?</a:t>
             </a:r>
             <a:br>
               <a:rPr lang="en-US" sz="1600" b="1" i="0" dirty="0">
@@ -10452,6 +13476,131 @@
                                           </p:stCondLst>
                                         </p:cTn>
                                         <p:tgtEl>
+                                          <p:spTgt spid="3076"/>
+                                        </p:tgtEl>
+                                        <p:attrNameLst>
+                                          <p:attrName>style.visibility</p:attrName>
+                                        </p:attrNameLst>
+                                      </p:cBhvr>
+                                      <p:to>
+                                        <p:strVal val="visible"/>
+                                      </p:to>
+                                    </p:set>
+                                  </p:childTnLst>
+                                </p:cTn>
+                              </p:par>
+                            </p:childTnLst>
+                          </p:cTn>
+                        </p:par>
+                      </p:childTnLst>
+                    </p:cTn>
+                  </p:par>
+                  <p:par>
+                    <p:cTn id="7" fill="hold">
+                      <p:stCondLst>
+                        <p:cond delay="indefinite"/>
+                      </p:stCondLst>
+                      <p:childTnLst>
+                        <p:par>
+                          <p:cTn id="8" fill="hold">
+                            <p:stCondLst>
+                              <p:cond delay="0"/>
+                            </p:stCondLst>
+                            <p:childTnLst>
+                              <p:par>
+                                <p:cTn id="9" presetID="1" presetClass="entr" presetSubtype="0" fill="hold" grpId="0" nodeType="clickEffect">
+                                  <p:stCondLst>
+                                    <p:cond delay="0"/>
+                                  </p:stCondLst>
+                                  <p:childTnLst>
+                                    <p:set>
+                                      <p:cBhvr>
+                                        <p:cTn id="10" dur="1" fill="hold">
+                                          <p:stCondLst>
+                                            <p:cond delay="0"/>
+                                          </p:stCondLst>
+                                        </p:cTn>
+                                        <p:tgtEl>
+                                          <p:spTgt spid="7">
+                                            <p:txEl>
+                                              <p:pRg st="0" end="0"/>
+                                            </p:txEl>
+                                          </p:spTgt>
+                                        </p:tgtEl>
+                                        <p:attrNameLst>
+                                          <p:attrName>style.visibility</p:attrName>
+                                        </p:attrNameLst>
+                                      </p:cBhvr>
+                                      <p:to>
+                                        <p:strVal val="visible"/>
+                                      </p:to>
+                                    </p:set>
+                                  </p:childTnLst>
+                                </p:cTn>
+                              </p:par>
+                              <p:par>
+                                <p:cTn id="11" presetID="1" presetClass="entr" presetSubtype="0" fill="hold" grpId="0" nodeType="withEffect">
+                                  <p:stCondLst>
+                                    <p:cond delay="0"/>
+                                  </p:stCondLst>
+                                  <p:childTnLst>
+                                    <p:set>
+                                      <p:cBhvr>
+                                        <p:cTn id="12" dur="1" fill="hold">
+                                          <p:stCondLst>
+                                            <p:cond delay="0"/>
+                                          </p:stCondLst>
+                                        </p:cTn>
+                                        <p:tgtEl>
+                                          <p:spTgt spid="7">
+                                            <p:txEl>
+                                              <p:pRg st="2" end="2"/>
+                                            </p:txEl>
+                                          </p:spTgt>
+                                        </p:tgtEl>
+                                        <p:attrNameLst>
+                                          <p:attrName>style.visibility</p:attrName>
+                                        </p:attrNameLst>
+                                      </p:cBhvr>
+                                      <p:to>
+                                        <p:strVal val="visible"/>
+                                      </p:to>
+                                    </p:set>
+                                  </p:childTnLst>
+                                </p:cTn>
+                              </p:par>
+                            </p:childTnLst>
+                          </p:cTn>
+                        </p:par>
+                      </p:childTnLst>
+                    </p:cTn>
+                  </p:par>
+                  <p:par>
+                    <p:cTn id="13" fill="hold">
+                      <p:stCondLst>
+                        <p:cond delay="indefinite"/>
+                      </p:stCondLst>
+                      <p:childTnLst>
+                        <p:par>
+                          <p:cTn id="14" fill="hold">
+                            <p:stCondLst>
+                              <p:cond delay="0"/>
+                            </p:stCondLst>
+                            <p:childTnLst>
+                              <p:par>
+                                <p:cTn id="15" presetID="1" presetClass="entr" presetSubtype="0" fill="hold" grpId="0" nodeType="clickEffect">
+                                  <p:stCondLst>
+                                    <p:cond delay="0"/>
+                                  </p:stCondLst>
+                                  <p:childTnLst>
+                                    <p:set>
+                                      <p:cBhvr>
+                                        <p:cTn id="16" dur="1" fill="hold">
+                                          <p:stCondLst>
+                                            <p:cond delay="0"/>
+                                          </p:stCondLst>
+                                        </p:cTn>
+                                        <p:tgtEl>
                                           <p:spTgt spid="7">
                                             <p:txEl>
                                               <p:pRg st="4" end="4"/>
@@ -10469,15 +13618,33 @@
                                   </p:childTnLst>
                                 </p:cTn>
                               </p:par>
+                            </p:childTnLst>
+                          </p:cTn>
+                        </p:par>
+                      </p:childTnLst>
+                    </p:cTn>
+                  </p:par>
+                  <p:par>
+                    <p:cTn id="17" fill="hold">
+                      <p:stCondLst>
+                        <p:cond delay="indefinite"/>
+                      </p:stCondLst>
+                      <p:childTnLst>
+                        <p:par>
+                          <p:cTn id="18" fill="hold">
+                            <p:stCondLst>
+                              <p:cond delay="0"/>
+                            </p:stCondLst>
+                            <p:childTnLst>
                               <p:par>
-                                <p:cTn id="7" presetID="1" presetClass="entr" presetSubtype="0" fill="hold" nodeType="withEffect">
+                                <p:cTn id="19" presetID="1" presetClass="entr" presetSubtype="0" fill="hold" grpId="0" nodeType="clickEffect">
                                   <p:stCondLst>
                                     <p:cond delay="0"/>
                                   </p:stCondLst>
                                   <p:childTnLst>
                                     <p:set>
                                       <p:cBhvr>
-                                        <p:cTn id="8" dur="1" fill="hold">
+                                        <p:cTn id="20" dur="1" fill="hold">
                                           <p:stCondLst>
                                             <p:cond delay="0"/>
                                           </p:stCondLst>
@@ -10527,6 +13694,9 @@
         </p:cTn>
       </p:par>
     </p:tnLst>
+    <p:bldLst>
+      <p:bldP spid="7" grpId="0" uiExpand="1" build="p"/>
+    </p:bldLst>
   </p:timing>
 </p:sld>
 </file>
@@ -10578,10 +13748,10 @@
           <a:p>
             <a:pPr algn="l"/>
             <a:r>
-              <a:rPr lang="en-US" b="1" i="0" dirty="0">
+              <a:rPr lang="en-US" i="0" dirty="0">
                 <a:effectLst/>
               </a:rPr>
-              <a:t>Did counties with higher diversity index have higher percentage of Covid-19 cases during the holiday season of the year 2020?</a:t>
+              <a:t>Did counties with diversity index higher than 25% have higher percentage of Covid-19 cases during the holiday season of the year 2020?</a:t>
             </a:r>
             <a:br>
               <a:rPr lang="en-US" b="1" i="0" dirty="0">
@@ -10800,6 +13970,131 @@
                                           </p:stCondLst>
                                         </p:cTn>
                                         <p:tgtEl>
+                                          <p:spTgt spid="4100"/>
+                                        </p:tgtEl>
+                                        <p:attrNameLst>
+                                          <p:attrName>style.visibility</p:attrName>
+                                        </p:attrNameLst>
+                                      </p:cBhvr>
+                                      <p:to>
+                                        <p:strVal val="visible"/>
+                                      </p:to>
+                                    </p:set>
+                                  </p:childTnLst>
+                                </p:cTn>
+                              </p:par>
+                            </p:childTnLst>
+                          </p:cTn>
+                        </p:par>
+                      </p:childTnLst>
+                    </p:cTn>
+                  </p:par>
+                  <p:par>
+                    <p:cTn id="7" fill="hold">
+                      <p:stCondLst>
+                        <p:cond delay="indefinite"/>
+                      </p:stCondLst>
+                      <p:childTnLst>
+                        <p:par>
+                          <p:cTn id="8" fill="hold">
+                            <p:stCondLst>
+                              <p:cond delay="0"/>
+                            </p:stCondLst>
+                            <p:childTnLst>
+                              <p:par>
+                                <p:cTn id="9" presetID="1" presetClass="entr" presetSubtype="0" fill="hold" grpId="0" nodeType="clickEffect">
+                                  <p:stCondLst>
+                                    <p:cond delay="0"/>
+                                  </p:stCondLst>
+                                  <p:childTnLst>
+                                    <p:set>
+                                      <p:cBhvr>
+                                        <p:cTn id="10" dur="1" fill="hold">
+                                          <p:stCondLst>
+                                            <p:cond delay="0"/>
+                                          </p:stCondLst>
+                                        </p:cTn>
+                                        <p:tgtEl>
+                                          <p:spTgt spid="7">
+                                            <p:txEl>
+                                              <p:pRg st="0" end="0"/>
+                                            </p:txEl>
+                                          </p:spTgt>
+                                        </p:tgtEl>
+                                        <p:attrNameLst>
+                                          <p:attrName>style.visibility</p:attrName>
+                                        </p:attrNameLst>
+                                      </p:cBhvr>
+                                      <p:to>
+                                        <p:strVal val="visible"/>
+                                      </p:to>
+                                    </p:set>
+                                  </p:childTnLst>
+                                </p:cTn>
+                              </p:par>
+                              <p:par>
+                                <p:cTn id="11" presetID="1" presetClass="entr" presetSubtype="0" fill="hold" grpId="0" nodeType="withEffect">
+                                  <p:stCondLst>
+                                    <p:cond delay="0"/>
+                                  </p:stCondLst>
+                                  <p:childTnLst>
+                                    <p:set>
+                                      <p:cBhvr>
+                                        <p:cTn id="12" dur="1" fill="hold">
+                                          <p:stCondLst>
+                                            <p:cond delay="0"/>
+                                          </p:stCondLst>
+                                        </p:cTn>
+                                        <p:tgtEl>
+                                          <p:spTgt spid="7">
+                                            <p:txEl>
+                                              <p:pRg st="2" end="2"/>
+                                            </p:txEl>
+                                          </p:spTgt>
+                                        </p:tgtEl>
+                                        <p:attrNameLst>
+                                          <p:attrName>style.visibility</p:attrName>
+                                        </p:attrNameLst>
+                                      </p:cBhvr>
+                                      <p:to>
+                                        <p:strVal val="visible"/>
+                                      </p:to>
+                                    </p:set>
+                                  </p:childTnLst>
+                                </p:cTn>
+                              </p:par>
+                            </p:childTnLst>
+                          </p:cTn>
+                        </p:par>
+                      </p:childTnLst>
+                    </p:cTn>
+                  </p:par>
+                  <p:par>
+                    <p:cTn id="13" fill="hold">
+                      <p:stCondLst>
+                        <p:cond delay="indefinite"/>
+                      </p:stCondLst>
+                      <p:childTnLst>
+                        <p:par>
+                          <p:cTn id="14" fill="hold">
+                            <p:stCondLst>
+                              <p:cond delay="0"/>
+                            </p:stCondLst>
+                            <p:childTnLst>
+                              <p:par>
+                                <p:cTn id="15" presetID="1" presetClass="entr" presetSubtype="0" fill="hold" grpId="0" nodeType="clickEffect">
+                                  <p:stCondLst>
+                                    <p:cond delay="0"/>
+                                  </p:stCondLst>
+                                  <p:childTnLst>
+                                    <p:set>
+                                      <p:cBhvr>
+                                        <p:cTn id="16" dur="1" fill="hold">
+                                          <p:stCondLst>
+                                            <p:cond delay="0"/>
+                                          </p:stCondLst>
+                                        </p:cTn>
+                                        <p:tgtEl>
                                           <p:spTgt spid="7">
                                             <p:txEl>
                                               <p:pRg st="4" end="4"/>
@@ -10817,15 +14112,33 @@
                                   </p:childTnLst>
                                 </p:cTn>
                               </p:par>
+                            </p:childTnLst>
+                          </p:cTn>
+                        </p:par>
+                      </p:childTnLst>
+                    </p:cTn>
+                  </p:par>
+                  <p:par>
+                    <p:cTn id="17" fill="hold">
+                      <p:stCondLst>
+                        <p:cond delay="indefinite"/>
+                      </p:stCondLst>
+                      <p:childTnLst>
+                        <p:par>
+                          <p:cTn id="18" fill="hold">
+                            <p:stCondLst>
+                              <p:cond delay="0"/>
+                            </p:stCondLst>
+                            <p:childTnLst>
                               <p:par>
-                                <p:cTn id="7" presetID="1" presetClass="entr" presetSubtype="0" fill="hold" nodeType="withEffect">
+                                <p:cTn id="19" presetID="1" presetClass="entr" presetSubtype="0" fill="hold" grpId="0" nodeType="clickEffect">
                                   <p:stCondLst>
                                     <p:cond delay="0"/>
                                   </p:stCondLst>
                                   <p:childTnLst>
                                     <p:set>
                                       <p:cBhvr>
-                                        <p:cTn id="8" dur="1" fill="hold">
+                                        <p:cTn id="20" dur="1" fill="hold">
                                           <p:stCondLst>
                                             <p:cond delay="0"/>
                                           </p:stCondLst>
@@ -10875,6 +14188,9 @@
         </p:cTn>
       </p:par>
     </p:tnLst>
+    <p:bldLst>
+      <p:bldP spid="7" grpId="0" uiExpand="1" build="p"/>
+    </p:bldLst>
   </p:timing>
 </p:sld>
 </file>
@@ -10926,10 +14242,14 @@
           <a:p>
             <a:pPr algn="l"/>
             <a:r>
+              <a:rPr lang="en-US" b="1" dirty="0"/>
+              <a:t>Were Covid-19 cases higher in counties with more than 18% population of children and diversity index greater than 25%</a:t>
+            </a:r>
+            <a:r>
               <a:rPr lang="en-US" b="1" i="0" dirty="0">
                 <a:effectLst/>
               </a:rPr>
-              <a:t>Did counties with higher diversity index have higher percentage of Covid-19 cases during the holiday season of the year 2020?</a:t>
+              <a:t>?</a:t>
             </a:r>
             <a:br>
               <a:rPr lang="en-US" b="1" i="0" dirty="0">
@@ -10945,51 +14265,12 @@
           </a:p>
         </p:txBody>
       </p:sp>
-      <p:pic>
-        <p:nvPicPr>
-          <p:cNvPr id="4100" name="Picture 4">
+      <p:sp>
+        <p:nvSpPr>
+          <p:cNvPr id="4" name="Content Placeholder 3">
             <a:extLst>
               <a:ext uri="{FF2B5EF4-FFF2-40B4-BE49-F238E27FC236}">
-                <a16:creationId xmlns:a16="http://schemas.microsoft.com/office/drawing/2014/main" id="{C702095C-493B-F7DB-5F05-9C7A63CF08CD}"/>
-              </a:ext>
-            </a:extLst>
-          </p:cNvPr>
-          <p:cNvPicPr>
-            <a:picLocks noChangeAspect="1" noChangeArrowheads="1"/>
-          </p:cNvPicPr>
-          <p:nvPr/>
-        </p:nvPicPr>
-        <p:blipFill>
-          <a:blip r:embed="rId2">
-            <a:extLst>
-              <a:ext uri="{28A0092B-C50C-407E-A947-70E740481C1C}">
-                <a14:useLocalDpi xmlns:a14="http://schemas.microsoft.com/office/drawing/2010/main" val="0"/>
-              </a:ext>
-            </a:extLst>
-          </a:blip>
-          <a:stretch>
-            <a:fillRect/>
-          </a:stretch>
-        </p:blipFill>
-        <p:spPr bwMode="auto">
-          <a:xfrm>
-            <a:off x="152401" y="1861986"/>
-            <a:ext cx="5181600" cy="4041648"/>
-          </a:xfrm>
-          <a:prstGeom prst="rect">
-            <a:avLst/>
-          </a:prstGeom>
-          <a:solidFill>
-            <a:srgbClr val="FFFFFF"/>
-          </a:solidFill>
-        </p:spPr>
-      </p:pic>
-      <p:sp>
-        <p:nvSpPr>
-          <p:cNvPr id="7" name="Content Placeholder 6">
-            <a:extLst>
-              <a:ext uri="{FF2B5EF4-FFF2-40B4-BE49-F238E27FC236}">
-                <a16:creationId xmlns:a16="http://schemas.microsoft.com/office/drawing/2014/main" id="{FCD5B277-B5F2-CDDA-89CC-2C67A9698FC5}"/>
+                <a16:creationId xmlns:a16="http://schemas.microsoft.com/office/drawing/2014/main" id="{9011DC8A-60A9-D7B5-2904-55EE24A93AAF}"/>
               </a:ext>
             </a:extLst>
           </p:cNvPr>
@@ -11000,40 +14281,10 @@
             <p:ph sz="half" idx="2"/>
           </p:nvPr>
         </p:nvSpPr>
-        <p:spPr>
-          <a:xfrm>
-            <a:off x="5537200" y="1588656"/>
-            <a:ext cx="6654799" cy="4588309"/>
-          </a:xfrm>
-        </p:spPr>
+        <p:spPr/>
         <p:txBody>
-          <a:bodyPr>
-            <a:noAutofit/>
-          </a:bodyPr>
+          <a:bodyPr/>
           <a:lstStyle/>
-          <a:p>
-            <a:pPr marL="0" indent="0">
-              <a:buNone/>
-            </a:pPr>
-            <a:r>
-              <a:rPr lang="en-US" sz="2800" b="1" dirty="0">
-                <a:solidFill>
-                  <a:schemeClr val="accent4"/>
-                </a:solidFill>
-              </a:rPr>
-              <a:t>Null hypothesis:</a:t>
-            </a:r>
-          </a:p>
-          <a:p>
-            <a:pPr marL="0" indent="0">
-              <a:buNone/>
-            </a:pPr>
-            <a:endParaRPr lang="en-US" sz="2800" b="1" dirty="0">
-              <a:solidFill>
-                <a:schemeClr val="accent4"/>
-              </a:solidFill>
-            </a:endParaRPr>
-          </a:p>
           <a:p>
             <a:pPr marL="0" indent="0">
               <a:buNone/>
@@ -11044,27 +14295,8 @@
                   <a:schemeClr val="accent4"/>
                 </a:solidFill>
               </a:rPr>
-              <a:t>C</a:t>
-            </a:r>
-            <a:r>
-              <a:rPr lang="en-US" sz="2800" b="0" i="0" dirty="0">
-                <a:solidFill>
-                  <a:schemeClr val="accent4"/>
-                </a:solidFill>
-                <a:effectLst/>
-              </a:rPr>
-              <a:t>ounties with the diversity index greater than 25 % had higher percentage of Covid-19 cases during the holiday season of 2020</a:t>
-            </a:r>
-          </a:p>
-          <a:p>
-            <a:pPr marL="0" indent="0">
-              <a:buNone/>
-            </a:pPr>
-            <a:endParaRPr lang="en-US" sz="2800" dirty="0">
-              <a:solidFill>
-                <a:schemeClr val="accent4"/>
-              </a:solidFill>
-            </a:endParaRPr>
+              <a:t>Intercept = 1.2375</a:t>
+            </a:r>
           </a:p>
           <a:p>
             <a:pPr marL="0" indent="0">
@@ -11076,38 +14308,179 @@
                   <a:schemeClr val="accent4"/>
                 </a:solidFill>
               </a:rPr>
-              <a:t>2 sample Wilcoxon sum test (U-test) p value = 1</a:t>
+              <a:t>Age dependence = 0.1606</a:t>
             </a:r>
           </a:p>
           <a:p>
             <a:pPr marL="0" indent="0">
               <a:buNone/>
             </a:pPr>
-            <a:endParaRPr lang="en-US" sz="2800" dirty="0">
-              <a:solidFill>
-                <a:schemeClr val="accent4"/>
-              </a:solidFill>
-            </a:endParaRPr>
-          </a:p>
-          <a:p>
-            <a:pPr marL="0" indent="0">
-              <a:buNone/>
-            </a:pPr>
-            <a:r>
-              <a:rPr lang="en-US" sz="2800" b="1" dirty="0">
+            <a:r>
+              <a:rPr lang="en-US" sz="2800" dirty="0">
                 <a:solidFill>
                   <a:schemeClr val="accent4"/>
                 </a:solidFill>
               </a:rPr>
-              <a:t>Result : Null hypothesis is valid</a:t>
+              <a:t>Diversity dependence = 0.9312</a:t>
+            </a:r>
+          </a:p>
+          <a:p>
+            <a:pPr marL="0" indent="0">
+              <a:buNone/>
+            </a:pPr>
+            <a:r>
+              <a:rPr lang="en-US" sz="2800" dirty="0">
+                <a:solidFill>
+                  <a:schemeClr val="accent4"/>
+                </a:solidFill>
+              </a:rPr>
+              <a:t>Interaction parameter = 1.2680</a:t>
             </a:r>
           </a:p>
         </p:txBody>
       </p:sp>
+      <p:pic>
+        <p:nvPicPr>
+          <p:cNvPr id="5" name="Picture 4">
+            <a:extLst>
+              <a:ext uri="{FF2B5EF4-FFF2-40B4-BE49-F238E27FC236}">
+                <a16:creationId xmlns:a16="http://schemas.microsoft.com/office/drawing/2014/main" id="{0E4B792A-6716-84A8-2092-06AC2E861697}"/>
+              </a:ext>
+            </a:extLst>
+          </p:cNvPr>
+          <p:cNvPicPr>
+            <a:picLocks noChangeAspect="1"/>
+          </p:cNvPicPr>
+          <p:nvPr/>
+        </p:nvPicPr>
+        <p:blipFill rotWithShape="1">
+          <a:blip r:embed="rId2"/>
+          <a:srcRect b="14000"/>
+          <a:stretch/>
+        </p:blipFill>
+        <p:spPr>
+          <a:xfrm>
+            <a:off x="6172201" y="3543495"/>
+            <a:ext cx="5764628" cy="3145535"/>
+          </a:xfrm>
+          <a:prstGeom prst="rect">
+            <a:avLst/>
+          </a:prstGeom>
+        </p:spPr>
+      </p:pic>
+      <p:grpSp>
+        <p:nvGrpSpPr>
+          <p:cNvPr id="13" name="Group 12">
+            <a:extLst>
+              <a:ext uri="{FF2B5EF4-FFF2-40B4-BE49-F238E27FC236}">
+                <a16:creationId xmlns:a16="http://schemas.microsoft.com/office/drawing/2014/main" id="{75066AF8-6C18-6ED5-9172-3974C18D3BE6}"/>
+              </a:ext>
+            </a:extLst>
+          </p:cNvPr>
+          <p:cNvGrpSpPr/>
+          <p:nvPr/>
+        </p:nvGrpSpPr>
+        <p:grpSpPr>
+          <a:xfrm>
+            <a:off x="102773" y="1588656"/>
+            <a:ext cx="5777914" cy="4698793"/>
+            <a:chOff x="102773" y="1588656"/>
+            <a:chExt cx="5777914" cy="4698793"/>
+          </a:xfrm>
+        </p:grpSpPr>
+        <p:pic>
+          <p:nvPicPr>
+            <p:cNvPr id="2052" name="Picture 4">
+              <a:extLst>
+                <a:ext uri="{FF2B5EF4-FFF2-40B4-BE49-F238E27FC236}">
+                  <a16:creationId xmlns:a16="http://schemas.microsoft.com/office/drawing/2014/main" id="{2CBFE44B-4E77-E142-CF49-D186C2FA0053}"/>
+                </a:ext>
+              </a:extLst>
+            </p:cNvPr>
+            <p:cNvPicPr>
+              <a:picLocks noChangeAspect="1" noChangeArrowheads="1"/>
+            </p:cNvPicPr>
+            <p:nvPr/>
+          </p:nvPicPr>
+          <p:blipFill>
+            <a:blip r:embed="rId3">
+              <a:extLst>
+                <a:ext uri="{28A0092B-C50C-407E-A947-70E740481C1C}">
+                  <a14:useLocalDpi xmlns:a14="http://schemas.microsoft.com/office/drawing/2010/main" val="0"/>
+                </a:ext>
+              </a:extLst>
+            </a:blip>
+            <a:srcRect/>
+            <a:stretch>
+              <a:fillRect/>
+            </a:stretch>
+          </p:blipFill>
+          <p:spPr bwMode="auto">
+            <a:xfrm>
+              <a:off x="102773" y="1588656"/>
+              <a:ext cx="5486400" cy="4698793"/>
+            </a:xfrm>
+            <a:prstGeom prst="rect">
+              <a:avLst/>
+            </a:prstGeom>
+            <a:noFill/>
+            <a:extLst>
+              <a:ext uri="{909E8E84-426E-40DD-AFC4-6F175D3DCCD1}">
+                <a14:hiddenFill xmlns:a14="http://schemas.microsoft.com/office/drawing/2010/main">
+                  <a:solidFill>
+                    <a:srgbClr val="FFFFFF"/>
+                  </a:solidFill>
+                </a14:hiddenFill>
+              </a:ext>
+            </a:extLst>
+          </p:spPr>
+        </p:pic>
+        <p:sp>
+          <p:nvSpPr>
+            <p:cNvPr id="7" name="TextBox 6">
+              <a:extLst>
+                <a:ext uri="{FF2B5EF4-FFF2-40B4-BE49-F238E27FC236}">
+                  <a16:creationId xmlns:a16="http://schemas.microsoft.com/office/drawing/2014/main" id="{59C97700-7D08-0B92-C52B-BC4DAEF973A9}"/>
+                </a:ext>
+              </a:extLst>
+            </p:cNvPr>
+            <p:cNvSpPr txBox="1"/>
+            <p:nvPr/>
+          </p:nvSpPr>
+          <p:spPr>
+            <a:xfrm>
+              <a:off x="2194512" y="5200650"/>
+              <a:ext cx="3686175" cy="646331"/>
+            </a:xfrm>
+            <a:prstGeom prst="rect">
+              <a:avLst/>
+            </a:prstGeom>
+            <a:noFill/>
+          </p:spPr>
+          <p:txBody>
+            <a:bodyPr wrap="square" rtlCol="0">
+              <a:spAutoFit/>
+            </a:bodyPr>
+            <a:lstStyle/>
+            <a:p>
+              <a:r>
+                <a:rPr lang="en-US" dirty="0"/>
+                <a:t>Group 0: less than 18%/25%</a:t>
+              </a:r>
+            </a:p>
+            <a:p>
+              <a:r>
+                <a:rPr lang="en-US" dirty="0"/>
+                <a:t>Group 1: greater than 18%/25%</a:t>
+              </a:r>
+            </a:p>
+          </p:txBody>
+        </p:sp>
+      </p:grpSp>
     </p:spTree>
     <p:extLst>
       <p:ext uri="{BB962C8B-B14F-4D97-AF65-F5344CB8AC3E}">
-        <p14:creationId xmlns:p14="http://schemas.microsoft.com/office/powerpoint/2010/main" val="3451731900"/>
+        <p14:creationId xmlns:p14="http://schemas.microsoft.com/office/powerpoint/2010/main" val="1977802696"/>
       </p:ext>
     </p:extLst>
   </p:cSld>
@@ -11148,9 +14521,54 @@
                                           </p:stCondLst>
                                         </p:cTn>
                                         <p:tgtEl>
-                                          <p:spTgt spid="7">
+                                          <p:spTgt spid="13"/>
+                                        </p:tgtEl>
+                                        <p:attrNameLst>
+                                          <p:attrName>style.visibility</p:attrName>
+                                        </p:attrNameLst>
+                                      </p:cBhvr>
+                                      <p:to>
+                                        <p:strVal val="visible"/>
+                                      </p:to>
+                                    </p:set>
+                                  </p:childTnLst>
+                                </p:cTn>
+                              </p:par>
+                            </p:childTnLst>
+                          </p:cTn>
+                        </p:par>
+                      </p:childTnLst>
+                    </p:cTn>
+                  </p:par>
+                  <p:par>
+                    <p:cTn id="7" fill="hold">
+                      <p:stCondLst>
+                        <p:cond delay="indefinite"/>
+                      </p:stCondLst>
+                      <p:childTnLst>
+                        <p:par>
+                          <p:cTn id="8" fill="hold">
+                            <p:stCondLst>
+                              <p:cond delay="0"/>
+                            </p:stCondLst>
+                            <p:childTnLst>
+                              <p:par>
+                                <p:cTn id="9" presetID="1" presetClass="entr" presetSubtype="0" fill="hold" grpId="0" nodeType="clickEffect">
+                                  <p:stCondLst>
+                                    <p:cond delay="0"/>
+                                  </p:stCondLst>
+                                  <p:childTnLst>
+                                    <p:set>
+                                      <p:cBhvr>
+                                        <p:cTn id="10" dur="1" fill="hold">
+                                          <p:stCondLst>
+                                            <p:cond delay="0"/>
+                                          </p:stCondLst>
+                                        </p:cTn>
+                                        <p:tgtEl>
+                                          <p:spTgt spid="4">
                                             <p:txEl>
-                                              <p:pRg st="4" end="4"/>
+                                              <p:pRg st="0" end="0"/>
                                             </p:txEl>
                                           </p:spTgt>
                                         </p:tgtEl>
@@ -11165,25 +14583,186 @@
                                   </p:childTnLst>
                                 </p:cTn>
                               </p:par>
+                            </p:childTnLst>
+                          </p:cTn>
+                        </p:par>
+                      </p:childTnLst>
+                    </p:cTn>
+                  </p:par>
+                  <p:par>
+                    <p:cTn id="11" fill="hold">
+                      <p:stCondLst>
+                        <p:cond delay="indefinite"/>
+                      </p:stCondLst>
+                      <p:childTnLst>
+                        <p:par>
+                          <p:cTn id="12" fill="hold">
+                            <p:stCondLst>
+                              <p:cond delay="0"/>
+                            </p:stCondLst>
+                            <p:childTnLst>
                               <p:par>
-                                <p:cTn id="7" presetID="1" presetClass="entr" presetSubtype="0" fill="hold" nodeType="withEffect">
+                                <p:cTn id="13" presetID="1" presetClass="entr" presetSubtype="0" fill="hold" grpId="0" nodeType="clickEffect">
                                   <p:stCondLst>
                                     <p:cond delay="0"/>
                                   </p:stCondLst>
                                   <p:childTnLst>
                                     <p:set>
                                       <p:cBhvr>
-                                        <p:cTn id="8" dur="1" fill="hold">
+                                        <p:cTn id="14" dur="1" fill="hold">
                                           <p:stCondLst>
                                             <p:cond delay="0"/>
                                           </p:stCondLst>
                                         </p:cTn>
                                         <p:tgtEl>
-                                          <p:spTgt spid="7">
+                                          <p:spTgt spid="4">
                                             <p:txEl>
-                                              <p:pRg st="6" end="6"/>
+                                              <p:pRg st="1" end="1"/>
                                             </p:txEl>
                                           </p:spTgt>
+                                        </p:tgtEl>
+                                        <p:attrNameLst>
+                                          <p:attrName>style.visibility</p:attrName>
+                                        </p:attrNameLst>
+                                      </p:cBhvr>
+                                      <p:to>
+                                        <p:strVal val="visible"/>
+                                      </p:to>
+                                    </p:set>
+                                  </p:childTnLst>
+                                </p:cTn>
+                              </p:par>
+                            </p:childTnLst>
+                          </p:cTn>
+                        </p:par>
+                      </p:childTnLst>
+                    </p:cTn>
+                  </p:par>
+                  <p:par>
+                    <p:cTn id="15" fill="hold">
+                      <p:stCondLst>
+                        <p:cond delay="indefinite"/>
+                      </p:stCondLst>
+                      <p:childTnLst>
+                        <p:par>
+                          <p:cTn id="16" fill="hold">
+                            <p:stCondLst>
+                              <p:cond delay="0"/>
+                            </p:stCondLst>
+                            <p:childTnLst>
+                              <p:par>
+                                <p:cTn id="17" presetID="1" presetClass="entr" presetSubtype="0" fill="hold" grpId="0" nodeType="clickEffect">
+                                  <p:stCondLst>
+                                    <p:cond delay="0"/>
+                                  </p:stCondLst>
+                                  <p:childTnLst>
+                                    <p:set>
+                                      <p:cBhvr>
+                                        <p:cTn id="18" dur="1" fill="hold">
+                                          <p:stCondLst>
+                                            <p:cond delay="0"/>
+                                          </p:stCondLst>
+                                        </p:cTn>
+                                        <p:tgtEl>
+                                          <p:spTgt spid="4">
+                                            <p:txEl>
+                                              <p:pRg st="2" end="2"/>
+                                            </p:txEl>
+                                          </p:spTgt>
+                                        </p:tgtEl>
+                                        <p:attrNameLst>
+                                          <p:attrName>style.visibility</p:attrName>
+                                        </p:attrNameLst>
+                                      </p:cBhvr>
+                                      <p:to>
+                                        <p:strVal val="visible"/>
+                                      </p:to>
+                                    </p:set>
+                                  </p:childTnLst>
+                                </p:cTn>
+                              </p:par>
+                            </p:childTnLst>
+                          </p:cTn>
+                        </p:par>
+                      </p:childTnLst>
+                    </p:cTn>
+                  </p:par>
+                  <p:par>
+                    <p:cTn id="19" fill="hold">
+                      <p:stCondLst>
+                        <p:cond delay="indefinite"/>
+                      </p:stCondLst>
+                      <p:childTnLst>
+                        <p:par>
+                          <p:cTn id="20" fill="hold">
+                            <p:stCondLst>
+                              <p:cond delay="0"/>
+                            </p:stCondLst>
+                            <p:childTnLst>
+                              <p:par>
+                                <p:cTn id="21" presetID="1" presetClass="entr" presetSubtype="0" fill="hold" grpId="0" nodeType="clickEffect">
+                                  <p:stCondLst>
+                                    <p:cond delay="0"/>
+                                  </p:stCondLst>
+                                  <p:childTnLst>
+                                    <p:set>
+                                      <p:cBhvr>
+                                        <p:cTn id="22" dur="1" fill="hold">
+                                          <p:stCondLst>
+                                            <p:cond delay="0"/>
+                                          </p:stCondLst>
+                                        </p:cTn>
+                                        <p:tgtEl>
+                                          <p:spTgt spid="4">
+                                            <p:txEl>
+                                              <p:pRg st="3" end="3"/>
+                                            </p:txEl>
+                                          </p:spTgt>
+                                        </p:tgtEl>
+                                        <p:attrNameLst>
+                                          <p:attrName>style.visibility</p:attrName>
+                                        </p:attrNameLst>
+                                      </p:cBhvr>
+                                      <p:to>
+                                        <p:strVal val="visible"/>
+                                      </p:to>
+                                    </p:set>
+                                  </p:childTnLst>
+                                </p:cTn>
+                              </p:par>
+                            </p:childTnLst>
+                          </p:cTn>
+                        </p:par>
+                      </p:childTnLst>
+                    </p:cTn>
+                  </p:par>
+                  <p:par>
+                    <p:cTn id="23" fill="hold">
+                      <p:stCondLst>
+                        <p:cond delay="indefinite"/>
+                      </p:stCondLst>
+                      <p:childTnLst>
+                        <p:par>
+                          <p:cTn id="24" fill="hold">
+                            <p:stCondLst>
+                              <p:cond delay="0"/>
+                            </p:stCondLst>
+                            <p:childTnLst>
+                              <p:par>
+                                <p:cTn id="25" presetID="1" presetClass="entr" presetSubtype="0" fill="hold" nodeType="clickEffect">
+                                  <p:stCondLst>
+                                    <p:cond delay="0"/>
+                                  </p:stCondLst>
+                                  <p:childTnLst>
+                                    <p:set>
+                                      <p:cBhvr>
+                                        <p:cTn id="26" dur="1" fill="hold">
+                                          <p:stCondLst>
+                                            <p:cond delay="0"/>
+                                          </p:stCondLst>
+                                        </p:cTn>
+                                        <p:tgtEl>
+                                          <p:spTgt spid="5"/>
                                         </p:tgtEl>
                                         <p:attrNameLst>
                                           <p:attrName>style.visibility</p:attrName>
@@ -11223,6 +14802,9 @@
         </p:cTn>
       </p:par>
     </p:tnLst>
+    <p:bldLst>
+      <p:bldP spid="4" grpId="0" uiExpand="1" build="p"/>
+    </p:bldLst>
   </p:timing>
 </p:sld>
 </file>

--- a/Presentation.pptx
+++ b/Presentation.pptx
@@ -6,7 +6,7 @@
     <p:sldMasterId id="2147483671" r:id="rId2"/>
   </p:sldMasterIdLst>
   <p:notesMasterIdLst>
-    <p:notesMasterId r:id="rId16"/>
+    <p:notesMasterId r:id="rId17"/>
   </p:notesMasterIdLst>
   <p:sldIdLst>
     <p:sldId id="256" r:id="rId3"/>
@@ -18,10 +18,11 @@
     <p:sldId id="261" r:id="rId9"/>
     <p:sldId id="263" r:id="rId10"/>
     <p:sldId id="274" r:id="rId11"/>
-    <p:sldId id="275" r:id="rId12"/>
-    <p:sldId id="273" r:id="rId13"/>
-    <p:sldId id="276" r:id="rId14"/>
-    <p:sldId id="272" r:id="rId15"/>
+    <p:sldId id="277" r:id="rId12"/>
+    <p:sldId id="275" r:id="rId13"/>
+    <p:sldId id="273" r:id="rId14"/>
+    <p:sldId id="276" r:id="rId15"/>
+    <p:sldId id="272" r:id="rId16"/>
   </p:sldIdLst>
   <p:sldSz cx="12192000" cy="6858000"/>
   <p:notesSz cx="6858000" cy="9144000"/>
@@ -131,7 +132,7 @@
 <file path=ppt/revisionInfo.xml><?xml version="1.0" encoding="utf-8"?>
 <p1510:revInfo xmlns:a="http://schemas.openxmlformats.org/drawingml/2006/main" xmlns:r="http://schemas.openxmlformats.org/officeDocument/2006/relationships" xmlns:p1510="http://schemas.microsoft.com/office/powerpoint/2015/10/main">
   <p1510:revLst>
-    <p1510:client id="{C5087647-03AF-41B4-ADA2-A7F16B9C6FCD}" v="404" dt="2022-10-25T15:37:07.549"/>
+    <p1510:client id="{C5087647-03AF-41B4-ADA2-A7F16B9C6FCD}" v="685" dt="2022-10-25T17:55:30.862"/>
   </p1510:revLst>
 </p1510:revInfo>
 </file>
@@ -802,7 +803,7 @@
   <pc:docChgLst>
     <pc:chgData name="Shreya Thakkar" userId="8250697c-6c39-48a4-a3bd-4e6e657dfce2" providerId="ADAL" clId="{C5087647-03AF-41B4-ADA2-A7F16B9C6FCD}"/>
     <pc:docChg chg="undo redo custSel addSld delSld modSld sldOrd">
-      <pc:chgData name="Shreya Thakkar" userId="8250697c-6c39-48a4-a3bd-4e6e657dfce2" providerId="ADAL" clId="{C5087647-03AF-41B4-ADA2-A7F16B9C6FCD}" dt="2022-10-25T15:37:07.549" v="2835"/>
+      <pc:chgData name="Shreya Thakkar" userId="8250697c-6c39-48a4-a3bd-4e6e657dfce2" providerId="ADAL" clId="{C5087647-03AF-41B4-ADA2-A7F16B9C6FCD}" dt="2022-10-25T17:55:30.862" v="3274"/>
       <pc:docMkLst>
         <pc:docMk/>
       </pc:docMkLst>
@@ -2057,6 +2058,37 @@
             <pc:docMk/>
             <pc:sldMk cId="2073589846" sldId="276"/>
             <ac:picMk id="3" creationId="{87AB0532-AE8A-54DB-96E5-447E9A326170}"/>
+          </ac:picMkLst>
+        </pc:picChg>
+      </pc:sldChg>
+      <pc:sldChg chg="addSp delSp modSp add mod delAnim modAnim">
+        <pc:chgData name="Shreya Thakkar" userId="8250697c-6c39-48a4-a3bd-4e6e657dfce2" providerId="ADAL" clId="{C5087647-03AF-41B4-ADA2-A7F16B9C6FCD}" dt="2022-10-25T17:55:30.862" v="3274"/>
+        <pc:sldMkLst>
+          <pc:docMk/>
+          <pc:sldMk cId="3981810406" sldId="277"/>
+        </pc:sldMkLst>
+        <pc:spChg chg="add mod">
+          <ac:chgData name="Shreya Thakkar" userId="8250697c-6c39-48a4-a3bd-4e6e657dfce2" providerId="ADAL" clId="{C5087647-03AF-41B4-ADA2-A7F16B9C6FCD}" dt="2022-10-25T17:53:51.194" v="3269" actId="207"/>
+          <ac:spMkLst>
+            <pc:docMk/>
+            <pc:sldMk cId="3981810406" sldId="277"/>
+            <ac:spMk id="3" creationId="{2DBCCEB6-1891-5A78-24B1-38AEF9076FC7}"/>
+          </ac:spMkLst>
+        </pc:spChg>
+        <pc:spChg chg="mod">
+          <ac:chgData name="Shreya Thakkar" userId="8250697c-6c39-48a4-a3bd-4e6e657dfce2" providerId="ADAL" clId="{C5087647-03AF-41B4-ADA2-A7F16B9C6FCD}" dt="2022-10-25T17:51:07.014" v="3124" actId="14100"/>
+          <ac:spMkLst>
+            <pc:docMk/>
+            <pc:sldMk cId="3981810406" sldId="277"/>
+            <ac:spMk id="4" creationId="{9011DC8A-60A9-D7B5-2904-55EE24A93AAF}"/>
+          </ac:spMkLst>
+        </pc:spChg>
+        <pc:picChg chg="del">
+          <ac:chgData name="Shreya Thakkar" userId="8250697c-6c39-48a4-a3bd-4e6e657dfce2" providerId="ADAL" clId="{C5087647-03AF-41B4-ADA2-A7F16B9C6FCD}" dt="2022-10-25T17:45:46.115" v="2839" actId="478"/>
+          <ac:picMkLst>
+            <pc:docMk/>
+            <pc:sldMk cId="3981810406" sldId="277"/>
+            <ac:picMk id="5" creationId="{0E4B792A-6716-84A8-2092-06AC2E861697}"/>
           </ac:picMkLst>
         </pc:picChg>
       </pc:sldChg>
@@ -8760,6 +8792,574 @@
 </file>
 
 <file path=ppt/slides/slide10.xml><?xml version="1.0" encoding="utf-8"?>
+<p:sld xmlns:a="http://schemas.openxmlformats.org/drawingml/2006/main" xmlns:r="http://schemas.openxmlformats.org/officeDocument/2006/relationships" xmlns:p="http://schemas.openxmlformats.org/presentationml/2006/main">
+  <p:cSld>
+    <p:spTree>
+      <p:nvGrpSpPr>
+        <p:cNvPr id="1" name=""/>
+        <p:cNvGrpSpPr/>
+        <p:nvPr/>
+      </p:nvGrpSpPr>
+      <p:grpSpPr>
+        <a:xfrm>
+          <a:off x="0" y="0"/>
+          <a:ext cx="0" cy="0"/>
+          <a:chOff x="0" y="0"/>
+          <a:chExt cx="0" cy="0"/>
+        </a:xfrm>
+      </p:grpSpPr>
+      <p:sp>
+        <p:nvSpPr>
+          <p:cNvPr id="2" name="Title 1">
+            <a:extLst>
+              <a:ext uri="{FF2B5EF4-FFF2-40B4-BE49-F238E27FC236}">
+                <a16:creationId xmlns:a16="http://schemas.microsoft.com/office/drawing/2014/main" id="{0724A799-4E0A-0E42-91FD-E1301110C604}"/>
+              </a:ext>
+            </a:extLst>
+          </p:cNvPr>
+          <p:cNvSpPr>
+            <a:spLocks noGrp="1"/>
+          </p:cNvSpPr>
+          <p:nvPr>
+            <p:ph type="title"/>
+          </p:nvPr>
+        </p:nvSpPr>
+        <p:spPr>
+          <a:xfrm>
+            <a:off x="0" y="0"/>
+            <a:ext cx="12192000" cy="1076591"/>
+          </a:xfrm>
+        </p:spPr>
+        <p:txBody>
+          <a:bodyPr anchor="t">
+            <a:noAutofit/>
+          </a:bodyPr>
+          <a:lstStyle/>
+          <a:p>
+            <a:pPr algn="l"/>
+            <a:r>
+              <a:rPr lang="en-US" b="1" dirty="0"/>
+              <a:t>Were Covid-19 cases higher in counties with more than 18% population of children and diversity index greater than 25%</a:t>
+            </a:r>
+            <a:r>
+              <a:rPr lang="en-US" b="1" i="0" dirty="0">
+                <a:effectLst/>
+              </a:rPr>
+              <a:t>?</a:t>
+            </a:r>
+            <a:br>
+              <a:rPr lang="en-US" b="1" i="0" dirty="0">
+                <a:effectLst/>
+              </a:rPr>
+            </a:br>
+            <a:br>
+              <a:rPr lang="en-US" b="1" i="0" dirty="0">
+                <a:effectLst/>
+              </a:rPr>
+            </a:br>
+            <a:endParaRPr lang="en-US" dirty="0"/>
+          </a:p>
+        </p:txBody>
+      </p:sp>
+      <p:sp>
+        <p:nvSpPr>
+          <p:cNvPr id="4" name="Content Placeholder 3">
+            <a:extLst>
+              <a:ext uri="{FF2B5EF4-FFF2-40B4-BE49-F238E27FC236}">
+                <a16:creationId xmlns:a16="http://schemas.microsoft.com/office/drawing/2014/main" id="{9011DC8A-60A9-D7B5-2904-55EE24A93AAF}"/>
+              </a:ext>
+            </a:extLst>
+          </p:cNvPr>
+          <p:cNvSpPr>
+            <a:spLocks noGrp="1"/>
+          </p:cNvSpPr>
+          <p:nvPr>
+            <p:ph sz="half" idx="2"/>
+          </p:nvPr>
+        </p:nvSpPr>
+        <p:spPr>
+          <a:xfrm>
+            <a:off x="6172201" y="1432687"/>
+            <a:ext cx="5181600" cy="1996313"/>
+          </a:xfrm>
+        </p:spPr>
+        <p:txBody>
+          <a:bodyPr/>
+          <a:lstStyle/>
+          <a:p>
+            <a:pPr marL="0" indent="0">
+              <a:buNone/>
+            </a:pPr>
+            <a:r>
+              <a:rPr lang="en-US" sz="2800" b="1" dirty="0">
+                <a:solidFill>
+                  <a:schemeClr val="accent4"/>
+                </a:solidFill>
+              </a:rPr>
+              <a:t>Major dependence:</a:t>
+            </a:r>
+          </a:p>
+          <a:p>
+            <a:pPr marL="0" indent="0">
+              <a:buNone/>
+            </a:pPr>
+            <a:endParaRPr lang="en-US" sz="2800" dirty="0">
+              <a:solidFill>
+                <a:schemeClr val="accent4"/>
+              </a:solidFill>
+            </a:endParaRPr>
+          </a:p>
+          <a:p>
+            <a:pPr marL="0" indent="0">
+              <a:buNone/>
+            </a:pPr>
+            <a:r>
+              <a:rPr lang="en-US" sz="2800" dirty="0">
+                <a:solidFill>
+                  <a:schemeClr val="accent4"/>
+                </a:solidFill>
+              </a:rPr>
+              <a:t>Diversity dependence = 0.9312</a:t>
+            </a:r>
+          </a:p>
+          <a:p>
+            <a:pPr marL="0" indent="0">
+              <a:buNone/>
+            </a:pPr>
+            <a:r>
+              <a:rPr lang="en-US" sz="2800" dirty="0">
+                <a:solidFill>
+                  <a:schemeClr val="accent4"/>
+                </a:solidFill>
+              </a:rPr>
+              <a:t>Interaction parameter = 1.2680</a:t>
+            </a:r>
+          </a:p>
+          <a:p>
+            <a:pPr marL="0" indent="0">
+              <a:buNone/>
+            </a:pPr>
+            <a:endParaRPr lang="en-US" sz="2800" dirty="0">
+              <a:solidFill>
+                <a:schemeClr val="accent4"/>
+              </a:solidFill>
+            </a:endParaRPr>
+          </a:p>
+          <a:p>
+            <a:pPr marL="0" indent="0">
+              <a:buNone/>
+            </a:pPr>
+            <a:endParaRPr lang="en-US" sz="2800" dirty="0">
+              <a:solidFill>
+                <a:schemeClr val="bg2"/>
+              </a:solidFill>
+            </a:endParaRPr>
+          </a:p>
+        </p:txBody>
+      </p:sp>
+      <p:grpSp>
+        <p:nvGrpSpPr>
+          <p:cNvPr id="13" name="Group 12">
+            <a:extLst>
+              <a:ext uri="{FF2B5EF4-FFF2-40B4-BE49-F238E27FC236}">
+                <a16:creationId xmlns:a16="http://schemas.microsoft.com/office/drawing/2014/main" id="{75066AF8-6C18-6ED5-9172-3974C18D3BE6}"/>
+              </a:ext>
+            </a:extLst>
+          </p:cNvPr>
+          <p:cNvGrpSpPr/>
+          <p:nvPr/>
+        </p:nvGrpSpPr>
+        <p:grpSpPr>
+          <a:xfrm>
+            <a:off x="102773" y="1588656"/>
+            <a:ext cx="5777914" cy="4698793"/>
+            <a:chOff x="102773" y="1588656"/>
+            <a:chExt cx="5777914" cy="4698793"/>
+          </a:xfrm>
+        </p:grpSpPr>
+        <p:pic>
+          <p:nvPicPr>
+            <p:cNvPr id="2052" name="Picture 4">
+              <a:extLst>
+                <a:ext uri="{FF2B5EF4-FFF2-40B4-BE49-F238E27FC236}">
+                  <a16:creationId xmlns:a16="http://schemas.microsoft.com/office/drawing/2014/main" id="{2CBFE44B-4E77-E142-CF49-D186C2FA0053}"/>
+                </a:ext>
+              </a:extLst>
+            </p:cNvPr>
+            <p:cNvPicPr>
+              <a:picLocks noChangeAspect="1" noChangeArrowheads="1"/>
+            </p:cNvPicPr>
+            <p:nvPr/>
+          </p:nvPicPr>
+          <p:blipFill>
+            <a:blip r:embed="rId2">
+              <a:extLst>
+                <a:ext uri="{28A0092B-C50C-407E-A947-70E740481C1C}">
+                  <a14:useLocalDpi xmlns:a14="http://schemas.microsoft.com/office/drawing/2010/main" val="0"/>
+                </a:ext>
+              </a:extLst>
+            </a:blip>
+            <a:srcRect/>
+            <a:stretch>
+              <a:fillRect/>
+            </a:stretch>
+          </p:blipFill>
+          <p:spPr bwMode="auto">
+            <a:xfrm>
+              <a:off x="102773" y="1588656"/>
+              <a:ext cx="5486400" cy="4698793"/>
+            </a:xfrm>
+            <a:prstGeom prst="rect">
+              <a:avLst/>
+            </a:prstGeom>
+            <a:noFill/>
+            <a:extLst>
+              <a:ext uri="{909E8E84-426E-40DD-AFC4-6F175D3DCCD1}">
+                <a14:hiddenFill xmlns:a14="http://schemas.microsoft.com/office/drawing/2010/main">
+                  <a:solidFill>
+                    <a:srgbClr val="FFFFFF"/>
+                  </a:solidFill>
+                </a14:hiddenFill>
+              </a:ext>
+            </a:extLst>
+          </p:spPr>
+        </p:pic>
+        <p:sp>
+          <p:nvSpPr>
+            <p:cNvPr id="7" name="TextBox 6">
+              <a:extLst>
+                <a:ext uri="{FF2B5EF4-FFF2-40B4-BE49-F238E27FC236}">
+                  <a16:creationId xmlns:a16="http://schemas.microsoft.com/office/drawing/2014/main" id="{59C97700-7D08-0B92-C52B-BC4DAEF973A9}"/>
+                </a:ext>
+              </a:extLst>
+            </p:cNvPr>
+            <p:cNvSpPr txBox="1"/>
+            <p:nvPr/>
+          </p:nvSpPr>
+          <p:spPr>
+            <a:xfrm>
+              <a:off x="2194512" y="5200650"/>
+              <a:ext cx="3686175" cy="646331"/>
+            </a:xfrm>
+            <a:prstGeom prst="rect">
+              <a:avLst/>
+            </a:prstGeom>
+            <a:noFill/>
+          </p:spPr>
+          <p:txBody>
+            <a:bodyPr wrap="square" rtlCol="0">
+              <a:spAutoFit/>
+            </a:bodyPr>
+            <a:lstStyle/>
+            <a:p>
+              <a:r>
+                <a:rPr lang="en-US" dirty="0"/>
+                <a:t>Group 0: less than 18%/25%</a:t>
+              </a:r>
+            </a:p>
+            <a:p>
+              <a:r>
+                <a:rPr lang="en-US" dirty="0"/>
+                <a:t>Group 1: greater than 18%/25%</a:t>
+              </a:r>
+            </a:p>
+          </p:txBody>
+        </p:sp>
+      </p:grpSp>
+      <p:sp>
+        <p:nvSpPr>
+          <p:cNvPr id="3" name="TextBox 2">
+            <a:extLst>
+              <a:ext uri="{FF2B5EF4-FFF2-40B4-BE49-F238E27FC236}">
+                <a16:creationId xmlns:a16="http://schemas.microsoft.com/office/drawing/2014/main" id="{2DBCCEB6-1891-5A78-24B1-38AEF9076FC7}"/>
+              </a:ext>
+            </a:extLst>
+          </p:cNvPr>
+          <p:cNvSpPr txBox="1"/>
+          <p:nvPr/>
+        </p:nvSpPr>
+        <p:spPr>
+          <a:xfrm>
+            <a:off x="5663184" y="3646378"/>
+            <a:ext cx="6426043" cy="3108543"/>
+          </a:xfrm>
+          <a:prstGeom prst="rect">
+            <a:avLst/>
+          </a:prstGeom>
+          <a:noFill/>
+          <a:ln w="28575">
+            <a:solidFill>
+              <a:srgbClr val="FF0000"/>
+            </a:solidFill>
+          </a:ln>
+        </p:spPr>
+        <p:txBody>
+          <a:bodyPr wrap="square" rtlCol="0" anchor="ctr">
+            <a:spAutoFit/>
+          </a:bodyPr>
+          <a:lstStyle/>
+          <a:p>
+            <a:pPr algn="ctr"/>
+            <a:r>
+              <a:rPr lang="en-US" sz="2800" dirty="0">
+                <a:ln w="0"/>
+                <a:solidFill>
+                  <a:schemeClr val="tx2"/>
+                </a:solidFill>
+                <a:effectLst>
+                  <a:outerShdw blurRad="38100" dist="19050" dir="2700000" algn="tl" rotWithShape="0">
+                    <a:schemeClr val="dk1">
+                      <a:alpha val="40000"/>
+                    </a:schemeClr>
+                  </a:outerShdw>
+                </a:effectLst>
+              </a:rPr>
+              <a:t>Since the interaction parameter is high, it could physically signify that possibility of kids from diverse backgrounds mingling with each other in schools resulted in higher cases. Thus, schools being shut seems like a good idea.</a:t>
+            </a:r>
+          </a:p>
+          <a:p>
+            <a:endParaRPr lang="en-US" sz="2800" dirty="0">
+              <a:solidFill>
+                <a:schemeClr val="tx2"/>
+              </a:solidFill>
+            </a:endParaRPr>
+          </a:p>
+        </p:txBody>
+      </p:sp>
+    </p:spTree>
+    <p:extLst>
+      <p:ext uri="{BB962C8B-B14F-4D97-AF65-F5344CB8AC3E}">
+        <p14:creationId xmlns:p14="http://schemas.microsoft.com/office/powerpoint/2010/main" val="3981810406"/>
+      </p:ext>
+    </p:extLst>
+  </p:cSld>
+  <p:clrMapOvr>
+    <a:masterClrMapping/>
+  </p:clrMapOvr>
+  <p:timing>
+    <p:tnLst>
+      <p:par>
+        <p:cTn id="1" dur="indefinite" restart="never" nodeType="tmRoot">
+          <p:childTnLst>
+            <p:seq concurrent="1" nextAc="seek">
+              <p:cTn id="2" dur="indefinite" nodeType="mainSeq">
+                <p:childTnLst>
+                  <p:par>
+                    <p:cTn id="3" fill="hold">
+                      <p:stCondLst>
+                        <p:cond delay="indefinite"/>
+                        <p:cond evt="onBegin" delay="0">
+                          <p:tn val="2"/>
+                        </p:cond>
+                      </p:stCondLst>
+                      <p:childTnLst>
+                        <p:par>
+                          <p:cTn id="4" fill="hold">
+                            <p:stCondLst>
+                              <p:cond delay="0"/>
+                            </p:stCondLst>
+                            <p:childTnLst>
+                              <p:par>
+                                <p:cTn id="5" presetID="1" presetClass="entr" presetSubtype="0" fill="hold" nodeType="withEffect">
+                                  <p:stCondLst>
+                                    <p:cond delay="0"/>
+                                  </p:stCondLst>
+                                  <p:childTnLst>
+                                    <p:set>
+                                      <p:cBhvr>
+                                        <p:cTn id="6" dur="1" fill="hold">
+                                          <p:stCondLst>
+                                            <p:cond delay="0"/>
+                                          </p:stCondLst>
+                                        </p:cTn>
+                                        <p:tgtEl>
+                                          <p:spTgt spid="13"/>
+                                        </p:tgtEl>
+                                        <p:attrNameLst>
+                                          <p:attrName>style.visibility</p:attrName>
+                                        </p:attrNameLst>
+                                      </p:cBhvr>
+                                      <p:to>
+                                        <p:strVal val="visible"/>
+                                      </p:to>
+                                    </p:set>
+                                  </p:childTnLst>
+                                </p:cTn>
+                              </p:par>
+                              <p:par>
+                                <p:cTn id="7" presetID="1" presetClass="entr" presetSubtype="0" fill="hold" grpId="0" nodeType="withEffect">
+                                  <p:stCondLst>
+                                    <p:cond delay="0"/>
+                                  </p:stCondLst>
+                                  <p:childTnLst>
+                                    <p:set>
+                                      <p:cBhvr>
+                                        <p:cTn id="8" dur="1" fill="hold">
+                                          <p:stCondLst>
+                                            <p:cond delay="0"/>
+                                          </p:stCondLst>
+                                        </p:cTn>
+                                        <p:tgtEl>
+                                          <p:spTgt spid="4">
+                                            <p:txEl>
+                                              <p:pRg st="0" end="0"/>
+                                            </p:txEl>
+                                          </p:spTgt>
+                                        </p:tgtEl>
+                                        <p:attrNameLst>
+                                          <p:attrName>style.visibility</p:attrName>
+                                        </p:attrNameLst>
+                                      </p:cBhvr>
+                                      <p:to>
+                                        <p:strVal val="visible"/>
+                                      </p:to>
+                                    </p:set>
+                                  </p:childTnLst>
+                                </p:cTn>
+                              </p:par>
+                              <p:par>
+                                <p:cTn id="9" presetID="1" presetClass="entr" presetSubtype="0" fill="hold" grpId="0" nodeType="withEffect">
+                                  <p:stCondLst>
+                                    <p:cond delay="0"/>
+                                  </p:stCondLst>
+                                  <p:childTnLst>
+                                    <p:set>
+                                      <p:cBhvr>
+                                        <p:cTn id="10" dur="1" fill="hold">
+                                          <p:stCondLst>
+                                            <p:cond delay="0"/>
+                                          </p:stCondLst>
+                                        </p:cTn>
+                                        <p:tgtEl>
+                                          <p:spTgt spid="4">
+                                            <p:txEl>
+                                              <p:pRg st="2" end="2"/>
+                                            </p:txEl>
+                                          </p:spTgt>
+                                        </p:tgtEl>
+                                        <p:attrNameLst>
+                                          <p:attrName>style.visibility</p:attrName>
+                                        </p:attrNameLst>
+                                      </p:cBhvr>
+                                      <p:to>
+                                        <p:strVal val="visible"/>
+                                      </p:to>
+                                    </p:set>
+                                  </p:childTnLst>
+                                </p:cTn>
+                              </p:par>
+                              <p:par>
+                                <p:cTn id="11" presetID="1" presetClass="entr" presetSubtype="0" fill="hold" grpId="0" nodeType="withEffect">
+                                  <p:stCondLst>
+                                    <p:cond delay="0"/>
+                                  </p:stCondLst>
+                                  <p:childTnLst>
+                                    <p:set>
+                                      <p:cBhvr>
+                                        <p:cTn id="12" dur="1" fill="hold">
+                                          <p:stCondLst>
+                                            <p:cond delay="0"/>
+                                          </p:stCondLst>
+                                        </p:cTn>
+                                        <p:tgtEl>
+                                          <p:spTgt spid="4">
+                                            <p:txEl>
+                                              <p:pRg st="3" end="3"/>
+                                            </p:txEl>
+                                          </p:spTgt>
+                                        </p:tgtEl>
+                                        <p:attrNameLst>
+                                          <p:attrName>style.visibility</p:attrName>
+                                        </p:attrNameLst>
+                                      </p:cBhvr>
+                                      <p:to>
+                                        <p:strVal val="visible"/>
+                                      </p:to>
+                                    </p:set>
+                                  </p:childTnLst>
+                                </p:cTn>
+                              </p:par>
+                            </p:childTnLst>
+                          </p:cTn>
+                        </p:par>
+                      </p:childTnLst>
+                    </p:cTn>
+                  </p:par>
+                  <p:par>
+                    <p:cTn id="13" fill="hold">
+                      <p:stCondLst>
+                        <p:cond delay="indefinite"/>
+                      </p:stCondLst>
+                      <p:childTnLst>
+                        <p:par>
+                          <p:cTn id="14" fill="hold">
+                            <p:stCondLst>
+                              <p:cond delay="0"/>
+                            </p:stCondLst>
+                            <p:childTnLst>
+                              <p:par>
+                                <p:cTn id="15" presetID="1" presetClass="entr" presetSubtype="0" fill="hold" grpId="0" nodeType="clickEffect">
+                                  <p:stCondLst>
+                                    <p:cond delay="0"/>
+                                  </p:stCondLst>
+                                  <p:childTnLst>
+                                    <p:set>
+                                      <p:cBhvr>
+                                        <p:cTn id="16" dur="1" fill="hold">
+                                          <p:stCondLst>
+                                            <p:cond delay="0"/>
+                                          </p:stCondLst>
+                                        </p:cTn>
+                                        <p:tgtEl>
+                                          <p:spTgt spid="3"/>
+                                        </p:tgtEl>
+                                        <p:attrNameLst>
+                                          <p:attrName>style.visibility</p:attrName>
+                                        </p:attrNameLst>
+                                      </p:cBhvr>
+                                      <p:to>
+                                        <p:strVal val="visible"/>
+                                      </p:to>
+                                    </p:set>
+                                  </p:childTnLst>
+                                </p:cTn>
+                              </p:par>
+                            </p:childTnLst>
+                          </p:cTn>
+                        </p:par>
+                      </p:childTnLst>
+                    </p:cTn>
+                  </p:par>
+                </p:childTnLst>
+              </p:cTn>
+              <p:prevCondLst>
+                <p:cond evt="onPrev" delay="0">
+                  <p:tgtEl>
+                    <p:sldTgt/>
+                  </p:tgtEl>
+                </p:cond>
+              </p:prevCondLst>
+              <p:nextCondLst>
+                <p:cond evt="onNext" delay="0">
+                  <p:tgtEl>
+                    <p:sldTgt/>
+                  </p:tgtEl>
+                </p:cond>
+              </p:nextCondLst>
+            </p:seq>
+          </p:childTnLst>
+        </p:cTn>
+      </p:par>
+    </p:tnLst>
+    <p:bldLst>
+      <p:bldP spid="4" grpId="0" uiExpand="1" build="p"/>
+      <p:bldP spid="3" grpId="0" animBg="1"/>
+    </p:bldLst>
+  </p:timing>
+</p:sld>
+</file>
+
+<file path=ppt/slides/slide11.xml><?xml version="1.0" encoding="utf-8"?>
 <p:sld xmlns:a="http://schemas.openxmlformats.org/drawingml/2006/main" xmlns:r="http://schemas.openxmlformats.org/officeDocument/2006/relationships" xmlns:p="http://schemas.openxmlformats.org/presentationml/2006/main">
   <p:cSld>
     <p:spTree>
@@ -9438,7 +10038,7 @@
 </p:sld>
 </file>
 
-<file path=ppt/slides/slide11.xml><?xml version="1.0" encoding="utf-8"?>
+<file path=ppt/slides/slide12.xml><?xml version="1.0" encoding="utf-8"?>
 <p:sld xmlns:a="http://schemas.openxmlformats.org/drawingml/2006/main" xmlns:r="http://schemas.openxmlformats.org/officeDocument/2006/relationships" xmlns:p="http://schemas.openxmlformats.org/presentationml/2006/main">
   <p:cSld>
     <p:spTree>
@@ -9468,7 +10068,7 @@
 </p:sld>
 </file>
 
-<file path=ppt/slides/slide12.xml><?xml version="1.0" encoding="utf-8"?>
+<file path=ppt/slides/slide13.xml><?xml version="1.0" encoding="utf-8"?>
 <p:sld xmlns:a="http://schemas.openxmlformats.org/drawingml/2006/main" xmlns:r="http://schemas.openxmlformats.org/officeDocument/2006/relationships" xmlns:p="http://schemas.openxmlformats.org/presentationml/2006/main">
   <p:cSld>
     <p:spTree>
@@ -9564,7 +10164,7 @@
 </p:sld>
 </file>
 
-<file path=ppt/slides/slide13.xml><?xml version="1.0" encoding="utf-8"?>
+<file path=ppt/slides/slide14.xml><?xml version="1.0" encoding="utf-8"?>
 <p:sld xmlns:a="http://schemas.openxmlformats.org/drawingml/2006/main" xmlns:r="http://schemas.openxmlformats.org/officeDocument/2006/relationships" xmlns:p="http://schemas.openxmlformats.org/presentationml/2006/main">
   <p:cSld>
     <p:spTree>
